--- a/Horn_Mickael_2_presentation_022122.pptx
+++ b/Horn_Mickael_2_presentation_022122.pptx
@@ -8,9 +8,10 @@
     <p:sldId id="256" r:id="rId2"/>
     <p:sldId id="257" r:id="rId3"/>
     <p:sldId id="258" r:id="rId4"/>
-    <p:sldId id="259" r:id="rId5"/>
-    <p:sldId id="260" r:id="rId6"/>
-    <p:sldId id="261" r:id="rId7"/>
+    <p:sldId id="260" r:id="rId5"/>
+    <p:sldId id="261" r:id="rId6"/>
+    <p:sldId id="262" r:id="rId7"/>
+    <p:sldId id="259" r:id="rId8"/>
   </p:sldIdLst>
   <p:sldSz cx="12192000" cy="6858000"/>
   <p:notesSz cx="6858000" cy="9144000"/>
@@ -109,6 +110,11 @@
       </a:defRPr>
     </a:lvl9pPr>
   </p:defaultTextStyle>
+  <p:extLst>
+    <p:ext uri="{EFAFB233-063F-42B5-8137-9DF3F51BA10A}">
+      <p15:sldGuideLst xmlns:p15="http://schemas.microsoft.com/office/powerpoint/2012/main"/>
+    </p:ext>
+  </p:extLst>
 </p:presentation>
 </file>
 
@@ -6886,13 +6892,8 @@
             <a:pPr algn="l"/>
             <a:r>
               <a:rPr lang="fr-FR" dirty="0"/>
-              <a:t>Mickaël Horn </a:t>
-            </a:r>
-            <a:r>
-              <a:rPr lang="fr-FR" dirty="0" err="1"/>
-              <a:t>OpenClassrooms</a:t>
-            </a:r>
-            <a:endParaRPr lang="fr-FR"/>
+              <a:t>Mickaël Horn OpenClassrooms</a:t>
+            </a:r>
           </a:p>
         </p:txBody>
       </p:sp>
@@ -7581,7 +7582,28 @@
           <a:p>
             <a:r>
               <a:rPr lang="fr-FR" dirty="0"/>
-              <a:t>Démonstration sur l’application</a:t>
+              <a:t>Architecture de l’application</a:t>
+            </a:r>
+          </a:p>
+          <a:p>
+            <a:pPr lvl="1"/>
+            <a:r>
+              <a:rPr lang="fr-FR" dirty="0"/>
+              <a:t>Arborescence</a:t>
+            </a:r>
+          </a:p>
+          <a:p>
+            <a:pPr lvl="1"/>
+            <a:r>
+              <a:rPr lang="fr-FR" dirty="0"/>
+              <a:t>ViewController</a:t>
+            </a:r>
+          </a:p>
+          <a:p>
+            <a:pPr lvl="1"/>
+            <a:r>
+              <a:rPr lang="fr-FR" dirty="0"/>
+              <a:t>Count.swift</a:t>
             </a:r>
           </a:p>
           <a:p>
@@ -7593,7 +7615,7 @@
           <a:p>
             <a:r>
               <a:rPr lang="fr-FR" dirty="0"/>
-              <a:t>Allons voir le code !</a:t>
+              <a:t>Démonstration sur l’application</a:t>
             </a:r>
           </a:p>
           <a:p>
@@ -7605,28 +7627,7 @@
           <a:p>
             <a:r>
               <a:rPr lang="fr-FR" dirty="0"/>
-              <a:t>Architecture de l’application</a:t>
-            </a:r>
-          </a:p>
-          <a:p>
-            <a:pPr lvl="1"/>
-            <a:r>
-              <a:rPr lang="fr-FR" dirty="0"/>
-              <a:t>Arborescence</a:t>
-            </a:r>
-          </a:p>
-          <a:p>
-            <a:pPr lvl="1"/>
-            <a:r>
-              <a:rPr lang="fr-FR" dirty="0"/>
-              <a:t>ViewController</a:t>
-            </a:r>
-          </a:p>
-          <a:p>
-            <a:pPr lvl="1"/>
-            <a:r>
-              <a:rPr lang="fr-FR" dirty="0"/>
-              <a:t>Count.swift</a:t>
+              <a:t>Allons voir le code !</a:t>
             </a:r>
           </a:p>
           <a:p>
@@ -9254,6 +9255,2961 @@
 </file>
 
 <file path=ppt/slides/slide4.xml><?xml version="1.0" encoding="utf-8"?>
+<p:sld xmlns:a="http://schemas.openxmlformats.org/drawingml/2006/main" xmlns:r="http://schemas.openxmlformats.org/officeDocument/2006/relationships" xmlns:p="http://schemas.openxmlformats.org/presentationml/2006/main">
+  <p:cSld>
+    <p:bg>
+      <p:bgPr>
+        <a:solidFill>
+          <a:schemeClr val="bg1"/>
+        </a:solidFill>
+        <a:effectLst/>
+      </p:bgPr>
+    </p:bg>
+    <p:spTree>
+      <p:nvGrpSpPr>
+        <p:cNvPr id="1" name=""/>
+        <p:cNvGrpSpPr/>
+        <p:nvPr/>
+      </p:nvGrpSpPr>
+      <p:grpSpPr>
+        <a:xfrm>
+          <a:off x="0" y="0"/>
+          <a:ext cx="0" cy="0"/>
+          <a:chOff x="0" y="0"/>
+          <a:chExt cx="0" cy="0"/>
+        </a:xfrm>
+      </p:grpSpPr>
+      <p:sp useBgFill="1">
+        <p:nvSpPr>
+          <p:cNvPr id="9" name="Rectangle 8">
+            <a:extLst>
+              <a:ext uri="{FF2B5EF4-FFF2-40B4-BE49-F238E27FC236}">
+                <a16:creationId xmlns:a16="http://schemas.microsoft.com/office/drawing/2014/main" id="{460B0EFB-53ED-4F35-B05D-F658EA021C65}"/>
+              </a:ext>
+              <a:ext uri="{C183D7F6-B498-43B3-948B-1728B52AA6E4}">
+                <adec:decorative xmlns:adec="http://schemas.microsoft.com/office/drawing/2017/decorative" val="1"/>
+              </a:ext>
+            </a:extLst>
+          </p:cNvPr>
+          <p:cNvSpPr>
+            <a:spLocks noGrp="1" noRot="1" noChangeAspect="1" noMove="1" noResize="1" noEditPoints="1" noAdjustHandles="1" noChangeArrowheads="1" noChangeShapeType="1" noTextEdit="1"/>
+          </p:cNvSpPr>
+          <p:nvPr>
+            <p:extLst>
+              <p:ext uri="{386F3935-93C4-4BCD-93E2-E3B085C9AB24}">
+                <p16:designElem xmlns:p16="http://schemas.microsoft.com/office/powerpoint/2015/main" val="1"/>
+              </p:ext>
+            </p:extLst>
+          </p:nvPr>
+        </p:nvSpPr>
+        <p:spPr bwMode="white">
+          <a:xfrm>
+            <a:off x="0" y="0"/>
+            <a:ext cx="12192000" cy="6858000"/>
+          </a:xfrm>
+          <a:prstGeom prst="rect">
+            <a:avLst/>
+          </a:prstGeom>
+          <a:ln>
+            <a:noFill/>
+          </a:ln>
+        </p:spPr>
+        <p:style>
+          <a:lnRef idx="2">
+            <a:schemeClr val="accent1">
+              <a:shade val="50000"/>
+            </a:schemeClr>
+          </a:lnRef>
+          <a:fillRef idx="1">
+            <a:schemeClr val="accent1"/>
+          </a:fillRef>
+          <a:effectRef idx="0">
+            <a:schemeClr val="accent1"/>
+          </a:effectRef>
+          <a:fontRef idx="minor">
+            <a:schemeClr val="lt1"/>
+          </a:fontRef>
+        </p:style>
+        <p:txBody>
+          <a:bodyPr rtlCol="0" anchor="ctr"/>
+          <a:lstStyle>
+            <a:defPPr>
+              <a:defRPr lang="en-US"/>
+            </a:defPPr>
+            <a:lvl1pPr marL="0" algn="l" defTabSz="914400" rtl="0" eaLnBrk="1" latinLnBrk="0" hangingPunct="1">
+              <a:defRPr sz="1800" kern="1200">
+                <a:solidFill>
+                  <a:schemeClr val="lt1"/>
+                </a:solidFill>
+                <a:latin typeface="+mn-lt"/>
+                <a:ea typeface="+mn-ea"/>
+                <a:cs typeface="+mn-cs"/>
+              </a:defRPr>
+            </a:lvl1pPr>
+            <a:lvl2pPr marL="457200" algn="l" defTabSz="914400" rtl="0" eaLnBrk="1" latinLnBrk="0" hangingPunct="1">
+              <a:defRPr sz="1800" kern="1200">
+                <a:solidFill>
+                  <a:schemeClr val="lt1"/>
+                </a:solidFill>
+                <a:latin typeface="+mn-lt"/>
+                <a:ea typeface="+mn-ea"/>
+                <a:cs typeface="+mn-cs"/>
+              </a:defRPr>
+            </a:lvl2pPr>
+            <a:lvl3pPr marL="914400" algn="l" defTabSz="914400" rtl="0" eaLnBrk="1" latinLnBrk="0" hangingPunct="1">
+              <a:defRPr sz="1800" kern="1200">
+                <a:solidFill>
+                  <a:schemeClr val="lt1"/>
+                </a:solidFill>
+                <a:latin typeface="+mn-lt"/>
+                <a:ea typeface="+mn-ea"/>
+                <a:cs typeface="+mn-cs"/>
+              </a:defRPr>
+            </a:lvl3pPr>
+            <a:lvl4pPr marL="1371600" algn="l" defTabSz="914400" rtl="0" eaLnBrk="1" latinLnBrk="0" hangingPunct="1">
+              <a:defRPr sz="1800" kern="1200">
+                <a:solidFill>
+                  <a:schemeClr val="lt1"/>
+                </a:solidFill>
+                <a:latin typeface="+mn-lt"/>
+                <a:ea typeface="+mn-ea"/>
+                <a:cs typeface="+mn-cs"/>
+              </a:defRPr>
+            </a:lvl4pPr>
+            <a:lvl5pPr marL="1828800" algn="l" defTabSz="914400" rtl="0" eaLnBrk="1" latinLnBrk="0" hangingPunct="1">
+              <a:defRPr sz="1800" kern="1200">
+                <a:solidFill>
+                  <a:schemeClr val="lt1"/>
+                </a:solidFill>
+                <a:latin typeface="+mn-lt"/>
+                <a:ea typeface="+mn-ea"/>
+                <a:cs typeface="+mn-cs"/>
+              </a:defRPr>
+            </a:lvl5pPr>
+            <a:lvl6pPr marL="2286000" algn="l" defTabSz="914400" rtl="0" eaLnBrk="1" latinLnBrk="0" hangingPunct="1">
+              <a:defRPr sz="1800" kern="1200">
+                <a:solidFill>
+                  <a:schemeClr val="lt1"/>
+                </a:solidFill>
+                <a:latin typeface="+mn-lt"/>
+                <a:ea typeface="+mn-ea"/>
+                <a:cs typeface="+mn-cs"/>
+              </a:defRPr>
+            </a:lvl6pPr>
+            <a:lvl7pPr marL="2743200" algn="l" defTabSz="914400" rtl="0" eaLnBrk="1" latinLnBrk="0" hangingPunct="1">
+              <a:defRPr sz="1800" kern="1200">
+                <a:solidFill>
+                  <a:schemeClr val="lt1"/>
+                </a:solidFill>
+                <a:latin typeface="+mn-lt"/>
+                <a:ea typeface="+mn-ea"/>
+                <a:cs typeface="+mn-cs"/>
+              </a:defRPr>
+            </a:lvl7pPr>
+            <a:lvl8pPr marL="3200400" algn="l" defTabSz="914400" rtl="0" eaLnBrk="1" latinLnBrk="0" hangingPunct="1">
+              <a:defRPr sz="1800" kern="1200">
+                <a:solidFill>
+                  <a:schemeClr val="lt1"/>
+                </a:solidFill>
+                <a:latin typeface="+mn-lt"/>
+                <a:ea typeface="+mn-ea"/>
+                <a:cs typeface="+mn-cs"/>
+              </a:defRPr>
+            </a:lvl8pPr>
+            <a:lvl9pPr marL="3657600" algn="l" defTabSz="914400" rtl="0" eaLnBrk="1" latinLnBrk="0" hangingPunct="1">
+              <a:defRPr sz="1800" kern="1200">
+                <a:solidFill>
+                  <a:schemeClr val="lt1"/>
+                </a:solidFill>
+                <a:latin typeface="+mn-lt"/>
+                <a:ea typeface="+mn-ea"/>
+                <a:cs typeface="+mn-cs"/>
+              </a:defRPr>
+            </a:lvl9pPr>
+          </a:lstStyle>
+          <a:p>
+            <a:pPr marL="0" marR="0" lvl="0" indent="0" algn="ctr" defTabSz="914400" rtl="0" eaLnBrk="1" fontAlgn="auto" latinLnBrk="0" hangingPunct="1">
+              <a:lnSpc>
+                <a:spcPct val="100000"/>
+              </a:lnSpc>
+              <a:spcBef>
+                <a:spcPts val="0"/>
+              </a:spcBef>
+              <a:spcAft>
+                <a:spcPts val="0"/>
+              </a:spcAft>
+              <a:buClrTx/>
+              <a:buSzTx/>
+              <a:buFontTx/>
+              <a:buNone/>
+              <a:tabLst/>
+              <a:defRPr/>
+            </a:pPr>
+            <a:endParaRPr kumimoji="0" lang="en-US" sz="1800" b="0" i="0" u="none" strike="noStrike" kern="1200" cap="none" spc="0" normalizeH="0" baseline="0" noProof="0">
+              <a:ln>
+                <a:noFill/>
+              </a:ln>
+              <a:solidFill>
+                <a:prstClr val="white"/>
+              </a:solidFill>
+              <a:effectLst/>
+              <a:uLnTx/>
+              <a:uFillTx/>
+              <a:latin typeface="Calibri" panose="020F0502020204030204"/>
+              <a:ea typeface="+mn-ea"/>
+              <a:cs typeface="+mn-cs"/>
+            </a:endParaRPr>
+          </a:p>
+        </p:txBody>
+      </p:sp>
+      <p:pic>
+        <p:nvPicPr>
+          <p:cNvPr id="5" name="Picture 4">
+            <a:extLst>
+              <a:ext uri="{FF2B5EF4-FFF2-40B4-BE49-F238E27FC236}">
+                <a16:creationId xmlns:a16="http://schemas.microsoft.com/office/drawing/2014/main" id="{CF445A05-45FA-73B1-D7E6-36DD1B35F26D}"/>
+              </a:ext>
+            </a:extLst>
+          </p:cNvPr>
+          <p:cNvPicPr>
+            <a:picLocks noChangeAspect="1"/>
+          </p:cNvPicPr>
+          <p:nvPr/>
+        </p:nvPicPr>
+        <p:blipFill rotWithShape="1">
+          <a:blip r:embed="rId2"/>
+          <a:srcRect l="15884" r="13314"/>
+          <a:stretch/>
+        </p:blipFill>
+        <p:spPr>
+          <a:xfrm>
+            <a:off x="-7366" y="10"/>
+            <a:ext cx="4855591" cy="6857990"/>
+          </a:xfrm>
+          <a:custGeom>
+            <a:avLst/>
+            <a:gdLst/>
+            <a:ahLst/>
+            <a:cxnLst/>
+            <a:rect l="l" t="t" r="r" b="b"/>
+            <a:pathLst>
+              <a:path w="4636517" h="6858000">
+                <a:moveTo>
+                  <a:pt x="0" y="0"/>
+                </a:moveTo>
+                <a:lnTo>
+                  <a:pt x="4636517" y="0"/>
+                </a:lnTo>
+                <a:lnTo>
+                  <a:pt x="4636517" y="6858000"/>
+                </a:lnTo>
+                <a:lnTo>
+                  <a:pt x="0" y="6858000"/>
+                </a:lnTo>
+                <a:close/>
+              </a:path>
+            </a:pathLst>
+          </a:custGeom>
+        </p:spPr>
+      </p:pic>
+      <p:sp>
+        <p:nvSpPr>
+          <p:cNvPr id="11" name="!!Arc">
+            <a:extLst>
+              <a:ext uri="{FF2B5EF4-FFF2-40B4-BE49-F238E27FC236}">
+                <a16:creationId xmlns:a16="http://schemas.microsoft.com/office/drawing/2014/main" id="{835EF3DD-7D43-4A27-8967-A92FD8CC9365}"/>
+              </a:ext>
+              <a:ext uri="{C183D7F6-B498-43B3-948B-1728B52AA6E4}">
+                <adec:decorative xmlns:adec="http://schemas.microsoft.com/office/drawing/2017/decorative" val="1"/>
+              </a:ext>
+            </a:extLst>
+          </p:cNvPr>
+          <p:cNvSpPr>
+            <a:spLocks noGrp="1" noRot="1" noChangeAspect="1" noMove="1" noResize="1" noEditPoints="1" noAdjustHandles="1" noChangeArrowheads="1" noChangeShapeType="1" noTextEdit="1"/>
+          </p:cNvSpPr>
+          <p:nvPr>
+            <p:extLst>
+              <p:ext uri="{386F3935-93C4-4BCD-93E2-E3B085C9AB24}">
+                <p16:designElem xmlns:p16="http://schemas.microsoft.com/office/powerpoint/2015/main" val="1"/>
+              </p:ext>
+            </p:extLst>
+          </p:nvPr>
+        </p:nvSpPr>
+        <p:spPr>
+          <a:xfrm>
+            <a:off x="8673531" y="407987"/>
+            <a:ext cx="2987899" cy="2987899"/>
+          </a:xfrm>
+          <a:prstGeom prst="arc">
+            <a:avLst>
+              <a:gd name="adj1" fmla="val 16200000"/>
+              <a:gd name="adj2" fmla="val 2563720"/>
+            </a:avLst>
+          </a:prstGeom>
+          <a:ln w="127000" cap="rnd">
+            <a:solidFill>
+              <a:schemeClr val="accent4"/>
+            </a:solidFill>
+            <a:prstDash val="dash"/>
+          </a:ln>
+        </p:spPr>
+        <p:style>
+          <a:lnRef idx="1">
+            <a:schemeClr val="accent1"/>
+          </a:lnRef>
+          <a:fillRef idx="0">
+            <a:schemeClr val="accent1"/>
+          </a:fillRef>
+          <a:effectRef idx="0">
+            <a:schemeClr val="accent1"/>
+          </a:effectRef>
+          <a:fontRef idx="minor">
+            <a:schemeClr val="tx1"/>
+          </a:fontRef>
+        </p:style>
+        <p:txBody>
+          <a:bodyPr rtlCol="0" anchor="ctr"/>
+          <a:lstStyle/>
+          <a:p>
+            <a:pPr marL="0" marR="0" lvl="0" indent="0" algn="ctr" defTabSz="914400" rtl="0" eaLnBrk="1" fontAlgn="auto" latinLnBrk="0" hangingPunct="1">
+              <a:lnSpc>
+                <a:spcPct val="100000"/>
+              </a:lnSpc>
+              <a:spcBef>
+                <a:spcPts val="0"/>
+              </a:spcBef>
+              <a:spcAft>
+                <a:spcPts val="0"/>
+              </a:spcAft>
+              <a:buClrTx/>
+              <a:buSzTx/>
+              <a:buFontTx/>
+              <a:buNone/>
+              <a:tabLst/>
+              <a:defRPr/>
+            </a:pPr>
+            <a:endParaRPr kumimoji="0" lang="en-US" sz="1800" b="0" i="0" u="none" strike="noStrike" kern="1200" cap="none" spc="0" normalizeH="0" baseline="0" noProof="0">
+              <a:ln>
+                <a:noFill/>
+              </a:ln>
+              <a:solidFill>
+                <a:srgbClr val="000000"/>
+              </a:solidFill>
+              <a:effectLst/>
+              <a:uLnTx/>
+              <a:uFillTx/>
+              <a:latin typeface="Calibri" panose="020F0502020204030204"/>
+              <a:ea typeface="+mn-ea"/>
+              <a:cs typeface="+mn-cs"/>
+            </a:endParaRPr>
+          </a:p>
+        </p:txBody>
+      </p:sp>
+      <p:sp>
+        <p:nvSpPr>
+          <p:cNvPr id="2" name="Titre 1">
+            <a:extLst>
+              <a:ext uri="{FF2B5EF4-FFF2-40B4-BE49-F238E27FC236}">
+                <a16:creationId xmlns:a16="http://schemas.microsoft.com/office/drawing/2014/main" id="{1E44158B-576F-5148-99C4-D6F80F71B850}"/>
+              </a:ext>
+            </a:extLst>
+          </p:cNvPr>
+          <p:cNvSpPr>
+            <a:spLocks noGrp="1"/>
+          </p:cNvSpPr>
+          <p:nvPr>
+            <p:ph type="title"/>
+          </p:nvPr>
+        </p:nvSpPr>
+        <p:spPr>
+          <a:xfrm>
+            <a:off x="4586288" y="407987"/>
+            <a:ext cx="6962244" cy="1325563"/>
+          </a:xfrm>
+        </p:spPr>
+        <p:txBody>
+          <a:bodyPr>
+            <a:normAutofit/>
+          </a:bodyPr>
+          <a:lstStyle/>
+          <a:p>
+            <a:r>
+              <a:rPr lang="fr-FR" dirty="0"/>
+              <a:t>Architecture de l’application</a:t>
+            </a:r>
+          </a:p>
+        </p:txBody>
+      </p:sp>
+      <p:pic>
+        <p:nvPicPr>
+          <p:cNvPr id="6" name="Espace réservé du contenu 5">
+            <a:extLst>
+              <a:ext uri="{FF2B5EF4-FFF2-40B4-BE49-F238E27FC236}">
+                <a16:creationId xmlns:a16="http://schemas.microsoft.com/office/drawing/2014/main" id="{330A81DB-8C3A-554E-9757-BB41F2D7B300}"/>
+              </a:ext>
+            </a:extLst>
+          </p:cNvPr>
+          <p:cNvPicPr>
+            <a:picLocks noGrp="1" noChangeAspect="1"/>
+          </p:cNvPicPr>
+          <p:nvPr>
+            <p:ph idx="1"/>
+          </p:nvPr>
+        </p:nvPicPr>
+        <p:blipFill>
+          <a:blip r:embed="rId3"/>
+          <a:stretch>
+            <a:fillRect/>
+          </a:stretch>
+        </p:blipFill>
+        <p:spPr>
+          <a:xfrm>
+            <a:off x="6679796" y="2644594"/>
+            <a:ext cx="4092576" cy="4205009"/>
+          </a:xfrm>
+          <a:prstGeom prst="rect">
+            <a:avLst/>
+          </a:prstGeom>
+          <a:ln>
+            <a:noFill/>
+          </a:ln>
+          <a:effectLst>
+            <a:softEdge rad="112500"/>
+          </a:effectLst>
+        </p:spPr>
+      </p:pic>
+      <p:sp>
+        <p:nvSpPr>
+          <p:cNvPr id="7" name="ZoneTexte 6">
+            <a:extLst>
+              <a:ext uri="{FF2B5EF4-FFF2-40B4-BE49-F238E27FC236}">
+                <a16:creationId xmlns:a16="http://schemas.microsoft.com/office/drawing/2014/main" id="{0CD62528-6C3D-AC46-A900-AAA35DC53B09}"/>
+              </a:ext>
+            </a:extLst>
+          </p:cNvPr>
+          <p:cNvSpPr txBox="1"/>
+          <p:nvPr/>
+        </p:nvSpPr>
+        <p:spPr>
+          <a:xfrm>
+            <a:off x="5038989" y="1777818"/>
+            <a:ext cx="2490523" cy="400110"/>
+          </a:xfrm>
+          <a:prstGeom prst="rect">
+            <a:avLst/>
+          </a:prstGeom>
+          <a:noFill/>
+        </p:spPr>
+        <p:txBody>
+          <a:bodyPr wrap="square" rtlCol="0">
+            <a:spAutoFit/>
+          </a:bodyPr>
+          <a:lstStyle/>
+          <a:p>
+            <a:r>
+              <a:rPr lang="fr-FR" sz="2000" dirty="0"/>
+              <a:t>Arborescence</a:t>
+            </a:r>
+          </a:p>
+        </p:txBody>
+      </p:sp>
+    </p:spTree>
+    <p:extLst>
+      <p:ext uri="{BB962C8B-B14F-4D97-AF65-F5344CB8AC3E}">
+        <p14:creationId xmlns:p14="http://schemas.microsoft.com/office/powerpoint/2010/main" val="4173599290"/>
+      </p:ext>
+    </p:extLst>
+  </p:cSld>
+  <p:clrMapOvr>
+    <a:masterClrMapping/>
+  </p:clrMapOvr>
+</p:sld>
+</file>
+
+<file path=ppt/slides/slide5.xml><?xml version="1.0" encoding="utf-8"?>
+<p:sld xmlns:a="http://schemas.openxmlformats.org/drawingml/2006/main" xmlns:r="http://schemas.openxmlformats.org/officeDocument/2006/relationships" xmlns:p="http://schemas.openxmlformats.org/presentationml/2006/main">
+  <p:cSld>
+    <p:bg>
+      <p:bgPr>
+        <a:solidFill>
+          <a:schemeClr val="bg1"/>
+        </a:solidFill>
+        <a:effectLst/>
+      </p:bgPr>
+    </p:bg>
+    <p:spTree>
+      <p:nvGrpSpPr>
+        <p:cNvPr id="1" name=""/>
+        <p:cNvGrpSpPr/>
+        <p:nvPr/>
+      </p:nvGrpSpPr>
+      <p:grpSpPr>
+        <a:xfrm>
+          <a:off x="0" y="0"/>
+          <a:ext cx="0" cy="0"/>
+          <a:chOff x="0" y="0"/>
+          <a:chExt cx="0" cy="0"/>
+        </a:xfrm>
+      </p:grpSpPr>
+      <p:sp useBgFill="1">
+        <p:nvSpPr>
+          <p:cNvPr id="24" name="Rectangle 23">
+            <a:extLst>
+              <a:ext uri="{FF2B5EF4-FFF2-40B4-BE49-F238E27FC236}">
+                <a16:creationId xmlns:a16="http://schemas.microsoft.com/office/drawing/2014/main" id="{4F7EBAE4-9945-4473-9E34-B2C66EA0F03D}"/>
+              </a:ext>
+              <a:ext uri="{C183D7F6-B498-43B3-948B-1728B52AA6E4}">
+                <adec:decorative xmlns:adec="http://schemas.microsoft.com/office/drawing/2017/decorative" val="1"/>
+              </a:ext>
+            </a:extLst>
+          </p:cNvPr>
+          <p:cNvSpPr>
+            <a:spLocks noGrp="1" noRot="1" noChangeAspect="1" noMove="1" noResize="1" noEditPoints="1" noAdjustHandles="1" noChangeArrowheads="1" noChangeShapeType="1" noTextEdit="1"/>
+          </p:cNvSpPr>
+          <p:nvPr>
+            <p:extLst>
+              <p:ext uri="{386F3935-93C4-4BCD-93E2-E3B085C9AB24}">
+                <p16:designElem xmlns:p16="http://schemas.microsoft.com/office/powerpoint/2015/main" val="1"/>
+              </p:ext>
+            </p:extLst>
+          </p:nvPr>
+        </p:nvSpPr>
+        <p:spPr bwMode="white">
+          <a:xfrm>
+            <a:off x="0" y="0"/>
+            <a:ext cx="12192000" cy="6858000"/>
+          </a:xfrm>
+          <a:prstGeom prst="rect">
+            <a:avLst/>
+          </a:prstGeom>
+          <a:ln>
+            <a:noFill/>
+          </a:ln>
+        </p:spPr>
+        <p:style>
+          <a:lnRef idx="2">
+            <a:schemeClr val="accent1">
+              <a:shade val="50000"/>
+            </a:schemeClr>
+          </a:lnRef>
+          <a:fillRef idx="1">
+            <a:schemeClr val="accent1"/>
+          </a:fillRef>
+          <a:effectRef idx="0">
+            <a:schemeClr val="accent1"/>
+          </a:effectRef>
+          <a:fontRef idx="minor">
+            <a:schemeClr val="lt1"/>
+          </a:fontRef>
+        </p:style>
+        <p:txBody>
+          <a:bodyPr rtlCol="0" anchor="ctr"/>
+          <a:lstStyle>
+            <a:defPPr>
+              <a:defRPr lang="en-US"/>
+            </a:defPPr>
+            <a:lvl1pPr marL="0" algn="l" defTabSz="914400" rtl="0" eaLnBrk="1" latinLnBrk="0" hangingPunct="1">
+              <a:defRPr sz="1800" kern="1200">
+                <a:solidFill>
+                  <a:schemeClr val="lt1"/>
+                </a:solidFill>
+                <a:latin typeface="+mn-lt"/>
+                <a:ea typeface="+mn-ea"/>
+                <a:cs typeface="+mn-cs"/>
+              </a:defRPr>
+            </a:lvl1pPr>
+            <a:lvl2pPr marL="457200" algn="l" defTabSz="914400" rtl="0" eaLnBrk="1" latinLnBrk="0" hangingPunct="1">
+              <a:defRPr sz="1800" kern="1200">
+                <a:solidFill>
+                  <a:schemeClr val="lt1"/>
+                </a:solidFill>
+                <a:latin typeface="+mn-lt"/>
+                <a:ea typeface="+mn-ea"/>
+                <a:cs typeface="+mn-cs"/>
+              </a:defRPr>
+            </a:lvl2pPr>
+            <a:lvl3pPr marL="914400" algn="l" defTabSz="914400" rtl="0" eaLnBrk="1" latinLnBrk="0" hangingPunct="1">
+              <a:defRPr sz="1800" kern="1200">
+                <a:solidFill>
+                  <a:schemeClr val="lt1"/>
+                </a:solidFill>
+                <a:latin typeface="+mn-lt"/>
+                <a:ea typeface="+mn-ea"/>
+                <a:cs typeface="+mn-cs"/>
+              </a:defRPr>
+            </a:lvl3pPr>
+            <a:lvl4pPr marL="1371600" algn="l" defTabSz="914400" rtl="0" eaLnBrk="1" latinLnBrk="0" hangingPunct="1">
+              <a:defRPr sz="1800" kern="1200">
+                <a:solidFill>
+                  <a:schemeClr val="lt1"/>
+                </a:solidFill>
+                <a:latin typeface="+mn-lt"/>
+                <a:ea typeface="+mn-ea"/>
+                <a:cs typeface="+mn-cs"/>
+              </a:defRPr>
+            </a:lvl4pPr>
+            <a:lvl5pPr marL="1828800" algn="l" defTabSz="914400" rtl="0" eaLnBrk="1" latinLnBrk="0" hangingPunct="1">
+              <a:defRPr sz="1800" kern="1200">
+                <a:solidFill>
+                  <a:schemeClr val="lt1"/>
+                </a:solidFill>
+                <a:latin typeface="+mn-lt"/>
+                <a:ea typeface="+mn-ea"/>
+                <a:cs typeface="+mn-cs"/>
+              </a:defRPr>
+            </a:lvl5pPr>
+            <a:lvl6pPr marL="2286000" algn="l" defTabSz="914400" rtl="0" eaLnBrk="1" latinLnBrk="0" hangingPunct="1">
+              <a:defRPr sz="1800" kern="1200">
+                <a:solidFill>
+                  <a:schemeClr val="lt1"/>
+                </a:solidFill>
+                <a:latin typeface="+mn-lt"/>
+                <a:ea typeface="+mn-ea"/>
+                <a:cs typeface="+mn-cs"/>
+              </a:defRPr>
+            </a:lvl6pPr>
+            <a:lvl7pPr marL="2743200" algn="l" defTabSz="914400" rtl="0" eaLnBrk="1" latinLnBrk="0" hangingPunct="1">
+              <a:defRPr sz="1800" kern="1200">
+                <a:solidFill>
+                  <a:schemeClr val="lt1"/>
+                </a:solidFill>
+                <a:latin typeface="+mn-lt"/>
+                <a:ea typeface="+mn-ea"/>
+                <a:cs typeface="+mn-cs"/>
+              </a:defRPr>
+            </a:lvl7pPr>
+            <a:lvl8pPr marL="3200400" algn="l" defTabSz="914400" rtl="0" eaLnBrk="1" latinLnBrk="0" hangingPunct="1">
+              <a:defRPr sz="1800" kern="1200">
+                <a:solidFill>
+                  <a:schemeClr val="lt1"/>
+                </a:solidFill>
+                <a:latin typeface="+mn-lt"/>
+                <a:ea typeface="+mn-ea"/>
+                <a:cs typeface="+mn-cs"/>
+              </a:defRPr>
+            </a:lvl8pPr>
+            <a:lvl9pPr marL="3657600" algn="l" defTabSz="914400" rtl="0" eaLnBrk="1" latinLnBrk="0" hangingPunct="1">
+              <a:defRPr sz="1800" kern="1200">
+                <a:solidFill>
+                  <a:schemeClr val="lt1"/>
+                </a:solidFill>
+                <a:latin typeface="+mn-lt"/>
+                <a:ea typeface="+mn-ea"/>
+                <a:cs typeface="+mn-cs"/>
+              </a:defRPr>
+            </a:lvl9pPr>
+          </a:lstStyle>
+          <a:p>
+            <a:pPr marL="0" marR="0" lvl="0" indent="0" algn="ctr" defTabSz="914400" rtl="0" eaLnBrk="1" fontAlgn="auto" latinLnBrk="0" hangingPunct="1">
+              <a:lnSpc>
+                <a:spcPct val="100000"/>
+              </a:lnSpc>
+              <a:spcBef>
+                <a:spcPts val="0"/>
+              </a:spcBef>
+              <a:spcAft>
+                <a:spcPts val="0"/>
+              </a:spcAft>
+              <a:buClrTx/>
+              <a:buSzTx/>
+              <a:buFontTx/>
+              <a:buNone/>
+              <a:tabLst/>
+              <a:defRPr/>
+            </a:pPr>
+            <a:endParaRPr kumimoji="0" lang="en-US" sz="1800" b="0" i="0" u="none" strike="noStrike" kern="1200" cap="none" spc="0" normalizeH="0" baseline="0" noProof="0">
+              <a:ln>
+                <a:noFill/>
+              </a:ln>
+              <a:solidFill>
+                <a:prstClr val="white"/>
+              </a:solidFill>
+              <a:effectLst/>
+              <a:uLnTx/>
+              <a:uFillTx/>
+              <a:latin typeface="Calibri" panose="020F0502020204030204"/>
+              <a:ea typeface="+mn-ea"/>
+              <a:cs typeface="+mn-cs"/>
+            </a:endParaRPr>
+          </a:p>
+        </p:txBody>
+      </p:sp>
+      <p:sp>
+        <p:nvSpPr>
+          <p:cNvPr id="2" name="Titre 1">
+            <a:extLst>
+              <a:ext uri="{FF2B5EF4-FFF2-40B4-BE49-F238E27FC236}">
+                <a16:creationId xmlns:a16="http://schemas.microsoft.com/office/drawing/2014/main" id="{7D0E7DFD-BFA0-124F-9E78-D4CBA2F0273A}"/>
+              </a:ext>
+            </a:extLst>
+          </p:cNvPr>
+          <p:cNvSpPr>
+            <a:spLocks noGrp="1"/>
+          </p:cNvSpPr>
+          <p:nvPr>
+            <p:ph type="title"/>
+          </p:nvPr>
+        </p:nvSpPr>
+        <p:spPr>
+          <a:xfrm>
+            <a:off x="838200" y="365125"/>
+            <a:ext cx="6797040" cy="1325563"/>
+          </a:xfrm>
+        </p:spPr>
+        <p:txBody>
+          <a:bodyPr vert="horz" lIns="91440" tIns="45720" rIns="91440" bIns="45720" rtlCol="0" anchor="ctr">
+            <a:normAutofit/>
+          </a:bodyPr>
+          <a:lstStyle/>
+          <a:p>
+            <a:r>
+              <a:rPr lang="en-US" kern="1200" dirty="0">
+                <a:solidFill>
+                  <a:schemeClr val="tx1"/>
+                </a:solidFill>
+                <a:latin typeface="+mj-lt"/>
+                <a:ea typeface="+mj-ea"/>
+                <a:cs typeface="+mj-cs"/>
+              </a:rPr>
+              <a:t>Architecture de l’application</a:t>
+            </a:r>
+          </a:p>
+        </p:txBody>
+      </p:sp>
+      <p:sp>
+        <p:nvSpPr>
+          <p:cNvPr id="26" name="!!Arc">
+            <a:extLst>
+              <a:ext uri="{FF2B5EF4-FFF2-40B4-BE49-F238E27FC236}">
+                <a16:creationId xmlns:a16="http://schemas.microsoft.com/office/drawing/2014/main" id="{70BEB1E7-2F88-40BC-B73D-42E5B6F80BFC}"/>
+              </a:ext>
+              <a:ext uri="{C183D7F6-B498-43B3-948B-1728B52AA6E4}">
+                <adec:decorative xmlns:adec="http://schemas.microsoft.com/office/drawing/2017/decorative" val="1"/>
+              </a:ext>
+            </a:extLst>
+          </p:cNvPr>
+          <p:cNvSpPr>
+            <a:spLocks noGrp="1" noRot="1" noChangeAspect="1" noMove="1" noResize="1" noEditPoints="1" noAdjustHandles="1" noChangeArrowheads="1" noChangeShapeType="1" noTextEdit="1"/>
+          </p:cNvSpPr>
+          <p:nvPr>
+            <p:extLst>
+              <p:ext uri="{386F3935-93C4-4BCD-93E2-E3B085C9AB24}">
+                <p16:designElem xmlns:p16="http://schemas.microsoft.com/office/powerpoint/2015/main" val="1"/>
+              </p:ext>
+            </p:extLst>
+          </p:nvPr>
+        </p:nvSpPr>
+        <p:spPr>
+          <a:xfrm rot="21189197" flipV="1">
+            <a:off x="6261882" y="687822"/>
+            <a:ext cx="5471147" cy="5471147"/>
+          </a:xfrm>
+          <a:prstGeom prst="arc">
+            <a:avLst>
+              <a:gd name="adj1" fmla="val 16200000"/>
+              <a:gd name="adj2" fmla="val 20093138"/>
+            </a:avLst>
+          </a:prstGeom>
+          <a:ln w="127000" cap="rnd">
+            <a:solidFill>
+              <a:schemeClr val="accent4">
+                <a:alpha val="95000"/>
+              </a:schemeClr>
+            </a:solidFill>
+            <a:prstDash val="dash"/>
+          </a:ln>
+        </p:spPr>
+        <p:style>
+          <a:lnRef idx="1">
+            <a:schemeClr val="accent1"/>
+          </a:lnRef>
+          <a:fillRef idx="0">
+            <a:schemeClr val="accent1"/>
+          </a:fillRef>
+          <a:effectRef idx="0">
+            <a:schemeClr val="accent1"/>
+          </a:effectRef>
+          <a:fontRef idx="minor">
+            <a:schemeClr val="tx1"/>
+          </a:fontRef>
+        </p:style>
+        <p:txBody>
+          <a:bodyPr rtlCol="0" anchor="ctr"/>
+          <a:lstStyle/>
+          <a:p>
+            <a:pPr marL="0" marR="0" lvl="0" indent="0" algn="ctr" defTabSz="914400" rtl="0" eaLnBrk="1" fontAlgn="auto" latinLnBrk="0" hangingPunct="1">
+              <a:lnSpc>
+                <a:spcPct val="100000"/>
+              </a:lnSpc>
+              <a:spcBef>
+                <a:spcPts val="0"/>
+              </a:spcBef>
+              <a:spcAft>
+                <a:spcPts val="0"/>
+              </a:spcAft>
+              <a:buClrTx/>
+              <a:buSzTx/>
+              <a:buFontTx/>
+              <a:buNone/>
+              <a:tabLst/>
+              <a:defRPr/>
+            </a:pPr>
+            <a:endParaRPr kumimoji="0" lang="en-US" sz="1800" b="0" i="0" u="none" strike="noStrike" kern="1200" cap="none" spc="0" normalizeH="0" baseline="0" noProof="0" dirty="0">
+              <a:ln>
+                <a:noFill/>
+              </a:ln>
+              <a:solidFill>
+                <a:prstClr val="black"/>
+              </a:solidFill>
+              <a:effectLst/>
+              <a:uLnTx/>
+              <a:uFillTx/>
+              <a:latin typeface="Calibri" panose="020F0502020204030204"/>
+              <a:ea typeface="+mn-ea"/>
+              <a:cs typeface="+mn-cs"/>
+            </a:endParaRPr>
+          </a:p>
+        </p:txBody>
+      </p:sp>
+      <p:sp>
+        <p:nvSpPr>
+          <p:cNvPr id="28" name="!!Oval">
+            <a:extLst>
+              <a:ext uri="{FF2B5EF4-FFF2-40B4-BE49-F238E27FC236}">
+                <a16:creationId xmlns:a16="http://schemas.microsoft.com/office/drawing/2014/main" id="{A7B99495-F43F-4D80-A44F-2CB4764EB90B}"/>
+              </a:ext>
+              <a:ext uri="{C183D7F6-B498-43B3-948B-1728B52AA6E4}">
+                <adec:decorative xmlns:adec="http://schemas.microsoft.com/office/drawing/2017/decorative" val="1"/>
+              </a:ext>
+            </a:extLst>
+          </p:cNvPr>
+          <p:cNvSpPr>
+            <a:spLocks noGrp="1" noRot="1" noChangeAspect="1" noMove="1" noResize="1" noEditPoints="1" noAdjustHandles="1" noChangeArrowheads="1" noChangeShapeType="1" noTextEdit="1"/>
+          </p:cNvSpPr>
+          <p:nvPr>
+            <p:extLst>
+              <p:ext uri="{386F3935-93C4-4BCD-93E2-E3B085C9AB24}">
+                <p16:designElem xmlns:p16="http://schemas.microsoft.com/office/powerpoint/2015/main" val="1"/>
+              </p:ext>
+            </p:extLst>
+          </p:nvPr>
+        </p:nvSpPr>
+        <p:spPr>
+          <a:xfrm>
+            <a:off x="10248561" y="921125"/>
+            <a:ext cx="791021" cy="769563"/>
+          </a:xfrm>
+          <a:prstGeom prst="ellipse">
+            <a:avLst/>
+          </a:prstGeom>
+          <a:solidFill>
+            <a:schemeClr val="accent2"/>
+          </a:solidFill>
+          <a:ln>
+            <a:noFill/>
+          </a:ln>
+        </p:spPr>
+        <p:style>
+          <a:lnRef idx="2">
+            <a:schemeClr val="accent1">
+              <a:shade val="50000"/>
+            </a:schemeClr>
+          </a:lnRef>
+          <a:fillRef idx="1">
+            <a:schemeClr val="accent1"/>
+          </a:fillRef>
+          <a:effectRef idx="0">
+            <a:schemeClr val="accent1"/>
+          </a:effectRef>
+          <a:fontRef idx="minor">
+            <a:schemeClr val="lt1"/>
+          </a:fontRef>
+        </p:style>
+        <p:txBody>
+          <a:bodyPr rtlCol="0" anchor="ctr"/>
+          <a:lstStyle/>
+          <a:p>
+            <a:pPr marL="0" marR="0" lvl="0" indent="0" algn="ctr" defTabSz="914400" rtl="0" eaLnBrk="1" fontAlgn="auto" latinLnBrk="0" hangingPunct="1">
+              <a:lnSpc>
+                <a:spcPct val="100000"/>
+              </a:lnSpc>
+              <a:spcBef>
+                <a:spcPts val="0"/>
+              </a:spcBef>
+              <a:spcAft>
+                <a:spcPts val="0"/>
+              </a:spcAft>
+              <a:buClrTx/>
+              <a:buSzTx/>
+              <a:buFontTx/>
+              <a:buNone/>
+              <a:tabLst/>
+              <a:defRPr/>
+            </a:pPr>
+            <a:endParaRPr kumimoji="0" lang="en-US" sz="1800" b="0" i="0" u="none" strike="noStrike" kern="1200" cap="none" spc="0" normalizeH="0" baseline="0" noProof="0">
+              <a:ln>
+                <a:noFill/>
+              </a:ln>
+              <a:solidFill>
+                <a:srgbClr val="FFFFFF"/>
+              </a:solidFill>
+              <a:effectLst/>
+              <a:uLnTx/>
+              <a:uFillTx/>
+              <a:latin typeface="Calibri" panose="020F0502020204030204"/>
+              <a:ea typeface="+mn-ea"/>
+              <a:cs typeface="+mn-cs"/>
+            </a:endParaRPr>
+          </a:p>
+        </p:txBody>
+      </p:sp>
+      <p:sp>
+        <p:nvSpPr>
+          <p:cNvPr id="11" name="Rectangle : avec coin rogné 10">
+            <a:extLst>
+              <a:ext uri="{FF2B5EF4-FFF2-40B4-BE49-F238E27FC236}">
+                <a16:creationId xmlns:a16="http://schemas.microsoft.com/office/drawing/2014/main" id="{72C235E6-E111-AD47-8F6C-FD9B67908FE8}"/>
+              </a:ext>
+            </a:extLst>
+          </p:cNvPr>
+          <p:cNvSpPr/>
+          <p:nvPr/>
+        </p:nvSpPr>
+        <p:spPr>
+          <a:xfrm>
+            <a:off x="305611" y="1970870"/>
+            <a:ext cx="4182102" cy="1853910"/>
+          </a:xfrm>
+          <a:prstGeom prst="snip1Rect">
+            <a:avLst/>
+          </a:prstGeom>
+          <a:solidFill>
+            <a:schemeClr val="tx1">
+              <a:alpha val="74902"/>
+            </a:schemeClr>
+          </a:solidFill>
+          <a:ln>
+            <a:noFill/>
+          </a:ln>
+        </p:spPr>
+        <p:style>
+          <a:lnRef idx="2">
+            <a:schemeClr val="accent1">
+              <a:shade val="50000"/>
+            </a:schemeClr>
+          </a:lnRef>
+          <a:fillRef idx="1">
+            <a:schemeClr val="accent1"/>
+          </a:fillRef>
+          <a:effectRef idx="0">
+            <a:schemeClr val="accent1"/>
+          </a:effectRef>
+          <a:fontRef idx="minor">
+            <a:schemeClr val="lt1"/>
+          </a:fontRef>
+        </p:style>
+        <p:txBody>
+          <a:bodyPr rtlCol="0" anchor="ctr"/>
+          <a:lstStyle/>
+          <a:p>
+            <a:pPr algn="ctr"/>
+            <a:endParaRPr lang="fr-FR" dirty="0"/>
+          </a:p>
+        </p:txBody>
+      </p:sp>
+      <p:sp>
+        <p:nvSpPr>
+          <p:cNvPr id="13" name="ZoneTexte 12">
+            <a:extLst>
+              <a:ext uri="{FF2B5EF4-FFF2-40B4-BE49-F238E27FC236}">
+                <a16:creationId xmlns:a16="http://schemas.microsoft.com/office/drawing/2014/main" id="{418AC856-F7B0-C245-9D01-66D715A1109F}"/>
+              </a:ext>
+            </a:extLst>
+          </p:cNvPr>
+          <p:cNvSpPr txBox="1"/>
+          <p:nvPr/>
+        </p:nvSpPr>
+        <p:spPr>
+          <a:xfrm>
+            <a:off x="1437712" y="2054205"/>
+            <a:ext cx="1917897" cy="369332"/>
+          </a:xfrm>
+          <a:prstGeom prst="rect">
+            <a:avLst/>
+          </a:prstGeom>
+          <a:noFill/>
+        </p:spPr>
+        <p:txBody>
+          <a:bodyPr wrap="none" rtlCol="0">
+            <a:spAutoFit/>
+          </a:bodyPr>
+          <a:lstStyle/>
+          <a:p>
+            <a:r>
+              <a:rPr lang="fr-FR" dirty="0">
+                <a:solidFill>
+                  <a:schemeClr val="bg1"/>
+                </a:solidFill>
+              </a:rPr>
+              <a:t>Variables / Outlets</a:t>
+            </a:r>
+          </a:p>
+        </p:txBody>
+      </p:sp>
+      <p:sp>
+        <p:nvSpPr>
+          <p:cNvPr id="15" name="Rectangle : avec coin rogné 14">
+            <a:extLst>
+              <a:ext uri="{FF2B5EF4-FFF2-40B4-BE49-F238E27FC236}">
+                <a16:creationId xmlns:a16="http://schemas.microsoft.com/office/drawing/2014/main" id="{8DA412F0-AD6B-E741-906D-93C191BD4801}"/>
+              </a:ext>
+            </a:extLst>
+          </p:cNvPr>
+          <p:cNvSpPr/>
+          <p:nvPr/>
+        </p:nvSpPr>
+        <p:spPr>
+          <a:xfrm>
+            <a:off x="305611" y="4060338"/>
+            <a:ext cx="4182102" cy="2672720"/>
+          </a:xfrm>
+          <a:prstGeom prst="snip1Rect">
+            <a:avLst/>
+          </a:prstGeom>
+          <a:solidFill>
+            <a:schemeClr val="tx1">
+              <a:alpha val="75207"/>
+            </a:schemeClr>
+          </a:solidFill>
+          <a:ln>
+            <a:noFill/>
+          </a:ln>
+        </p:spPr>
+        <p:style>
+          <a:lnRef idx="2">
+            <a:schemeClr val="accent1">
+              <a:shade val="50000"/>
+            </a:schemeClr>
+          </a:lnRef>
+          <a:fillRef idx="1">
+            <a:schemeClr val="accent1"/>
+          </a:fillRef>
+          <a:effectRef idx="0">
+            <a:schemeClr val="accent1"/>
+          </a:effectRef>
+          <a:fontRef idx="minor">
+            <a:schemeClr val="lt1"/>
+          </a:fontRef>
+        </p:style>
+        <p:txBody>
+          <a:bodyPr rtlCol="0" anchor="ctr"/>
+          <a:lstStyle/>
+          <a:p>
+            <a:pPr algn="ctr"/>
+            <a:endParaRPr lang="fr-FR"/>
+          </a:p>
+        </p:txBody>
+      </p:sp>
+      <p:sp>
+        <p:nvSpPr>
+          <p:cNvPr id="16" name="ZoneTexte 15">
+            <a:extLst>
+              <a:ext uri="{FF2B5EF4-FFF2-40B4-BE49-F238E27FC236}">
+                <a16:creationId xmlns:a16="http://schemas.microsoft.com/office/drawing/2014/main" id="{7D73416C-5332-E64C-A92F-FFEB33787A51}"/>
+              </a:ext>
+            </a:extLst>
+          </p:cNvPr>
+          <p:cNvSpPr txBox="1"/>
+          <p:nvPr/>
+        </p:nvSpPr>
+        <p:spPr>
+          <a:xfrm>
+            <a:off x="1910791" y="4151579"/>
+            <a:ext cx="971741" cy="369332"/>
+          </a:xfrm>
+          <a:prstGeom prst="rect">
+            <a:avLst/>
+          </a:prstGeom>
+          <a:noFill/>
+        </p:spPr>
+        <p:txBody>
+          <a:bodyPr wrap="none" rtlCol="0">
+            <a:spAutoFit/>
+          </a:bodyPr>
+          <a:lstStyle/>
+          <a:p>
+            <a:r>
+              <a:rPr lang="fr-FR" dirty="0">
+                <a:solidFill>
+                  <a:schemeClr val="bg1"/>
+                </a:solidFill>
+              </a:rPr>
+              <a:t>Actions</a:t>
+            </a:r>
+          </a:p>
+        </p:txBody>
+      </p:sp>
+      <p:sp>
+        <p:nvSpPr>
+          <p:cNvPr id="20" name="Rectangle : avec coin rogné 19">
+            <a:extLst>
+              <a:ext uri="{FF2B5EF4-FFF2-40B4-BE49-F238E27FC236}">
+                <a16:creationId xmlns:a16="http://schemas.microsoft.com/office/drawing/2014/main" id="{CB4BBF66-40DB-0448-A6F0-D2E8417A78C6}"/>
+              </a:ext>
+            </a:extLst>
+          </p:cNvPr>
+          <p:cNvSpPr/>
+          <p:nvPr/>
+        </p:nvSpPr>
+        <p:spPr>
+          <a:xfrm>
+            <a:off x="4677975" y="1970870"/>
+            <a:ext cx="4622754" cy="3548984"/>
+          </a:xfrm>
+          <a:prstGeom prst="snip1Rect">
+            <a:avLst/>
+          </a:prstGeom>
+          <a:solidFill>
+            <a:schemeClr val="tx1">
+              <a:alpha val="75207"/>
+            </a:schemeClr>
+          </a:solidFill>
+          <a:ln>
+            <a:noFill/>
+          </a:ln>
+        </p:spPr>
+        <p:style>
+          <a:lnRef idx="2">
+            <a:schemeClr val="accent1">
+              <a:shade val="50000"/>
+            </a:schemeClr>
+          </a:lnRef>
+          <a:fillRef idx="1">
+            <a:schemeClr val="accent1"/>
+          </a:fillRef>
+          <a:effectRef idx="0">
+            <a:schemeClr val="accent1"/>
+          </a:effectRef>
+          <a:fontRef idx="minor">
+            <a:schemeClr val="lt1"/>
+          </a:fontRef>
+        </p:style>
+        <p:txBody>
+          <a:bodyPr rtlCol="0" anchor="ctr"/>
+          <a:lstStyle/>
+          <a:p>
+            <a:pPr algn="ctr"/>
+            <a:endParaRPr lang="fr-FR"/>
+          </a:p>
+        </p:txBody>
+      </p:sp>
+      <p:sp>
+        <p:nvSpPr>
+          <p:cNvPr id="22" name="ZoneTexte 21">
+            <a:extLst>
+              <a:ext uri="{FF2B5EF4-FFF2-40B4-BE49-F238E27FC236}">
+                <a16:creationId xmlns:a16="http://schemas.microsoft.com/office/drawing/2014/main" id="{27DC2D49-C664-1544-B31E-58EDAAAD5B79}"/>
+              </a:ext>
+            </a:extLst>
+          </p:cNvPr>
+          <p:cNvSpPr txBox="1"/>
+          <p:nvPr/>
+        </p:nvSpPr>
+        <p:spPr>
+          <a:xfrm>
+            <a:off x="6387167" y="2054205"/>
+            <a:ext cx="1204369" cy="369332"/>
+          </a:xfrm>
+          <a:prstGeom prst="rect">
+            <a:avLst/>
+          </a:prstGeom>
+          <a:noFill/>
+        </p:spPr>
+        <p:txBody>
+          <a:bodyPr wrap="none" rtlCol="0">
+            <a:spAutoFit/>
+          </a:bodyPr>
+          <a:lstStyle/>
+          <a:p>
+            <a:r>
+              <a:rPr lang="fr-FR" dirty="0">
+                <a:solidFill>
+                  <a:schemeClr val="bg1"/>
+                </a:solidFill>
+              </a:rPr>
+              <a:t>Fonctions</a:t>
+            </a:r>
+          </a:p>
+        </p:txBody>
+      </p:sp>
+      <p:sp>
+        <p:nvSpPr>
+          <p:cNvPr id="3" name="ZoneTexte 2">
+            <a:extLst>
+              <a:ext uri="{FF2B5EF4-FFF2-40B4-BE49-F238E27FC236}">
+                <a16:creationId xmlns:a16="http://schemas.microsoft.com/office/drawing/2014/main" id="{5902D465-3628-9447-832D-478365086FC1}"/>
+              </a:ext>
+            </a:extLst>
+          </p:cNvPr>
+          <p:cNvSpPr txBox="1"/>
+          <p:nvPr/>
+        </p:nvSpPr>
+        <p:spPr>
+          <a:xfrm>
+            <a:off x="305574" y="2432181"/>
+            <a:ext cx="4182101" cy="1877437"/>
+          </a:xfrm>
+          <a:prstGeom prst="rect">
+            <a:avLst/>
+          </a:prstGeom>
+          <a:noFill/>
+        </p:spPr>
+        <p:txBody>
+          <a:bodyPr wrap="square" rtlCol="0">
+            <a:spAutoFit/>
+          </a:bodyPr>
+          <a:lstStyle/>
+          <a:p>
+            <a:r>
+              <a:rPr lang="fr-FR" sz="1400" b="1" dirty="0">
+                <a:solidFill>
+                  <a:schemeClr val="accent1">
+                    <a:lumMod val="75000"/>
+                  </a:schemeClr>
+                </a:solidFill>
+              </a:rPr>
+              <a:t>@IBOutlet</a:t>
+            </a:r>
+            <a:r>
+              <a:rPr lang="fr-FR" sz="1400" dirty="0">
+                <a:solidFill>
+                  <a:schemeClr val="accent1">
+                    <a:lumMod val="75000"/>
+                  </a:schemeClr>
+                </a:solidFill>
+              </a:rPr>
+              <a:t> </a:t>
+            </a:r>
+            <a:r>
+              <a:rPr lang="fr-FR" sz="1400" b="1" dirty="0">
+                <a:solidFill>
+                  <a:schemeClr val="accent1">
+                    <a:lumMod val="75000"/>
+                  </a:schemeClr>
+                </a:solidFill>
+              </a:rPr>
+              <a:t>weak</a:t>
+            </a:r>
+            <a:r>
+              <a:rPr lang="fr-FR" sz="1400" dirty="0">
+                <a:solidFill>
+                  <a:schemeClr val="accent1">
+                    <a:lumMod val="75000"/>
+                  </a:schemeClr>
+                </a:solidFill>
+              </a:rPr>
+              <a:t> </a:t>
+            </a:r>
+            <a:r>
+              <a:rPr lang="fr-FR" sz="1400" b="1" dirty="0">
+                <a:solidFill>
+                  <a:schemeClr val="accent1">
+                    <a:lumMod val="75000"/>
+                  </a:schemeClr>
+                </a:solidFill>
+              </a:rPr>
+              <a:t>var</a:t>
+            </a:r>
+            <a:r>
+              <a:rPr lang="fr-FR" sz="1400" dirty="0">
+                <a:solidFill>
+                  <a:schemeClr val="accent1">
+                    <a:lumMod val="75000"/>
+                  </a:schemeClr>
+                </a:solidFill>
+              </a:rPr>
+              <a:t> </a:t>
+            </a:r>
+            <a:r>
+              <a:rPr lang="fr-FR" sz="1400" dirty="0">
+                <a:solidFill>
+                  <a:schemeClr val="accent6">
+                    <a:lumMod val="75000"/>
+                  </a:schemeClr>
+                </a:solidFill>
+              </a:rPr>
+              <a:t>textView</a:t>
+            </a:r>
+            <a:r>
+              <a:rPr lang="fr-FR" sz="1400" dirty="0">
+                <a:solidFill>
+                  <a:schemeClr val="bg1"/>
+                </a:solidFill>
+              </a:rPr>
+              <a:t>:</a:t>
+            </a:r>
+            <a:r>
+              <a:rPr lang="fr-FR" sz="1400" dirty="0"/>
+              <a:t> </a:t>
+            </a:r>
+            <a:r>
+              <a:rPr lang="fr-FR" sz="1400" dirty="0">
+                <a:solidFill>
+                  <a:srgbClr val="FF85FF"/>
+                </a:solidFill>
+              </a:rPr>
+              <a:t>UITextView</a:t>
+            </a:r>
+            <a:r>
+              <a:rPr lang="fr-FR" sz="1400" dirty="0">
+                <a:solidFill>
+                  <a:schemeClr val="bg1"/>
+                </a:solidFill>
+              </a:rPr>
+              <a:t>!</a:t>
+            </a:r>
+          </a:p>
+          <a:p>
+            <a:r>
+              <a:rPr lang="fr-FR" sz="1400" b="1" dirty="0">
+                <a:solidFill>
+                  <a:schemeClr val="accent1">
+                    <a:lumMod val="75000"/>
+                  </a:schemeClr>
+                </a:solidFill>
+              </a:rPr>
+              <a:t>@IBOutlet</a:t>
+            </a:r>
+            <a:r>
+              <a:rPr lang="fr-FR" sz="1400" dirty="0">
+                <a:solidFill>
+                  <a:schemeClr val="accent1">
+                    <a:lumMod val="75000"/>
+                  </a:schemeClr>
+                </a:solidFill>
+              </a:rPr>
+              <a:t> </a:t>
+            </a:r>
+            <a:r>
+              <a:rPr lang="fr-FR" sz="1400" b="1" dirty="0">
+                <a:solidFill>
+                  <a:schemeClr val="accent1">
+                    <a:lumMod val="75000"/>
+                  </a:schemeClr>
+                </a:solidFill>
+              </a:rPr>
+              <a:t>var</a:t>
+            </a:r>
+            <a:r>
+              <a:rPr lang="fr-FR" sz="1400" dirty="0">
+                <a:solidFill>
+                  <a:schemeClr val="accent1">
+                    <a:lumMod val="75000"/>
+                  </a:schemeClr>
+                </a:solidFill>
+              </a:rPr>
+              <a:t> </a:t>
+            </a:r>
+            <a:r>
+              <a:rPr lang="fr-FR" sz="1400" dirty="0">
+                <a:solidFill>
+                  <a:schemeClr val="accent6">
+                    <a:lumMod val="75000"/>
+                  </a:schemeClr>
+                </a:solidFill>
+              </a:rPr>
+              <a:t>numberButtons</a:t>
+            </a:r>
+            <a:r>
+              <a:rPr lang="fr-FR" sz="1400" dirty="0">
+                <a:solidFill>
+                  <a:schemeClr val="bg1"/>
+                </a:solidFill>
+              </a:rPr>
+              <a:t>: [</a:t>
+            </a:r>
+            <a:r>
+              <a:rPr lang="fr-FR" sz="1400" dirty="0">
+                <a:solidFill>
+                  <a:srgbClr val="FF85FF"/>
+                </a:solidFill>
+              </a:rPr>
+              <a:t>UIButton</a:t>
+            </a:r>
+            <a:r>
+              <a:rPr lang="fr-FR" sz="1400" dirty="0">
+                <a:solidFill>
+                  <a:schemeClr val="bg1"/>
+                </a:solidFill>
+              </a:rPr>
+              <a:t>]!</a:t>
+            </a:r>
+          </a:p>
+          <a:p>
+            <a:r>
+              <a:rPr lang="fr-FR" sz="1400" b="1" dirty="0">
+                <a:solidFill>
+                  <a:schemeClr val="accent1">
+                    <a:lumMod val="75000"/>
+                  </a:schemeClr>
+                </a:solidFill>
+              </a:rPr>
+              <a:t>@IBOutlet</a:t>
+            </a:r>
+            <a:r>
+              <a:rPr lang="fr-FR" sz="1400" dirty="0">
+                <a:solidFill>
+                  <a:schemeClr val="accent1">
+                    <a:lumMod val="75000"/>
+                  </a:schemeClr>
+                </a:solidFill>
+              </a:rPr>
+              <a:t> </a:t>
+            </a:r>
+            <a:r>
+              <a:rPr lang="fr-FR" sz="1400" b="1" dirty="0">
+                <a:solidFill>
+                  <a:schemeClr val="accent1">
+                    <a:lumMod val="75000"/>
+                  </a:schemeClr>
+                </a:solidFill>
+              </a:rPr>
+              <a:t>var</a:t>
+            </a:r>
+            <a:r>
+              <a:rPr lang="fr-FR" sz="1400" dirty="0"/>
+              <a:t> </a:t>
+            </a:r>
+            <a:r>
+              <a:rPr lang="fr-FR" sz="1400" dirty="0">
+                <a:solidFill>
+                  <a:schemeClr val="accent6">
+                    <a:lumMod val="75000"/>
+                  </a:schemeClr>
+                </a:solidFill>
+              </a:rPr>
+              <a:t>operandButtons</a:t>
+            </a:r>
+            <a:r>
+              <a:rPr lang="fr-FR" sz="1400" dirty="0">
+                <a:solidFill>
+                  <a:schemeClr val="bg1"/>
+                </a:solidFill>
+              </a:rPr>
+              <a:t>: [</a:t>
+            </a:r>
+            <a:r>
+              <a:rPr lang="fr-FR" sz="1400" dirty="0">
+                <a:solidFill>
+                  <a:srgbClr val="FF85FF"/>
+                </a:solidFill>
+              </a:rPr>
+              <a:t>UIButton</a:t>
+            </a:r>
+            <a:r>
+              <a:rPr lang="fr-FR" sz="1400" dirty="0">
+                <a:solidFill>
+                  <a:schemeClr val="bg1"/>
+                </a:solidFill>
+              </a:rPr>
+              <a:t>]!</a:t>
+            </a:r>
+          </a:p>
+          <a:p>
+            <a:r>
+              <a:rPr lang="fr-FR" sz="1400" b="1" dirty="0">
+                <a:solidFill>
+                  <a:schemeClr val="accent1">
+                    <a:lumMod val="75000"/>
+                  </a:schemeClr>
+                </a:solidFill>
+              </a:rPr>
+              <a:t>var</a:t>
+            </a:r>
+            <a:r>
+              <a:rPr lang="fr-FR" sz="1400" dirty="0"/>
+              <a:t> </a:t>
+            </a:r>
+            <a:r>
+              <a:rPr lang="fr-FR" sz="1400" dirty="0">
+                <a:solidFill>
+                  <a:schemeClr val="accent6">
+                    <a:lumMod val="75000"/>
+                  </a:schemeClr>
+                </a:solidFill>
+              </a:rPr>
+              <a:t>continueOperation</a:t>
+            </a:r>
+            <a:r>
+              <a:rPr lang="fr-FR" sz="1400" dirty="0"/>
+              <a:t> </a:t>
+            </a:r>
+            <a:r>
+              <a:rPr lang="fr-FR" sz="1400" dirty="0">
+                <a:solidFill>
+                  <a:schemeClr val="bg1"/>
+                </a:solidFill>
+              </a:rPr>
+              <a:t>=</a:t>
+            </a:r>
+            <a:r>
+              <a:rPr lang="fr-FR" sz="1400" dirty="0"/>
+              <a:t> </a:t>
+            </a:r>
+            <a:r>
+              <a:rPr lang="fr-FR" sz="1400" b="1" dirty="0">
+                <a:solidFill>
+                  <a:schemeClr val="accent1">
+                    <a:lumMod val="75000"/>
+                  </a:schemeClr>
+                </a:solidFill>
+              </a:rPr>
+              <a:t>false</a:t>
+            </a:r>
+            <a:endParaRPr lang="fr-FR" sz="1400" dirty="0">
+              <a:solidFill>
+                <a:schemeClr val="accent1">
+                  <a:lumMod val="75000"/>
+                </a:schemeClr>
+              </a:solidFill>
+            </a:endParaRPr>
+          </a:p>
+          <a:p>
+            <a:r>
+              <a:rPr lang="fr-FR" sz="1400" b="1" dirty="0">
+                <a:solidFill>
+                  <a:schemeClr val="accent1">
+                    <a:lumMod val="75000"/>
+                  </a:schemeClr>
+                </a:solidFill>
+              </a:rPr>
+              <a:t>var</a:t>
+            </a:r>
+            <a:r>
+              <a:rPr lang="fr-FR" sz="1400" dirty="0"/>
+              <a:t> </a:t>
+            </a:r>
+            <a:r>
+              <a:rPr lang="fr-FR" sz="1400" dirty="0">
+                <a:solidFill>
+                  <a:schemeClr val="accent6">
+                    <a:lumMod val="75000"/>
+                  </a:schemeClr>
+                </a:solidFill>
+              </a:rPr>
+              <a:t>count</a:t>
+            </a:r>
+            <a:r>
+              <a:rPr lang="fr-FR" sz="1400" dirty="0"/>
+              <a:t> </a:t>
+            </a:r>
+            <a:r>
+              <a:rPr lang="fr-FR" sz="1400" dirty="0">
+                <a:solidFill>
+                  <a:schemeClr val="bg1"/>
+                </a:solidFill>
+              </a:rPr>
+              <a:t>=</a:t>
+            </a:r>
+            <a:r>
+              <a:rPr lang="fr-FR" sz="1400" dirty="0"/>
+              <a:t> </a:t>
+            </a:r>
+            <a:r>
+              <a:rPr lang="fr-FR" sz="1400" dirty="0">
+                <a:solidFill>
+                  <a:srgbClr val="92D050"/>
+                </a:solidFill>
+              </a:rPr>
+              <a:t>Count</a:t>
+            </a:r>
+            <a:r>
+              <a:rPr lang="fr-FR" sz="1400" dirty="0">
+                <a:solidFill>
+                  <a:schemeClr val="bg1"/>
+                </a:solidFill>
+              </a:rPr>
+              <a:t>()</a:t>
+            </a:r>
+          </a:p>
+          <a:p>
+            <a:r>
+              <a:rPr lang="fr-FR" sz="1400" b="1" dirty="0">
+                <a:solidFill>
+                  <a:schemeClr val="accent1">
+                    <a:lumMod val="75000"/>
+                  </a:schemeClr>
+                </a:solidFill>
+              </a:rPr>
+              <a:t>var</a:t>
+            </a:r>
+            <a:r>
+              <a:rPr lang="fr-FR" sz="1400" dirty="0"/>
+              <a:t> </a:t>
+            </a:r>
+            <a:r>
+              <a:rPr lang="fr-FR" sz="1400" dirty="0">
+                <a:solidFill>
+                  <a:schemeClr val="accent6">
+                    <a:lumMod val="75000"/>
+                  </a:schemeClr>
+                </a:solidFill>
+              </a:rPr>
+              <a:t>expressionHaveResult</a:t>
+            </a:r>
+            <a:r>
+              <a:rPr lang="fr-FR" sz="1400" dirty="0">
+                <a:solidFill>
+                  <a:schemeClr val="bg1"/>
+                </a:solidFill>
+              </a:rPr>
+              <a:t>:</a:t>
+            </a:r>
+            <a:r>
+              <a:rPr lang="fr-FR" sz="1400" dirty="0"/>
+              <a:t> </a:t>
+            </a:r>
+            <a:r>
+              <a:rPr lang="fr-FR" sz="1400" dirty="0">
+                <a:solidFill>
+                  <a:srgbClr val="FF85FF"/>
+                </a:solidFill>
+              </a:rPr>
+              <a:t>Bool</a:t>
+            </a:r>
+          </a:p>
+          <a:p>
+            <a:endParaRPr lang="fr-FR" sz="1400" dirty="0">
+              <a:solidFill>
+                <a:schemeClr val="bg1"/>
+              </a:solidFill>
+            </a:endParaRPr>
+          </a:p>
+          <a:p>
+            <a:endParaRPr lang="fr-FR" dirty="0"/>
+          </a:p>
+        </p:txBody>
+      </p:sp>
+      <p:sp>
+        <p:nvSpPr>
+          <p:cNvPr id="23" name="ZoneTexte 22">
+            <a:extLst>
+              <a:ext uri="{FF2B5EF4-FFF2-40B4-BE49-F238E27FC236}">
+                <a16:creationId xmlns:a16="http://schemas.microsoft.com/office/drawing/2014/main" id="{579D9B69-4028-7045-A97E-2857D20584FB}"/>
+              </a:ext>
+            </a:extLst>
+          </p:cNvPr>
+          <p:cNvSpPr txBox="1"/>
+          <p:nvPr/>
+        </p:nvSpPr>
+        <p:spPr>
+          <a:xfrm>
+            <a:off x="305611" y="1457728"/>
+            <a:ext cx="2490523" cy="400110"/>
+          </a:xfrm>
+          <a:prstGeom prst="rect">
+            <a:avLst/>
+          </a:prstGeom>
+          <a:noFill/>
+        </p:spPr>
+        <p:txBody>
+          <a:bodyPr wrap="square" rtlCol="0">
+            <a:spAutoFit/>
+          </a:bodyPr>
+          <a:lstStyle/>
+          <a:p>
+            <a:r>
+              <a:rPr lang="fr-FR" sz="2000" dirty="0"/>
+              <a:t>ViewController</a:t>
+            </a:r>
+          </a:p>
+        </p:txBody>
+      </p:sp>
+      <p:sp>
+        <p:nvSpPr>
+          <p:cNvPr id="4" name="ZoneTexte 3">
+            <a:extLst>
+              <a:ext uri="{FF2B5EF4-FFF2-40B4-BE49-F238E27FC236}">
+                <a16:creationId xmlns:a16="http://schemas.microsoft.com/office/drawing/2014/main" id="{A050A98D-A55E-D24E-8342-617AD115E538}"/>
+              </a:ext>
+            </a:extLst>
+          </p:cNvPr>
+          <p:cNvSpPr txBox="1"/>
+          <p:nvPr/>
+        </p:nvSpPr>
+        <p:spPr>
+          <a:xfrm>
+            <a:off x="280878" y="4520911"/>
+            <a:ext cx="4182101" cy="2954655"/>
+          </a:xfrm>
+          <a:prstGeom prst="rect">
+            <a:avLst/>
+          </a:prstGeom>
+          <a:noFill/>
+        </p:spPr>
+        <p:txBody>
+          <a:bodyPr wrap="square" rtlCol="0">
+            <a:spAutoFit/>
+          </a:bodyPr>
+          <a:lstStyle/>
+          <a:p>
+            <a:r>
+              <a:rPr lang="fr-FR" sz="1400" b="1" dirty="0">
+                <a:solidFill>
+                  <a:schemeClr val="accent1">
+                    <a:lumMod val="75000"/>
+                  </a:schemeClr>
+                </a:solidFill>
+              </a:rPr>
+              <a:t>@IBAction</a:t>
+            </a:r>
+            <a:r>
+              <a:rPr lang="fr-FR" sz="1400" dirty="0">
+                <a:solidFill>
+                  <a:schemeClr val="accent1">
+                    <a:lumMod val="75000"/>
+                  </a:schemeClr>
+                </a:solidFill>
+              </a:rPr>
+              <a:t> </a:t>
+            </a:r>
+            <a:r>
+              <a:rPr lang="fr-FR" sz="1400" b="1" dirty="0">
+                <a:solidFill>
+                  <a:schemeClr val="accent1">
+                    <a:lumMod val="75000"/>
+                  </a:schemeClr>
+                </a:solidFill>
+              </a:rPr>
+              <a:t>func</a:t>
+            </a:r>
+            <a:r>
+              <a:rPr lang="fr-FR" sz="1400" dirty="0">
+                <a:solidFill>
+                  <a:schemeClr val="accent1">
+                    <a:lumMod val="75000"/>
+                  </a:schemeClr>
+                </a:solidFill>
+              </a:rPr>
+              <a:t> </a:t>
+            </a:r>
+            <a:r>
+              <a:rPr lang="fr-FR" sz="1400" dirty="0">
+                <a:solidFill>
+                  <a:schemeClr val="accent6">
+                    <a:lumMod val="75000"/>
+                  </a:schemeClr>
+                </a:solidFill>
+              </a:rPr>
+              <a:t>clearText</a:t>
+            </a:r>
+            <a:r>
+              <a:rPr lang="fr-FR" sz="1400" dirty="0">
+                <a:solidFill>
+                  <a:schemeClr val="bg1"/>
+                </a:solidFill>
+              </a:rPr>
+              <a:t>(</a:t>
+            </a:r>
+            <a:r>
+              <a:rPr lang="fr-FR" sz="1400" dirty="0">
+                <a:solidFill>
+                  <a:schemeClr val="accent6">
+                    <a:lumMod val="75000"/>
+                  </a:schemeClr>
+                </a:solidFill>
+              </a:rPr>
+              <a:t>_</a:t>
+            </a:r>
+            <a:r>
+              <a:rPr lang="fr-FR" sz="1400" dirty="0"/>
+              <a:t> </a:t>
+            </a:r>
+            <a:r>
+              <a:rPr lang="fr-FR" sz="1400" dirty="0">
+                <a:solidFill>
+                  <a:schemeClr val="bg1"/>
+                </a:solidFill>
+              </a:rPr>
+              <a:t>sender: </a:t>
+            </a:r>
+            <a:r>
+              <a:rPr lang="fr-FR" sz="1400" dirty="0">
+                <a:solidFill>
+                  <a:srgbClr val="FF85FF"/>
+                </a:solidFill>
+              </a:rPr>
+              <a:t>UIButton</a:t>
+            </a:r>
+            <a:r>
+              <a:rPr lang="fr-FR" sz="1400" dirty="0">
+                <a:solidFill>
+                  <a:schemeClr val="bg1"/>
+                </a:solidFill>
+              </a:rPr>
+              <a:t>)</a:t>
+            </a:r>
+          </a:p>
+          <a:p>
+            <a:r>
+              <a:rPr lang="fr-FR" sz="1400" b="1" dirty="0">
+                <a:solidFill>
+                  <a:schemeClr val="accent1">
+                    <a:lumMod val="75000"/>
+                  </a:schemeClr>
+                </a:solidFill>
+              </a:rPr>
+              <a:t>@IBAction</a:t>
+            </a:r>
+            <a:r>
+              <a:rPr lang="fr-FR" sz="1400" dirty="0">
+                <a:solidFill>
+                  <a:schemeClr val="accent1">
+                    <a:lumMod val="75000"/>
+                  </a:schemeClr>
+                </a:solidFill>
+              </a:rPr>
+              <a:t> </a:t>
+            </a:r>
+            <a:r>
+              <a:rPr lang="fr-FR" sz="1400" b="1" dirty="0">
+                <a:solidFill>
+                  <a:schemeClr val="accent1">
+                    <a:lumMod val="75000"/>
+                  </a:schemeClr>
+                </a:solidFill>
+              </a:rPr>
+              <a:t>func</a:t>
+            </a:r>
+            <a:r>
+              <a:rPr lang="fr-FR" sz="1400" dirty="0">
+                <a:solidFill>
+                  <a:schemeClr val="accent1">
+                    <a:lumMod val="75000"/>
+                  </a:schemeClr>
+                </a:solidFill>
+              </a:rPr>
+              <a:t> </a:t>
+            </a:r>
+            <a:r>
+              <a:rPr lang="fr-FR" sz="1400" dirty="0">
+                <a:solidFill>
+                  <a:schemeClr val="accent6">
+                    <a:lumMod val="75000"/>
+                  </a:schemeClr>
+                </a:solidFill>
+              </a:rPr>
+              <a:t>tappedNumberButton</a:t>
+            </a:r>
+            <a:r>
+              <a:rPr lang="fr-FR" sz="1400" dirty="0">
+                <a:solidFill>
+                  <a:schemeClr val="bg1"/>
+                </a:solidFill>
+              </a:rPr>
+              <a:t>(</a:t>
+            </a:r>
+            <a:r>
+              <a:rPr lang="fr-FR" sz="1400" dirty="0">
+                <a:solidFill>
+                  <a:schemeClr val="accent6">
+                    <a:lumMod val="75000"/>
+                  </a:schemeClr>
+                </a:solidFill>
+              </a:rPr>
+              <a:t>_ </a:t>
+            </a:r>
+            <a:r>
+              <a:rPr lang="fr-FR" sz="1400" dirty="0">
+                <a:solidFill>
+                  <a:schemeClr val="bg1"/>
+                </a:solidFill>
+              </a:rPr>
+              <a:t>sender: </a:t>
+            </a:r>
+            <a:r>
+              <a:rPr lang="fr-FR" sz="1400" dirty="0">
+                <a:solidFill>
+                  <a:srgbClr val="FF85FF"/>
+                </a:solidFill>
+              </a:rPr>
+              <a:t>UIButton</a:t>
+            </a:r>
+            <a:r>
+              <a:rPr lang="fr-FR" sz="1400" dirty="0">
+                <a:solidFill>
+                  <a:schemeClr val="bg1"/>
+                </a:solidFill>
+              </a:rPr>
+              <a:t>)</a:t>
+            </a:r>
+          </a:p>
+          <a:p>
+            <a:r>
+              <a:rPr lang="fr-FR" sz="1400" b="1" dirty="0">
+                <a:solidFill>
+                  <a:schemeClr val="accent1">
+                    <a:lumMod val="75000"/>
+                  </a:schemeClr>
+                </a:solidFill>
+              </a:rPr>
+              <a:t>@IBAction</a:t>
+            </a:r>
+            <a:r>
+              <a:rPr lang="fr-FR" sz="1400" dirty="0">
+                <a:solidFill>
+                  <a:schemeClr val="accent1">
+                    <a:lumMod val="75000"/>
+                  </a:schemeClr>
+                </a:solidFill>
+              </a:rPr>
+              <a:t> </a:t>
+            </a:r>
+            <a:r>
+              <a:rPr lang="fr-FR" sz="1400" b="1" dirty="0">
+                <a:solidFill>
+                  <a:schemeClr val="accent1">
+                    <a:lumMod val="75000"/>
+                  </a:schemeClr>
+                </a:solidFill>
+              </a:rPr>
+              <a:t>func</a:t>
+            </a:r>
+            <a:r>
+              <a:rPr lang="fr-FR" sz="1400" dirty="0">
+                <a:solidFill>
+                  <a:schemeClr val="accent1">
+                    <a:lumMod val="75000"/>
+                  </a:schemeClr>
+                </a:solidFill>
+              </a:rPr>
+              <a:t> </a:t>
+            </a:r>
+            <a:r>
+              <a:rPr lang="fr-FR" sz="1400" dirty="0">
+                <a:solidFill>
+                  <a:schemeClr val="accent6">
+                    <a:lumMod val="75000"/>
+                  </a:schemeClr>
+                </a:solidFill>
+              </a:rPr>
+              <a:t>tappedOperandButton</a:t>
+            </a:r>
+            <a:r>
+              <a:rPr lang="fr-FR" sz="1400" dirty="0">
+                <a:solidFill>
+                  <a:schemeClr val="bg1"/>
+                </a:solidFill>
+              </a:rPr>
+              <a:t>(</a:t>
+            </a:r>
+            <a:r>
+              <a:rPr lang="fr-FR" sz="1400" dirty="0">
+                <a:solidFill>
+                  <a:schemeClr val="accent6">
+                    <a:lumMod val="75000"/>
+                  </a:schemeClr>
+                </a:solidFill>
+              </a:rPr>
+              <a:t>_</a:t>
+            </a:r>
+            <a:r>
+              <a:rPr lang="fr-FR" sz="1400" dirty="0"/>
+              <a:t> </a:t>
+            </a:r>
+            <a:r>
+              <a:rPr lang="fr-FR" sz="1400" dirty="0">
+                <a:solidFill>
+                  <a:schemeClr val="bg1"/>
+                </a:solidFill>
+              </a:rPr>
+              <a:t>sender: </a:t>
+            </a:r>
+            <a:r>
+              <a:rPr lang="fr-FR" sz="1400" dirty="0">
+                <a:solidFill>
+                  <a:srgbClr val="FF85FF"/>
+                </a:solidFill>
+              </a:rPr>
+              <a:t>UIButton</a:t>
+            </a:r>
+            <a:r>
+              <a:rPr lang="fr-FR" sz="1400" dirty="0">
+                <a:solidFill>
+                  <a:schemeClr val="bg1"/>
+                </a:solidFill>
+              </a:rPr>
+              <a:t>)</a:t>
+            </a:r>
+          </a:p>
+          <a:p>
+            <a:r>
+              <a:rPr lang="fr-FR" sz="1400" b="1" dirty="0">
+                <a:solidFill>
+                  <a:schemeClr val="accent1">
+                    <a:lumMod val="75000"/>
+                  </a:schemeClr>
+                </a:solidFill>
+              </a:rPr>
+              <a:t>@IBAction</a:t>
+            </a:r>
+            <a:r>
+              <a:rPr lang="fr-FR" sz="1400" dirty="0">
+                <a:solidFill>
+                  <a:schemeClr val="accent1">
+                    <a:lumMod val="75000"/>
+                  </a:schemeClr>
+                </a:solidFill>
+              </a:rPr>
+              <a:t> </a:t>
+            </a:r>
+            <a:r>
+              <a:rPr lang="fr-FR" sz="1400" b="1" dirty="0">
+                <a:solidFill>
+                  <a:schemeClr val="accent1">
+                    <a:lumMod val="75000"/>
+                  </a:schemeClr>
+                </a:solidFill>
+              </a:rPr>
+              <a:t>func</a:t>
+            </a:r>
+            <a:r>
+              <a:rPr lang="fr-FR" sz="1400" dirty="0">
+                <a:solidFill>
+                  <a:schemeClr val="accent1">
+                    <a:lumMod val="75000"/>
+                  </a:schemeClr>
+                </a:solidFill>
+              </a:rPr>
+              <a:t> </a:t>
+            </a:r>
+            <a:r>
+              <a:rPr lang="fr-FR" sz="1400" dirty="0">
+                <a:solidFill>
+                  <a:schemeClr val="accent6">
+                    <a:lumMod val="75000"/>
+                  </a:schemeClr>
+                </a:solidFill>
+              </a:rPr>
+              <a:t>tappedEqualButton</a:t>
+            </a:r>
+            <a:r>
+              <a:rPr lang="fr-FR" sz="1400" dirty="0">
+                <a:solidFill>
+                  <a:schemeClr val="bg1"/>
+                </a:solidFill>
+              </a:rPr>
+              <a:t>(</a:t>
+            </a:r>
+            <a:r>
+              <a:rPr lang="fr-FR" sz="1400" dirty="0">
+                <a:solidFill>
+                  <a:schemeClr val="accent6">
+                    <a:lumMod val="75000"/>
+                  </a:schemeClr>
+                </a:solidFill>
+              </a:rPr>
+              <a:t>_ </a:t>
+            </a:r>
+            <a:r>
+              <a:rPr lang="fr-FR" sz="1400" dirty="0">
+                <a:solidFill>
+                  <a:schemeClr val="bg1"/>
+                </a:solidFill>
+              </a:rPr>
+              <a:t>sender: </a:t>
+            </a:r>
+            <a:r>
+              <a:rPr lang="fr-FR" sz="1400" dirty="0">
+                <a:solidFill>
+                  <a:srgbClr val="FF85FF"/>
+                </a:solidFill>
+              </a:rPr>
+              <a:t>UIButton</a:t>
+            </a:r>
+            <a:r>
+              <a:rPr lang="fr-FR" sz="1400" dirty="0">
+                <a:solidFill>
+                  <a:schemeClr val="bg1"/>
+                </a:solidFill>
+              </a:rPr>
+              <a:t>)</a:t>
+            </a:r>
+          </a:p>
+          <a:p>
+            <a:r>
+              <a:rPr lang="fr-FR" sz="1400" b="1" dirty="0">
+                <a:solidFill>
+                  <a:schemeClr val="accent1">
+                    <a:lumMod val="75000"/>
+                  </a:schemeClr>
+                </a:solidFill>
+              </a:rPr>
+              <a:t>@IBAction</a:t>
+            </a:r>
+            <a:r>
+              <a:rPr lang="fr-FR" sz="1400" dirty="0">
+                <a:solidFill>
+                  <a:schemeClr val="accent1">
+                    <a:lumMod val="75000"/>
+                  </a:schemeClr>
+                </a:solidFill>
+              </a:rPr>
+              <a:t> </a:t>
+            </a:r>
+            <a:r>
+              <a:rPr lang="fr-FR" sz="1400" b="1" dirty="0">
+                <a:solidFill>
+                  <a:schemeClr val="accent1">
+                    <a:lumMod val="75000"/>
+                  </a:schemeClr>
+                </a:solidFill>
+              </a:rPr>
+              <a:t>func</a:t>
+            </a:r>
+            <a:r>
+              <a:rPr lang="fr-FR" sz="1400" dirty="0">
+                <a:solidFill>
+                  <a:schemeClr val="accent1">
+                    <a:lumMod val="75000"/>
+                  </a:schemeClr>
+                </a:solidFill>
+              </a:rPr>
+              <a:t> </a:t>
+            </a:r>
+            <a:r>
+              <a:rPr lang="fr-FR" sz="1400" dirty="0">
+                <a:solidFill>
+                  <a:schemeClr val="accent6">
+                    <a:lumMod val="75000"/>
+                  </a:schemeClr>
+                </a:solidFill>
+              </a:rPr>
+              <a:t>tappedCommaButton</a:t>
+            </a:r>
+            <a:r>
+              <a:rPr lang="fr-FR" sz="1400" dirty="0">
+                <a:solidFill>
+                  <a:schemeClr val="bg1"/>
+                </a:solidFill>
+              </a:rPr>
+              <a:t>(</a:t>
+            </a:r>
+            <a:r>
+              <a:rPr lang="fr-FR" sz="1400" dirty="0">
+                <a:solidFill>
+                  <a:schemeClr val="accent6">
+                    <a:lumMod val="75000"/>
+                  </a:schemeClr>
+                </a:solidFill>
+              </a:rPr>
+              <a:t>_</a:t>
+            </a:r>
+            <a:r>
+              <a:rPr lang="fr-FR" sz="1400" dirty="0"/>
+              <a:t> </a:t>
+            </a:r>
+            <a:r>
+              <a:rPr lang="fr-FR" sz="1400" dirty="0">
+                <a:solidFill>
+                  <a:schemeClr val="bg1"/>
+                </a:solidFill>
+              </a:rPr>
+              <a:t>sender: </a:t>
+            </a:r>
+            <a:r>
+              <a:rPr lang="fr-FR" sz="1400" dirty="0">
+                <a:solidFill>
+                  <a:srgbClr val="FF85FF"/>
+                </a:solidFill>
+              </a:rPr>
+              <a:t>UIButton</a:t>
+            </a:r>
+            <a:r>
+              <a:rPr lang="fr-FR" sz="1400" dirty="0">
+                <a:solidFill>
+                  <a:schemeClr val="bg1"/>
+                </a:solidFill>
+              </a:rPr>
+              <a:t>)</a:t>
+            </a:r>
+          </a:p>
+          <a:p>
+            <a:endParaRPr lang="fr-FR" sz="1400" dirty="0"/>
+          </a:p>
+          <a:p>
+            <a:endParaRPr lang="fr-FR" sz="1400" dirty="0"/>
+          </a:p>
+          <a:p>
+            <a:endParaRPr lang="fr-FR" sz="1400" dirty="0"/>
+          </a:p>
+          <a:p>
+            <a:endParaRPr lang="fr-FR" dirty="0"/>
+          </a:p>
+        </p:txBody>
+      </p:sp>
+      <p:sp>
+        <p:nvSpPr>
+          <p:cNvPr id="5" name="ZoneTexte 4">
+            <a:extLst>
+              <a:ext uri="{FF2B5EF4-FFF2-40B4-BE49-F238E27FC236}">
+                <a16:creationId xmlns:a16="http://schemas.microsoft.com/office/drawing/2014/main" id="{D4ACB76C-FC3A-F244-870A-BDA3DED980CE}"/>
+              </a:ext>
+            </a:extLst>
+          </p:cNvPr>
+          <p:cNvSpPr txBox="1"/>
+          <p:nvPr/>
+        </p:nvSpPr>
+        <p:spPr>
+          <a:xfrm>
+            <a:off x="4702709" y="2761436"/>
+            <a:ext cx="4622753" cy="4585871"/>
+          </a:xfrm>
+          <a:prstGeom prst="rect">
+            <a:avLst/>
+          </a:prstGeom>
+          <a:noFill/>
+        </p:spPr>
+        <p:txBody>
+          <a:bodyPr wrap="square" rtlCol="0">
+            <a:spAutoFit/>
+          </a:bodyPr>
+          <a:lstStyle/>
+          <a:p>
+            <a:r>
+              <a:rPr lang="fr-FR" sz="1700" b="1" dirty="0">
+                <a:solidFill>
+                  <a:schemeClr val="accent1">
+                    <a:lumMod val="75000"/>
+                  </a:schemeClr>
+                </a:solidFill>
+              </a:rPr>
+              <a:t>private</a:t>
+            </a:r>
+            <a:r>
+              <a:rPr lang="fr-FR" sz="1700" dirty="0">
+                <a:solidFill>
+                  <a:schemeClr val="accent1">
+                    <a:lumMod val="75000"/>
+                  </a:schemeClr>
+                </a:solidFill>
+              </a:rPr>
+              <a:t> </a:t>
+            </a:r>
+            <a:r>
+              <a:rPr lang="fr-FR" sz="1700" b="1" dirty="0">
+                <a:solidFill>
+                  <a:schemeClr val="accent1">
+                    <a:lumMod val="75000"/>
+                  </a:schemeClr>
+                </a:solidFill>
+              </a:rPr>
+              <a:t>func</a:t>
+            </a:r>
+            <a:r>
+              <a:rPr lang="fr-FR" sz="1700" dirty="0">
+                <a:solidFill>
+                  <a:schemeClr val="accent1">
+                    <a:lumMod val="75000"/>
+                  </a:schemeClr>
+                </a:solidFill>
+              </a:rPr>
+              <a:t> </a:t>
+            </a:r>
+            <a:r>
+              <a:rPr lang="fr-FR" sz="1700" dirty="0">
+                <a:solidFill>
+                  <a:schemeClr val="accent6">
+                    <a:lumMod val="75000"/>
+                  </a:schemeClr>
+                </a:solidFill>
+              </a:rPr>
+              <a:t>isTheOperationPossible</a:t>
+            </a:r>
+            <a:r>
+              <a:rPr lang="fr-FR" sz="1700" dirty="0">
+                <a:solidFill>
+                  <a:schemeClr val="bg1"/>
+                </a:solidFill>
+              </a:rPr>
+              <a:t>(</a:t>
+            </a:r>
+            <a:r>
+              <a:rPr lang="fr-FR" sz="1700" dirty="0">
+                <a:solidFill>
+                  <a:schemeClr val="accent6">
+                    <a:lumMod val="75000"/>
+                  </a:schemeClr>
+                </a:solidFill>
+              </a:rPr>
+              <a:t>button</a:t>
+            </a:r>
+            <a:r>
+              <a:rPr lang="fr-FR" sz="1700" dirty="0">
+                <a:solidFill>
+                  <a:schemeClr val="bg1"/>
+                </a:solidFill>
+              </a:rPr>
+              <a:t>: </a:t>
+            </a:r>
+            <a:r>
+              <a:rPr lang="fr-FR" sz="1700" dirty="0">
+                <a:solidFill>
+                  <a:srgbClr val="FF85FF"/>
+                </a:solidFill>
+              </a:rPr>
+              <a:t>UIButton</a:t>
+            </a:r>
+            <a:r>
+              <a:rPr lang="fr-FR" sz="1700" dirty="0">
+                <a:solidFill>
+                  <a:schemeClr val="bg1"/>
+                </a:solidFill>
+              </a:rPr>
+              <a:t>)</a:t>
+            </a:r>
+          </a:p>
+          <a:p>
+            <a:r>
+              <a:rPr lang="fr-FR" sz="1700" b="1" dirty="0">
+                <a:solidFill>
+                  <a:schemeClr val="accent1">
+                    <a:lumMod val="75000"/>
+                  </a:schemeClr>
+                </a:solidFill>
+              </a:rPr>
+              <a:t>private</a:t>
+            </a:r>
+            <a:r>
+              <a:rPr lang="fr-FR" sz="1700" dirty="0">
+                <a:solidFill>
+                  <a:schemeClr val="accent1">
+                    <a:lumMod val="75000"/>
+                  </a:schemeClr>
+                </a:solidFill>
+              </a:rPr>
+              <a:t> </a:t>
+            </a:r>
+            <a:r>
+              <a:rPr lang="fr-FR" sz="1700" b="1" dirty="0">
+                <a:solidFill>
+                  <a:schemeClr val="accent1">
+                    <a:lumMod val="75000"/>
+                  </a:schemeClr>
+                </a:solidFill>
+              </a:rPr>
+              <a:t>func</a:t>
+            </a:r>
+            <a:r>
+              <a:rPr lang="fr-FR" sz="1700" dirty="0">
+                <a:solidFill>
+                  <a:schemeClr val="accent1">
+                    <a:lumMod val="75000"/>
+                  </a:schemeClr>
+                </a:solidFill>
+              </a:rPr>
+              <a:t> </a:t>
+            </a:r>
+            <a:r>
+              <a:rPr lang="fr-FR" sz="1700" dirty="0">
+                <a:solidFill>
+                  <a:schemeClr val="accent6">
+                    <a:lumMod val="75000"/>
+                  </a:schemeClr>
+                </a:solidFill>
+              </a:rPr>
+              <a:t>removeWelcomeMessage</a:t>
+            </a:r>
+            <a:r>
+              <a:rPr lang="fr-FR" sz="1700" dirty="0">
+                <a:solidFill>
+                  <a:schemeClr val="bg1"/>
+                </a:solidFill>
+              </a:rPr>
+              <a:t>()</a:t>
+            </a:r>
+          </a:p>
+          <a:p>
+            <a:r>
+              <a:rPr lang="fr-FR" sz="1700" b="1" dirty="0">
+                <a:solidFill>
+                  <a:schemeClr val="accent1">
+                    <a:lumMod val="75000"/>
+                  </a:schemeClr>
+                </a:solidFill>
+              </a:rPr>
+              <a:t>private</a:t>
+            </a:r>
+            <a:r>
+              <a:rPr lang="fr-FR" sz="1700" dirty="0">
+                <a:solidFill>
+                  <a:schemeClr val="accent1">
+                    <a:lumMod val="75000"/>
+                  </a:schemeClr>
+                </a:solidFill>
+              </a:rPr>
+              <a:t> </a:t>
+            </a:r>
+            <a:r>
+              <a:rPr lang="fr-FR" sz="1700" b="1" dirty="0">
+                <a:solidFill>
+                  <a:schemeClr val="accent1">
+                    <a:lumMod val="75000"/>
+                  </a:schemeClr>
+                </a:solidFill>
+              </a:rPr>
+              <a:t>func</a:t>
+            </a:r>
+            <a:r>
+              <a:rPr lang="fr-FR" sz="1700" dirty="0">
+                <a:solidFill>
+                  <a:schemeClr val="accent1">
+                    <a:lumMod val="75000"/>
+                  </a:schemeClr>
+                </a:solidFill>
+              </a:rPr>
+              <a:t> </a:t>
+            </a:r>
+            <a:r>
+              <a:rPr lang="fr-FR" sz="1700" dirty="0">
+                <a:solidFill>
+                  <a:schemeClr val="accent6">
+                    <a:lumMod val="75000"/>
+                  </a:schemeClr>
+                </a:solidFill>
+              </a:rPr>
+              <a:t>didUserFinished</a:t>
+            </a:r>
+            <a:r>
+              <a:rPr lang="fr-FR" sz="1700" dirty="0">
+                <a:solidFill>
+                  <a:schemeClr val="bg1"/>
+                </a:solidFill>
+              </a:rPr>
+              <a:t>()</a:t>
+            </a:r>
+          </a:p>
+          <a:p>
+            <a:r>
+              <a:rPr lang="fr-FR" sz="1700" b="1" dirty="0">
+                <a:solidFill>
+                  <a:schemeClr val="accent1">
+                    <a:lumMod val="75000"/>
+                  </a:schemeClr>
+                </a:solidFill>
+              </a:rPr>
+              <a:t>private</a:t>
+            </a:r>
+            <a:r>
+              <a:rPr lang="fr-FR" sz="1700" dirty="0">
+                <a:solidFill>
+                  <a:schemeClr val="accent1">
+                    <a:lumMod val="75000"/>
+                  </a:schemeClr>
+                </a:solidFill>
+              </a:rPr>
+              <a:t> </a:t>
+            </a:r>
+            <a:r>
+              <a:rPr lang="fr-FR" sz="1700" b="1" dirty="0">
+                <a:solidFill>
+                  <a:schemeClr val="accent1">
+                    <a:lumMod val="75000"/>
+                  </a:schemeClr>
+                </a:solidFill>
+              </a:rPr>
+              <a:t>func</a:t>
+            </a:r>
+            <a:r>
+              <a:rPr lang="fr-FR" sz="1700" dirty="0">
+                <a:solidFill>
+                  <a:schemeClr val="accent1">
+                    <a:lumMod val="75000"/>
+                  </a:schemeClr>
+                </a:solidFill>
+              </a:rPr>
+              <a:t> </a:t>
+            </a:r>
+            <a:r>
+              <a:rPr lang="fr-FR" sz="1700" dirty="0">
+                <a:solidFill>
+                  <a:schemeClr val="accent6">
+                    <a:lumMod val="75000"/>
+                  </a:schemeClr>
+                </a:solidFill>
+              </a:rPr>
+              <a:t>incorrectExpressionError</a:t>
+            </a:r>
+            <a:r>
+              <a:rPr lang="fr-FR" sz="1700" dirty="0">
+                <a:solidFill>
+                  <a:schemeClr val="bg1"/>
+                </a:solidFill>
+              </a:rPr>
+              <a:t>()</a:t>
+            </a:r>
+          </a:p>
+          <a:p>
+            <a:r>
+              <a:rPr lang="fr-FR" sz="1700" b="1" dirty="0">
+                <a:solidFill>
+                  <a:schemeClr val="accent1">
+                    <a:lumMod val="75000"/>
+                  </a:schemeClr>
+                </a:solidFill>
+              </a:rPr>
+              <a:t>private</a:t>
+            </a:r>
+            <a:r>
+              <a:rPr lang="fr-FR" sz="1700" dirty="0">
+                <a:solidFill>
+                  <a:schemeClr val="accent1">
+                    <a:lumMod val="75000"/>
+                  </a:schemeClr>
+                </a:solidFill>
+              </a:rPr>
+              <a:t> </a:t>
+            </a:r>
+            <a:r>
+              <a:rPr lang="fr-FR" sz="1700" b="1" dirty="0">
+                <a:solidFill>
+                  <a:schemeClr val="accent1">
+                    <a:lumMod val="75000"/>
+                  </a:schemeClr>
+                </a:solidFill>
+              </a:rPr>
+              <a:t>func</a:t>
+            </a:r>
+            <a:r>
+              <a:rPr lang="fr-FR" sz="1700" dirty="0">
+                <a:solidFill>
+                  <a:schemeClr val="accent1">
+                    <a:lumMod val="75000"/>
+                  </a:schemeClr>
+                </a:solidFill>
+              </a:rPr>
+              <a:t> </a:t>
+            </a:r>
+            <a:r>
+              <a:rPr lang="fr-FR" sz="1700" dirty="0">
+                <a:solidFill>
+                  <a:schemeClr val="accent6">
+                    <a:lumMod val="75000"/>
+                  </a:schemeClr>
+                </a:solidFill>
+              </a:rPr>
+              <a:t>notEnoughElementsError</a:t>
+            </a:r>
+            <a:r>
+              <a:rPr lang="fr-FR" sz="1700" dirty="0">
+                <a:solidFill>
+                  <a:schemeClr val="bg1"/>
+                </a:solidFill>
+              </a:rPr>
+              <a:t>()</a:t>
+            </a:r>
+          </a:p>
+          <a:p>
+            <a:r>
+              <a:rPr lang="fr-FR" sz="1700" b="1" dirty="0">
+                <a:solidFill>
+                  <a:schemeClr val="accent1">
+                    <a:lumMod val="75000"/>
+                  </a:schemeClr>
+                </a:solidFill>
+              </a:rPr>
+              <a:t>private</a:t>
+            </a:r>
+            <a:r>
+              <a:rPr lang="fr-FR" sz="1700" dirty="0">
+                <a:solidFill>
+                  <a:schemeClr val="accent1">
+                    <a:lumMod val="75000"/>
+                  </a:schemeClr>
+                </a:solidFill>
+              </a:rPr>
+              <a:t> </a:t>
+            </a:r>
+            <a:r>
+              <a:rPr lang="fr-FR" sz="1700" b="1" dirty="0">
+                <a:solidFill>
+                  <a:schemeClr val="accent1">
+                    <a:lumMod val="75000"/>
+                  </a:schemeClr>
+                </a:solidFill>
+              </a:rPr>
+              <a:t>func</a:t>
+            </a:r>
+            <a:r>
+              <a:rPr lang="fr-FR" sz="1700" dirty="0">
+                <a:solidFill>
+                  <a:schemeClr val="accent1">
+                    <a:lumMod val="75000"/>
+                  </a:schemeClr>
+                </a:solidFill>
+              </a:rPr>
+              <a:t> </a:t>
+            </a:r>
+            <a:r>
+              <a:rPr lang="fr-FR" sz="1700" dirty="0">
+                <a:solidFill>
+                  <a:schemeClr val="accent6">
+                    <a:lumMod val="75000"/>
+                  </a:schemeClr>
+                </a:solidFill>
+              </a:rPr>
+              <a:t>unknownOperandError</a:t>
+            </a:r>
+            <a:r>
+              <a:rPr lang="fr-FR" sz="1700" dirty="0">
+                <a:solidFill>
+                  <a:schemeClr val="bg1"/>
+                </a:solidFill>
+              </a:rPr>
+              <a:t>()</a:t>
+            </a:r>
+          </a:p>
+          <a:p>
+            <a:r>
+              <a:rPr lang="fr-FR" sz="1700" b="1" dirty="0">
+                <a:solidFill>
+                  <a:schemeClr val="accent1">
+                    <a:lumMod val="75000"/>
+                  </a:schemeClr>
+                </a:solidFill>
+              </a:rPr>
+              <a:t>private</a:t>
+            </a:r>
+            <a:r>
+              <a:rPr lang="fr-FR" sz="1700" dirty="0">
+                <a:solidFill>
+                  <a:schemeClr val="accent1">
+                    <a:lumMod val="75000"/>
+                  </a:schemeClr>
+                </a:solidFill>
+              </a:rPr>
+              <a:t> </a:t>
+            </a:r>
+            <a:r>
+              <a:rPr lang="fr-FR" sz="1700" b="1" dirty="0">
+                <a:solidFill>
+                  <a:schemeClr val="accent1">
+                    <a:lumMod val="75000"/>
+                  </a:schemeClr>
+                </a:solidFill>
+              </a:rPr>
+              <a:t>func</a:t>
+            </a:r>
+            <a:r>
+              <a:rPr lang="fr-FR" sz="1700" dirty="0">
+                <a:solidFill>
+                  <a:schemeClr val="accent1">
+                    <a:lumMod val="75000"/>
+                  </a:schemeClr>
+                </a:solidFill>
+              </a:rPr>
+              <a:t> </a:t>
+            </a:r>
+            <a:r>
+              <a:rPr lang="fr-FR" sz="1700" dirty="0">
+                <a:solidFill>
+                  <a:schemeClr val="accent6">
+                    <a:lumMod val="75000"/>
+                  </a:schemeClr>
+                </a:solidFill>
+              </a:rPr>
+              <a:t>operandAlreadySetError</a:t>
+            </a:r>
+            <a:r>
+              <a:rPr lang="fr-FR" sz="1700" dirty="0">
+                <a:solidFill>
+                  <a:schemeClr val="bg1"/>
+                </a:solidFill>
+              </a:rPr>
+              <a:t>()</a:t>
+            </a:r>
+          </a:p>
+          <a:p>
+            <a:r>
+              <a:rPr lang="fr-FR" sz="1700" b="1" dirty="0">
+                <a:solidFill>
+                  <a:schemeClr val="accent1">
+                    <a:lumMod val="75000"/>
+                  </a:schemeClr>
+                </a:solidFill>
+              </a:rPr>
+              <a:t>private</a:t>
+            </a:r>
+            <a:r>
+              <a:rPr lang="fr-FR" sz="1700" dirty="0">
+                <a:solidFill>
+                  <a:schemeClr val="accent1">
+                    <a:lumMod val="75000"/>
+                  </a:schemeClr>
+                </a:solidFill>
+              </a:rPr>
+              <a:t> </a:t>
+            </a:r>
+            <a:r>
+              <a:rPr lang="fr-FR" sz="1700" b="1" dirty="0">
+                <a:solidFill>
+                  <a:schemeClr val="accent1">
+                    <a:lumMod val="75000"/>
+                  </a:schemeClr>
+                </a:solidFill>
+              </a:rPr>
+              <a:t>func</a:t>
+            </a:r>
+            <a:r>
+              <a:rPr lang="fr-FR" sz="1700" dirty="0">
+                <a:solidFill>
+                  <a:schemeClr val="accent1">
+                    <a:lumMod val="75000"/>
+                  </a:schemeClr>
+                </a:solidFill>
+              </a:rPr>
+              <a:t> </a:t>
+            </a:r>
+            <a:r>
+              <a:rPr lang="fr-FR" sz="1700" dirty="0">
+                <a:solidFill>
+                  <a:schemeClr val="accent6">
+                    <a:lumMod val="75000"/>
+                  </a:schemeClr>
+                </a:solidFill>
+              </a:rPr>
+              <a:t>dividedBy0Error</a:t>
+            </a:r>
+            <a:r>
+              <a:rPr lang="fr-FR" sz="1700" dirty="0">
+                <a:solidFill>
+                  <a:schemeClr val="bg1"/>
+                </a:solidFill>
+              </a:rPr>
+              <a:t>()</a:t>
+            </a:r>
+          </a:p>
+          <a:p>
+            <a:r>
+              <a:rPr lang="fr-FR" sz="1700" b="1" dirty="0">
+                <a:solidFill>
+                  <a:schemeClr val="accent1">
+                    <a:lumMod val="75000"/>
+                  </a:schemeClr>
+                </a:solidFill>
+              </a:rPr>
+              <a:t>private</a:t>
+            </a:r>
+            <a:r>
+              <a:rPr lang="fr-FR" sz="1700" dirty="0">
+                <a:solidFill>
+                  <a:schemeClr val="accent1">
+                    <a:lumMod val="75000"/>
+                  </a:schemeClr>
+                </a:solidFill>
+              </a:rPr>
+              <a:t> </a:t>
+            </a:r>
+            <a:r>
+              <a:rPr lang="fr-FR" sz="1700" b="1" dirty="0">
+                <a:solidFill>
+                  <a:schemeClr val="accent1">
+                    <a:lumMod val="75000"/>
+                  </a:schemeClr>
+                </a:solidFill>
+              </a:rPr>
+              <a:t>func</a:t>
+            </a:r>
+            <a:r>
+              <a:rPr lang="fr-FR" sz="1700" dirty="0">
+                <a:solidFill>
+                  <a:schemeClr val="accent1">
+                    <a:lumMod val="75000"/>
+                  </a:schemeClr>
+                </a:solidFill>
+              </a:rPr>
+              <a:t> </a:t>
+            </a:r>
+            <a:r>
+              <a:rPr lang="fr-FR" sz="1700" dirty="0">
+                <a:solidFill>
+                  <a:schemeClr val="accent6">
+                    <a:lumMod val="75000"/>
+                  </a:schemeClr>
+                </a:solidFill>
+              </a:rPr>
+              <a:t>doubleCommaError</a:t>
+            </a:r>
+            <a:r>
+              <a:rPr lang="fr-FR" sz="1700" dirty="0">
+                <a:solidFill>
+                  <a:schemeClr val="bg1"/>
+                </a:solidFill>
+              </a:rPr>
+              <a:t>()</a:t>
+            </a:r>
+          </a:p>
+          <a:p>
+            <a:endParaRPr lang="fr-FR" sz="1700" dirty="0">
+              <a:solidFill>
+                <a:schemeClr val="bg1"/>
+              </a:solidFill>
+            </a:endParaRPr>
+          </a:p>
+          <a:p>
+            <a:endParaRPr lang="fr-FR" sz="1700" dirty="0">
+              <a:solidFill>
+                <a:schemeClr val="bg1"/>
+              </a:solidFill>
+            </a:endParaRPr>
+          </a:p>
+          <a:p>
+            <a:endParaRPr lang="fr-FR" sz="1400" dirty="0">
+              <a:solidFill>
+                <a:schemeClr val="bg1"/>
+              </a:solidFill>
+            </a:endParaRPr>
+          </a:p>
+          <a:p>
+            <a:endParaRPr lang="fr-FR" sz="1400" dirty="0">
+              <a:solidFill>
+                <a:schemeClr val="bg1"/>
+              </a:solidFill>
+            </a:endParaRPr>
+          </a:p>
+          <a:p>
+            <a:endParaRPr lang="fr-FR" sz="1400" dirty="0">
+              <a:solidFill>
+                <a:schemeClr val="bg1"/>
+              </a:solidFill>
+            </a:endParaRPr>
+          </a:p>
+          <a:p>
+            <a:endParaRPr lang="fr-FR" sz="1400" dirty="0">
+              <a:solidFill>
+                <a:schemeClr val="bg1"/>
+              </a:solidFill>
+            </a:endParaRPr>
+          </a:p>
+          <a:p>
+            <a:endParaRPr lang="fr-FR" sz="1400" dirty="0">
+              <a:solidFill>
+                <a:schemeClr val="bg1"/>
+              </a:solidFill>
+            </a:endParaRPr>
+          </a:p>
+          <a:p>
+            <a:endParaRPr lang="fr-FR" dirty="0"/>
+          </a:p>
+        </p:txBody>
+      </p:sp>
+    </p:spTree>
+    <p:extLst>
+      <p:ext uri="{BB962C8B-B14F-4D97-AF65-F5344CB8AC3E}">
+        <p14:creationId xmlns:p14="http://schemas.microsoft.com/office/powerpoint/2010/main" val="2906953277"/>
+      </p:ext>
+    </p:extLst>
+  </p:cSld>
+  <p:clrMapOvr>
+    <a:masterClrMapping/>
+  </p:clrMapOvr>
+</p:sld>
+</file>
+
+<file path=ppt/slides/slide6.xml><?xml version="1.0" encoding="utf-8"?>
+<p:sld xmlns:a="http://schemas.openxmlformats.org/drawingml/2006/main" xmlns:r="http://schemas.openxmlformats.org/officeDocument/2006/relationships" xmlns:p="http://schemas.openxmlformats.org/presentationml/2006/main">
+  <p:cSld>
+    <p:spTree>
+      <p:nvGrpSpPr>
+        <p:cNvPr id="1" name=""/>
+        <p:cNvGrpSpPr/>
+        <p:nvPr/>
+      </p:nvGrpSpPr>
+      <p:grpSpPr>
+        <a:xfrm>
+          <a:off x="0" y="0"/>
+          <a:ext cx="0" cy="0"/>
+          <a:chOff x="0" y="0"/>
+          <a:chExt cx="0" cy="0"/>
+        </a:xfrm>
+      </p:grpSpPr>
+      <p:sp>
+        <p:nvSpPr>
+          <p:cNvPr id="2" name="Titre 1">
+            <a:extLst>
+              <a:ext uri="{FF2B5EF4-FFF2-40B4-BE49-F238E27FC236}">
+                <a16:creationId xmlns:a16="http://schemas.microsoft.com/office/drawing/2014/main" id="{53D9D428-9347-9147-8C64-BC146F1F4062}"/>
+              </a:ext>
+            </a:extLst>
+          </p:cNvPr>
+          <p:cNvSpPr>
+            <a:spLocks noGrp="1"/>
+          </p:cNvSpPr>
+          <p:nvPr>
+            <p:ph type="title"/>
+          </p:nvPr>
+        </p:nvSpPr>
+        <p:spPr/>
+        <p:txBody>
+          <a:bodyPr/>
+          <a:lstStyle/>
+          <a:p>
+            <a:r>
+              <a:rPr lang="fr-FR" dirty="0"/>
+              <a:t>Architecture de l’application</a:t>
+            </a:r>
+          </a:p>
+        </p:txBody>
+      </p:sp>
+      <p:sp>
+        <p:nvSpPr>
+          <p:cNvPr id="4" name="ZoneTexte 3">
+            <a:extLst>
+              <a:ext uri="{FF2B5EF4-FFF2-40B4-BE49-F238E27FC236}">
+                <a16:creationId xmlns:a16="http://schemas.microsoft.com/office/drawing/2014/main" id="{FEAF4E1E-12D2-CB47-80E8-A97A46E53F2E}"/>
+              </a:ext>
+            </a:extLst>
+          </p:cNvPr>
+          <p:cNvSpPr txBox="1"/>
+          <p:nvPr/>
+        </p:nvSpPr>
+        <p:spPr>
+          <a:xfrm>
+            <a:off x="305611" y="1457728"/>
+            <a:ext cx="2490523" cy="400110"/>
+          </a:xfrm>
+          <a:prstGeom prst="rect">
+            <a:avLst/>
+          </a:prstGeom>
+          <a:noFill/>
+        </p:spPr>
+        <p:txBody>
+          <a:bodyPr wrap="square" rtlCol="0">
+            <a:spAutoFit/>
+          </a:bodyPr>
+          <a:lstStyle/>
+          <a:p>
+            <a:r>
+              <a:rPr lang="fr-FR" sz="2000" dirty="0"/>
+              <a:t>Count.swift</a:t>
+            </a:r>
+          </a:p>
+        </p:txBody>
+      </p:sp>
+    </p:spTree>
+    <p:extLst>
+      <p:ext uri="{BB962C8B-B14F-4D97-AF65-F5344CB8AC3E}">
+        <p14:creationId xmlns:p14="http://schemas.microsoft.com/office/powerpoint/2010/main" val="2878283855"/>
+      </p:ext>
+    </p:extLst>
+  </p:cSld>
+  <p:clrMapOvr>
+    <a:masterClrMapping/>
+  </p:clrMapOvr>
+</p:sld>
+</file>
+
+<file path=ppt/slides/slide7.xml><?xml version="1.0" encoding="utf-8"?>
 <p:sld xmlns:a="http://schemas.openxmlformats.org/drawingml/2006/main" xmlns:r="http://schemas.openxmlformats.org/officeDocument/2006/relationships" xmlns:p="http://schemas.openxmlformats.org/presentationml/2006/main">
   <p:cSld>
     <p:bg>
@@ -10005,912 +12961,6 @@
     <p:extLst>
       <p:ext uri="{BB962C8B-B14F-4D97-AF65-F5344CB8AC3E}">
         <p14:creationId xmlns:p14="http://schemas.microsoft.com/office/powerpoint/2010/main" val="1812389895"/>
-      </p:ext>
-    </p:extLst>
-  </p:cSld>
-  <p:clrMapOvr>
-    <a:masterClrMapping/>
-  </p:clrMapOvr>
-</p:sld>
-</file>
-
-<file path=ppt/slides/slide5.xml><?xml version="1.0" encoding="utf-8"?>
-<p:sld xmlns:a="http://schemas.openxmlformats.org/drawingml/2006/main" xmlns:r="http://schemas.openxmlformats.org/officeDocument/2006/relationships" xmlns:p="http://schemas.openxmlformats.org/presentationml/2006/main">
-  <p:cSld>
-    <p:bg>
-      <p:bgPr>
-        <a:solidFill>
-          <a:schemeClr val="bg1"/>
-        </a:solidFill>
-        <a:effectLst/>
-      </p:bgPr>
-    </p:bg>
-    <p:spTree>
-      <p:nvGrpSpPr>
-        <p:cNvPr id="1" name=""/>
-        <p:cNvGrpSpPr/>
-        <p:nvPr/>
-      </p:nvGrpSpPr>
-      <p:grpSpPr>
-        <a:xfrm>
-          <a:off x="0" y="0"/>
-          <a:ext cx="0" cy="0"/>
-          <a:chOff x="0" y="0"/>
-          <a:chExt cx="0" cy="0"/>
-        </a:xfrm>
-      </p:grpSpPr>
-      <p:sp useBgFill="1">
-        <p:nvSpPr>
-          <p:cNvPr id="9" name="Rectangle 8">
-            <a:extLst>
-              <a:ext uri="{FF2B5EF4-FFF2-40B4-BE49-F238E27FC236}">
-                <a16:creationId xmlns:a16="http://schemas.microsoft.com/office/drawing/2014/main" id="{460B0EFB-53ED-4F35-B05D-F658EA021C65}"/>
-              </a:ext>
-              <a:ext uri="{C183D7F6-B498-43B3-948B-1728B52AA6E4}">
-                <adec:decorative xmlns:adec="http://schemas.microsoft.com/office/drawing/2017/decorative" val="1"/>
-              </a:ext>
-            </a:extLst>
-          </p:cNvPr>
-          <p:cNvSpPr>
-            <a:spLocks noGrp="1" noRot="1" noChangeAspect="1" noMove="1" noResize="1" noEditPoints="1" noAdjustHandles="1" noChangeArrowheads="1" noChangeShapeType="1" noTextEdit="1"/>
-          </p:cNvSpPr>
-          <p:nvPr>
-            <p:extLst>
-              <p:ext uri="{386F3935-93C4-4BCD-93E2-E3B085C9AB24}">
-                <p16:designElem xmlns:p16="http://schemas.microsoft.com/office/powerpoint/2015/main" val="1"/>
-              </p:ext>
-            </p:extLst>
-          </p:nvPr>
-        </p:nvSpPr>
-        <p:spPr bwMode="white">
-          <a:xfrm>
-            <a:off x="0" y="0"/>
-            <a:ext cx="12192000" cy="6858000"/>
-          </a:xfrm>
-          <a:prstGeom prst="rect">
-            <a:avLst/>
-          </a:prstGeom>
-          <a:ln>
-            <a:noFill/>
-          </a:ln>
-        </p:spPr>
-        <p:style>
-          <a:lnRef idx="2">
-            <a:schemeClr val="accent1">
-              <a:shade val="50000"/>
-            </a:schemeClr>
-          </a:lnRef>
-          <a:fillRef idx="1">
-            <a:schemeClr val="accent1"/>
-          </a:fillRef>
-          <a:effectRef idx="0">
-            <a:schemeClr val="accent1"/>
-          </a:effectRef>
-          <a:fontRef idx="minor">
-            <a:schemeClr val="lt1"/>
-          </a:fontRef>
-        </p:style>
-        <p:txBody>
-          <a:bodyPr rtlCol="0" anchor="ctr"/>
-          <a:lstStyle>
-            <a:defPPr>
-              <a:defRPr lang="en-US"/>
-            </a:defPPr>
-            <a:lvl1pPr marL="0" algn="l" defTabSz="914400" rtl="0" eaLnBrk="1" latinLnBrk="0" hangingPunct="1">
-              <a:defRPr sz="1800" kern="1200">
-                <a:solidFill>
-                  <a:schemeClr val="lt1"/>
-                </a:solidFill>
-                <a:latin typeface="+mn-lt"/>
-                <a:ea typeface="+mn-ea"/>
-                <a:cs typeface="+mn-cs"/>
-              </a:defRPr>
-            </a:lvl1pPr>
-            <a:lvl2pPr marL="457200" algn="l" defTabSz="914400" rtl="0" eaLnBrk="1" latinLnBrk="0" hangingPunct="1">
-              <a:defRPr sz="1800" kern="1200">
-                <a:solidFill>
-                  <a:schemeClr val="lt1"/>
-                </a:solidFill>
-                <a:latin typeface="+mn-lt"/>
-                <a:ea typeface="+mn-ea"/>
-                <a:cs typeface="+mn-cs"/>
-              </a:defRPr>
-            </a:lvl2pPr>
-            <a:lvl3pPr marL="914400" algn="l" defTabSz="914400" rtl="0" eaLnBrk="1" latinLnBrk="0" hangingPunct="1">
-              <a:defRPr sz="1800" kern="1200">
-                <a:solidFill>
-                  <a:schemeClr val="lt1"/>
-                </a:solidFill>
-                <a:latin typeface="+mn-lt"/>
-                <a:ea typeface="+mn-ea"/>
-                <a:cs typeface="+mn-cs"/>
-              </a:defRPr>
-            </a:lvl3pPr>
-            <a:lvl4pPr marL="1371600" algn="l" defTabSz="914400" rtl="0" eaLnBrk="1" latinLnBrk="0" hangingPunct="1">
-              <a:defRPr sz="1800" kern="1200">
-                <a:solidFill>
-                  <a:schemeClr val="lt1"/>
-                </a:solidFill>
-                <a:latin typeface="+mn-lt"/>
-                <a:ea typeface="+mn-ea"/>
-                <a:cs typeface="+mn-cs"/>
-              </a:defRPr>
-            </a:lvl4pPr>
-            <a:lvl5pPr marL="1828800" algn="l" defTabSz="914400" rtl="0" eaLnBrk="1" latinLnBrk="0" hangingPunct="1">
-              <a:defRPr sz="1800" kern="1200">
-                <a:solidFill>
-                  <a:schemeClr val="lt1"/>
-                </a:solidFill>
-                <a:latin typeface="+mn-lt"/>
-                <a:ea typeface="+mn-ea"/>
-                <a:cs typeface="+mn-cs"/>
-              </a:defRPr>
-            </a:lvl5pPr>
-            <a:lvl6pPr marL="2286000" algn="l" defTabSz="914400" rtl="0" eaLnBrk="1" latinLnBrk="0" hangingPunct="1">
-              <a:defRPr sz="1800" kern="1200">
-                <a:solidFill>
-                  <a:schemeClr val="lt1"/>
-                </a:solidFill>
-                <a:latin typeface="+mn-lt"/>
-                <a:ea typeface="+mn-ea"/>
-                <a:cs typeface="+mn-cs"/>
-              </a:defRPr>
-            </a:lvl6pPr>
-            <a:lvl7pPr marL="2743200" algn="l" defTabSz="914400" rtl="0" eaLnBrk="1" latinLnBrk="0" hangingPunct="1">
-              <a:defRPr sz="1800" kern="1200">
-                <a:solidFill>
-                  <a:schemeClr val="lt1"/>
-                </a:solidFill>
-                <a:latin typeface="+mn-lt"/>
-                <a:ea typeface="+mn-ea"/>
-                <a:cs typeface="+mn-cs"/>
-              </a:defRPr>
-            </a:lvl7pPr>
-            <a:lvl8pPr marL="3200400" algn="l" defTabSz="914400" rtl="0" eaLnBrk="1" latinLnBrk="0" hangingPunct="1">
-              <a:defRPr sz="1800" kern="1200">
-                <a:solidFill>
-                  <a:schemeClr val="lt1"/>
-                </a:solidFill>
-                <a:latin typeface="+mn-lt"/>
-                <a:ea typeface="+mn-ea"/>
-                <a:cs typeface="+mn-cs"/>
-              </a:defRPr>
-            </a:lvl8pPr>
-            <a:lvl9pPr marL="3657600" algn="l" defTabSz="914400" rtl="0" eaLnBrk="1" latinLnBrk="0" hangingPunct="1">
-              <a:defRPr sz="1800" kern="1200">
-                <a:solidFill>
-                  <a:schemeClr val="lt1"/>
-                </a:solidFill>
-                <a:latin typeface="+mn-lt"/>
-                <a:ea typeface="+mn-ea"/>
-                <a:cs typeface="+mn-cs"/>
-              </a:defRPr>
-            </a:lvl9pPr>
-          </a:lstStyle>
-          <a:p>
-            <a:pPr marL="0" marR="0" lvl="0" indent="0" algn="ctr" defTabSz="914400" rtl="0" eaLnBrk="1" fontAlgn="auto" latinLnBrk="0" hangingPunct="1">
-              <a:lnSpc>
-                <a:spcPct val="100000"/>
-              </a:lnSpc>
-              <a:spcBef>
-                <a:spcPts val="0"/>
-              </a:spcBef>
-              <a:spcAft>
-                <a:spcPts val="0"/>
-              </a:spcAft>
-              <a:buClrTx/>
-              <a:buSzTx/>
-              <a:buFontTx/>
-              <a:buNone/>
-              <a:tabLst/>
-              <a:defRPr/>
-            </a:pPr>
-            <a:endParaRPr kumimoji="0" lang="en-US" sz="1800" b="0" i="0" u="none" strike="noStrike" kern="1200" cap="none" spc="0" normalizeH="0" baseline="0" noProof="0">
-              <a:ln>
-                <a:noFill/>
-              </a:ln>
-              <a:solidFill>
-                <a:prstClr val="white"/>
-              </a:solidFill>
-              <a:effectLst/>
-              <a:uLnTx/>
-              <a:uFillTx/>
-              <a:latin typeface="Calibri" panose="020F0502020204030204"/>
-              <a:ea typeface="+mn-ea"/>
-              <a:cs typeface="+mn-cs"/>
-            </a:endParaRPr>
-          </a:p>
-        </p:txBody>
-      </p:sp>
-      <p:pic>
-        <p:nvPicPr>
-          <p:cNvPr id="5" name="Picture 4">
-            <a:extLst>
-              <a:ext uri="{FF2B5EF4-FFF2-40B4-BE49-F238E27FC236}">
-                <a16:creationId xmlns:a16="http://schemas.microsoft.com/office/drawing/2014/main" id="{CF445A05-45FA-73B1-D7E6-36DD1B35F26D}"/>
-              </a:ext>
-            </a:extLst>
-          </p:cNvPr>
-          <p:cNvPicPr>
-            <a:picLocks noChangeAspect="1"/>
-          </p:cNvPicPr>
-          <p:nvPr/>
-        </p:nvPicPr>
-        <p:blipFill rotWithShape="1">
-          <a:blip r:embed="rId2"/>
-          <a:srcRect l="15884" r="13314"/>
-          <a:stretch/>
-        </p:blipFill>
-        <p:spPr>
-          <a:xfrm>
-            <a:off x="-7366" y="10"/>
-            <a:ext cx="4855591" cy="6857990"/>
-          </a:xfrm>
-          <a:custGeom>
-            <a:avLst/>
-            <a:gdLst/>
-            <a:ahLst/>
-            <a:cxnLst/>
-            <a:rect l="l" t="t" r="r" b="b"/>
-            <a:pathLst>
-              <a:path w="4636517" h="6858000">
-                <a:moveTo>
-                  <a:pt x="0" y="0"/>
-                </a:moveTo>
-                <a:lnTo>
-                  <a:pt x="4636517" y="0"/>
-                </a:lnTo>
-                <a:lnTo>
-                  <a:pt x="4636517" y="6858000"/>
-                </a:lnTo>
-                <a:lnTo>
-                  <a:pt x="0" y="6858000"/>
-                </a:lnTo>
-                <a:close/>
-              </a:path>
-            </a:pathLst>
-          </a:custGeom>
-        </p:spPr>
-      </p:pic>
-      <p:sp>
-        <p:nvSpPr>
-          <p:cNvPr id="11" name="!!Arc">
-            <a:extLst>
-              <a:ext uri="{FF2B5EF4-FFF2-40B4-BE49-F238E27FC236}">
-                <a16:creationId xmlns:a16="http://schemas.microsoft.com/office/drawing/2014/main" id="{835EF3DD-7D43-4A27-8967-A92FD8CC9365}"/>
-              </a:ext>
-              <a:ext uri="{C183D7F6-B498-43B3-948B-1728B52AA6E4}">
-                <adec:decorative xmlns:adec="http://schemas.microsoft.com/office/drawing/2017/decorative" val="1"/>
-              </a:ext>
-            </a:extLst>
-          </p:cNvPr>
-          <p:cNvSpPr>
-            <a:spLocks noGrp="1" noRot="1" noChangeAspect="1" noMove="1" noResize="1" noEditPoints="1" noAdjustHandles="1" noChangeArrowheads="1" noChangeShapeType="1" noTextEdit="1"/>
-          </p:cNvSpPr>
-          <p:nvPr>
-            <p:extLst>
-              <p:ext uri="{386F3935-93C4-4BCD-93E2-E3B085C9AB24}">
-                <p16:designElem xmlns:p16="http://schemas.microsoft.com/office/powerpoint/2015/main" val="1"/>
-              </p:ext>
-            </p:extLst>
-          </p:nvPr>
-        </p:nvSpPr>
-        <p:spPr>
-          <a:xfrm>
-            <a:off x="8673531" y="407987"/>
-            <a:ext cx="2987899" cy="2987899"/>
-          </a:xfrm>
-          <a:prstGeom prst="arc">
-            <a:avLst>
-              <a:gd name="adj1" fmla="val 16200000"/>
-              <a:gd name="adj2" fmla="val 2563720"/>
-            </a:avLst>
-          </a:prstGeom>
-          <a:ln w="127000" cap="rnd">
-            <a:solidFill>
-              <a:schemeClr val="accent4"/>
-            </a:solidFill>
-            <a:prstDash val="dash"/>
-          </a:ln>
-        </p:spPr>
-        <p:style>
-          <a:lnRef idx="1">
-            <a:schemeClr val="accent1"/>
-          </a:lnRef>
-          <a:fillRef idx="0">
-            <a:schemeClr val="accent1"/>
-          </a:fillRef>
-          <a:effectRef idx="0">
-            <a:schemeClr val="accent1"/>
-          </a:effectRef>
-          <a:fontRef idx="minor">
-            <a:schemeClr val="tx1"/>
-          </a:fontRef>
-        </p:style>
-        <p:txBody>
-          <a:bodyPr rtlCol="0" anchor="ctr"/>
-          <a:lstStyle/>
-          <a:p>
-            <a:pPr marL="0" marR="0" lvl="0" indent="0" algn="ctr" defTabSz="914400" rtl="0" eaLnBrk="1" fontAlgn="auto" latinLnBrk="0" hangingPunct="1">
-              <a:lnSpc>
-                <a:spcPct val="100000"/>
-              </a:lnSpc>
-              <a:spcBef>
-                <a:spcPts val="0"/>
-              </a:spcBef>
-              <a:spcAft>
-                <a:spcPts val="0"/>
-              </a:spcAft>
-              <a:buClrTx/>
-              <a:buSzTx/>
-              <a:buFontTx/>
-              <a:buNone/>
-              <a:tabLst/>
-              <a:defRPr/>
-            </a:pPr>
-            <a:endParaRPr kumimoji="0" lang="en-US" sz="1800" b="0" i="0" u="none" strike="noStrike" kern="1200" cap="none" spc="0" normalizeH="0" baseline="0" noProof="0">
-              <a:ln>
-                <a:noFill/>
-              </a:ln>
-              <a:solidFill>
-                <a:srgbClr val="000000"/>
-              </a:solidFill>
-              <a:effectLst/>
-              <a:uLnTx/>
-              <a:uFillTx/>
-              <a:latin typeface="Calibri" panose="020F0502020204030204"/>
-              <a:ea typeface="+mn-ea"/>
-              <a:cs typeface="+mn-cs"/>
-            </a:endParaRPr>
-          </a:p>
-        </p:txBody>
-      </p:sp>
-      <p:sp>
-        <p:nvSpPr>
-          <p:cNvPr id="2" name="Titre 1">
-            <a:extLst>
-              <a:ext uri="{FF2B5EF4-FFF2-40B4-BE49-F238E27FC236}">
-                <a16:creationId xmlns:a16="http://schemas.microsoft.com/office/drawing/2014/main" id="{1E44158B-576F-5148-99C4-D6F80F71B850}"/>
-              </a:ext>
-            </a:extLst>
-          </p:cNvPr>
-          <p:cNvSpPr>
-            <a:spLocks noGrp="1"/>
-          </p:cNvSpPr>
-          <p:nvPr>
-            <p:ph type="title"/>
-          </p:nvPr>
-        </p:nvSpPr>
-        <p:spPr>
-          <a:xfrm>
-            <a:off x="4586288" y="407987"/>
-            <a:ext cx="6962244" cy="1325563"/>
-          </a:xfrm>
-        </p:spPr>
-        <p:txBody>
-          <a:bodyPr>
-            <a:normAutofit/>
-          </a:bodyPr>
-          <a:lstStyle/>
-          <a:p>
-            <a:r>
-              <a:rPr lang="fr-FR" dirty="0"/>
-              <a:t>Architecture de l’application</a:t>
-            </a:r>
-          </a:p>
-        </p:txBody>
-      </p:sp>
-      <p:pic>
-        <p:nvPicPr>
-          <p:cNvPr id="6" name="Espace réservé du contenu 5">
-            <a:extLst>
-              <a:ext uri="{FF2B5EF4-FFF2-40B4-BE49-F238E27FC236}">
-                <a16:creationId xmlns:a16="http://schemas.microsoft.com/office/drawing/2014/main" id="{330A81DB-8C3A-554E-9757-BB41F2D7B300}"/>
-              </a:ext>
-            </a:extLst>
-          </p:cNvPr>
-          <p:cNvPicPr>
-            <a:picLocks noGrp="1" noChangeAspect="1"/>
-          </p:cNvPicPr>
-          <p:nvPr>
-            <p:ph idx="1"/>
-          </p:nvPr>
-        </p:nvPicPr>
-        <p:blipFill>
-          <a:blip r:embed="rId3"/>
-          <a:stretch>
-            <a:fillRect/>
-          </a:stretch>
-        </p:blipFill>
-        <p:spPr>
-          <a:xfrm>
-            <a:off x="6679796" y="2644594"/>
-            <a:ext cx="4092576" cy="4205009"/>
-          </a:xfrm>
-          <a:prstGeom prst="rect">
-            <a:avLst/>
-          </a:prstGeom>
-          <a:ln>
-            <a:noFill/>
-          </a:ln>
-          <a:effectLst>
-            <a:softEdge rad="112500"/>
-          </a:effectLst>
-        </p:spPr>
-      </p:pic>
-      <p:sp>
-        <p:nvSpPr>
-          <p:cNvPr id="7" name="ZoneTexte 6">
-            <a:extLst>
-              <a:ext uri="{FF2B5EF4-FFF2-40B4-BE49-F238E27FC236}">
-                <a16:creationId xmlns:a16="http://schemas.microsoft.com/office/drawing/2014/main" id="{0CD62528-6C3D-AC46-A900-AAA35DC53B09}"/>
-              </a:ext>
-            </a:extLst>
-          </p:cNvPr>
-          <p:cNvSpPr txBox="1"/>
-          <p:nvPr/>
-        </p:nvSpPr>
-        <p:spPr>
-          <a:xfrm>
-            <a:off x="5038989" y="1777818"/>
-            <a:ext cx="2490523" cy="400110"/>
-          </a:xfrm>
-          <a:prstGeom prst="rect">
-            <a:avLst/>
-          </a:prstGeom>
-          <a:noFill/>
-        </p:spPr>
-        <p:txBody>
-          <a:bodyPr wrap="square" rtlCol="0">
-            <a:spAutoFit/>
-          </a:bodyPr>
-          <a:lstStyle/>
-          <a:p>
-            <a:r>
-              <a:rPr lang="fr-FR" sz="2000" dirty="0"/>
-              <a:t>Arborescence</a:t>
-            </a:r>
-          </a:p>
-        </p:txBody>
-      </p:sp>
-    </p:spTree>
-    <p:extLst>
-      <p:ext uri="{BB962C8B-B14F-4D97-AF65-F5344CB8AC3E}">
-        <p14:creationId xmlns:p14="http://schemas.microsoft.com/office/powerpoint/2010/main" val="4173599290"/>
-      </p:ext>
-    </p:extLst>
-  </p:cSld>
-  <p:clrMapOvr>
-    <a:masterClrMapping/>
-  </p:clrMapOvr>
-</p:sld>
-</file>
-
-<file path=ppt/slides/slide6.xml><?xml version="1.0" encoding="utf-8"?>
-<p:sld xmlns:a="http://schemas.openxmlformats.org/drawingml/2006/main" xmlns:r="http://schemas.openxmlformats.org/officeDocument/2006/relationships" xmlns:p="http://schemas.openxmlformats.org/presentationml/2006/main">
-  <p:cSld>
-    <p:bg>
-      <p:bgPr>
-        <a:solidFill>
-          <a:schemeClr val="bg1"/>
-        </a:solidFill>
-        <a:effectLst/>
-      </p:bgPr>
-    </p:bg>
-    <p:spTree>
-      <p:nvGrpSpPr>
-        <p:cNvPr id="1" name=""/>
-        <p:cNvGrpSpPr/>
-        <p:nvPr/>
-      </p:nvGrpSpPr>
-      <p:grpSpPr>
-        <a:xfrm>
-          <a:off x="0" y="0"/>
-          <a:ext cx="0" cy="0"/>
-          <a:chOff x="0" y="0"/>
-          <a:chExt cx="0" cy="0"/>
-        </a:xfrm>
-      </p:grpSpPr>
-      <p:sp useBgFill="1">
-        <p:nvSpPr>
-          <p:cNvPr id="17" name="Rectangle 8">
-            <a:extLst>
-              <a:ext uri="{FF2B5EF4-FFF2-40B4-BE49-F238E27FC236}">
-                <a16:creationId xmlns:a16="http://schemas.microsoft.com/office/drawing/2014/main" id="{460B0EFB-53ED-4F35-B05D-F658EA021C65}"/>
-              </a:ext>
-              <a:ext uri="{C183D7F6-B498-43B3-948B-1728B52AA6E4}">
-                <adec:decorative xmlns:adec="http://schemas.microsoft.com/office/drawing/2017/decorative" val="1"/>
-              </a:ext>
-            </a:extLst>
-          </p:cNvPr>
-          <p:cNvSpPr>
-            <a:spLocks noGrp="1" noRot="1" noChangeAspect="1" noMove="1" noResize="1" noEditPoints="1" noAdjustHandles="1" noChangeArrowheads="1" noChangeShapeType="1" noTextEdit="1"/>
-          </p:cNvSpPr>
-          <p:nvPr>
-            <p:extLst>
-              <p:ext uri="{386F3935-93C4-4BCD-93E2-E3B085C9AB24}">
-                <p16:designElem xmlns:p16="http://schemas.microsoft.com/office/powerpoint/2015/main" val="1"/>
-              </p:ext>
-            </p:extLst>
-          </p:nvPr>
-        </p:nvSpPr>
-        <p:spPr bwMode="white">
-          <a:xfrm>
-            <a:off x="0" y="0"/>
-            <a:ext cx="12192000" cy="6858000"/>
-          </a:xfrm>
-          <a:prstGeom prst="rect">
-            <a:avLst/>
-          </a:prstGeom>
-          <a:ln>
-            <a:noFill/>
-          </a:ln>
-        </p:spPr>
-        <p:style>
-          <a:lnRef idx="2">
-            <a:schemeClr val="accent1">
-              <a:shade val="50000"/>
-            </a:schemeClr>
-          </a:lnRef>
-          <a:fillRef idx="1">
-            <a:schemeClr val="accent1"/>
-          </a:fillRef>
-          <a:effectRef idx="0">
-            <a:schemeClr val="accent1"/>
-          </a:effectRef>
-          <a:fontRef idx="minor">
-            <a:schemeClr val="lt1"/>
-          </a:fontRef>
-        </p:style>
-        <p:txBody>
-          <a:bodyPr rtlCol="0" anchor="ctr"/>
-          <a:lstStyle>
-            <a:defPPr>
-              <a:defRPr lang="en-US"/>
-            </a:defPPr>
-            <a:lvl1pPr marL="0" algn="l" defTabSz="914400" rtl="0" eaLnBrk="1" latinLnBrk="0" hangingPunct="1">
-              <a:defRPr sz="1800" kern="1200">
-                <a:solidFill>
-                  <a:schemeClr val="lt1"/>
-                </a:solidFill>
-                <a:latin typeface="+mn-lt"/>
-                <a:ea typeface="+mn-ea"/>
-                <a:cs typeface="+mn-cs"/>
-              </a:defRPr>
-            </a:lvl1pPr>
-            <a:lvl2pPr marL="457200" algn="l" defTabSz="914400" rtl="0" eaLnBrk="1" latinLnBrk="0" hangingPunct="1">
-              <a:defRPr sz="1800" kern="1200">
-                <a:solidFill>
-                  <a:schemeClr val="lt1"/>
-                </a:solidFill>
-                <a:latin typeface="+mn-lt"/>
-                <a:ea typeface="+mn-ea"/>
-                <a:cs typeface="+mn-cs"/>
-              </a:defRPr>
-            </a:lvl2pPr>
-            <a:lvl3pPr marL="914400" algn="l" defTabSz="914400" rtl="0" eaLnBrk="1" latinLnBrk="0" hangingPunct="1">
-              <a:defRPr sz="1800" kern="1200">
-                <a:solidFill>
-                  <a:schemeClr val="lt1"/>
-                </a:solidFill>
-                <a:latin typeface="+mn-lt"/>
-                <a:ea typeface="+mn-ea"/>
-                <a:cs typeface="+mn-cs"/>
-              </a:defRPr>
-            </a:lvl3pPr>
-            <a:lvl4pPr marL="1371600" algn="l" defTabSz="914400" rtl="0" eaLnBrk="1" latinLnBrk="0" hangingPunct="1">
-              <a:defRPr sz="1800" kern="1200">
-                <a:solidFill>
-                  <a:schemeClr val="lt1"/>
-                </a:solidFill>
-                <a:latin typeface="+mn-lt"/>
-                <a:ea typeface="+mn-ea"/>
-                <a:cs typeface="+mn-cs"/>
-              </a:defRPr>
-            </a:lvl4pPr>
-            <a:lvl5pPr marL="1828800" algn="l" defTabSz="914400" rtl="0" eaLnBrk="1" latinLnBrk="0" hangingPunct="1">
-              <a:defRPr sz="1800" kern="1200">
-                <a:solidFill>
-                  <a:schemeClr val="lt1"/>
-                </a:solidFill>
-                <a:latin typeface="+mn-lt"/>
-                <a:ea typeface="+mn-ea"/>
-                <a:cs typeface="+mn-cs"/>
-              </a:defRPr>
-            </a:lvl5pPr>
-            <a:lvl6pPr marL="2286000" algn="l" defTabSz="914400" rtl="0" eaLnBrk="1" latinLnBrk="0" hangingPunct="1">
-              <a:defRPr sz="1800" kern="1200">
-                <a:solidFill>
-                  <a:schemeClr val="lt1"/>
-                </a:solidFill>
-                <a:latin typeface="+mn-lt"/>
-                <a:ea typeface="+mn-ea"/>
-                <a:cs typeface="+mn-cs"/>
-              </a:defRPr>
-            </a:lvl6pPr>
-            <a:lvl7pPr marL="2743200" algn="l" defTabSz="914400" rtl="0" eaLnBrk="1" latinLnBrk="0" hangingPunct="1">
-              <a:defRPr sz="1800" kern="1200">
-                <a:solidFill>
-                  <a:schemeClr val="lt1"/>
-                </a:solidFill>
-                <a:latin typeface="+mn-lt"/>
-                <a:ea typeface="+mn-ea"/>
-                <a:cs typeface="+mn-cs"/>
-              </a:defRPr>
-            </a:lvl7pPr>
-            <a:lvl8pPr marL="3200400" algn="l" defTabSz="914400" rtl="0" eaLnBrk="1" latinLnBrk="0" hangingPunct="1">
-              <a:defRPr sz="1800" kern="1200">
-                <a:solidFill>
-                  <a:schemeClr val="lt1"/>
-                </a:solidFill>
-                <a:latin typeface="+mn-lt"/>
-                <a:ea typeface="+mn-ea"/>
-                <a:cs typeface="+mn-cs"/>
-              </a:defRPr>
-            </a:lvl8pPr>
-            <a:lvl9pPr marL="3657600" algn="l" defTabSz="914400" rtl="0" eaLnBrk="1" latinLnBrk="0" hangingPunct="1">
-              <a:defRPr sz="1800" kern="1200">
-                <a:solidFill>
-                  <a:schemeClr val="lt1"/>
-                </a:solidFill>
-                <a:latin typeface="+mn-lt"/>
-                <a:ea typeface="+mn-ea"/>
-                <a:cs typeface="+mn-cs"/>
-              </a:defRPr>
-            </a:lvl9pPr>
-          </a:lstStyle>
-          <a:p>
-            <a:pPr marL="0" marR="0" lvl="0" indent="0" algn="ctr" defTabSz="914400" rtl="0" eaLnBrk="1" fontAlgn="auto" latinLnBrk="0" hangingPunct="1">
-              <a:lnSpc>
-                <a:spcPct val="100000"/>
-              </a:lnSpc>
-              <a:spcBef>
-                <a:spcPts val="0"/>
-              </a:spcBef>
-              <a:spcAft>
-                <a:spcPts val="0"/>
-              </a:spcAft>
-              <a:buClrTx/>
-              <a:buSzTx/>
-              <a:buFontTx/>
-              <a:buNone/>
-              <a:tabLst/>
-              <a:defRPr/>
-            </a:pPr>
-            <a:endParaRPr kumimoji="0" lang="en-US" sz="1800" b="0" i="0" u="none" strike="noStrike" kern="1200" cap="none" spc="0" normalizeH="0" baseline="0" noProof="0">
-              <a:ln>
-                <a:noFill/>
-              </a:ln>
-              <a:solidFill>
-                <a:prstClr val="white"/>
-              </a:solidFill>
-              <a:effectLst/>
-              <a:uLnTx/>
-              <a:uFillTx/>
-              <a:latin typeface="Calibri" panose="020F0502020204030204"/>
-              <a:ea typeface="+mn-ea"/>
-              <a:cs typeface="+mn-cs"/>
-            </a:endParaRPr>
-          </a:p>
-        </p:txBody>
-      </p:sp>
-      <p:pic>
-        <p:nvPicPr>
-          <p:cNvPr id="18" name="Picture 4" descr="101010 data lines to infinity">
-            <a:extLst>
-              <a:ext uri="{FF2B5EF4-FFF2-40B4-BE49-F238E27FC236}">
-                <a16:creationId xmlns:a16="http://schemas.microsoft.com/office/drawing/2014/main" id="{0B411A93-4A95-97DC-87D0-929FF077005C}"/>
-              </a:ext>
-            </a:extLst>
-          </p:cNvPr>
-          <p:cNvPicPr>
-            <a:picLocks noChangeAspect="1"/>
-          </p:cNvPicPr>
-          <p:nvPr/>
-        </p:nvPicPr>
-        <p:blipFill rotWithShape="1">
-          <a:blip r:embed="rId2"/>
-          <a:srcRect l="28830" r="25326" b="1"/>
-          <a:stretch/>
-        </p:blipFill>
-        <p:spPr>
-          <a:xfrm>
-            <a:off x="-7366" y="10"/>
-            <a:ext cx="4855591" cy="6857990"/>
-          </a:xfrm>
-          <a:custGeom>
-            <a:avLst/>
-            <a:gdLst/>
-            <a:ahLst/>
-            <a:cxnLst/>
-            <a:rect l="l" t="t" r="r" b="b"/>
-            <a:pathLst>
-              <a:path w="4636517" h="6858000">
-                <a:moveTo>
-                  <a:pt x="0" y="0"/>
-                </a:moveTo>
-                <a:lnTo>
-                  <a:pt x="4636517" y="0"/>
-                </a:lnTo>
-                <a:lnTo>
-                  <a:pt x="4636517" y="6858000"/>
-                </a:lnTo>
-                <a:lnTo>
-                  <a:pt x="0" y="6858000"/>
-                </a:lnTo>
-                <a:close/>
-              </a:path>
-            </a:pathLst>
-          </a:custGeom>
-        </p:spPr>
-      </p:pic>
-      <p:sp>
-        <p:nvSpPr>
-          <p:cNvPr id="19" name="!!Arc">
-            <a:extLst>
-              <a:ext uri="{FF2B5EF4-FFF2-40B4-BE49-F238E27FC236}">
-                <a16:creationId xmlns:a16="http://schemas.microsoft.com/office/drawing/2014/main" id="{835EF3DD-7D43-4A27-8967-A92FD8CC9365}"/>
-              </a:ext>
-              <a:ext uri="{C183D7F6-B498-43B3-948B-1728B52AA6E4}">
-                <adec:decorative xmlns:adec="http://schemas.microsoft.com/office/drawing/2017/decorative" val="1"/>
-              </a:ext>
-            </a:extLst>
-          </p:cNvPr>
-          <p:cNvSpPr>
-            <a:spLocks noGrp="1" noRot="1" noChangeAspect="1" noMove="1" noResize="1" noEditPoints="1" noAdjustHandles="1" noChangeArrowheads="1" noChangeShapeType="1" noTextEdit="1"/>
-          </p:cNvSpPr>
-          <p:nvPr>
-            <p:extLst>
-              <p:ext uri="{386F3935-93C4-4BCD-93E2-E3B085C9AB24}">
-                <p16:designElem xmlns:p16="http://schemas.microsoft.com/office/powerpoint/2015/main" val="1"/>
-              </p:ext>
-            </p:extLst>
-          </p:nvPr>
-        </p:nvSpPr>
-        <p:spPr>
-          <a:xfrm>
-            <a:off x="8673531" y="407987"/>
-            <a:ext cx="2987899" cy="2987899"/>
-          </a:xfrm>
-          <a:prstGeom prst="arc">
-            <a:avLst>
-              <a:gd name="adj1" fmla="val 16200000"/>
-              <a:gd name="adj2" fmla="val 2563720"/>
-            </a:avLst>
-          </a:prstGeom>
-          <a:ln w="127000" cap="rnd">
-            <a:solidFill>
-              <a:schemeClr val="accent4"/>
-            </a:solidFill>
-            <a:prstDash val="dash"/>
-          </a:ln>
-        </p:spPr>
-        <p:style>
-          <a:lnRef idx="1">
-            <a:schemeClr val="accent1"/>
-          </a:lnRef>
-          <a:fillRef idx="0">
-            <a:schemeClr val="accent1"/>
-          </a:fillRef>
-          <a:effectRef idx="0">
-            <a:schemeClr val="accent1"/>
-          </a:effectRef>
-          <a:fontRef idx="minor">
-            <a:schemeClr val="tx1"/>
-          </a:fontRef>
-        </p:style>
-        <p:txBody>
-          <a:bodyPr rtlCol="0" anchor="ctr"/>
-          <a:lstStyle/>
-          <a:p>
-            <a:pPr marL="0" marR="0" lvl="0" indent="0" algn="ctr" defTabSz="914400" rtl="0" eaLnBrk="1" fontAlgn="auto" latinLnBrk="0" hangingPunct="1">
-              <a:lnSpc>
-                <a:spcPct val="100000"/>
-              </a:lnSpc>
-              <a:spcBef>
-                <a:spcPts val="0"/>
-              </a:spcBef>
-              <a:spcAft>
-                <a:spcPts val="0"/>
-              </a:spcAft>
-              <a:buClrTx/>
-              <a:buSzTx/>
-              <a:buFontTx/>
-              <a:buNone/>
-              <a:tabLst/>
-              <a:defRPr/>
-            </a:pPr>
-            <a:endParaRPr kumimoji="0" lang="en-US" sz="1800" b="0" i="0" u="none" strike="noStrike" kern="1200" cap="none" spc="0" normalizeH="0" baseline="0" noProof="0">
-              <a:ln>
-                <a:noFill/>
-              </a:ln>
-              <a:solidFill>
-                <a:srgbClr val="000000"/>
-              </a:solidFill>
-              <a:effectLst/>
-              <a:uLnTx/>
-              <a:uFillTx/>
-              <a:latin typeface="Calibri" panose="020F0502020204030204"/>
-              <a:ea typeface="+mn-ea"/>
-              <a:cs typeface="+mn-cs"/>
-            </a:endParaRPr>
-          </a:p>
-        </p:txBody>
-      </p:sp>
-      <p:sp>
-        <p:nvSpPr>
-          <p:cNvPr id="2" name="Titre 1">
-            <a:extLst>
-              <a:ext uri="{FF2B5EF4-FFF2-40B4-BE49-F238E27FC236}">
-                <a16:creationId xmlns:a16="http://schemas.microsoft.com/office/drawing/2014/main" id="{7D0E7DFD-BFA0-124F-9E78-D4CBA2F0273A}"/>
-              </a:ext>
-            </a:extLst>
-          </p:cNvPr>
-          <p:cNvSpPr>
-            <a:spLocks noGrp="1"/>
-          </p:cNvSpPr>
-          <p:nvPr>
-            <p:ph type="title"/>
-          </p:nvPr>
-        </p:nvSpPr>
-        <p:spPr>
-          <a:xfrm>
-            <a:off x="4855591" y="407987"/>
-            <a:ext cx="6692941" cy="1325563"/>
-          </a:xfrm>
-        </p:spPr>
-        <p:txBody>
-          <a:bodyPr>
-            <a:normAutofit/>
-          </a:bodyPr>
-          <a:lstStyle/>
-          <a:p>
-            <a:r>
-              <a:rPr lang="fr-FR" dirty="0"/>
-              <a:t>Architecture de l’application</a:t>
-            </a:r>
-          </a:p>
-        </p:txBody>
-      </p:sp>
-      <p:sp>
-        <p:nvSpPr>
-          <p:cNvPr id="12" name="ZoneTexte 11">
-            <a:extLst>
-              <a:ext uri="{FF2B5EF4-FFF2-40B4-BE49-F238E27FC236}">
-                <a16:creationId xmlns:a16="http://schemas.microsoft.com/office/drawing/2014/main" id="{756DF9DF-812E-6C47-BB9B-4FF29CA09DD4}"/>
-              </a:ext>
-            </a:extLst>
-          </p:cNvPr>
-          <p:cNvSpPr txBox="1"/>
-          <p:nvPr/>
-        </p:nvSpPr>
-        <p:spPr>
-          <a:xfrm>
-            <a:off x="5038989" y="1777818"/>
-            <a:ext cx="2490523" cy="400110"/>
-          </a:xfrm>
-          <a:prstGeom prst="rect">
-            <a:avLst/>
-          </a:prstGeom>
-          <a:noFill/>
-        </p:spPr>
-        <p:txBody>
-          <a:bodyPr wrap="square" rtlCol="0">
-            <a:spAutoFit/>
-          </a:bodyPr>
-          <a:lstStyle/>
-          <a:p>
-            <a:r>
-              <a:rPr lang="fr-FR" sz="2000" dirty="0"/>
-              <a:t>ViewController</a:t>
-            </a:r>
-          </a:p>
-        </p:txBody>
-      </p:sp>
-    </p:spTree>
-    <p:extLst>
-      <p:ext uri="{BB962C8B-B14F-4D97-AF65-F5344CB8AC3E}">
-        <p14:creationId xmlns:p14="http://schemas.microsoft.com/office/powerpoint/2010/main" val="2906953277"/>
       </p:ext>
     </p:extLst>
   </p:cSld>

--- a/Horn_Mickael_2_presentation_022122.pptx
+++ b/Horn_Mickael_2_presentation_022122.pptx
@@ -11,7 +11,9 @@
     <p:sldId id="260" r:id="rId5"/>
     <p:sldId id="261" r:id="rId6"/>
     <p:sldId id="262" r:id="rId7"/>
-    <p:sldId id="259" r:id="rId8"/>
+    <p:sldId id="264" r:id="rId8"/>
+    <p:sldId id="259" r:id="rId9"/>
+    <p:sldId id="263" r:id="rId10"/>
   </p:sldIdLst>
   <p:sldSz cx="12192000" cy="6858000"/>
   <p:notesSz cx="6858000" cy="9144000"/>
@@ -118,6 +120,2660 @@
 </p:presentation>
 </file>
 
+<file path=ppt/diagrams/colors1.xml><?xml version="1.0" encoding="utf-8"?>
+<dgm:colorsDef xmlns:dgm="http://schemas.openxmlformats.org/drawingml/2006/diagram" xmlns:a="http://schemas.openxmlformats.org/drawingml/2006/main" uniqueId="urn:microsoft.com/office/officeart/2005/8/colors/accent1_2">
+  <dgm:title val=""/>
+  <dgm:desc val=""/>
+  <dgm:catLst>
+    <dgm:cat type="accent1" pri="11200"/>
+  </dgm:catLst>
+  <dgm:styleLbl name="node0">
+    <dgm:fillClrLst meth="repeat">
+      <a:schemeClr val="accent1"/>
+    </dgm:fillClrLst>
+    <dgm:linClrLst meth="repeat">
+      <a:schemeClr val="lt1"/>
+    </dgm:linClrLst>
+    <dgm:effectClrLst/>
+    <dgm:txLinClrLst/>
+    <dgm:txFillClrLst/>
+    <dgm:txEffectClrLst/>
+  </dgm:styleLbl>
+  <dgm:styleLbl name="alignNode1">
+    <dgm:fillClrLst meth="repeat">
+      <a:schemeClr val="accent1"/>
+    </dgm:fillClrLst>
+    <dgm:linClrLst meth="repeat">
+      <a:schemeClr val="accent1"/>
+    </dgm:linClrLst>
+    <dgm:effectClrLst/>
+    <dgm:txLinClrLst/>
+    <dgm:txFillClrLst/>
+    <dgm:txEffectClrLst/>
+  </dgm:styleLbl>
+  <dgm:styleLbl name="node1">
+    <dgm:fillClrLst meth="repeat">
+      <a:schemeClr val="accent1"/>
+    </dgm:fillClrLst>
+    <dgm:linClrLst meth="repeat">
+      <a:schemeClr val="lt1"/>
+    </dgm:linClrLst>
+    <dgm:effectClrLst/>
+    <dgm:txLinClrLst/>
+    <dgm:txFillClrLst/>
+    <dgm:txEffectClrLst/>
+  </dgm:styleLbl>
+  <dgm:styleLbl name="lnNode1">
+    <dgm:fillClrLst meth="repeat">
+      <a:schemeClr val="accent1"/>
+    </dgm:fillClrLst>
+    <dgm:linClrLst meth="repeat">
+      <a:schemeClr val="lt1"/>
+    </dgm:linClrLst>
+    <dgm:effectClrLst/>
+    <dgm:txLinClrLst/>
+    <dgm:txFillClrLst/>
+    <dgm:txEffectClrLst/>
+  </dgm:styleLbl>
+  <dgm:styleLbl name="vennNode1">
+    <dgm:fillClrLst meth="repeat">
+      <a:schemeClr val="accent1">
+        <a:alpha val="50000"/>
+      </a:schemeClr>
+    </dgm:fillClrLst>
+    <dgm:linClrLst meth="repeat">
+      <a:schemeClr val="lt1"/>
+    </dgm:linClrLst>
+    <dgm:effectClrLst/>
+    <dgm:txLinClrLst/>
+    <dgm:txFillClrLst/>
+    <dgm:txEffectClrLst/>
+  </dgm:styleLbl>
+  <dgm:styleLbl name="node2">
+    <dgm:fillClrLst meth="repeat">
+      <a:schemeClr val="accent1"/>
+    </dgm:fillClrLst>
+    <dgm:linClrLst meth="repeat">
+      <a:schemeClr val="lt1"/>
+    </dgm:linClrLst>
+    <dgm:effectClrLst/>
+    <dgm:txLinClrLst/>
+    <dgm:txFillClrLst/>
+    <dgm:txEffectClrLst/>
+  </dgm:styleLbl>
+  <dgm:styleLbl name="node3">
+    <dgm:fillClrLst meth="repeat">
+      <a:schemeClr val="accent1"/>
+    </dgm:fillClrLst>
+    <dgm:linClrLst meth="repeat">
+      <a:schemeClr val="lt1"/>
+    </dgm:linClrLst>
+    <dgm:effectClrLst/>
+    <dgm:txLinClrLst/>
+    <dgm:txFillClrLst/>
+    <dgm:txEffectClrLst/>
+  </dgm:styleLbl>
+  <dgm:styleLbl name="node4">
+    <dgm:fillClrLst meth="repeat">
+      <a:schemeClr val="accent1"/>
+    </dgm:fillClrLst>
+    <dgm:linClrLst meth="repeat">
+      <a:schemeClr val="lt1"/>
+    </dgm:linClrLst>
+    <dgm:effectClrLst/>
+    <dgm:txLinClrLst/>
+    <dgm:txFillClrLst/>
+    <dgm:txEffectClrLst/>
+  </dgm:styleLbl>
+  <dgm:styleLbl name="fgImgPlace1">
+    <dgm:fillClrLst meth="repeat">
+      <a:schemeClr val="accent1">
+        <a:tint val="50000"/>
+      </a:schemeClr>
+    </dgm:fillClrLst>
+    <dgm:linClrLst meth="repeat">
+      <a:schemeClr val="lt1"/>
+    </dgm:linClrLst>
+    <dgm:effectClrLst/>
+    <dgm:txLinClrLst/>
+    <dgm:txFillClrLst meth="repeat">
+      <a:schemeClr val="lt1"/>
+    </dgm:txFillClrLst>
+    <dgm:txEffectClrLst/>
+  </dgm:styleLbl>
+  <dgm:styleLbl name="alignImgPlace1">
+    <dgm:fillClrLst meth="repeat">
+      <a:schemeClr val="accent1">
+        <a:tint val="50000"/>
+      </a:schemeClr>
+    </dgm:fillClrLst>
+    <dgm:linClrLst meth="repeat">
+      <a:schemeClr val="lt1"/>
+    </dgm:linClrLst>
+    <dgm:effectClrLst/>
+    <dgm:txLinClrLst/>
+    <dgm:txFillClrLst meth="repeat">
+      <a:schemeClr val="lt1"/>
+    </dgm:txFillClrLst>
+    <dgm:txEffectClrLst/>
+  </dgm:styleLbl>
+  <dgm:styleLbl name="bgImgPlace1">
+    <dgm:fillClrLst meth="repeat">
+      <a:schemeClr val="accent1">
+        <a:tint val="50000"/>
+      </a:schemeClr>
+    </dgm:fillClrLst>
+    <dgm:linClrLst meth="repeat">
+      <a:schemeClr val="lt1"/>
+    </dgm:linClrLst>
+    <dgm:effectClrLst/>
+    <dgm:txLinClrLst/>
+    <dgm:txFillClrLst meth="repeat">
+      <a:schemeClr val="lt1"/>
+    </dgm:txFillClrLst>
+    <dgm:txEffectClrLst/>
+  </dgm:styleLbl>
+  <dgm:styleLbl name="sibTrans2D1">
+    <dgm:fillClrLst meth="repeat">
+      <a:schemeClr val="accent1">
+        <a:tint val="60000"/>
+      </a:schemeClr>
+    </dgm:fillClrLst>
+    <dgm:linClrLst meth="repeat">
+      <a:schemeClr val="accent1">
+        <a:tint val="60000"/>
+      </a:schemeClr>
+    </dgm:linClrLst>
+    <dgm:effectClrLst/>
+    <dgm:txLinClrLst/>
+    <dgm:txFillClrLst/>
+    <dgm:txEffectClrLst/>
+  </dgm:styleLbl>
+  <dgm:styleLbl name="fgSibTrans2D1">
+    <dgm:fillClrLst meth="repeat">
+      <a:schemeClr val="accent1">
+        <a:tint val="60000"/>
+      </a:schemeClr>
+    </dgm:fillClrLst>
+    <dgm:linClrLst meth="repeat">
+      <a:schemeClr val="accent1">
+        <a:tint val="60000"/>
+      </a:schemeClr>
+    </dgm:linClrLst>
+    <dgm:effectClrLst/>
+    <dgm:txLinClrLst/>
+    <dgm:txFillClrLst/>
+    <dgm:txEffectClrLst/>
+  </dgm:styleLbl>
+  <dgm:styleLbl name="bgSibTrans2D1">
+    <dgm:fillClrLst meth="repeat">
+      <a:schemeClr val="accent1">
+        <a:tint val="60000"/>
+      </a:schemeClr>
+    </dgm:fillClrLst>
+    <dgm:linClrLst meth="repeat">
+      <a:schemeClr val="accent1">
+        <a:tint val="60000"/>
+      </a:schemeClr>
+    </dgm:linClrLst>
+    <dgm:effectClrLst/>
+    <dgm:txLinClrLst/>
+    <dgm:txFillClrLst/>
+    <dgm:txEffectClrLst/>
+  </dgm:styleLbl>
+  <dgm:styleLbl name="sibTrans1D1">
+    <dgm:fillClrLst meth="repeat">
+      <a:schemeClr val="accent1"/>
+    </dgm:fillClrLst>
+    <dgm:linClrLst meth="repeat">
+      <a:schemeClr val="accent1"/>
+    </dgm:linClrLst>
+    <dgm:effectClrLst/>
+    <dgm:txLinClrLst/>
+    <dgm:txFillClrLst meth="repeat">
+      <a:schemeClr val="tx1"/>
+    </dgm:txFillClrLst>
+    <dgm:txEffectClrLst/>
+  </dgm:styleLbl>
+  <dgm:styleLbl name="callout">
+    <dgm:fillClrLst meth="repeat">
+      <a:schemeClr val="accent1"/>
+    </dgm:fillClrLst>
+    <dgm:linClrLst meth="repeat">
+      <a:schemeClr val="accent1">
+        <a:tint val="50000"/>
+      </a:schemeClr>
+    </dgm:linClrLst>
+    <dgm:effectClrLst/>
+    <dgm:txLinClrLst/>
+    <dgm:txFillClrLst meth="repeat">
+      <a:schemeClr val="tx1"/>
+    </dgm:txFillClrLst>
+    <dgm:txEffectClrLst/>
+  </dgm:styleLbl>
+  <dgm:styleLbl name="asst0">
+    <dgm:fillClrLst meth="repeat">
+      <a:schemeClr val="accent1"/>
+    </dgm:fillClrLst>
+    <dgm:linClrLst meth="repeat">
+      <a:schemeClr val="lt1"/>
+    </dgm:linClrLst>
+    <dgm:effectClrLst/>
+    <dgm:txLinClrLst/>
+    <dgm:txFillClrLst/>
+    <dgm:txEffectClrLst/>
+  </dgm:styleLbl>
+  <dgm:styleLbl name="asst1">
+    <dgm:fillClrLst meth="repeat">
+      <a:schemeClr val="accent1"/>
+    </dgm:fillClrLst>
+    <dgm:linClrLst meth="repeat">
+      <a:schemeClr val="lt1"/>
+    </dgm:linClrLst>
+    <dgm:effectClrLst/>
+    <dgm:txLinClrLst/>
+    <dgm:txFillClrLst/>
+    <dgm:txEffectClrLst/>
+  </dgm:styleLbl>
+  <dgm:styleLbl name="asst2">
+    <dgm:fillClrLst meth="repeat">
+      <a:schemeClr val="accent1"/>
+    </dgm:fillClrLst>
+    <dgm:linClrLst meth="repeat">
+      <a:schemeClr val="lt1"/>
+    </dgm:linClrLst>
+    <dgm:effectClrLst/>
+    <dgm:txLinClrLst/>
+    <dgm:txFillClrLst/>
+    <dgm:txEffectClrLst/>
+  </dgm:styleLbl>
+  <dgm:styleLbl name="asst3">
+    <dgm:fillClrLst meth="repeat">
+      <a:schemeClr val="accent1"/>
+    </dgm:fillClrLst>
+    <dgm:linClrLst meth="repeat">
+      <a:schemeClr val="lt1"/>
+    </dgm:linClrLst>
+    <dgm:effectClrLst/>
+    <dgm:txLinClrLst/>
+    <dgm:txFillClrLst/>
+    <dgm:txEffectClrLst/>
+  </dgm:styleLbl>
+  <dgm:styleLbl name="asst4">
+    <dgm:fillClrLst meth="repeat">
+      <a:schemeClr val="accent1"/>
+    </dgm:fillClrLst>
+    <dgm:linClrLst meth="repeat">
+      <a:schemeClr val="lt1"/>
+    </dgm:linClrLst>
+    <dgm:effectClrLst/>
+    <dgm:txLinClrLst/>
+    <dgm:txFillClrLst/>
+    <dgm:txEffectClrLst/>
+  </dgm:styleLbl>
+  <dgm:styleLbl name="parChTrans2D1">
+    <dgm:fillClrLst meth="repeat">
+      <a:schemeClr val="accent1">
+        <a:tint val="60000"/>
+      </a:schemeClr>
+    </dgm:fillClrLst>
+    <dgm:linClrLst meth="repeat">
+      <a:schemeClr val="accent1">
+        <a:tint val="60000"/>
+      </a:schemeClr>
+    </dgm:linClrLst>
+    <dgm:effectClrLst/>
+    <dgm:txLinClrLst/>
+    <dgm:txFillClrLst meth="repeat">
+      <a:schemeClr val="lt1"/>
+    </dgm:txFillClrLst>
+    <dgm:txEffectClrLst/>
+  </dgm:styleLbl>
+  <dgm:styleLbl name="parChTrans2D2">
+    <dgm:fillClrLst meth="repeat">
+      <a:schemeClr val="accent1"/>
+    </dgm:fillClrLst>
+    <dgm:linClrLst meth="repeat">
+      <a:schemeClr val="accent1"/>
+    </dgm:linClrLst>
+    <dgm:effectClrLst/>
+    <dgm:txLinClrLst/>
+    <dgm:txFillClrLst meth="repeat">
+      <a:schemeClr val="lt1"/>
+    </dgm:txFillClrLst>
+    <dgm:txEffectClrLst/>
+  </dgm:styleLbl>
+  <dgm:styleLbl name="parChTrans2D3">
+    <dgm:fillClrLst meth="repeat">
+      <a:schemeClr val="accent1"/>
+    </dgm:fillClrLst>
+    <dgm:linClrLst meth="repeat">
+      <a:schemeClr val="accent1"/>
+    </dgm:linClrLst>
+    <dgm:effectClrLst/>
+    <dgm:txLinClrLst/>
+    <dgm:txFillClrLst meth="repeat">
+      <a:schemeClr val="lt1"/>
+    </dgm:txFillClrLst>
+    <dgm:txEffectClrLst/>
+  </dgm:styleLbl>
+  <dgm:styleLbl name="parChTrans2D4">
+    <dgm:fillClrLst meth="repeat">
+      <a:schemeClr val="accent1"/>
+    </dgm:fillClrLst>
+    <dgm:linClrLst meth="repeat">
+      <a:schemeClr val="accent1"/>
+    </dgm:linClrLst>
+    <dgm:effectClrLst/>
+    <dgm:txLinClrLst/>
+    <dgm:txFillClrLst meth="repeat">
+      <a:schemeClr val="lt1"/>
+    </dgm:txFillClrLst>
+    <dgm:txEffectClrLst/>
+  </dgm:styleLbl>
+  <dgm:styleLbl name="parChTrans1D1">
+    <dgm:fillClrLst meth="repeat">
+      <a:schemeClr val="accent1"/>
+    </dgm:fillClrLst>
+    <dgm:linClrLst meth="repeat">
+      <a:schemeClr val="accent1">
+        <a:shade val="60000"/>
+      </a:schemeClr>
+    </dgm:linClrLst>
+    <dgm:effectClrLst/>
+    <dgm:txLinClrLst/>
+    <dgm:txFillClrLst meth="repeat">
+      <a:schemeClr val="tx1"/>
+    </dgm:txFillClrLst>
+    <dgm:txEffectClrLst/>
+  </dgm:styleLbl>
+  <dgm:styleLbl name="parChTrans1D2">
+    <dgm:fillClrLst meth="repeat">
+      <a:schemeClr val="accent1"/>
+    </dgm:fillClrLst>
+    <dgm:linClrLst meth="repeat">
+      <a:schemeClr val="accent1">
+        <a:shade val="60000"/>
+      </a:schemeClr>
+    </dgm:linClrLst>
+    <dgm:effectClrLst/>
+    <dgm:txLinClrLst/>
+    <dgm:txFillClrLst meth="repeat">
+      <a:schemeClr val="tx1"/>
+    </dgm:txFillClrLst>
+    <dgm:txEffectClrLst/>
+  </dgm:styleLbl>
+  <dgm:styleLbl name="parChTrans1D3">
+    <dgm:fillClrLst meth="repeat">
+      <a:schemeClr val="accent1"/>
+    </dgm:fillClrLst>
+    <dgm:linClrLst meth="repeat">
+      <a:schemeClr val="accent1">
+        <a:shade val="80000"/>
+      </a:schemeClr>
+    </dgm:linClrLst>
+    <dgm:effectClrLst/>
+    <dgm:txLinClrLst/>
+    <dgm:txFillClrLst meth="repeat">
+      <a:schemeClr val="tx1"/>
+    </dgm:txFillClrLst>
+    <dgm:txEffectClrLst/>
+  </dgm:styleLbl>
+  <dgm:styleLbl name="parChTrans1D4">
+    <dgm:fillClrLst meth="repeat">
+      <a:schemeClr val="accent1"/>
+    </dgm:fillClrLst>
+    <dgm:linClrLst meth="repeat">
+      <a:schemeClr val="accent1">
+        <a:shade val="80000"/>
+      </a:schemeClr>
+    </dgm:linClrLst>
+    <dgm:effectClrLst/>
+    <dgm:txLinClrLst/>
+    <dgm:txFillClrLst meth="repeat">
+      <a:schemeClr val="tx1"/>
+    </dgm:txFillClrLst>
+    <dgm:txEffectClrLst/>
+  </dgm:styleLbl>
+  <dgm:styleLbl name="fgAcc1">
+    <dgm:fillClrLst meth="repeat">
+      <a:schemeClr val="lt1">
+        <a:alpha val="90000"/>
+      </a:schemeClr>
+    </dgm:fillClrLst>
+    <dgm:linClrLst meth="repeat">
+      <a:schemeClr val="accent1"/>
+    </dgm:linClrLst>
+    <dgm:effectClrLst/>
+    <dgm:txLinClrLst/>
+    <dgm:txFillClrLst meth="repeat">
+      <a:schemeClr val="dk1"/>
+    </dgm:txFillClrLst>
+    <dgm:txEffectClrLst/>
+  </dgm:styleLbl>
+  <dgm:styleLbl name="conFgAcc1">
+    <dgm:fillClrLst meth="repeat">
+      <a:schemeClr val="lt1">
+        <a:alpha val="90000"/>
+      </a:schemeClr>
+    </dgm:fillClrLst>
+    <dgm:linClrLst meth="repeat">
+      <a:schemeClr val="accent1"/>
+    </dgm:linClrLst>
+    <dgm:effectClrLst/>
+    <dgm:txLinClrLst/>
+    <dgm:txFillClrLst meth="repeat">
+      <a:schemeClr val="dk1"/>
+    </dgm:txFillClrLst>
+    <dgm:txEffectClrLst/>
+  </dgm:styleLbl>
+  <dgm:styleLbl name="alignAcc1">
+    <dgm:fillClrLst meth="repeat">
+      <a:schemeClr val="lt1">
+        <a:alpha val="90000"/>
+      </a:schemeClr>
+    </dgm:fillClrLst>
+    <dgm:linClrLst meth="repeat">
+      <a:schemeClr val="accent1"/>
+    </dgm:linClrLst>
+    <dgm:effectClrLst/>
+    <dgm:txLinClrLst/>
+    <dgm:txFillClrLst meth="repeat">
+      <a:schemeClr val="dk1"/>
+    </dgm:txFillClrLst>
+    <dgm:txEffectClrLst/>
+  </dgm:styleLbl>
+  <dgm:styleLbl name="trAlignAcc1">
+    <dgm:fillClrLst meth="repeat">
+      <a:schemeClr val="lt1">
+        <a:alpha val="40000"/>
+      </a:schemeClr>
+    </dgm:fillClrLst>
+    <dgm:linClrLst meth="repeat">
+      <a:schemeClr val="accent1"/>
+    </dgm:linClrLst>
+    <dgm:effectClrLst/>
+    <dgm:txLinClrLst/>
+    <dgm:txFillClrLst meth="repeat">
+      <a:schemeClr val="dk1"/>
+    </dgm:txFillClrLst>
+    <dgm:txEffectClrLst/>
+  </dgm:styleLbl>
+  <dgm:styleLbl name="bgAcc1">
+    <dgm:fillClrLst meth="repeat">
+      <a:schemeClr val="lt1">
+        <a:alpha val="90000"/>
+      </a:schemeClr>
+    </dgm:fillClrLst>
+    <dgm:linClrLst meth="repeat">
+      <a:schemeClr val="accent1"/>
+    </dgm:linClrLst>
+    <dgm:effectClrLst/>
+    <dgm:txLinClrLst/>
+    <dgm:txFillClrLst meth="repeat">
+      <a:schemeClr val="dk1"/>
+    </dgm:txFillClrLst>
+    <dgm:txEffectClrLst/>
+  </dgm:styleLbl>
+  <dgm:styleLbl name="solidFgAcc1">
+    <dgm:fillClrLst meth="repeat">
+      <a:schemeClr val="lt1"/>
+    </dgm:fillClrLst>
+    <dgm:linClrLst meth="repeat">
+      <a:schemeClr val="accent1"/>
+    </dgm:linClrLst>
+    <dgm:effectClrLst/>
+    <dgm:txLinClrLst/>
+    <dgm:txFillClrLst meth="repeat">
+      <a:schemeClr val="dk1"/>
+    </dgm:txFillClrLst>
+    <dgm:txEffectClrLst/>
+  </dgm:styleLbl>
+  <dgm:styleLbl name="solidAlignAcc1">
+    <dgm:fillClrLst meth="repeat">
+      <a:schemeClr val="lt1"/>
+    </dgm:fillClrLst>
+    <dgm:linClrLst meth="repeat">
+      <a:schemeClr val="accent1"/>
+    </dgm:linClrLst>
+    <dgm:effectClrLst/>
+    <dgm:txLinClrLst/>
+    <dgm:txFillClrLst meth="repeat">
+      <a:schemeClr val="dk1"/>
+    </dgm:txFillClrLst>
+    <dgm:txEffectClrLst/>
+  </dgm:styleLbl>
+  <dgm:styleLbl name="solidBgAcc1">
+    <dgm:fillClrLst meth="repeat">
+      <a:schemeClr val="lt1"/>
+    </dgm:fillClrLst>
+    <dgm:linClrLst meth="repeat">
+      <a:schemeClr val="accent1"/>
+    </dgm:linClrLst>
+    <dgm:effectClrLst/>
+    <dgm:txLinClrLst/>
+    <dgm:txFillClrLst meth="repeat">
+      <a:schemeClr val="dk1"/>
+    </dgm:txFillClrLst>
+    <dgm:txEffectClrLst/>
+  </dgm:styleLbl>
+  <dgm:styleLbl name="fgAccFollowNode1">
+    <dgm:fillClrLst meth="repeat">
+      <a:schemeClr val="accent1">
+        <a:alpha val="90000"/>
+        <a:tint val="40000"/>
+      </a:schemeClr>
+    </dgm:fillClrLst>
+    <dgm:linClrLst meth="repeat">
+      <a:schemeClr val="accent1">
+        <a:alpha val="90000"/>
+        <a:tint val="40000"/>
+      </a:schemeClr>
+    </dgm:linClrLst>
+    <dgm:effectClrLst/>
+    <dgm:txLinClrLst/>
+    <dgm:txFillClrLst meth="repeat">
+      <a:schemeClr val="dk1"/>
+    </dgm:txFillClrLst>
+    <dgm:txEffectClrLst/>
+  </dgm:styleLbl>
+  <dgm:styleLbl name="alignAccFollowNode1">
+    <dgm:fillClrLst meth="repeat">
+      <a:schemeClr val="accent1">
+        <a:alpha val="90000"/>
+        <a:tint val="40000"/>
+      </a:schemeClr>
+    </dgm:fillClrLst>
+    <dgm:linClrLst meth="repeat">
+      <a:schemeClr val="accent1">
+        <a:alpha val="90000"/>
+        <a:tint val="40000"/>
+      </a:schemeClr>
+    </dgm:linClrLst>
+    <dgm:effectClrLst/>
+    <dgm:txLinClrLst/>
+    <dgm:txFillClrLst meth="repeat">
+      <a:schemeClr val="dk1"/>
+    </dgm:txFillClrLst>
+    <dgm:txEffectClrLst/>
+  </dgm:styleLbl>
+  <dgm:styleLbl name="bgAccFollowNode1">
+    <dgm:fillClrLst meth="repeat">
+      <a:schemeClr val="accent1">
+        <a:alpha val="90000"/>
+        <a:tint val="40000"/>
+      </a:schemeClr>
+    </dgm:fillClrLst>
+    <dgm:linClrLst meth="repeat">
+      <a:schemeClr val="accent1">
+        <a:alpha val="90000"/>
+        <a:tint val="40000"/>
+      </a:schemeClr>
+    </dgm:linClrLst>
+    <dgm:effectClrLst/>
+    <dgm:txLinClrLst/>
+    <dgm:txFillClrLst meth="repeat">
+      <a:schemeClr val="dk1"/>
+    </dgm:txFillClrLst>
+    <dgm:txEffectClrLst/>
+  </dgm:styleLbl>
+  <dgm:styleLbl name="fgAcc0">
+    <dgm:fillClrLst meth="repeat">
+      <a:schemeClr val="lt1">
+        <a:alpha val="90000"/>
+      </a:schemeClr>
+    </dgm:fillClrLst>
+    <dgm:linClrLst meth="repeat">
+      <a:schemeClr val="accent1"/>
+    </dgm:linClrLst>
+    <dgm:effectClrLst/>
+    <dgm:txLinClrLst/>
+    <dgm:txFillClrLst meth="repeat">
+      <a:schemeClr val="dk1"/>
+    </dgm:txFillClrLst>
+    <dgm:txEffectClrLst/>
+  </dgm:styleLbl>
+  <dgm:styleLbl name="fgAcc2">
+    <dgm:fillClrLst meth="repeat">
+      <a:schemeClr val="lt1">
+        <a:alpha val="90000"/>
+      </a:schemeClr>
+    </dgm:fillClrLst>
+    <dgm:linClrLst meth="repeat">
+      <a:schemeClr val="accent1"/>
+    </dgm:linClrLst>
+    <dgm:effectClrLst/>
+    <dgm:txLinClrLst/>
+    <dgm:txFillClrLst meth="repeat">
+      <a:schemeClr val="dk1"/>
+    </dgm:txFillClrLst>
+    <dgm:txEffectClrLst/>
+  </dgm:styleLbl>
+  <dgm:styleLbl name="fgAcc3">
+    <dgm:fillClrLst meth="repeat">
+      <a:schemeClr val="lt1">
+        <a:alpha val="90000"/>
+      </a:schemeClr>
+    </dgm:fillClrLst>
+    <dgm:linClrLst meth="repeat">
+      <a:schemeClr val="accent1"/>
+    </dgm:linClrLst>
+    <dgm:effectClrLst/>
+    <dgm:txLinClrLst/>
+    <dgm:txFillClrLst meth="repeat">
+      <a:schemeClr val="dk1"/>
+    </dgm:txFillClrLst>
+    <dgm:txEffectClrLst/>
+  </dgm:styleLbl>
+  <dgm:styleLbl name="fgAcc4">
+    <dgm:fillClrLst meth="repeat">
+      <a:schemeClr val="lt1">
+        <a:alpha val="90000"/>
+      </a:schemeClr>
+    </dgm:fillClrLst>
+    <dgm:linClrLst meth="repeat">
+      <a:schemeClr val="accent1"/>
+    </dgm:linClrLst>
+    <dgm:effectClrLst/>
+    <dgm:txLinClrLst/>
+    <dgm:txFillClrLst meth="repeat">
+      <a:schemeClr val="dk1"/>
+    </dgm:txFillClrLst>
+    <dgm:txEffectClrLst/>
+  </dgm:styleLbl>
+  <dgm:styleLbl name="bgShp">
+    <dgm:fillClrLst meth="repeat">
+      <a:schemeClr val="accent1">
+        <a:tint val="40000"/>
+      </a:schemeClr>
+    </dgm:fillClrLst>
+    <dgm:linClrLst meth="repeat">
+      <a:schemeClr val="accent1"/>
+    </dgm:linClrLst>
+    <dgm:effectClrLst/>
+    <dgm:txLinClrLst/>
+    <dgm:txFillClrLst meth="repeat">
+      <a:schemeClr val="dk1"/>
+    </dgm:txFillClrLst>
+    <dgm:txEffectClrLst/>
+  </dgm:styleLbl>
+  <dgm:styleLbl name="dkBgShp">
+    <dgm:fillClrLst meth="repeat">
+      <a:schemeClr val="accent1">
+        <a:shade val="80000"/>
+      </a:schemeClr>
+    </dgm:fillClrLst>
+    <dgm:linClrLst meth="repeat">
+      <a:schemeClr val="accent1"/>
+    </dgm:linClrLst>
+    <dgm:effectClrLst/>
+    <dgm:txLinClrLst/>
+    <dgm:txFillClrLst meth="repeat">
+      <a:schemeClr val="lt1"/>
+    </dgm:txFillClrLst>
+    <dgm:txEffectClrLst/>
+  </dgm:styleLbl>
+  <dgm:styleLbl name="trBgShp">
+    <dgm:fillClrLst meth="repeat">
+      <a:schemeClr val="accent1">
+        <a:tint val="50000"/>
+        <a:alpha val="40000"/>
+      </a:schemeClr>
+    </dgm:fillClrLst>
+    <dgm:linClrLst meth="repeat">
+      <a:schemeClr val="accent1"/>
+    </dgm:linClrLst>
+    <dgm:effectClrLst/>
+    <dgm:txLinClrLst/>
+    <dgm:txFillClrLst meth="repeat">
+      <a:schemeClr val="lt1"/>
+    </dgm:txFillClrLst>
+    <dgm:txEffectClrLst/>
+  </dgm:styleLbl>
+  <dgm:styleLbl name="fgShp">
+    <dgm:fillClrLst meth="repeat">
+      <a:schemeClr val="accent1">
+        <a:tint val="60000"/>
+      </a:schemeClr>
+    </dgm:fillClrLst>
+    <dgm:linClrLst meth="repeat">
+      <a:schemeClr val="lt1"/>
+    </dgm:linClrLst>
+    <dgm:effectClrLst/>
+    <dgm:txLinClrLst/>
+    <dgm:txFillClrLst meth="repeat">
+      <a:schemeClr val="dk1"/>
+    </dgm:txFillClrLst>
+    <dgm:txEffectClrLst/>
+  </dgm:styleLbl>
+  <dgm:styleLbl name="revTx">
+    <dgm:fillClrLst meth="repeat">
+      <a:schemeClr val="lt1">
+        <a:alpha val="0"/>
+      </a:schemeClr>
+    </dgm:fillClrLst>
+    <dgm:linClrLst meth="repeat">
+      <a:schemeClr val="dk1">
+        <a:alpha val="0"/>
+      </a:schemeClr>
+    </dgm:linClrLst>
+    <dgm:effectClrLst/>
+    <dgm:txLinClrLst/>
+    <dgm:txFillClrLst meth="repeat">
+      <a:schemeClr val="tx1"/>
+    </dgm:txFillClrLst>
+    <dgm:txEffectClrLst/>
+  </dgm:styleLbl>
+</dgm:colorsDef>
+</file>
+
+<file path=ppt/diagrams/data1.xml><?xml version="1.0" encoding="utf-8"?>
+<dgm:dataModel xmlns:dgm="http://schemas.openxmlformats.org/drawingml/2006/diagram" xmlns:a="http://schemas.openxmlformats.org/drawingml/2006/main">
+  <dgm:ptLst>
+    <dgm:pt modelId="{25DDCFC0-3391-444C-BC7F-DC9D4D526D13}" type="doc">
+      <dgm:prSet loTypeId="urn:microsoft.com/office/officeart/2018/2/layout/IconLabelList" loCatId="icon" qsTypeId="urn:microsoft.com/office/officeart/2005/8/quickstyle/simple1" qsCatId="simple" csTypeId="urn:microsoft.com/office/officeart/2005/8/colors/accent1_2" csCatId="accent1" phldr="1"/>
+      <dgm:spPr/>
+      <dgm:t>
+        <a:bodyPr/>
+        <a:lstStyle/>
+        <a:p>
+          <a:endParaRPr lang="en-US"/>
+        </a:p>
+      </dgm:t>
+    </dgm:pt>
+    <dgm:pt modelId="{8966E34C-6390-4EF3-B877-436ED1F956C8}">
+      <dgm:prSet/>
+      <dgm:spPr/>
+      <dgm:t>
+        <a:bodyPr/>
+        <a:lstStyle/>
+        <a:p>
+          <a:pPr>
+            <a:lnSpc>
+              <a:spcPct val="100000"/>
+            </a:lnSpc>
+          </a:pPr>
+          <a:r>
+            <a:rPr lang="fr-FR" dirty="0"/>
+            <a:t>Feedback</a:t>
+          </a:r>
+          <a:endParaRPr lang="en-US" dirty="0"/>
+        </a:p>
+      </dgm:t>
+    </dgm:pt>
+    <dgm:pt modelId="{54FE0124-F812-4839-AD4E-CA5DF288B1B4}" type="parTrans" cxnId="{B025E8AD-FD68-4DF0-8978-0288B6207435}">
+      <dgm:prSet/>
+      <dgm:spPr/>
+      <dgm:t>
+        <a:bodyPr/>
+        <a:lstStyle/>
+        <a:p>
+          <a:endParaRPr lang="en-US"/>
+        </a:p>
+      </dgm:t>
+    </dgm:pt>
+    <dgm:pt modelId="{6926AA33-0783-4282-8518-500A2FD92731}" type="sibTrans" cxnId="{B025E8AD-FD68-4DF0-8978-0288B6207435}">
+      <dgm:prSet/>
+      <dgm:spPr/>
+      <dgm:t>
+        <a:bodyPr/>
+        <a:lstStyle/>
+        <a:p>
+          <a:endParaRPr lang="en-US"/>
+        </a:p>
+      </dgm:t>
+    </dgm:pt>
+    <dgm:pt modelId="{6BA4C8B2-E220-4FB1-B164-14A50A966FBA}">
+      <dgm:prSet/>
+      <dgm:spPr/>
+      <dgm:t>
+        <a:bodyPr/>
+        <a:lstStyle/>
+        <a:p>
+          <a:pPr>
+            <a:lnSpc>
+              <a:spcPct val="100000"/>
+            </a:lnSpc>
+          </a:pPr>
+          <a:r>
+            <a:rPr lang="fr-FR" dirty="0"/>
+            <a:t>Difficultés rencontrées</a:t>
+          </a:r>
+          <a:endParaRPr lang="en-US" dirty="0"/>
+        </a:p>
+      </dgm:t>
+    </dgm:pt>
+    <dgm:pt modelId="{9B322AC4-A96E-470C-931B-B0035C0CB93E}" type="parTrans" cxnId="{ECCE190C-8B9F-4139-A230-A5CF5A2CD091}">
+      <dgm:prSet/>
+      <dgm:spPr/>
+      <dgm:t>
+        <a:bodyPr/>
+        <a:lstStyle/>
+        <a:p>
+          <a:endParaRPr lang="en-US"/>
+        </a:p>
+      </dgm:t>
+    </dgm:pt>
+    <dgm:pt modelId="{AB964817-2BA9-4A10-BC9A-F9AA68638D47}" type="sibTrans" cxnId="{ECCE190C-8B9F-4139-A230-A5CF5A2CD091}">
+      <dgm:prSet/>
+      <dgm:spPr/>
+      <dgm:t>
+        <a:bodyPr/>
+        <a:lstStyle/>
+        <a:p>
+          <a:endParaRPr lang="en-US"/>
+        </a:p>
+      </dgm:t>
+    </dgm:pt>
+    <dgm:pt modelId="{9FE06D6E-7A33-4715-AD78-835BD95B24EE}">
+      <dgm:prSet/>
+      <dgm:spPr/>
+      <dgm:t>
+        <a:bodyPr/>
+        <a:lstStyle/>
+        <a:p>
+          <a:pPr>
+            <a:lnSpc>
+              <a:spcPct val="100000"/>
+            </a:lnSpc>
+          </a:pPr>
+          <a:r>
+            <a:rPr lang="fr-FR" dirty="0"/>
+            <a:t>Et après</a:t>
+          </a:r>
+          <a:endParaRPr lang="en-US" dirty="0"/>
+        </a:p>
+      </dgm:t>
+    </dgm:pt>
+    <dgm:pt modelId="{6C032BCC-A998-4047-8B3E-F81804145C56}" type="parTrans" cxnId="{F2DD10DA-27F3-4CEB-88E0-DC0A451ED489}">
+      <dgm:prSet/>
+      <dgm:spPr/>
+      <dgm:t>
+        <a:bodyPr/>
+        <a:lstStyle/>
+        <a:p>
+          <a:endParaRPr lang="en-US"/>
+        </a:p>
+      </dgm:t>
+    </dgm:pt>
+    <dgm:pt modelId="{DB9A0DBE-98E7-4FA8-BC66-54A9CD1DBDA9}" type="sibTrans" cxnId="{F2DD10DA-27F3-4CEB-88E0-DC0A451ED489}">
+      <dgm:prSet/>
+      <dgm:spPr/>
+      <dgm:t>
+        <a:bodyPr/>
+        <a:lstStyle/>
+        <a:p>
+          <a:endParaRPr lang="en-US"/>
+        </a:p>
+      </dgm:t>
+    </dgm:pt>
+    <dgm:pt modelId="{F3110DDE-529D-4A3B-B511-4CBAED114601}" type="pres">
+      <dgm:prSet presAssocID="{25DDCFC0-3391-444C-BC7F-DC9D4D526D13}" presName="root" presStyleCnt="0">
+        <dgm:presLayoutVars>
+          <dgm:dir/>
+          <dgm:resizeHandles val="exact"/>
+        </dgm:presLayoutVars>
+      </dgm:prSet>
+      <dgm:spPr/>
+    </dgm:pt>
+    <dgm:pt modelId="{CF66BB1C-D2AF-4BDC-B1C3-4CEF5BF570AC}" type="pres">
+      <dgm:prSet presAssocID="{8966E34C-6390-4EF3-B877-436ED1F956C8}" presName="compNode" presStyleCnt="0"/>
+      <dgm:spPr/>
+    </dgm:pt>
+    <dgm:pt modelId="{30DE791F-45AD-470A-A47D-5E07709118A4}" type="pres">
+      <dgm:prSet presAssocID="{8966E34C-6390-4EF3-B877-436ED1F956C8}" presName="iconRect" presStyleLbl="node1" presStyleIdx="0" presStyleCnt="3"/>
+      <dgm:spPr>
+        <a:blipFill>
+          <a:blip xmlns:r="http://schemas.openxmlformats.org/officeDocument/2006/relationships" r:embed="rId1">
+            <a:extLst>
+              <a:ext uri="{28A0092B-C50C-407E-A947-70E740481C1C}">
+                <a14:useLocalDpi xmlns:a14="http://schemas.microsoft.com/office/drawing/2010/main" val="0"/>
+              </a:ext>
+              <a:ext uri="{96DAC541-7B7A-43D3-8B79-37D633B846F1}">
+                <asvg:svgBlip xmlns:asvg="http://schemas.microsoft.com/office/drawing/2016/SVG/main" r:embed="rId2"/>
+              </a:ext>
+            </a:extLst>
+          </a:blip>
+          <a:stretch>
+            <a:fillRect/>
+          </a:stretch>
+        </a:blipFill>
+      </dgm:spPr>
+      <dgm:extLst>
+        <a:ext uri="{E40237B7-FDA0-4F09-8148-C483321AD2D9}">
+          <dgm14:cNvPr xmlns:dgm14="http://schemas.microsoft.com/office/drawing/2010/diagram" id="0" name="" descr="Chat"/>
+        </a:ext>
+      </dgm:extLst>
+    </dgm:pt>
+    <dgm:pt modelId="{C4ED1536-ECA6-4E6F-B7A5-93C846F5CB10}" type="pres">
+      <dgm:prSet presAssocID="{8966E34C-6390-4EF3-B877-436ED1F956C8}" presName="spaceRect" presStyleCnt="0"/>
+      <dgm:spPr/>
+    </dgm:pt>
+    <dgm:pt modelId="{AA6D2B01-8AED-4008-8A65-F30C3A05D836}" type="pres">
+      <dgm:prSet presAssocID="{8966E34C-6390-4EF3-B877-436ED1F956C8}" presName="textRect" presStyleLbl="revTx" presStyleIdx="0" presStyleCnt="3">
+        <dgm:presLayoutVars>
+          <dgm:chMax val="1"/>
+          <dgm:chPref val="1"/>
+        </dgm:presLayoutVars>
+      </dgm:prSet>
+      <dgm:spPr/>
+    </dgm:pt>
+    <dgm:pt modelId="{6EFEA16C-8CF2-4060-BC68-7CAE01B5B39C}" type="pres">
+      <dgm:prSet presAssocID="{6926AA33-0783-4282-8518-500A2FD92731}" presName="sibTrans" presStyleCnt="0"/>
+      <dgm:spPr/>
+    </dgm:pt>
+    <dgm:pt modelId="{C28294DD-3DA8-4ED4-A203-3B4750B0655B}" type="pres">
+      <dgm:prSet presAssocID="{6BA4C8B2-E220-4FB1-B164-14A50A966FBA}" presName="compNode" presStyleCnt="0"/>
+      <dgm:spPr/>
+    </dgm:pt>
+    <dgm:pt modelId="{6203EF87-5368-478E-A153-4A63AF68E6E9}" type="pres">
+      <dgm:prSet presAssocID="{6BA4C8B2-E220-4FB1-B164-14A50A966FBA}" presName="iconRect" presStyleLbl="node1" presStyleIdx="1" presStyleCnt="3"/>
+      <dgm:spPr>
+        <a:blipFill>
+          <a:blip xmlns:r="http://schemas.openxmlformats.org/officeDocument/2006/relationships" r:embed="rId3">
+            <a:extLst>
+              <a:ext uri="{28A0092B-C50C-407E-A947-70E740481C1C}">
+                <a14:useLocalDpi xmlns:a14="http://schemas.microsoft.com/office/drawing/2010/main" val="0"/>
+              </a:ext>
+              <a:ext uri="{96DAC541-7B7A-43D3-8B79-37D633B846F1}">
+                <asvg:svgBlip xmlns:asvg="http://schemas.microsoft.com/office/drawing/2016/SVG/main" r:embed="rId4"/>
+              </a:ext>
+            </a:extLst>
+          </a:blip>
+          <a:stretch>
+            <a:fillRect/>
+          </a:stretch>
+        </a:blipFill>
+      </dgm:spPr>
+      <dgm:extLst>
+        <a:ext uri="{E40237B7-FDA0-4F09-8148-C483321AD2D9}">
+          <dgm14:cNvPr xmlns:dgm14="http://schemas.microsoft.com/office/drawing/2010/diagram" id="0" name="" descr="Avertissement"/>
+        </a:ext>
+      </dgm:extLst>
+    </dgm:pt>
+    <dgm:pt modelId="{858EF8FC-E5CD-48AC-9F87-4A8697B685C2}" type="pres">
+      <dgm:prSet presAssocID="{6BA4C8B2-E220-4FB1-B164-14A50A966FBA}" presName="spaceRect" presStyleCnt="0"/>
+      <dgm:spPr/>
+    </dgm:pt>
+    <dgm:pt modelId="{557A007D-4864-4C84-989F-F017176D8DEC}" type="pres">
+      <dgm:prSet presAssocID="{6BA4C8B2-E220-4FB1-B164-14A50A966FBA}" presName="textRect" presStyleLbl="revTx" presStyleIdx="1" presStyleCnt="3">
+        <dgm:presLayoutVars>
+          <dgm:chMax val="1"/>
+          <dgm:chPref val="1"/>
+        </dgm:presLayoutVars>
+      </dgm:prSet>
+      <dgm:spPr/>
+    </dgm:pt>
+    <dgm:pt modelId="{8C44CB60-727D-44AE-A36B-F3585CDC927A}" type="pres">
+      <dgm:prSet presAssocID="{AB964817-2BA9-4A10-BC9A-F9AA68638D47}" presName="sibTrans" presStyleCnt="0"/>
+      <dgm:spPr/>
+    </dgm:pt>
+    <dgm:pt modelId="{E4F9D275-F275-4F5B-984C-1CEAFC0BA584}" type="pres">
+      <dgm:prSet presAssocID="{9FE06D6E-7A33-4715-AD78-835BD95B24EE}" presName="compNode" presStyleCnt="0"/>
+      <dgm:spPr/>
+    </dgm:pt>
+    <dgm:pt modelId="{579D05CB-AE05-45B4-8CF5-9E766DF06CD3}" type="pres">
+      <dgm:prSet presAssocID="{9FE06D6E-7A33-4715-AD78-835BD95B24EE}" presName="iconRect" presStyleLbl="node1" presStyleIdx="2" presStyleCnt="3"/>
+      <dgm:spPr>
+        <a:blipFill>
+          <a:blip xmlns:r="http://schemas.openxmlformats.org/officeDocument/2006/relationships" r:embed="rId5">
+            <a:extLst>
+              <a:ext uri="{28A0092B-C50C-407E-A947-70E740481C1C}">
+                <a14:useLocalDpi xmlns:a14="http://schemas.microsoft.com/office/drawing/2010/main" val="0"/>
+              </a:ext>
+              <a:ext uri="{96DAC541-7B7A-43D3-8B79-37D633B846F1}">
+                <asvg:svgBlip xmlns:asvg="http://schemas.microsoft.com/office/drawing/2016/SVG/main" r:embed="rId6"/>
+              </a:ext>
+            </a:extLst>
+          </a:blip>
+          <a:stretch>
+            <a:fillRect/>
+          </a:stretch>
+        </a:blipFill>
+      </dgm:spPr>
+      <dgm:extLst>
+        <a:ext uri="{E40237B7-FDA0-4F09-8148-C483321AD2D9}">
+          <dgm14:cNvPr xmlns:dgm14="http://schemas.microsoft.com/office/drawing/2010/diagram" id="0" name="" descr="Coche"/>
+        </a:ext>
+      </dgm:extLst>
+    </dgm:pt>
+    <dgm:pt modelId="{A2FE1F94-D6AA-444C-81E3-67910E481D8C}" type="pres">
+      <dgm:prSet presAssocID="{9FE06D6E-7A33-4715-AD78-835BD95B24EE}" presName="spaceRect" presStyleCnt="0"/>
+      <dgm:spPr/>
+    </dgm:pt>
+    <dgm:pt modelId="{C2B9C3D7-016F-4F25-AF0D-4F0BB226574F}" type="pres">
+      <dgm:prSet presAssocID="{9FE06D6E-7A33-4715-AD78-835BD95B24EE}" presName="textRect" presStyleLbl="revTx" presStyleIdx="2" presStyleCnt="3">
+        <dgm:presLayoutVars>
+          <dgm:chMax val="1"/>
+          <dgm:chPref val="1"/>
+        </dgm:presLayoutVars>
+      </dgm:prSet>
+      <dgm:spPr/>
+    </dgm:pt>
+  </dgm:ptLst>
+  <dgm:cxnLst>
+    <dgm:cxn modelId="{ECCE190C-8B9F-4139-A230-A5CF5A2CD091}" srcId="{25DDCFC0-3391-444C-BC7F-DC9D4D526D13}" destId="{6BA4C8B2-E220-4FB1-B164-14A50A966FBA}" srcOrd="1" destOrd="0" parTransId="{9B322AC4-A96E-470C-931B-B0035C0CB93E}" sibTransId="{AB964817-2BA9-4A10-BC9A-F9AA68638D47}"/>
+    <dgm:cxn modelId="{4462351C-809F-44FF-B239-558C848BC5AD}" type="presOf" srcId="{9FE06D6E-7A33-4715-AD78-835BD95B24EE}" destId="{C2B9C3D7-016F-4F25-AF0D-4F0BB226574F}" srcOrd="0" destOrd="0" presId="urn:microsoft.com/office/officeart/2018/2/layout/IconLabelList"/>
+    <dgm:cxn modelId="{BE80CB62-181F-4278-8867-BDF4D29B7C53}" type="presOf" srcId="{8966E34C-6390-4EF3-B877-436ED1F956C8}" destId="{AA6D2B01-8AED-4008-8A65-F30C3A05D836}" srcOrd="0" destOrd="0" presId="urn:microsoft.com/office/officeart/2018/2/layout/IconLabelList"/>
+    <dgm:cxn modelId="{1EDC839F-3325-42F6-9600-66EF6A056F9C}" type="presOf" srcId="{25DDCFC0-3391-444C-BC7F-DC9D4D526D13}" destId="{F3110DDE-529D-4A3B-B511-4CBAED114601}" srcOrd="0" destOrd="0" presId="urn:microsoft.com/office/officeart/2018/2/layout/IconLabelList"/>
+    <dgm:cxn modelId="{B025E8AD-FD68-4DF0-8978-0288B6207435}" srcId="{25DDCFC0-3391-444C-BC7F-DC9D4D526D13}" destId="{8966E34C-6390-4EF3-B877-436ED1F956C8}" srcOrd="0" destOrd="0" parTransId="{54FE0124-F812-4839-AD4E-CA5DF288B1B4}" sibTransId="{6926AA33-0783-4282-8518-500A2FD92731}"/>
+    <dgm:cxn modelId="{DEEB53B2-37FE-43C9-87D3-D9E187031726}" type="presOf" srcId="{6BA4C8B2-E220-4FB1-B164-14A50A966FBA}" destId="{557A007D-4864-4C84-989F-F017176D8DEC}" srcOrd="0" destOrd="0" presId="urn:microsoft.com/office/officeart/2018/2/layout/IconLabelList"/>
+    <dgm:cxn modelId="{F2DD10DA-27F3-4CEB-88E0-DC0A451ED489}" srcId="{25DDCFC0-3391-444C-BC7F-DC9D4D526D13}" destId="{9FE06D6E-7A33-4715-AD78-835BD95B24EE}" srcOrd="2" destOrd="0" parTransId="{6C032BCC-A998-4047-8B3E-F81804145C56}" sibTransId="{DB9A0DBE-98E7-4FA8-BC66-54A9CD1DBDA9}"/>
+    <dgm:cxn modelId="{148653E5-3C62-4AB0-9496-975B167975C6}" type="presParOf" srcId="{F3110DDE-529D-4A3B-B511-4CBAED114601}" destId="{CF66BB1C-D2AF-4BDC-B1C3-4CEF5BF570AC}" srcOrd="0" destOrd="0" presId="urn:microsoft.com/office/officeart/2018/2/layout/IconLabelList"/>
+    <dgm:cxn modelId="{649CEAA1-3EF6-4C21-BDEA-F14E4536A7E4}" type="presParOf" srcId="{CF66BB1C-D2AF-4BDC-B1C3-4CEF5BF570AC}" destId="{30DE791F-45AD-470A-A47D-5E07709118A4}" srcOrd="0" destOrd="0" presId="urn:microsoft.com/office/officeart/2018/2/layout/IconLabelList"/>
+    <dgm:cxn modelId="{930EF91F-8033-463E-980C-D36DFC3F69FB}" type="presParOf" srcId="{CF66BB1C-D2AF-4BDC-B1C3-4CEF5BF570AC}" destId="{C4ED1536-ECA6-4E6F-B7A5-93C846F5CB10}" srcOrd="1" destOrd="0" presId="urn:microsoft.com/office/officeart/2018/2/layout/IconLabelList"/>
+    <dgm:cxn modelId="{B9E6B1E3-909E-4913-A26C-94C8EC1ECA7D}" type="presParOf" srcId="{CF66BB1C-D2AF-4BDC-B1C3-4CEF5BF570AC}" destId="{AA6D2B01-8AED-4008-8A65-F30C3A05D836}" srcOrd="2" destOrd="0" presId="urn:microsoft.com/office/officeart/2018/2/layout/IconLabelList"/>
+    <dgm:cxn modelId="{D81A46C8-48D1-424B-9E5C-9F4828DCCE03}" type="presParOf" srcId="{F3110DDE-529D-4A3B-B511-4CBAED114601}" destId="{6EFEA16C-8CF2-4060-BC68-7CAE01B5B39C}" srcOrd="1" destOrd="0" presId="urn:microsoft.com/office/officeart/2018/2/layout/IconLabelList"/>
+    <dgm:cxn modelId="{4FF46679-0A55-4077-965E-6A7EC7AE3C09}" type="presParOf" srcId="{F3110DDE-529D-4A3B-B511-4CBAED114601}" destId="{C28294DD-3DA8-4ED4-A203-3B4750B0655B}" srcOrd="2" destOrd="0" presId="urn:microsoft.com/office/officeart/2018/2/layout/IconLabelList"/>
+    <dgm:cxn modelId="{1D0FC72B-64E1-44A2-A5E3-11C0C07EE642}" type="presParOf" srcId="{C28294DD-3DA8-4ED4-A203-3B4750B0655B}" destId="{6203EF87-5368-478E-A153-4A63AF68E6E9}" srcOrd="0" destOrd="0" presId="urn:microsoft.com/office/officeart/2018/2/layout/IconLabelList"/>
+    <dgm:cxn modelId="{8853ACEC-B5F0-42A9-AE56-8905CBE638E1}" type="presParOf" srcId="{C28294DD-3DA8-4ED4-A203-3B4750B0655B}" destId="{858EF8FC-E5CD-48AC-9F87-4A8697B685C2}" srcOrd="1" destOrd="0" presId="urn:microsoft.com/office/officeart/2018/2/layout/IconLabelList"/>
+    <dgm:cxn modelId="{AC3E7036-2789-47AC-81BB-2582D1B10114}" type="presParOf" srcId="{C28294DD-3DA8-4ED4-A203-3B4750B0655B}" destId="{557A007D-4864-4C84-989F-F017176D8DEC}" srcOrd="2" destOrd="0" presId="urn:microsoft.com/office/officeart/2018/2/layout/IconLabelList"/>
+    <dgm:cxn modelId="{12104806-C352-47BB-BD0E-C94B8493CF80}" type="presParOf" srcId="{F3110DDE-529D-4A3B-B511-4CBAED114601}" destId="{8C44CB60-727D-44AE-A36B-F3585CDC927A}" srcOrd="3" destOrd="0" presId="urn:microsoft.com/office/officeart/2018/2/layout/IconLabelList"/>
+    <dgm:cxn modelId="{B05853A4-F707-4E8F-AD16-2D454E03FE00}" type="presParOf" srcId="{F3110DDE-529D-4A3B-B511-4CBAED114601}" destId="{E4F9D275-F275-4F5B-984C-1CEAFC0BA584}" srcOrd="4" destOrd="0" presId="urn:microsoft.com/office/officeart/2018/2/layout/IconLabelList"/>
+    <dgm:cxn modelId="{C65B44AD-50BB-426F-B382-572C1F821348}" type="presParOf" srcId="{E4F9D275-F275-4F5B-984C-1CEAFC0BA584}" destId="{579D05CB-AE05-45B4-8CF5-9E766DF06CD3}" srcOrd="0" destOrd="0" presId="urn:microsoft.com/office/officeart/2018/2/layout/IconLabelList"/>
+    <dgm:cxn modelId="{40D8FF60-7E16-4095-83AE-F100CD409EDE}" type="presParOf" srcId="{E4F9D275-F275-4F5B-984C-1CEAFC0BA584}" destId="{A2FE1F94-D6AA-444C-81E3-67910E481D8C}" srcOrd="1" destOrd="0" presId="urn:microsoft.com/office/officeart/2018/2/layout/IconLabelList"/>
+    <dgm:cxn modelId="{0F64A2D6-2CA7-423D-8074-97FA9EB92233}" type="presParOf" srcId="{E4F9D275-F275-4F5B-984C-1CEAFC0BA584}" destId="{C2B9C3D7-016F-4F25-AF0D-4F0BB226574F}" srcOrd="2" destOrd="0" presId="urn:microsoft.com/office/officeart/2018/2/layout/IconLabelList"/>
+  </dgm:cxnLst>
+  <dgm:bg/>
+  <dgm:whole/>
+  <dgm:extLst>
+    <a:ext uri="http://schemas.microsoft.com/office/drawing/2008/diagram">
+      <dsp:dataModelExt xmlns:dsp="http://schemas.microsoft.com/office/drawing/2008/diagram" relId="rId6" minVer="http://schemas.openxmlformats.org/drawingml/2006/diagram"/>
+    </a:ext>
+  </dgm:extLst>
+</dgm:dataModel>
+</file>
+
+<file path=ppt/diagrams/drawing1.xml><?xml version="1.0" encoding="utf-8"?>
+<dsp:drawing xmlns:dgm="http://schemas.openxmlformats.org/drawingml/2006/diagram" xmlns:dsp="http://schemas.microsoft.com/office/drawing/2008/diagram" xmlns:a="http://schemas.openxmlformats.org/drawingml/2006/main">
+  <dsp:spTree>
+    <dsp:nvGrpSpPr>
+      <dsp:cNvPr id="0" name=""/>
+      <dsp:cNvGrpSpPr/>
+    </dsp:nvGrpSpPr>
+    <dsp:grpSpPr/>
+    <dsp:sp modelId="{30DE791F-45AD-470A-A47D-5E07709118A4}">
+      <dsp:nvSpPr>
+        <dsp:cNvPr id="0" name=""/>
+        <dsp:cNvSpPr/>
+      </dsp:nvSpPr>
+      <dsp:spPr>
+        <a:xfrm>
+          <a:off x="1212569" y="741420"/>
+          <a:ext cx="1300252" cy="1300252"/>
+        </a:xfrm>
+        <a:prstGeom prst="rect">
+          <a:avLst/>
+        </a:prstGeom>
+        <a:blipFill>
+          <a:blip xmlns:r="http://schemas.openxmlformats.org/officeDocument/2006/relationships" r:embed="rId1">
+            <a:extLst>
+              <a:ext uri="{28A0092B-C50C-407E-A947-70E740481C1C}">
+                <a14:useLocalDpi xmlns:a14="http://schemas.microsoft.com/office/drawing/2010/main" val="0"/>
+              </a:ext>
+              <a:ext uri="{96DAC541-7B7A-43D3-8B79-37D633B846F1}">
+                <asvg:svgBlip xmlns:asvg="http://schemas.microsoft.com/office/drawing/2016/SVG/main" r:embed="rId2"/>
+              </a:ext>
+            </a:extLst>
+          </a:blip>
+          <a:stretch>
+            <a:fillRect/>
+          </a:stretch>
+        </a:blipFill>
+        <a:ln w="12700" cap="flat" cmpd="sng" algn="ctr">
+          <a:solidFill>
+            <a:schemeClr val="lt1">
+              <a:hueOff val="0"/>
+              <a:satOff val="0"/>
+              <a:lumOff val="0"/>
+              <a:alphaOff val="0"/>
+            </a:schemeClr>
+          </a:solidFill>
+          <a:prstDash val="solid"/>
+          <a:miter lim="800000"/>
+        </a:ln>
+        <a:effectLst/>
+      </dsp:spPr>
+      <dsp:style>
+        <a:lnRef idx="2">
+          <a:scrgbClr r="0" g="0" b="0"/>
+        </a:lnRef>
+        <a:fillRef idx="1">
+          <a:scrgbClr r="0" g="0" b="0"/>
+        </a:fillRef>
+        <a:effectRef idx="0">
+          <a:scrgbClr r="0" g="0" b="0"/>
+        </a:effectRef>
+        <a:fontRef idx="minor">
+          <a:schemeClr val="lt1"/>
+        </a:fontRef>
+      </dsp:style>
+    </dsp:sp>
+    <dsp:sp modelId="{AA6D2B01-8AED-4008-8A65-F30C3A05D836}">
+      <dsp:nvSpPr>
+        <dsp:cNvPr id="0" name=""/>
+        <dsp:cNvSpPr/>
+      </dsp:nvSpPr>
+      <dsp:spPr>
+        <a:xfrm>
+          <a:off x="417971" y="2398321"/>
+          <a:ext cx="2889450" cy="720000"/>
+        </a:xfrm>
+        <a:prstGeom prst="rect">
+          <a:avLst/>
+        </a:prstGeom>
+        <a:noFill/>
+        <a:ln>
+          <a:noFill/>
+        </a:ln>
+        <a:effectLst/>
+      </dsp:spPr>
+      <dsp:style>
+        <a:lnRef idx="0">
+          <a:scrgbClr r="0" g="0" b="0"/>
+        </a:lnRef>
+        <a:fillRef idx="0">
+          <a:scrgbClr r="0" g="0" b="0"/>
+        </a:fillRef>
+        <a:effectRef idx="0">
+          <a:scrgbClr r="0" g="0" b="0"/>
+        </a:effectRef>
+        <a:fontRef idx="minor"/>
+      </dsp:style>
+      <dsp:txBody>
+        <a:bodyPr spcFirstLastPara="0" vert="horz" wrap="square" lIns="0" tIns="0" rIns="0" bIns="0" numCol="1" spcCol="1270" anchor="t" anchorCtr="0">
+          <a:noAutofit/>
+        </a:bodyPr>
+        <a:lstStyle/>
+        <a:p>
+          <a:pPr marL="0" lvl="0" indent="0" algn="ctr" defTabSz="1022350">
+            <a:lnSpc>
+              <a:spcPct val="100000"/>
+            </a:lnSpc>
+            <a:spcBef>
+              <a:spcPct val="0"/>
+            </a:spcBef>
+            <a:spcAft>
+              <a:spcPct val="35000"/>
+            </a:spcAft>
+            <a:buNone/>
+          </a:pPr>
+          <a:r>
+            <a:rPr lang="fr-FR" sz="2300" kern="1200" dirty="0"/>
+            <a:t>Feedback</a:t>
+          </a:r>
+          <a:endParaRPr lang="en-US" sz="2300" kern="1200" dirty="0"/>
+        </a:p>
+      </dsp:txBody>
+      <dsp:txXfrm>
+        <a:off x="417971" y="2398321"/>
+        <a:ext cx="2889450" cy="720000"/>
+      </dsp:txXfrm>
+    </dsp:sp>
+    <dsp:sp modelId="{6203EF87-5368-478E-A153-4A63AF68E6E9}">
+      <dsp:nvSpPr>
+        <dsp:cNvPr id="0" name=""/>
+        <dsp:cNvSpPr/>
+      </dsp:nvSpPr>
+      <dsp:spPr>
+        <a:xfrm>
+          <a:off x="4607673" y="741420"/>
+          <a:ext cx="1300252" cy="1300252"/>
+        </a:xfrm>
+        <a:prstGeom prst="rect">
+          <a:avLst/>
+        </a:prstGeom>
+        <a:blipFill>
+          <a:blip xmlns:r="http://schemas.openxmlformats.org/officeDocument/2006/relationships" r:embed="rId3">
+            <a:extLst>
+              <a:ext uri="{28A0092B-C50C-407E-A947-70E740481C1C}">
+                <a14:useLocalDpi xmlns:a14="http://schemas.microsoft.com/office/drawing/2010/main" val="0"/>
+              </a:ext>
+              <a:ext uri="{96DAC541-7B7A-43D3-8B79-37D633B846F1}">
+                <asvg:svgBlip xmlns:asvg="http://schemas.microsoft.com/office/drawing/2016/SVG/main" r:embed="rId4"/>
+              </a:ext>
+            </a:extLst>
+          </a:blip>
+          <a:stretch>
+            <a:fillRect/>
+          </a:stretch>
+        </a:blipFill>
+        <a:ln w="12700" cap="flat" cmpd="sng" algn="ctr">
+          <a:solidFill>
+            <a:schemeClr val="lt1">
+              <a:hueOff val="0"/>
+              <a:satOff val="0"/>
+              <a:lumOff val="0"/>
+              <a:alphaOff val="0"/>
+            </a:schemeClr>
+          </a:solidFill>
+          <a:prstDash val="solid"/>
+          <a:miter lim="800000"/>
+        </a:ln>
+        <a:effectLst/>
+      </dsp:spPr>
+      <dsp:style>
+        <a:lnRef idx="2">
+          <a:scrgbClr r="0" g="0" b="0"/>
+        </a:lnRef>
+        <a:fillRef idx="1">
+          <a:scrgbClr r="0" g="0" b="0"/>
+        </a:fillRef>
+        <a:effectRef idx="0">
+          <a:scrgbClr r="0" g="0" b="0"/>
+        </a:effectRef>
+        <a:fontRef idx="minor">
+          <a:schemeClr val="lt1"/>
+        </a:fontRef>
+      </dsp:style>
+    </dsp:sp>
+    <dsp:sp modelId="{557A007D-4864-4C84-989F-F017176D8DEC}">
+      <dsp:nvSpPr>
+        <dsp:cNvPr id="0" name=""/>
+        <dsp:cNvSpPr/>
+      </dsp:nvSpPr>
+      <dsp:spPr>
+        <a:xfrm>
+          <a:off x="3813075" y="2398321"/>
+          <a:ext cx="2889450" cy="720000"/>
+        </a:xfrm>
+        <a:prstGeom prst="rect">
+          <a:avLst/>
+        </a:prstGeom>
+        <a:noFill/>
+        <a:ln>
+          <a:noFill/>
+        </a:ln>
+        <a:effectLst/>
+      </dsp:spPr>
+      <dsp:style>
+        <a:lnRef idx="0">
+          <a:scrgbClr r="0" g="0" b="0"/>
+        </a:lnRef>
+        <a:fillRef idx="0">
+          <a:scrgbClr r="0" g="0" b="0"/>
+        </a:fillRef>
+        <a:effectRef idx="0">
+          <a:scrgbClr r="0" g="0" b="0"/>
+        </a:effectRef>
+        <a:fontRef idx="minor"/>
+      </dsp:style>
+      <dsp:txBody>
+        <a:bodyPr spcFirstLastPara="0" vert="horz" wrap="square" lIns="0" tIns="0" rIns="0" bIns="0" numCol="1" spcCol="1270" anchor="t" anchorCtr="0">
+          <a:noAutofit/>
+        </a:bodyPr>
+        <a:lstStyle/>
+        <a:p>
+          <a:pPr marL="0" lvl="0" indent="0" algn="ctr" defTabSz="1022350">
+            <a:lnSpc>
+              <a:spcPct val="100000"/>
+            </a:lnSpc>
+            <a:spcBef>
+              <a:spcPct val="0"/>
+            </a:spcBef>
+            <a:spcAft>
+              <a:spcPct val="35000"/>
+            </a:spcAft>
+            <a:buNone/>
+          </a:pPr>
+          <a:r>
+            <a:rPr lang="fr-FR" sz="2300" kern="1200" dirty="0"/>
+            <a:t>Difficultés rencontrées</a:t>
+          </a:r>
+          <a:endParaRPr lang="en-US" sz="2300" kern="1200" dirty="0"/>
+        </a:p>
+      </dsp:txBody>
+      <dsp:txXfrm>
+        <a:off x="3813075" y="2398321"/>
+        <a:ext cx="2889450" cy="720000"/>
+      </dsp:txXfrm>
+    </dsp:sp>
+    <dsp:sp modelId="{579D05CB-AE05-45B4-8CF5-9E766DF06CD3}">
+      <dsp:nvSpPr>
+        <dsp:cNvPr id="0" name=""/>
+        <dsp:cNvSpPr/>
+      </dsp:nvSpPr>
+      <dsp:spPr>
+        <a:xfrm>
+          <a:off x="8002777" y="741420"/>
+          <a:ext cx="1300252" cy="1300252"/>
+        </a:xfrm>
+        <a:prstGeom prst="rect">
+          <a:avLst/>
+        </a:prstGeom>
+        <a:blipFill>
+          <a:blip xmlns:r="http://schemas.openxmlformats.org/officeDocument/2006/relationships" r:embed="rId5">
+            <a:extLst>
+              <a:ext uri="{28A0092B-C50C-407E-A947-70E740481C1C}">
+                <a14:useLocalDpi xmlns:a14="http://schemas.microsoft.com/office/drawing/2010/main" val="0"/>
+              </a:ext>
+              <a:ext uri="{96DAC541-7B7A-43D3-8B79-37D633B846F1}">
+                <asvg:svgBlip xmlns:asvg="http://schemas.microsoft.com/office/drawing/2016/SVG/main" r:embed="rId6"/>
+              </a:ext>
+            </a:extLst>
+          </a:blip>
+          <a:stretch>
+            <a:fillRect/>
+          </a:stretch>
+        </a:blipFill>
+        <a:ln w="12700" cap="flat" cmpd="sng" algn="ctr">
+          <a:solidFill>
+            <a:schemeClr val="lt1">
+              <a:hueOff val="0"/>
+              <a:satOff val="0"/>
+              <a:lumOff val="0"/>
+              <a:alphaOff val="0"/>
+            </a:schemeClr>
+          </a:solidFill>
+          <a:prstDash val="solid"/>
+          <a:miter lim="800000"/>
+        </a:ln>
+        <a:effectLst/>
+      </dsp:spPr>
+      <dsp:style>
+        <a:lnRef idx="2">
+          <a:scrgbClr r="0" g="0" b="0"/>
+        </a:lnRef>
+        <a:fillRef idx="1">
+          <a:scrgbClr r="0" g="0" b="0"/>
+        </a:fillRef>
+        <a:effectRef idx="0">
+          <a:scrgbClr r="0" g="0" b="0"/>
+        </a:effectRef>
+        <a:fontRef idx="minor">
+          <a:schemeClr val="lt1"/>
+        </a:fontRef>
+      </dsp:style>
+    </dsp:sp>
+    <dsp:sp modelId="{C2B9C3D7-016F-4F25-AF0D-4F0BB226574F}">
+      <dsp:nvSpPr>
+        <dsp:cNvPr id="0" name=""/>
+        <dsp:cNvSpPr/>
+      </dsp:nvSpPr>
+      <dsp:spPr>
+        <a:xfrm>
+          <a:off x="7208178" y="2398321"/>
+          <a:ext cx="2889450" cy="720000"/>
+        </a:xfrm>
+        <a:prstGeom prst="rect">
+          <a:avLst/>
+        </a:prstGeom>
+        <a:noFill/>
+        <a:ln>
+          <a:noFill/>
+        </a:ln>
+        <a:effectLst/>
+      </dsp:spPr>
+      <dsp:style>
+        <a:lnRef idx="0">
+          <a:scrgbClr r="0" g="0" b="0"/>
+        </a:lnRef>
+        <a:fillRef idx="0">
+          <a:scrgbClr r="0" g="0" b="0"/>
+        </a:fillRef>
+        <a:effectRef idx="0">
+          <a:scrgbClr r="0" g="0" b="0"/>
+        </a:effectRef>
+        <a:fontRef idx="minor"/>
+      </dsp:style>
+      <dsp:txBody>
+        <a:bodyPr spcFirstLastPara="0" vert="horz" wrap="square" lIns="0" tIns="0" rIns="0" bIns="0" numCol="1" spcCol="1270" anchor="t" anchorCtr="0">
+          <a:noAutofit/>
+        </a:bodyPr>
+        <a:lstStyle/>
+        <a:p>
+          <a:pPr marL="0" lvl="0" indent="0" algn="ctr" defTabSz="1022350">
+            <a:lnSpc>
+              <a:spcPct val="100000"/>
+            </a:lnSpc>
+            <a:spcBef>
+              <a:spcPct val="0"/>
+            </a:spcBef>
+            <a:spcAft>
+              <a:spcPct val="35000"/>
+            </a:spcAft>
+            <a:buNone/>
+          </a:pPr>
+          <a:r>
+            <a:rPr lang="fr-FR" sz="2300" kern="1200" dirty="0"/>
+            <a:t>Et après</a:t>
+          </a:r>
+          <a:endParaRPr lang="en-US" sz="2300" kern="1200" dirty="0"/>
+        </a:p>
+      </dsp:txBody>
+      <dsp:txXfrm>
+        <a:off x="7208178" y="2398321"/>
+        <a:ext cx="2889450" cy="720000"/>
+      </dsp:txXfrm>
+    </dsp:sp>
+  </dsp:spTree>
+</dsp:drawing>
+</file>
+
+<file path=ppt/diagrams/layout1.xml><?xml version="1.0" encoding="utf-8"?>
+<dgm:layoutDef xmlns:dgm="http://schemas.openxmlformats.org/drawingml/2006/diagram" xmlns:a="http://schemas.openxmlformats.org/drawingml/2006/main" uniqueId="urn:microsoft.com/office/officeart/2018/2/layout/IconLabelList">
+  <dgm:title val="Icon Label List"/>
+  <dgm:desc val="Use to show non-sequential or grouped chunks of information accompanied by a related visuals. Works best with icons or small pictures with short text captions."/>
+  <dgm:catLst>
+    <dgm:cat type="icon" pri="500"/>
+  </dgm:catLst>
+  <dgm:sampData useDef="1">
+    <dgm:dataModel>
+      <dgm:ptLst/>
+      <dgm:bg/>
+      <dgm:whole/>
+    </dgm:dataModel>
+  </dgm:sampData>
+  <dgm:styleData useDef="1">
+    <dgm:dataModel>
+      <dgm:ptLst/>
+      <dgm:bg/>
+      <dgm:whole/>
+    </dgm:dataModel>
+  </dgm:styleData>
+  <dgm:clrData useDef="1">
+    <dgm:dataModel>
+      <dgm:ptLst/>
+      <dgm:bg/>
+      <dgm:whole/>
+    </dgm:dataModel>
+  </dgm:clrData>
+  <dgm:layoutNode name="root">
+    <dgm:varLst>
+      <dgm:dir/>
+      <dgm:resizeHandles val="exact"/>
+    </dgm:varLst>
+    <dgm:choose name="Name0">
+      <dgm:if name="Name1" axis="self" func="var" arg="dir" op="equ" val="norm">
+        <dgm:alg type="snake">
+          <dgm:param type="grDir" val="tL"/>
+          <dgm:param type="flowDir" val="row"/>
+          <dgm:param type="contDir" val="sameDir"/>
+          <dgm:param type="off" val="ctr"/>
+          <dgm:param type="vertAlign" val="mid"/>
+          <dgm:param type="horzAlign" val="ctr"/>
+        </dgm:alg>
+      </dgm:if>
+      <dgm:else name="Name2">
+        <dgm:alg type="snake">
+          <dgm:param type="grDir" val="tR"/>
+          <dgm:param type="flowDir" val="row"/>
+          <dgm:param type="contDir" val="sameDir"/>
+          <dgm:param type="off" val="ctr"/>
+          <dgm:param type="vertAlign" val="mid"/>
+          <dgm:param type="horzAlign" val="ctr"/>
+        </dgm:alg>
+      </dgm:else>
+    </dgm:choose>
+    <dgm:shape xmlns:r="http://schemas.openxmlformats.org/officeDocument/2006/relationships" r:blip="">
+      <dgm:adjLst/>
+    </dgm:shape>
+    <dgm:presOf/>
+    <dgm:choose name="Name3">
+      <dgm:if name="Name4" axis="ch" ptType="node" func="cnt" op="lte" val="2">
+        <dgm:constrLst>
+          <dgm:constr type="h" for="ch" forName="compNode" refType="h" fact="0.4"/>
+          <dgm:constr type="w" for="ch" forName="compNode" val="120"/>
+          <dgm:constr type="w" for="ch" forName="sibTrans" refType="w" refFor="ch" refForName="compNode" fact="0.175"/>
+          <dgm:constr type="sp" refType="w" refFor="ch" refForName="compNode" op="equ" fact="0.25"/>
+          <dgm:constr type="primFontSz" for="des" ptType="node" op="equ" val="50"/>
+          <dgm:constr type="h" for="des" forName="compNode" op="equ"/>
+          <dgm:constr type="h" for="des" forName="textRect" op="equ"/>
+        </dgm:constrLst>
+      </dgm:if>
+      <dgm:if name="Name5" axis="ch" ptType="node" func="cnt" op="lte" val="4">
+        <dgm:constrLst>
+          <dgm:constr type="h" for="ch" forName="compNode" refType="h" fact="0.4"/>
+          <dgm:constr type="w" for="ch" forName="compNode" refType="w"/>
+          <dgm:constr type="w" for="ch" forName="sibTrans" refType="w" refFor="ch" refForName="compNode" fact="0.175"/>
+          <dgm:constr type="sp" refType="w" refFor="ch" refForName="compNode" op="equ" fact="0.25"/>
+          <dgm:constr type="primFontSz" for="des" ptType="node" op="equ" val="36"/>
+          <dgm:constr type="h" for="des" forName="compNode" op="equ"/>
+          <dgm:constr type="h" for="des" forName="textRect" op="equ"/>
+        </dgm:constrLst>
+      </dgm:if>
+      <dgm:else name="Name6">
+        <dgm:constrLst>
+          <dgm:constr type="h" for="ch" forName="compNode" refType="h" fact="0.4"/>
+          <dgm:constr type="w" for="ch" forName="compNode" refType="w"/>
+          <dgm:constr type="w" for="ch" forName="sibTrans" refType="w" refFor="ch" refForName="compNode" fact="0.175"/>
+          <dgm:constr type="sp" refType="w" refFor="ch" refForName="compNode" op="equ" fact="0.25"/>
+          <dgm:constr type="primFontSz" for="des" ptType="node" op="equ" val="24"/>
+          <dgm:constr type="h" for="des" forName="compNode" op="equ"/>
+          <dgm:constr type="h" for="des" forName="textRect" op="equ"/>
+        </dgm:constrLst>
+      </dgm:else>
+    </dgm:choose>
+    <dgm:ruleLst>
+      <dgm:rule type="w" for="ch" forName="compNode" val="50" fact="NaN" max="NaN"/>
+    </dgm:ruleLst>
+    <dgm:forEach name="Name7" axis="ch" ptType="node">
+      <dgm:layoutNode name="compNode">
+        <dgm:alg type="composite"/>
+        <dgm:shape xmlns:r="http://schemas.openxmlformats.org/officeDocument/2006/relationships" r:blip="">
+          <dgm:adjLst/>
+        </dgm:shape>
+        <dgm:presOf axis="self"/>
+        <dgm:constrLst>
+          <dgm:constr type="w" for="ch" forName="iconRect" refType="w" fact="0.45"/>
+          <dgm:constr type="h" for="ch" forName="iconRect" refType="w" refFor="ch" refForName="iconRect"/>
+          <dgm:constr type="ctrX" for="ch" forName="iconRect" refType="w" fact="0.5"/>
+          <dgm:constr type="t" for="ch" forName="iconRect"/>
+          <dgm:constr type="h" for="ch" forName="spaceRect" refType="h" fact="0.15"/>
+          <dgm:constr type="w" for="ch" forName="spaceRect" refType="w"/>
+          <dgm:constr type="l" for="ch" forName="spaceRect"/>
+          <dgm:constr type="t" for="ch" forName="spaceRect" refType="b" refFor="ch" refForName="iconRect"/>
+          <dgm:constr type="h" for="ch" forName="textRect" val="20"/>
+          <dgm:constr type="w" for="ch" forName="textRect" refType="w"/>
+          <dgm:constr type="l" for="ch" forName="textRect"/>
+          <dgm:constr type="t" for="ch" forName="textRect" refType="b" refFor="ch" refForName="spaceRect"/>
+        </dgm:constrLst>
+        <dgm:ruleLst>
+          <dgm:rule type="h" val="INF" fact="NaN" max="NaN"/>
+        </dgm:ruleLst>
+        <dgm:layoutNode name="iconRect" styleLbl="node1">
+          <dgm:alg type="sp"/>
+          <dgm:shape xmlns:r="http://schemas.openxmlformats.org/officeDocument/2006/relationships" type="rect" r:blip="" blipPhldr="1">
+            <dgm:adjLst/>
+          </dgm:shape>
+          <dgm:presOf/>
+          <dgm:constrLst/>
+          <dgm:ruleLst/>
+        </dgm:layoutNode>
+        <dgm:layoutNode name="spaceRect">
+          <dgm:alg type="sp"/>
+          <dgm:shape xmlns:r="http://schemas.openxmlformats.org/officeDocument/2006/relationships" r:blip="">
+            <dgm:adjLst/>
+          </dgm:shape>
+          <dgm:presOf/>
+          <dgm:constrLst/>
+          <dgm:ruleLst/>
+        </dgm:layoutNode>
+        <dgm:layoutNode name="textRect" styleLbl="revTx">
+          <dgm:varLst>
+            <dgm:chMax val="1"/>
+            <dgm:chPref val="1"/>
+          </dgm:varLst>
+          <dgm:alg type="tx">
+            <dgm:param type="txAnchorVert" val="t"/>
+          </dgm:alg>
+          <dgm:shape xmlns:r="http://schemas.openxmlformats.org/officeDocument/2006/relationships" type="rect" r:blip="">
+            <dgm:adjLst/>
+          </dgm:shape>
+          <dgm:presOf axis="self" ptType="node"/>
+          <dgm:constrLst>
+            <dgm:constr type="lMarg"/>
+            <dgm:constr type="rMarg"/>
+            <dgm:constr type="tMarg"/>
+            <dgm:constr type="bMarg"/>
+          </dgm:constrLst>
+          <dgm:ruleLst>
+            <dgm:rule type="primFontSz" val="11" fact="NaN" max="NaN"/>
+            <dgm:rule type="h" val="INF" fact="NaN" max="NaN"/>
+          </dgm:ruleLst>
+        </dgm:layoutNode>
+      </dgm:layoutNode>
+      <dgm:forEach name="Name8" axis="followSib" ptType="sibTrans" cnt="1">
+        <dgm:layoutNode name="sibTrans">
+          <dgm:alg type="sp"/>
+          <dgm:shape xmlns:r="http://schemas.openxmlformats.org/officeDocument/2006/relationships" r:blip="">
+            <dgm:adjLst/>
+          </dgm:shape>
+          <dgm:presOf axis="self"/>
+          <dgm:constrLst/>
+          <dgm:ruleLst/>
+        </dgm:layoutNode>
+      </dgm:forEach>
+    </dgm:forEach>
+  </dgm:layoutNode>
+  <dgm:extLst>
+    <a:ext uri="{68A01E43-0DF5-4B5B-8FA6-DAF915123BFB}">
+      <dgm1612:lstStyle xmlns:dgm1612="http://schemas.microsoft.com/office/drawing/2016/12/diagram">
+        <a:lvl1pPr>
+          <a:lnSpc>
+            <a:spcPct val="100000"/>
+          </a:lnSpc>
+        </a:lvl1pPr>
+      </dgm1612:lstStyle>
+    </a:ext>
+  </dgm:extLst>
+</dgm:layoutDef>
+</file>
+
+<file path=ppt/diagrams/quickStyle1.xml><?xml version="1.0" encoding="utf-8"?>
+<dgm:styleDef xmlns:dgm="http://schemas.openxmlformats.org/drawingml/2006/diagram" xmlns:a="http://schemas.openxmlformats.org/drawingml/2006/main" uniqueId="urn:microsoft.com/office/officeart/2005/8/quickstyle/simple1">
+  <dgm:title val=""/>
+  <dgm:desc val=""/>
+  <dgm:catLst>
+    <dgm:cat type="simple" pri="10100"/>
+  </dgm:catLst>
+  <dgm:scene3d>
+    <a:camera prst="orthographicFront"/>
+    <a:lightRig rig="threePt" dir="t"/>
+  </dgm:scene3d>
+  <dgm:styleLbl name="node0">
+    <dgm:scene3d>
+      <a:camera prst="orthographicFront"/>
+      <a:lightRig rig="threePt" dir="t"/>
+    </dgm:scene3d>
+    <dgm:sp3d/>
+    <dgm:txPr/>
+    <dgm:style>
+      <a:lnRef idx="2">
+        <a:scrgbClr r="0" g="0" b="0"/>
+      </a:lnRef>
+      <a:fillRef idx="1">
+        <a:scrgbClr r="0" g="0" b="0"/>
+      </a:fillRef>
+      <a:effectRef idx="0">
+        <a:scrgbClr r="0" g="0" b="0"/>
+      </a:effectRef>
+      <a:fontRef idx="minor">
+        <a:schemeClr val="lt1"/>
+      </a:fontRef>
+    </dgm:style>
+  </dgm:styleLbl>
+  <dgm:styleLbl name="lnNode1">
+    <dgm:scene3d>
+      <a:camera prst="orthographicFront"/>
+      <a:lightRig rig="threePt" dir="t"/>
+    </dgm:scene3d>
+    <dgm:sp3d/>
+    <dgm:txPr/>
+    <dgm:style>
+      <a:lnRef idx="2">
+        <a:scrgbClr r="0" g="0" b="0"/>
+      </a:lnRef>
+      <a:fillRef idx="1">
+        <a:scrgbClr r="0" g="0" b="0"/>
+      </a:fillRef>
+      <a:effectRef idx="0">
+        <a:scrgbClr r="0" g="0" b="0"/>
+      </a:effectRef>
+      <a:fontRef idx="minor">
+        <a:schemeClr val="lt1"/>
+      </a:fontRef>
+    </dgm:style>
+  </dgm:styleLbl>
+  <dgm:styleLbl name="vennNode1">
+    <dgm:scene3d>
+      <a:camera prst="orthographicFront"/>
+      <a:lightRig rig="threePt" dir="t"/>
+    </dgm:scene3d>
+    <dgm:sp3d/>
+    <dgm:txPr/>
+    <dgm:style>
+      <a:lnRef idx="2">
+        <a:scrgbClr r="0" g="0" b="0"/>
+      </a:lnRef>
+      <a:fillRef idx="1">
+        <a:scrgbClr r="0" g="0" b="0"/>
+      </a:fillRef>
+      <a:effectRef idx="0">
+        <a:scrgbClr r="0" g="0" b="0"/>
+      </a:effectRef>
+      <a:fontRef idx="minor">
+        <a:schemeClr val="tx1"/>
+      </a:fontRef>
+    </dgm:style>
+  </dgm:styleLbl>
+  <dgm:styleLbl name="alignNode1">
+    <dgm:scene3d>
+      <a:camera prst="orthographicFront"/>
+      <a:lightRig rig="threePt" dir="t"/>
+    </dgm:scene3d>
+    <dgm:sp3d/>
+    <dgm:txPr/>
+    <dgm:style>
+      <a:lnRef idx="2">
+        <a:scrgbClr r="0" g="0" b="0"/>
+      </a:lnRef>
+      <a:fillRef idx="1">
+        <a:scrgbClr r="0" g="0" b="0"/>
+      </a:fillRef>
+      <a:effectRef idx="0">
+        <a:scrgbClr r="0" g="0" b="0"/>
+      </a:effectRef>
+      <a:fontRef idx="minor">
+        <a:schemeClr val="lt1"/>
+      </a:fontRef>
+    </dgm:style>
+  </dgm:styleLbl>
+  <dgm:styleLbl name="node1">
+    <dgm:scene3d>
+      <a:camera prst="orthographicFront"/>
+      <a:lightRig rig="threePt" dir="t"/>
+    </dgm:scene3d>
+    <dgm:sp3d/>
+    <dgm:txPr/>
+    <dgm:style>
+      <a:lnRef idx="2">
+        <a:scrgbClr r="0" g="0" b="0"/>
+      </a:lnRef>
+      <a:fillRef idx="1">
+        <a:scrgbClr r="0" g="0" b="0"/>
+      </a:fillRef>
+      <a:effectRef idx="0">
+        <a:scrgbClr r="0" g="0" b="0"/>
+      </a:effectRef>
+      <a:fontRef idx="minor">
+        <a:schemeClr val="lt1"/>
+      </a:fontRef>
+    </dgm:style>
+  </dgm:styleLbl>
+  <dgm:styleLbl name="node2">
+    <dgm:scene3d>
+      <a:camera prst="orthographicFront"/>
+      <a:lightRig rig="threePt" dir="t"/>
+    </dgm:scene3d>
+    <dgm:sp3d/>
+    <dgm:txPr/>
+    <dgm:style>
+      <a:lnRef idx="2">
+        <a:scrgbClr r="0" g="0" b="0"/>
+      </a:lnRef>
+      <a:fillRef idx="1">
+        <a:scrgbClr r="0" g="0" b="0"/>
+      </a:fillRef>
+      <a:effectRef idx="0">
+        <a:scrgbClr r="0" g="0" b="0"/>
+      </a:effectRef>
+      <a:fontRef idx="minor">
+        <a:schemeClr val="lt1"/>
+      </a:fontRef>
+    </dgm:style>
+  </dgm:styleLbl>
+  <dgm:styleLbl name="node3">
+    <dgm:scene3d>
+      <a:camera prst="orthographicFront"/>
+      <a:lightRig rig="threePt" dir="t"/>
+    </dgm:scene3d>
+    <dgm:sp3d/>
+    <dgm:txPr/>
+    <dgm:style>
+      <a:lnRef idx="2">
+        <a:scrgbClr r="0" g="0" b="0"/>
+      </a:lnRef>
+      <a:fillRef idx="1">
+        <a:scrgbClr r="0" g="0" b="0"/>
+      </a:fillRef>
+      <a:effectRef idx="0">
+        <a:scrgbClr r="0" g="0" b="0"/>
+      </a:effectRef>
+      <a:fontRef idx="minor">
+        <a:schemeClr val="lt1"/>
+      </a:fontRef>
+    </dgm:style>
+  </dgm:styleLbl>
+  <dgm:styleLbl name="node4">
+    <dgm:scene3d>
+      <a:camera prst="orthographicFront"/>
+      <a:lightRig rig="threePt" dir="t"/>
+    </dgm:scene3d>
+    <dgm:sp3d/>
+    <dgm:txPr/>
+    <dgm:style>
+      <a:lnRef idx="2">
+        <a:scrgbClr r="0" g="0" b="0"/>
+      </a:lnRef>
+      <a:fillRef idx="1">
+        <a:scrgbClr r="0" g="0" b="0"/>
+      </a:fillRef>
+      <a:effectRef idx="0">
+        <a:scrgbClr r="0" g="0" b="0"/>
+      </a:effectRef>
+      <a:fontRef idx="minor">
+        <a:schemeClr val="lt1"/>
+      </a:fontRef>
+    </dgm:style>
+  </dgm:styleLbl>
+  <dgm:styleLbl name="fgImgPlace1">
+    <dgm:scene3d>
+      <a:camera prst="orthographicFront"/>
+      <a:lightRig rig="threePt" dir="t"/>
+    </dgm:scene3d>
+    <dgm:sp3d/>
+    <dgm:txPr/>
+    <dgm:style>
+      <a:lnRef idx="2">
+        <a:scrgbClr r="0" g="0" b="0"/>
+      </a:lnRef>
+      <a:fillRef idx="1">
+        <a:scrgbClr r="0" g="0" b="0"/>
+      </a:fillRef>
+      <a:effectRef idx="0">
+        <a:scrgbClr r="0" g="0" b="0"/>
+      </a:effectRef>
+      <a:fontRef idx="minor"/>
+    </dgm:style>
+  </dgm:styleLbl>
+  <dgm:styleLbl name="alignImgPlace1">
+    <dgm:scene3d>
+      <a:camera prst="orthographicFront"/>
+      <a:lightRig rig="threePt" dir="t"/>
+    </dgm:scene3d>
+    <dgm:sp3d/>
+    <dgm:txPr/>
+    <dgm:style>
+      <a:lnRef idx="2">
+        <a:scrgbClr r="0" g="0" b="0"/>
+      </a:lnRef>
+      <a:fillRef idx="1">
+        <a:scrgbClr r="0" g="0" b="0"/>
+      </a:fillRef>
+      <a:effectRef idx="0">
+        <a:scrgbClr r="0" g="0" b="0"/>
+      </a:effectRef>
+      <a:fontRef idx="minor"/>
+    </dgm:style>
+  </dgm:styleLbl>
+  <dgm:styleLbl name="bgImgPlace1">
+    <dgm:scene3d>
+      <a:camera prst="orthographicFront"/>
+      <a:lightRig rig="threePt" dir="t"/>
+    </dgm:scene3d>
+    <dgm:sp3d/>
+    <dgm:txPr/>
+    <dgm:style>
+      <a:lnRef idx="2">
+        <a:scrgbClr r="0" g="0" b="0"/>
+      </a:lnRef>
+      <a:fillRef idx="1">
+        <a:scrgbClr r="0" g="0" b="0"/>
+      </a:fillRef>
+      <a:effectRef idx="0">
+        <a:scrgbClr r="0" g="0" b="0"/>
+      </a:effectRef>
+      <a:fontRef idx="minor"/>
+    </dgm:style>
+  </dgm:styleLbl>
+  <dgm:styleLbl name="sibTrans2D1">
+    <dgm:scene3d>
+      <a:camera prst="orthographicFront"/>
+      <a:lightRig rig="threePt" dir="t"/>
+    </dgm:scene3d>
+    <dgm:sp3d/>
+    <dgm:txPr/>
+    <dgm:style>
+      <a:lnRef idx="0">
+        <a:scrgbClr r="0" g="0" b="0"/>
+      </a:lnRef>
+      <a:fillRef idx="1">
+        <a:scrgbClr r="0" g="0" b="0"/>
+      </a:fillRef>
+      <a:effectRef idx="0">
+        <a:scrgbClr r="0" g="0" b="0"/>
+      </a:effectRef>
+      <a:fontRef idx="minor">
+        <a:schemeClr val="lt1"/>
+      </a:fontRef>
+    </dgm:style>
+  </dgm:styleLbl>
+  <dgm:styleLbl name="fgSibTrans2D1">
+    <dgm:scene3d>
+      <a:camera prst="orthographicFront"/>
+      <a:lightRig rig="threePt" dir="t"/>
+    </dgm:scene3d>
+    <dgm:sp3d/>
+    <dgm:txPr/>
+    <dgm:style>
+      <a:lnRef idx="0">
+        <a:scrgbClr r="0" g="0" b="0"/>
+      </a:lnRef>
+      <a:fillRef idx="1">
+        <a:scrgbClr r="0" g="0" b="0"/>
+      </a:fillRef>
+      <a:effectRef idx="0">
+        <a:scrgbClr r="0" g="0" b="0"/>
+      </a:effectRef>
+      <a:fontRef idx="minor">
+        <a:schemeClr val="lt1"/>
+      </a:fontRef>
+    </dgm:style>
+  </dgm:styleLbl>
+  <dgm:styleLbl name="bgSibTrans2D1">
+    <dgm:scene3d>
+      <a:camera prst="orthographicFront"/>
+      <a:lightRig rig="threePt" dir="t"/>
+    </dgm:scene3d>
+    <dgm:sp3d/>
+    <dgm:txPr/>
+    <dgm:style>
+      <a:lnRef idx="0">
+        <a:scrgbClr r="0" g="0" b="0"/>
+      </a:lnRef>
+      <a:fillRef idx="1">
+        <a:scrgbClr r="0" g="0" b="0"/>
+      </a:fillRef>
+      <a:effectRef idx="0">
+        <a:scrgbClr r="0" g="0" b="0"/>
+      </a:effectRef>
+      <a:fontRef idx="minor">
+        <a:schemeClr val="lt1"/>
+      </a:fontRef>
+    </dgm:style>
+  </dgm:styleLbl>
+  <dgm:styleLbl name="sibTrans1D1">
+    <dgm:scene3d>
+      <a:camera prst="orthographicFront"/>
+      <a:lightRig rig="threePt" dir="t"/>
+    </dgm:scene3d>
+    <dgm:sp3d/>
+    <dgm:txPr/>
+    <dgm:style>
+      <a:lnRef idx="1">
+        <a:scrgbClr r="0" g="0" b="0"/>
+      </a:lnRef>
+      <a:fillRef idx="0">
+        <a:scrgbClr r="0" g="0" b="0"/>
+      </a:fillRef>
+      <a:effectRef idx="0">
+        <a:scrgbClr r="0" g="0" b="0"/>
+      </a:effectRef>
+      <a:fontRef idx="minor"/>
+    </dgm:style>
+  </dgm:styleLbl>
+  <dgm:styleLbl name="callout">
+    <dgm:scene3d>
+      <a:camera prst="orthographicFront"/>
+      <a:lightRig rig="threePt" dir="t"/>
+    </dgm:scene3d>
+    <dgm:sp3d/>
+    <dgm:txPr/>
+    <dgm:style>
+      <a:lnRef idx="2">
+        <a:scrgbClr r="0" g="0" b="0"/>
+      </a:lnRef>
+      <a:fillRef idx="1">
+        <a:scrgbClr r="0" g="0" b="0"/>
+      </a:fillRef>
+      <a:effectRef idx="0">
+        <a:scrgbClr r="0" g="0" b="0"/>
+      </a:effectRef>
+      <a:fontRef idx="minor"/>
+    </dgm:style>
+  </dgm:styleLbl>
+  <dgm:styleLbl name="asst0">
+    <dgm:scene3d>
+      <a:camera prst="orthographicFront"/>
+      <a:lightRig rig="threePt" dir="t"/>
+    </dgm:scene3d>
+    <dgm:sp3d/>
+    <dgm:txPr/>
+    <dgm:style>
+      <a:lnRef idx="2">
+        <a:scrgbClr r="0" g="0" b="0"/>
+      </a:lnRef>
+      <a:fillRef idx="1">
+        <a:scrgbClr r="0" g="0" b="0"/>
+      </a:fillRef>
+      <a:effectRef idx="0">
+        <a:scrgbClr r="0" g="0" b="0"/>
+      </a:effectRef>
+      <a:fontRef idx="minor">
+        <a:schemeClr val="lt1"/>
+      </a:fontRef>
+    </dgm:style>
+  </dgm:styleLbl>
+  <dgm:styleLbl name="asst1">
+    <dgm:scene3d>
+      <a:camera prst="orthographicFront"/>
+      <a:lightRig rig="threePt" dir="t"/>
+    </dgm:scene3d>
+    <dgm:sp3d/>
+    <dgm:txPr/>
+    <dgm:style>
+      <a:lnRef idx="2">
+        <a:scrgbClr r="0" g="0" b="0"/>
+      </a:lnRef>
+      <a:fillRef idx="1">
+        <a:scrgbClr r="0" g="0" b="0"/>
+      </a:fillRef>
+      <a:effectRef idx="0">
+        <a:scrgbClr r="0" g="0" b="0"/>
+      </a:effectRef>
+      <a:fontRef idx="minor">
+        <a:schemeClr val="lt1"/>
+      </a:fontRef>
+    </dgm:style>
+  </dgm:styleLbl>
+  <dgm:styleLbl name="asst2">
+    <dgm:scene3d>
+      <a:camera prst="orthographicFront"/>
+      <a:lightRig rig="threePt" dir="t"/>
+    </dgm:scene3d>
+    <dgm:sp3d/>
+    <dgm:txPr/>
+    <dgm:style>
+      <a:lnRef idx="2">
+        <a:scrgbClr r="0" g="0" b="0"/>
+      </a:lnRef>
+      <a:fillRef idx="1">
+        <a:scrgbClr r="0" g="0" b="0"/>
+      </a:fillRef>
+      <a:effectRef idx="0">
+        <a:scrgbClr r="0" g="0" b="0"/>
+      </a:effectRef>
+      <a:fontRef idx="minor">
+        <a:schemeClr val="lt1"/>
+      </a:fontRef>
+    </dgm:style>
+  </dgm:styleLbl>
+  <dgm:styleLbl name="asst3">
+    <dgm:scene3d>
+      <a:camera prst="orthographicFront"/>
+      <a:lightRig rig="threePt" dir="t"/>
+    </dgm:scene3d>
+    <dgm:sp3d/>
+    <dgm:txPr/>
+    <dgm:style>
+      <a:lnRef idx="2">
+        <a:scrgbClr r="0" g="0" b="0"/>
+      </a:lnRef>
+      <a:fillRef idx="1">
+        <a:scrgbClr r="0" g="0" b="0"/>
+      </a:fillRef>
+      <a:effectRef idx="0">
+        <a:scrgbClr r="0" g="0" b="0"/>
+      </a:effectRef>
+      <a:fontRef idx="minor">
+        <a:schemeClr val="lt1"/>
+      </a:fontRef>
+    </dgm:style>
+  </dgm:styleLbl>
+  <dgm:styleLbl name="asst4">
+    <dgm:scene3d>
+      <a:camera prst="orthographicFront"/>
+      <a:lightRig rig="threePt" dir="t"/>
+    </dgm:scene3d>
+    <dgm:sp3d/>
+    <dgm:txPr/>
+    <dgm:style>
+      <a:lnRef idx="2">
+        <a:scrgbClr r="0" g="0" b="0"/>
+      </a:lnRef>
+      <a:fillRef idx="1">
+        <a:scrgbClr r="0" g="0" b="0"/>
+      </a:fillRef>
+      <a:effectRef idx="0">
+        <a:scrgbClr r="0" g="0" b="0"/>
+      </a:effectRef>
+      <a:fontRef idx="minor">
+        <a:schemeClr val="lt1"/>
+      </a:fontRef>
+    </dgm:style>
+  </dgm:styleLbl>
+  <dgm:styleLbl name="parChTrans2D1">
+    <dgm:scene3d>
+      <a:camera prst="orthographicFront"/>
+      <a:lightRig rig="threePt" dir="t"/>
+    </dgm:scene3d>
+    <dgm:sp3d/>
+    <dgm:txPr/>
+    <dgm:style>
+      <a:lnRef idx="2">
+        <a:scrgbClr r="0" g="0" b="0"/>
+      </a:lnRef>
+      <a:fillRef idx="1">
+        <a:scrgbClr r="0" g="0" b="0"/>
+      </a:fillRef>
+      <a:effectRef idx="0">
+        <a:scrgbClr r="0" g="0" b="0"/>
+      </a:effectRef>
+      <a:fontRef idx="minor">
+        <a:schemeClr val="lt1"/>
+      </a:fontRef>
+    </dgm:style>
+  </dgm:styleLbl>
+  <dgm:styleLbl name="parChTrans2D2">
+    <dgm:scene3d>
+      <a:camera prst="orthographicFront"/>
+      <a:lightRig rig="threePt" dir="t"/>
+    </dgm:scene3d>
+    <dgm:sp3d/>
+    <dgm:txPr/>
+    <dgm:style>
+      <a:lnRef idx="2">
+        <a:scrgbClr r="0" g="0" b="0"/>
+      </a:lnRef>
+      <a:fillRef idx="1">
+        <a:scrgbClr r="0" g="0" b="0"/>
+      </a:fillRef>
+      <a:effectRef idx="0">
+        <a:scrgbClr r="0" g="0" b="0"/>
+      </a:effectRef>
+      <a:fontRef idx="minor">
+        <a:schemeClr val="lt1"/>
+      </a:fontRef>
+    </dgm:style>
+  </dgm:styleLbl>
+  <dgm:styleLbl name="parChTrans2D3">
+    <dgm:scene3d>
+      <a:camera prst="orthographicFront"/>
+      <a:lightRig rig="threePt" dir="t"/>
+    </dgm:scene3d>
+    <dgm:sp3d/>
+    <dgm:txPr/>
+    <dgm:style>
+      <a:lnRef idx="2">
+        <a:scrgbClr r="0" g="0" b="0"/>
+      </a:lnRef>
+      <a:fillRef idx="1">
+        <a:scrgbClr r="0" g="0" b="0"/>
+      </a:fillRef>
+      <a:effectRef idx="0">
+        <a:scrgbClr r="0" g="0" b="0"/>
+      </a:effectRef>
+      <a:fontRef idx="minor">
+        <a:schemeClr val="lt1"/>
+      </a:fontRef>
+    </dgm:style>
+  </dgm:styleLbl>
+  <dgm:styleLbl name="parChTrans2D4">
+    <dgm:scene3d>
+      <a:camera prst="orthographicFront"/>
+      <a:lightRig rig="threePt" dir="t"/>
+    </dgm:scene3d>
+    <dgm:sp3d/>
+    <dgm:txPr/>
+    <dgm:style>
+      <a:lnRef idx="2">
+        <a:scrgbClr r="0" g="0" b="0"/>
+      </a:lnRef>
+      <a:fillRef idx="1">
+        <a:scrgbClr r="0" g="0" b="0"/>
+      </a:fillRef>
+      <a:effectRef idx="0">
+        <a:scrgbClr r="0" g="0" b="0"/>
+      </a:effectRef>
+      <a:fontRef idx="minor">
+        <a:schemeClr val="lt1"/>
+      </a:fontRef>
+    </dgm:style>
+  </dgm:styleLbl>
+  <dgm:styleLbl name="parChTrans1D1">
+    <dgm:scene3d>
+      <a:camera prst="orthographicFront"/>
+      <a:lightRig rig="threePt" dir="t"/>
+    </dgm:scene3d>
+    <dgm:sp3d/>
+    <dgm:txPr/>
+    <dgm:style>
+      <a:lnRef idx="2">
+        <a:scrgbClr r="0" g="0" b="0"/>
+      </a:lnRef>
+      <a:fillRef idx="0">
+        <a:scrgbClr r="0" g="0" b="0"/>
+      </a:fillRef>
+      <a:effectRef idx="0">
+        <a:scrgbClr r="0" g="0" b="0"/>
+      </a:effectRef>
+      <a:fontRef idx="minor"/>
+    </dgm:style>
+  </dgm:styleLbl>
+  <dgm:styleLbl name="parChTrans1D2">
+    <dgm:scene3d>
+      <a:camera prst="orthographicFront"/>
+      <a:lightRig rig="threePt" dir="t"/>
+    </dgm:scene3d>
+    <dgm:sp3d/>
+    <dgm:txPr/>
+    <dgm:style>
+      <a:lnRef idx="2">
+        <a:scrgbClr r="0" g="0" b="0"/>
+      </a:lnRef>
+      <a:fillRef idx="0">
+        <a:scrgbClr r="0" g="0" b="0"/>
+      </a:fillRef>
+      <a:effectRef idx="0">
+        <a:scrgbClr r="0" g="0" b="0"/>
+      </a:effectRef>
+      <a:fontRef idx="minor"/>
+    </dgm:style>
+  </dgm:styleLbl>
+  <dgm:styleLbl name="parChTrans1D3">
+    <dgm:scene3d>
+      <a:camera prst="orthographicFront"/>
+      <a:lightRig rig="threePt" dir="t"/>
+    </dgm:scene3d>
+    <dgm:sp3d/>
+    <dgm:txPr/>
+    <dgm:style>
+      <a:lnRef idx="2">
+        <a:scrgbClr r="0" g="0" b="0"/>
+      </a:lnRef>
+      <a:fillRef idx="0">
+        <a:scrgbClr r="0" g="0" b="0"/>
+      </a:fillRef>
+      <a:effectRef idx="0">
+        <a:scrgbClr r="0" g="0" b="0"/>
+      </a:effectRef>
+      <a:fontRef idx="minor"/>
+    </dgm:style>
+  </dgm:styleLbl>
+  <dgm:styleLbl name="parChTrans1D4">
+    <dgm:scene3d>
+      <a:camera prst="orthographicFront"/>
+      <a:lightRig rig="threePt" dir="t"/>
+    </dgm:scene3d>
+    <dgm:sp3d/>
+    <dgm:txPr/>
+    <dgm:style>
+      <a:lnRef idx="2">
+        <a:scrgbClr r="0" g="0" b="0"/>
+      </a:lnRef>
+      <a:fillRef idx="0">
+        <a:scrgbClr r="0" g="0" b="0"/>
+      </a:fillRef>
+      <a:effectRef idx="0">
+        <a:scrgbClr r="0" g="0" b="0"/>
+      </a:effectRef>
+      <a:fontRef idx="minor"/>
+    </dgm:style>
+  </dgm:styleLbl>
+  <dgm:styleLbl name="fgAcc1">
+    <dgm:scene3d>
+      <a:camera prst="orthographicFront"/>
+      <a:lightRig rig="threePt" dir="t"/>
+    </dgm:scene3d>
+    <dgm:sp3d/>
+    <dgm:txPr/>
+    <dgm:style>
+      <a:lnRef idx="2">
+        <a:scrgbClr r="0" g="0" b="0"/>
+      </a:lnRef>
+      <a:fillRef idx="1">
+        <a:scrgbClr r="0" g="0" b="0"/>
+      </a:fillRef>
+      <a:effectRef idx="0">
+        <a:scrgbClr r="0" g="0" b="0"/>
+      </a:effectRef>
+      <a:fontRef idx="minor"/>
+    </dgm:style>
+  </dgm:styleLbl>
+  <dgm:styleLbl name="conFgAcc1">
+    <dgm:scene3d>
+      <a:camera prst="orthographicFront"/>
+      <a:lightRig rig="threePt" dir="t"/>
+    </dgm:scene3d>
+    <dgm:sp3d/>
+    <dgm:txPr/>
+    <dgm:style>
+      <a:lnRef idx="2">
+        <a:scrgbClr r="0" g="0" b="0"/>
+      </a:lnRef>
+      <a:fillRef idx="1">
+        <a:scrgbClr r="0" g="0" b="0"/>
+      </a:fillRef>
+      <a:effectRef idx="0">
+        <a:scrgbClr r="0" g="0" b="0"/>
+      </a:effectRef>
+      <a:fontRef idx="minor"/>
+    </dgm:style>
+  </dgm:styleLbl>
+  <dgm:styleLbl name="alignAcc1">
+    <dgm:scene3d>
+      <a:camera prst="orthographicFront"/>
+      <a:lightRig rig="threePt" dir="t"/>
+    </dgm:scene3d>
+    <dgm:sp3d/>
+    <dgm:txPr/>
+    <dgm:style>
+      <a:lnRef idx="2">
+        <a:scrgbClr r="0" g="0" b="0"/>
+      </a:lnRef>
+      <a:fillRef idx="1">
+        <a:scrgbClr r="0" g="0" b="0"/>
+      </a:fillRef>
+      <a:effectRef idx="0">
+        <a:scrgbClr r="0" g="0" b="0"/>
+      </a:effectRef>
+      <a:fontRef idx="minor"/>
+    </dgm:style>
+  </dgm:styleLbl>
+  <dgm:styleLbl name="trAlignAcc1">
+    <dgm:scene3d>
+      <a:camera prst="orthographicFront"/>
+      <a:lightRig rig="threePt" dir="t"/>
+    </dgm:scene3d>
+    <dgm:sp3d/>
+    <dgm:txPr/>
+    <dgm:style>
+      <a:lnRef idx="1">
+        <a:scrgbClr r="0" g="0" b="0"/>
+      </a:lnRef>
+      <a:fillRef idx="1">
+        <a:scrgbClr r="0" g="0" b="0"/>
+      </a:fillRef>
+      <a:effectRef idx="0">
+        <a:scrgbClr r="0" g="0" b="0"/>
+      </a:effectRef>
+      <a:fontRef idx="minor"/>
+    </dgm:style>
+  </dgm:styleLbl>
+  <dgm:styleLbl name="bgAcc1">
+    <dgm:scene3d>
+      <a:camera prst="orthographicFront"/>
+      <a:lightRig rig="threePt" dir="t"/>
+    </dgm:scene3d>
+    <dgm:sp3d/>
+    <dgm:txPr/>
+    <dgm:style>
+      <a:lnRef idx="2">
+        <a:scrgbClr r="0" g="0" b="0"/>
+      </a:lnRef>
+      <a:fillRef idx="1">
+        <a:scrgbClr r="0" g="0" b="0"/>
+      </a:fillRef>
+      <a:effectRef idx="0">
+        <a:scrgbClr r="0" g="0" b="0"/>
+      </a:effectRef>
+      <a:fontRef idx="minor"/>
+    </dgm:style>
+  </dgm:styleLbl>
+  <dgm:styleLbl name="solidFgAcc1">
+    <dgm:scene3d>
+      <a:camera prst="orthographicFront"/>
+      <a:lightRig rig="threePt" dir="t"/>
+    </dgm:scene3d>
+    <dgm:sp3d/>
+    <dgm:txPr/>
+    <dgm:style>
+      <a:lnRef idx="2">
+        <a:scrgbClr r="0" g="0" b="0"/>
+      </a:lnRef>
+      <a:fillRef idx="1">
+        <a:scrgbClr r="0" g="0" b="0"/>
+      </a:fillRef>
+      <a:effectRef idx="0">
+        <a:scrgbClr r="0" g="0" b="0"/>
+      </a:effectRef>
+      <a:fontRef idx="minor"/>
+    </dgm:style>
+  </dgm:styleLbl>
+  <dgm:styleLbl name="solidAlignAcc1">
+    <dgm:scene3d>
+      <a:camera prst="orthographicFront"/>
+      <a:lightRig rig="threePt" dir="t"/>
+    </dgm:scene3d>
+    <dgm:sp3d/>
+    <dgm:txPr/>
+    <dgm:style>
+      <a:lnRef idx="2">
+        <a:scrgbClr r="0" g="0" b="0"/>
+      </a:lnRef>
+      <a:fillRef idx="1">
+        <a:scrgbClr r="0" g="0" b="0"/>
+      </a:fillRef>
+      <a:effectRef idx="0">
+        <a:scrgbClr r="0" g="0" b="0"/>
+      </a:effectRef>
+      <a:fontRef idx="minor"/>
+    </dgm:style>
+  </dgm:styleLbl>
+  <dgm:styleLbl name="solidBgAcc1">
+    <dgm:scene3d>
+      <a:camera prst="orthographicFront"/>
+      <a:lightRig rig="threePt" dir="t"/>
+    </dgm:scene3d>
+    <dgm:sp3d/>
+    <dgm:txPr/>
+    <dgm:style>
+      <a:lnRef idx="2">
+        <a:scrgbClr r="0" g="0" b="0"/>
+      </a:lnRef>
+      <a:fillRef idx="1">
+        <a:scrgbClr r="0" g="0" b="0"/>
+      </a:fillRef>
+      <a:effectRef idx="0">
+        <a:scrgbClr r="0" g="0" b="0"/>
+      </a:effectRef>
+      <a:fontRef idx="minor"/>
+    </dgm:style>
+  </dgm:styleLbl>
+  <dgm:styleLbl name="fgAccFollowNode1">
+    <dgm:scene3d>
+      <a:camera prst="orthographicFront"/>
+      <a:lightRig rig="threePt" dir="t"/>
+    </dgm:scene3d>
+    <dgm:sp3d/>
+    <dgm:txPr/>
+    <dgm:style>
+      <a:lnRef idx="2">
+        <a:scrgbClr r="0" g="0" b="0"/>
+      </a:lnRef>
+      <a:fillRef idx="1">
+        <a:scrgbClr r="0" g="0" b="0"/>
+      </a:fillRef>
+      <a:effectRef idx="0">
+        <a:scrgbClr r="0" g="0" b="0"/>
+      </a:effectRef>
+      <a:fontRef idx="minor"/>
+    </dgm:style>
+  </dgm:styleLbl>
+  <dgm:styleLbl name="alignAccFollowNode1">
+    <dgm:scene3d>
+      <a:camera prst="orthographicFront"/>
+      <a:lightRig rig="threePt" dir="t"/>
+    </dgm:scene3d>
+    <dgm:sp3d/>
+    <dgm:txPr/>
+    <dgm:style>
+      <a:lnRef idx="2">
+        <a:scrgbClr r="0" g="0" b="0"/>
+      </a:lnRef>
+      <a:fillRef idx="1">
+        <a:scrgbClr r="0" g="0" b="0"/>
+      </a:fillRef>
+      <a:effectRef idx="0">
+        <a:scrgbClr r="0" g="0" b="0"/>
+      </a:effectRef>
+      <a:fontRef idx="minor"/>
+    </dgm:style>
+  </dgm:styleLbl>
+  <dgm:styleLbl name="bgAccFollowNode1">
+    <dgm:scene3d>
+      <a:camera prst="orthographicFront"/>
+      <a:lightRig rig="threePt" dir="t"/>
+    </dgm:scene3d>
+    <dgm:sp3d/>
+    <dgm:txPr/>
+    <dgm:style>
+      <a:lnRef idx="2">
+        <a:scrgbClr r="0" g="0" b="0"/>
+      </a:lnRef>
+      <a:fillRef idx="1">
+        <a:scrgbClr r="0" g="0" b="0"/>
+      </a:fillRef>
+      <a:effectRef idx="0">
+        <a:scrgbClr r="0" g="0" b="0"/>
+      </a:effectRef>
+      <a:fontRef idx="minor"/>
+    </dgm:style>
+  </dgm:styleLbl>
+  <dgm:styleLbl name="fgAcc0">
+    <dgm:scene3d>
+      <a:camera prst="orthographicFront"/>
+      <a:lightRig rig="threePt" dir="t"/>
+    </dgm:scene3d>
+    <dgm:sp3d/>
+    <dgm:txPr/>
+    <dgm:style>
+      <a:lnRef idx="2">
+        <a:scrgbClr r="0" g="0" b="0"/>
+      </a:lnRef>
+      <a:fillRef idx="1">
+        <a:scrgbClr r="0" g="0" b="0"/>
+      </a:fillRef>
+      <a:effectRef idx="0">
+        <a:scrgbClr r="0" g="0" b="0"/>
+      </a:effectRef>
+      <a:fontRef idx="minor"/>
+    </dgm:style>
+  </dgm:styleLbl>
+  <dgm:styleLbl name="fgAcc2">
+    <dgm:scene3d>
+      <a:camera prst="orthographicFront"/>
+      <a:lightRig rig="threePt" dir="t"/>
+    </dgm:scene3d>
+    <dgm:sp3d/>
+    <dgm:txPr/>
+    <dgm:style>
+      <a:lnRef idx="2">
+        <a:scrgbClr r="0" g="0" b="0"/>
+      </a:lnRef>
+      <a:fillRef idx="1">
+        <a:scrgbClr r="0" g="0" b="0"/>
+      </a:fillRef>
+      <a:effectRef idx="0">
+        <a:scrgbClr r="0" g="0" b="0"/>
+      </a:effectRef>
+      <a:fontRef idx="minor"/>
+    </dgm:style>
+  </dgm:styleLbl>
+  <dgm:styleLbl name="fgAcc3">
+    <dgm:scene3d>
+      <a:camera prst="orthographicFront"/>
+      <a:lightRig rig="threePt" dir="t"/>
+    </dgm:scene3d>
+    <dgm:sp3d/>
+    <dgm:txPr/>
+    <dgm:style>
+      <a:lnRef idx="2">
+        <a:scrgbClr r="0" g="0" b="0"/>
+      </a:lnRef>
+      <a:fillRef idx="1">
+        <a:scrgbClr r="0" g="0" b="0"/>
+      </a:fillRef>
+      <a:effectRef idx="0">
+        <a:scrgbClr r="0" g="0" b="0"/>
+      </a:effectRef>
+      <a:fontRef idx="minor"/>
+    </dgm:style>
+  </dgm:styleLbl>
+  <dgm:styleLbl name="fgAcc4">
+    <dgm:scene3d>
+      <a:camera prst="orthographicFront"/>
+      <a:lightRig rig="threePt" dir="t"/>
+    </dgm:scene3d>
+    <dgm:sp3d/>
+    <dgm:txPr/>
+    <dgm:style>
+      <a:lnRef idx="2">
+        <a:scrgbClr r="0" g="0" b="0"/>
+      </a:lnRef>
+      <a:fillRef idx="1">
+        <a:scrgbClr r="0" g="0" b="0"/>
+      </a:fillRef>
+      <a:effectRef idx="0">
+        <a:scrgbClr r="0" g="0" b="0"/>
+      </a:effectRef>
+      <a:fontRef idx="minor"/>
+    </dgm:style>
+  </dgm:styleLbl>
+  <dgm:styleLbl name="bgShp">
+    <dgm:scene3d>
+      <a:camera prst="orthographicFront"/>
+      <a:lightRig rig="threePt" dir="t"/>
+    </dgm:scene3d>
+    <dgm:sp3d/>
+    <dgm:txPr/>
+    <dgm:style>
+      <a:lnRef idx="0">
+        <a:scrgbClr r="0" g="0" b="0"/>
+      </a:lnRef>
+      <a:fillRef idx="1">
+        <a:scrgbClr r="0" g="0" b="0"/>
+      </a:fillRef>
+      <a:effectRef idx="0">
+        <a:scrgbClr r="0" g="0" b="0"/>
+      </a:effectRef>
+      <a:fontRef idx="minor"/>
+    </dgm:style>
+  </dgm:styleLbl>
+  <dgm:styleLbl name="dkBgShp">
+    <dgm:scene3d>
+      <a:camera prst="orthographicFront"/>
+      <a:lightRig rig="threePt" dir="t"/>
+    </dgm:scene3d>
+    <dgm:sp3d/>
+    <dgm:txPr/>
+    <dgm:style>
+      <a:lnRef idx="0">
+        <a:scrgbClr r="0" g="0" b="0"/>
+      </a:lnRef>
+      <a:fillRef idx="1">
+        <a:scrgbClr r="0" g="0" b="0"/>
+      </a:fillRef>
+      <a:effectRef idx="0">
+        <a:scrgbClr r="0" g="0" b="0"/>
+      </a:effectRef>
+      <a:fontRef idx="minor"/>
+    </dgm:style>
+  </dgm:styleLbl>
+  <dgm:styleLbl name="trBgShp">
+    <dgm:scene3d>
+      <a:camera prst="orthographicFront"/>
+      <a:lightRig rig="threePt" dir="t"/>
+    </dgm:scene3d>
+    <dgm:sp3d/>
+    <dgm:txPr/>
+    <dgm:style>
+      <a:lnRef idx="0">
+        <a:scrgbClr r="0" g="0" b="0"/>
+      </a:lnRef>
+      <a:fillRef idx="1">
+        <a:scrgbClr r="0" g="0" b="0"/>
+      </a:fillRef>
+      <a:effectRef idx="0">
+        <a:scrgbClr r="0" g="0" b="0"/>
+      </a:effectRef>
+      <a:fontRef idx="minor"/>
+    </dgm:style>
+  </dgm:styleLbl>
+  <dgm:styleLbl name="fgShp">
+    <dgm:scene3d>
+      <a:camera prst="orthographicFront"/>
+      <a:lightRig rig="threePt" dir="t"/>
+    </dgm:scene3d>
+    <dgm:sp3d/>
+    <dgm:txPr/>
+    <dgm:style>
+      <a:lnRef idx="2">
+        <a:scrgbClr r="0" g="0" b="0"/>
+      </a:lnRef>
+      <a:fillRef idx="1">
+        <a:scrgbClr r="0" g="0" b="0"/>
+      </a:fillRef>
+      <a:effectRef idx="0">
+        <a:scrgbClr r="0" g="0" b="0"/>
+      </a:effectRef>
+      <a:fontRef idx="minor"/>
+    </dgm:style>
+  </dgm:styleLbl>
+  <dgm:styleLbl name="revTx">
+    <dgm:scene3d>
+      <a:camera prst="orthographicFront"/>
+      <a:lightRig rig="threePt" dir="t"/>
+    </dgm:scene3d>
+    <dgm:sp3d/>
+    <dgm:txPr/>
+    <dgm:style>
+      <a:lnRef idx="0">
+        <a:scrgbClr r="0" g="0" b="0"/>
+      </a:lnRef>
+      <a:fillRef idx="0">
+        <a:scrgbClr r="0" g="0" b="0"/>
+      </a:fillRef>
+      <a:effectRef idx="0">
+        <a:scrgbClr r="0" g="0" b="0"/>
+      </a:effectRef>
+      <a:fontRef idx="minor"/>
+    </dgm:style>
+  </dgm:styleLbl>
+</dgm:styleDef>
+</file>
+
 <file path=ppt/slideLayouts/slideLayout1.xml><?xml version="1.0" encoding="utf-8"?>
 <p:sldLayout xmlns:a="http://schemas.openxmlformats.org/drawingml/2006/main" xmlns:r="http://schemas.openxmlformats.org/officeDocument/2006/relationships" xmlns:p="http://schemas.openxmlformats.org/presentationml/2006/main" type="title" preserve="1">
   <p:cSld name="Title Slide">
@@ -265,9 +2921,9 @@
           <a:p>
             <a:fld id="{82EDB8D0-98ED-4B86-9D5F-E61ADC70144D}" type="datetimeFigureOut">
               <a:rPr lang="en-US" smtClean="0"/>
-              <a:t>3/25/22</a:t>
+              <a:t>3/28/22</a:t>
             </a:fld>
-            <a:endParaRPr lang="en-US"/>
+            <a:endParaRPr lang="en-US" dirty="0"/>
           </a:p>
         </p:txBody>
       </p:sp>
@@ -292,7 +2948,7 @@
           <a:bodyPr/>
           <a:lstStyle/>
           <a:p>
-            <a:endParaRPr lang="en-US"/>
+            <a:endParaRPr lang="en-US" dirty="0"/>
           </a:p>
         </p:txBody>
       </p:sp>
@@ -321,7 +2977,7 @@
               <a:rPr lang="en-US" smtClean="0"/>
               <a:t>‹N°›</a:t>
             </a:fld>
-            <a:endParaRPr lang="en-US"/>
+            <a:endParaRPr lang="en-US" dirty="0"/>
           </a:p>
         </p:txBody>
       </p:sp>
@@ -446,7 +3102,7 @@
               <a:tabLst/>
               <a:defRPr/>
             </a:pPr>
-            <a:endParaRPr kumimoji="0" lang="en-US" sz="1800" b="0" i="0" u="none" strike="noStrike" kern="1200" cap="none" spc="0" normalizeH="0" baseline="0" noProof="0">
+            <a:endParaRPr kumimoji="0" lang="en-US" sz="1800" b="0" i="0" u="none" strike="noStrike" kern="1200" cap="none" spc="0" normalizeH="0" baseline="0" noProof="0" dirty="0">
               <a:ln>
                 <a:noFill/>
               </a:ln>
@@ -525,7 +3181,7 @@
               <a:tabLst/>
               <a:defRPr/>
             </a:pPr>
-            <a:endParaRPr kumimoji="0" lang="en-US" sz="1800" b="0" i="0" u="none" strike="noStrike" kern="1200" cap="none" spc="0" normalizeH="0" baseline="0" noProof="0">
+            <a:endParaRPr kumimoji="0" lang="en-US" sz="1800" b="0" i="0" u="none" strike="noStrike" kern="1200" cap="none" spc="0" normalizeH="0" baseline="0" noProof="0" dirty="0">
               <a:ln>
                 <a:noFill/>
               </a:ln>
@@ -680,9 +3336,9 @@
           <a:p>
             <a:fld id="{82EDB8D0-98ED-4B86-9D5F-E61ADC70144D}" type="datetimeFigureOut">
               <a:rPr lang="en-US" smtClean="0"/>
-              <a:t>3/25/22</a:t>
+              <a:t>3/28/22</a:t>
             </a:fld>
-            <a:endParaRPr lang="en-US"/>
+            <a:endParaRPr lang="en-US" dirty="0"/>
           </a:p>
         </p:txBody>
       </p:sp>
@@ -707,7 +3363,7 @@
           <a:bodyPr/>
           <a:lstStyle/>
           <a:p>
-            <a:endParaRPr lang="en-US"/>
+            <a:endParaRPr lang="en-US" dirty="0"/>
           </a:p>
         </p:txBody>
       </p:sp>
@@ -736,7 +3392,7 @@
               <a:rPr lang="en-US" smtClean="0"/>
               <a:t>‹N°›</a:t>
             </a:fld>
-            <a:endParaRPr lang="en-US"/>
+            <a:endParaRPr lang="en-US" dirty="0"/>
           </a:p>
         </p:txBody>
       </p:sp>
@@ -869,7 +3525,7 @@
               <a:tabLst/>
               <a:defRPr/>
             </a:pPr>
-            <a:endParaRPr kumimoji="0" lang="en-US" sz="1800" b="0" i="0" u="none" strike="noStrike" kern="1200" cap="none" spc="0" normalizeH="0" baseline="0" noProof="0">
+            <a:endParaRPr kumimoji="0" lang="en-US" sz="1800" b="0" i="0" u="none" strike="noStrike" kern="1200" cap="none" spc="0" normalizeH="0" baseline="0" noProof="0" dirty="0">
               <a:ln>
                 <a:noFill/>
               </a:ln>
@@ -1007,7 +3663,7 @@
               <a:tabLst/>
               <a:defRPr/>
             </a:pPr>
-            <a:endParaRPr kumimoji="0" lang="en-US" sz="1800" b="0" i="0" u="none" strike="noStrike" kern="1200" cap="none" spc="0" normalizeH="0" baseline="0" noProof="0">
+            <a:endParaRPr kumimoji="0" lang="en-US" sz="1800" b="0" i="0" u="none" strike="noStrike" kern="1200" cap="none" spc="0" normalizeH="0" baseline="0" noProof="0" dirty="0">
               <a:ln>
                 <a:noFill/>
               </a:ln>
@@ -1172,9 +3828,9 @@
           <a:p>
             <a:fld id="{82EDB8D0-98ED-4B86-9D5F-E61ADC70144D}" type="datetimeFigureOut">
               <a:rPr lang="en-US" smtClean="0"/>
-              <a:t>3/25/22</a:t>
+              <a:t>3/28/22</a:t>
             </a:fld>
-            <a:endParaRPr lang="en-US"/>
+            <a:endParaRPr lang="en-US" dirty="0"/>
           </a:p>
         </p:txBody>
       </p:sp>
@@ -1199,7 +3855,7 @@
           <a:bodyPr/>
           <a:lstStyle/>
           <a:p>
-            <a:endParaRPr lang="en-US"/>
+            <a:endParaRPr lang="en-US" dirty="0"/>
           </a:p>
         </p:txBody>
       </p:sp>
@@ -1228,7 +3884,7 @@
               <a:rPr lang="en-US" smtClean="0"/>
               <a:t>‹N°›</a:t>
             </a:fld>
-            <a:endParaRPr lang="en-US"/>
+            <a:endParaRPr lang="en-US" dirty="0"/>
           </a:p>
         </p:txBody>
       </p:sp>
@@ -1361,7 +4017,7 @@
               <a:tabLst/>
               <a:defRPr/>
             </a:pPr>
-            <a:endParaRPr kumimoji="0" lang="en-US" sz="1800" b="0" i="0" u="none" strike="noStrike" kern="1200" cap="none" spc="0" normalizeH="0" baseline="0" noProof="0">
+            <a:endParaRPr kumimoji="0" lang="en-US" sz="1800" b="0" i="0" u="none" strike="noStrike" kern="1200" cap="none" spc="0" normalizeH="0" baseline="0" noProof="0" dirty="0">
               <a:ln>
                 <a:noFill/>
               </a:ln>
@@ -1499,7 +4155,7 @@
               <a:tabLst/>
               <a:defRPr/>
             </a:pPr>
-            <a:endParaRPr kumimoji="0" lang="en-US" sz="1800" b="0" i="0" u="none" strike="noStrike" kern="1200" cap="none" spc="0" normalizeH="0" baseline="0" noProof="0">
+            <a:endParaRPr kumimoji="0" lang="en-US" sz="1800" b="0" i="0" u="none" strike="noStrike" kern="1200" cap="none" spc="0" normalizeH="0" baseline="0" noProof="0" dirty="0">
               <a:ln>
                 <a:noFill/>
               </a:ln>
@@ -1659,9 +4315,9 @@
           <a:p>
             <a:fld id="{82EDB8D0-98ED-4B86-9D5F-E61ADC70144D}" type="datetimeFigureOut">
               <a:rPr lang="en-US" smtClean="0"/>
-              <a:t>3/25/22</a:t>
+              <a:t>3/28/22</a:t>
             </a:fld>
-            <a:endParaRPr lang="en-US"/>
+            <a:endParaRPr lang="en-US" dirty="0"/>
           </a:p>
         </p:txBody>
       </p:sp>
@@ -1686,7 +4342,7 @@
           <a:bodyPr/>
           <a:lstStyle/>
           <a:p>
-            <a:endParaRPr lang="en-US"/>
+            <a:endParaRPr lang="en-US" dirty="0"/>
           </a:p>
         </p:txBody>
       </p:sp>
@@ -1715,7 +4371,7 @@
               <a:rPr lang="en-US" smtClean="0"/>
               <a:t>‹N°›</a:t>
             </a:fld>
-            <a:endParaRPr lang="en-US"/>
+            <a:endParaRPr lang="en-US" dirty="0"/>
           </a:p>
         </p:txBody>
       </p:sp>
@@ -1840,7 +4496,7 @@
               <a:tabLst/>
               <a:defRPr/>
             </a:pPr>
-            <a:endParaRPr kumimoji="0" lang="en-US" sz="1800" b="0" i="0" u="none" strike="noStrike" kern="1200" cap="none" spc="0" normalizeH="0" baseline="0" noProof="0">
+            <a:endParaRPr kumimoji="0" lang="en-US" sz="1800" b="0" i="0" u="none" strike="noStrike" kern="1200" cap="none" spc="0" normalizeH="0" baseline="0" noProof="0" dirty="0">
               <a:ln>
                 <a:noFill/>
               </a:ln>
@@ -2196,7 +4852,7 @@
               <a:tabLst/>
               <a:defRPr/>
             </a:pPr>
-            <a:endParaRPr kumimoji="0" lang="en-US" sz="1800" b="0" i="0" u="none" strike="noStrike" kern="1200" cap="none" spc="0" normalizeH="0" baseline="0" noProof="0">
+            <a:endParaRPr kumimoji="0" lang="en-US" sz="1800" b="0" i="0" u="none" strike="noStrike" kern="1200" cap="none" spc="0" normalizeH="0" baseline="0" noProof="0" dirty="0">
               <a:ln>
                 <a:noFill/>
               </a:ln>
@@ -2428,9 +5084,9 @@
           <a:p>
             <a:fld id="{82EDB8D0-98ED-4B86-9D5F-E61ADC70144D}" type="datetimeFigureOut">
               <a:rPr lang="en-US" smtClean="0"/>
-              <a:t>3/25/22</a:t>
+              <a:t>3/28/22</a:t>
             </a:fld>
-            <a:endParaRPr lang="en-US"/>
+            <a:endParaRPr lang="en-US" dirty="0"/>
           </a:p>
         </p:txBody>
       </p:sp>
@@ -2455,7 +5111,7 @@
           <a:bodyPr/>
           <a:lstStyle/>
           <a:p>
-            <a:endParaRPr lang="en-US"/>
+            <a:endParaRPr lang="en-US" dirty="0"/>
           </a:p>
         </p:txBody>
       </p:sp>
@@ -2484,7 +5140,7 @@
               <a:rPr lang="en-US" smtClean="0"/>
               <a:t>‹N°›</a:t>
             </a:fld>
-            <a:endParaRPr lang="en-US"/>
+            <a:endParaRPr lang="en-US" dirty="0"/>
           </a:p>
         </p:txBody>
       </p:sp>
@@ -2609,7 +5265,7 @@
               <a:tabLst/>
               <a:defRPr/>
             </a:pPr>
-            <a:endParaRPr kumimoji="0" lang="en-US" sz="1800" b="0" i="0" u="none" strike="noStrike" kern="1200" cap="none" spc="0" normalizeH="0" baseline="0" noProof="0">
+            <a:endParaRPr kumimoji="0" lang="en-US" sz="1800" b="0" i="0" u="none" strike="noStrike" kern="1200" cap="none" spc="0" normalizeH="0" baseline="0" noProof="0" dirty="0">
               <a:ln>
                 <a:noFill/>
               </a:ln>
@@ -2688,7 +5344,7 @@
               <a:tabLst/>
               <a:defRPr/>
             </a:pPr>
-            <a:endParaRPr kumimoji="0" lang="en-US" sz="1800" b="0" i="0" u="none" strike="noStrike" kern="1200" cap="none" spc="0" normalizeH="0" baseline="0" noProof="0">
+            <a:endParaRPr kumimoji="0" lang="en-US" sz="1800" b="0" i="0" u="none" strike="noStrike" kern="1200" cap="none" spc="0" normalizeH="0" baseline="0" noProof="0" dirty="0">
               <a:ln>
                 <a:noFill/>
               </a:ln>
@@ -2910,9 +5566,9 @@
           <a:p>
             <a:fld id="{82EDB8D0-98ED-4B86-9D5F-E61ADC70144D}" type="datetimeFigureOut">
               <a:rPr lang="en-US" smtClean="0"/>
-              <a:t>3/25/22</a:t>
+              <a:t>3/28/22</a:t>
             </a:fld>
-            <a:endParaRPr lang="en-US"/>
+            <a:endParaRPr lang="en-US" dirty="0"/>
           </a:p>
         </p:txBody>
       </p:sp>
@@ -2937,7 +5593,7 @@
           <a:bodyPr/>
           <a:lstStyle/>
           <a:p>
-            <a:endParaRPr lang="en-US"/>
+            <a:endParaRPr lang="en-US" dirty="0"/>
           </a:p>
         </p:txBody>
       </p:sp>
@@ -2966,7 +5622,7 @@
               <a:rPr lang="en-US" smtClean="0"/>
               <a:t>‹N°›</a:t>
             </a:fld>
-            <a:endParaRPr lang="en-US"/>
+            <a:endParaRPr lang="en-US" dirty="0"/>
           </a:p>
         </p:txBody>
       </p:sp>
@@ -3099,7 +5755,7 @@
               <a:tabLst/>
               <a:defRPr/>
             </a:pPr>
-            <a:endParaRPr kumimoji="0" lang="en-US" sz="1800" b="0" i="0" u="none" strike="noStrike" kern="1200" cap="none" spc="0" normalizeH="0" baseline="0" noProof="0">
+            <a:endParaRPr kumimoji="0" lang="en-US" sz="1800" b="0" i="0" u="none" strike="noStrike" kern="1200" cap="none" spc="0" normalizeH="0" baseline="0" noProof="0" dirty="0">
               <a:ln>
                 <a:noFill/>
               </a:ln>
@@ -3237,7 +5893,7 @@
               <a:tabLst/>
               <a:defRPr/>
             </a:pPr>
-            <a:endParaRPr kumimoji="0" lang="en-US" sz="1800" b="0" i="0" u="none" strike="noStrike" kern="1200" cap="none" spc="0" normalizeH="0" baseline="0" noProof="0">
+            <a:endParaRPr kumimoji="0" lang="en-US" sz="1800" b="0" i="0" u="none" strike="noStrike" kern="1200" cap="none" spc="0" normalizeH="0" baseline="0" noProof="0" dirty="0">
               <a:ln>
                 <a:noFill/>
               </a:ln>
@@ -3606,9 +6262,9 @@
           <a:p>
             <a:fld id="{82EDB8D0-98ED-4B86-9D5F-E61ADC70144D}" type="datetimeFigureOut">
               <a:rPr lang="en-US" smtClean="0"/>
-              <a:t>3/25/22</a:t>
+              <a:t>3/28/22</a:t>
             </a:fld>
-            <a:endParaRPr lang="en-US"/>
+            <a:endParaRPr lang="en-US" dirty="0"/>
           </a:p>
         </p:txBody>
       </p:sp>
@@ -3633,7 +6289,7 @@
           <a:bodyPr/>
           <a:lstStyle/>
           <a:p>
-            <a:endParaRPr lang="en-US"/>
+            <a:endParaRPr lang="en-US" dirty="0"/>
           </a:p>
         </p:txBody>
       </p:sp>
@@ -3662,7 +6318,7 @@
               <a:rPr lang="en-US" smtClean="0"/>
               <a:t>‹N°›</a:t>
             </a:fld>
-            <a:endParaRPr lang="en-US"/>
+            <a:endParaRPr lang="en-US" dirty="0"/>
           </a:p>
         </p:txBody>
       </p:sp>
@@ -3795,7 +6451,7 @@
               <a:tabLst/>
               <a:defRPr/>
             </a:pPr>
-            <a:endParaRPr kumimoji="0" lang="en-US" sz="1800" b="0" i="0" u="none" strike="noStrike" kern="1200" cap="none" spc="0" normalizeH="0" baseline="0" noProof="0">
+            <a:endParaRPr kumimoji="0" lang="en-US" sz="1800" b="0" i="0" u="none" strike="noStrike" kern="1200" cap="none" spc="0" normalizeH="0" baseline="0" noProof="0" dirty="0">
               <a:ln>
                 <a:noFill/>
               </a:ln>
@@ -3933,7 +6589,7 @@
               <a:tabLst/>
               <a:defRPr/>
             </a:pPr>
-            <a:endParaRPr kumimoji="0" lang="en-US" sz="1800" b="0" i="0" u="none" strike="noStrike" kern="1200" cap="none" spc="0" normalizeH="0" baseline="0" noProof="0">
+            <a:endParaRPr kumimoji="0" lang="en-US" sz="1800" b="0" i="0" u="none" strike="noStrike" kern="1200" cap="none" spc="0" normalizeH="0" baseline="0" noProof="0" dirty="0">
               <a:ln>
                 <a:noFill/>
               </a:ln>
@@ -4031,9 +6687,9 @@
           <a:p>
             <a:fld id="{82EDB8D0-98ED-4B86-9D5F-E61ADC70144D}" type="datetimeFigureOut">
               <a:rPr lang="en-US" smtClean="0"/>
-              <a:t>3/25/22</a:t>
+              <a:t>3/28/22</a:t>
             </a:fld>
-            <a:endParaRPr lang="en-US"/>
+            <a:endParaRPr lang="en-US" dirty="0"/>
           </a:p>
         </p:txBody>
       </p:sp>
@@ -4058,7 +6714,7 @@
           <a:bodyPr/>
           <a:lstStyle/>
           <a:p>
-            <a:endParaRPr lang="en-US"/>
+            <a:endParaRPr lang="en-US" dirty="0"/>
           </a:p>
         </p:txBody>
       </p:sp>
@@ -4087,7 +6743,7 @@
               <a:rPr lang="en-US" smtClean="0"/>
               <a:t>‹N°›</a:t>
             </a:fld>
-            <a:endParaRPr lang="en-US"/>
+            <a:endParaRPr lang="en-US" dirty="0"/>
           </a:p>
         </p:txBody>
       </p:sp>
@@ -4220,7 +6876,7 @@
               <a:tabLst/>
               <a:defRPr/>
             </a:pPr>
-            <a:endParaRPr kumimoji="0" lang="en-US" sz="1800" b="0" i="0" u="none" strike="noStrike" kern="1200" cap="none" spc="0" normalizeH="0" baseline="0" noProof="0">
+            <a:endParaRPr kumimoji="0" lang="en-US" sz="1800" b="0" i="0" u="none" strike="noStrike" kern="1200" cap="none" spc="0" normalizeH="0" baseline="0" noProof="0" dirty="0">
               <a:ln>
                 <a:noFill/>
               </a:ln>
@@ -4358,7 +7014,7 @@
               <a:tabLst/>
               <a:defRPr/>
             </a:pPr>
-            <a:endParaRPr kumimoji="0" lang="en-US" sz="1800" b="0" i="0" u="none" strike="noStrike" kern="1200" cap="none" spc="0" normalizeH="0" baseline="0" noProof="0">
+            <a:endParaRPr kumimoji="0" lang="en-US" sz="1800" b="0" i="0" u="none" strike="noStrike" kern="1200" cap="none" spc="0" normalizeH="0" baseline="0" noProof="0" dirty="0">
               <a:ln>
                 <a:noFill/>
               </a:ln>
@@ -4428,9 +7084,9 @@
           <a:p>
             <a:fld id="{82EDB8D0-98ED-4B86-9D5F-E61ADC70144D}" type="datetimeFigureOut">
               <a:rPr lang="en-US" smtClean="0"/>
-              <a:t>3/25/22</a:t>
+              <a:t>3/28/22</a:t>
             </a:fld>
-            <a:endParaRPr lang="en-US"/>
+            <a:endParaRPr lang="en-US" dirty="0"/>
           </a:p>
         </p:txBody>
       </p:sp>
@@ -4455,7 +7111,7 @@
           <a:bodyPr/>
           <a:lstStyle/>
           <a:p>
-            <a:endParaRPr lang="en-US"/>
+            <a:endParaRPr lang="en-US" dirty="0"/>
           </a:p>
         </p:txBody>
       </p:sp>
@@ -4484,7 +7140,7 @@
               <a:rPr lang="en-US" smtClean="0"/>
               <a:t>‹N°›</a:t>
             </a:fld>
-            <a:endParaRPr lang="en-US"/>
+            <a:endParaRPr lang="en-US" dirty="0"/>
           </a:p>
         </p:txBody>
       </p:sp>
@@ -4617,7 +7273,7 @@
               <a:tabLst/>
               <a:defRPr/>
             </a:pPr>
-            <a:endParaRPr kumimoji="0" lang="en-US" sz="1800" b="0" i="0" u="none" strike="noStrike" kern="1200" cap="none" spc="0" normalizeH="0" baseline="0" noProof="0">
+            <a:endParaRPr kumimoji="0" lang="en-US" sz="1800" b="0" i="0" u="none" strike="noStrike" kern="1200" cap="none" spc="0" normalizeH="0" baseline="0" noProof="0" dirty="0">
               <a:ln>
                 <a:noFill/>
               </a:ln>
@@ -4755,7 +7411,7 @@
               <a:tabLst/>
               <a:defRPr/>
             </a:pPr>
-            <a:endParaRPr kumimoji="0" lang="en-US" sz="1800" b="0" i="0" u="none" strike="noStrike" kern="1200" cap="none" spc="0" normalizeH="0" baseline="0" noProof="0">
+            <a:endParaRPr kumimoji="0" lang="en-US" sz="1800" b="0" i="0" u="none" strike="noStrike" kern="1200" cap="none" spc="0" normalizeH="0" baseline="0" noProof="0" dirty="0">
               <a:ln>
                 <a:noFill/>
               </a:ln>
@@ -5023,9 +7679,9 @@
           <a:p>
             <a:fld id="{82EDB8D0-98ED-4B86-9D5F-E61ADC70144D}" type="datetimeFigureOut">
               <a:rPr lang="en-US" smtClean="0"/>
-              <a:t>3/25/22</a:t>
+              <a:t>3/28/22</a:t>
             </a:fld>
-            <a:endParaRPr lang="en-US"/>
+            <a:endParaRPr lang="en-US" dirty="0"/>
           </a:p>
         </p:txBody>
       </p:sp>
@@ -5050,7 +7706,7 @@
           <a:bodyPr/>
           <a:lstStyle/>
           <a:p>
-            <a:endParaRPr lang="en-US"/>
+            <a:endParaRPr lang="en-US" dirty="0"/>
           </a:p>
         </p:txBody>
       </p:sp>
@@ -5079,7 +7735,7 @@
               <a:rPr lang="en-US" smtClean="0"/>
               <a:t>‹N°›</a:t>
             </a:fld>
-            <a:endParaRPr lang="en-US"/>
+            <a:endParaRPr lang="en-US" dirty="0"/>
           </a:p>
         </p:txBody>
       </p:sp>
@@ -5212,7 +7868,7 @@
               <a:tabLst/>
               <a:defRPr/>
             </a:pPr>
-            <a:endParaRPr kumimoji="0" lang="en-US" sz="1800" b="0" i="0" u="none" strike="noStrike" kern="1200" cap="none" spc="0" normalizeH="0" baseline="0" noProof="0">
+            <a:endParaRPr kumimoji="0" lang="en-US" sz="1800" b="0" i="0" u="none" strike="noStrike" kern="1200" cap="none" spc="0" normalizeH="0" baseline="0" noProof="0" dirty="0">
               <a:ln>
                 <a:noFill/>
               </a:ln>
@@ -5350,7 +8006,7 @@
               <a:tabLst/>
               <a:defRPr/>
             </a:pPr>
-            <a:endParaRPr kumimoji="0" lang="en-US" sz="1800" b="0" i="0" u="none" strike="noStrike" kern="1200" cap="none" spc="0" normalizeH="0" baseline="0" noProof="0">
+            <a:endParaRPr kumimoji="0" lang="en-US" sz="1800" b="0" i="0" u="none" strike="noStrike" kern="1200" cap="none" spc="0" normalizeH="0" baseline="0" noProof="0" dirty="0">
               <a:ln>
                 <a:noFill/>
               </a:ln>
@@ -5498,7 +8154,7 @@
           </a:lstStyle>
           <a:p>
             <a:r>
-              <a:rPr lang="en-US"/>
+              <a:rPr lang="en-US" dirty="0"/>
               <a:t>Click icon to add picture</a:t>
             </a:r>
           </a:p>
@@ -5598,9 +8254,9 @@
           <a:p>
             <a:fld id="{82EDB8D0-98ED-4B86-9D5F-E61ADC70144D}" type="datetimeFigureOut">
               <a:rPr lang="en-US" smtClean="0"/>
-              <a:t>3/25/22</a:t>
+              <a:t>3/28/22</a:t>
             </a:fld>
-            <a:endParaRPr lang="en-US"/>
+            <a:endParaRPr lang="en-US" dirty="0"/>
           </a:p>
         </p:txBody>
       </p:sp>
@@ -5625,7 +8281,7 @@
           <a:bodyPr/>
           <a:lstStyle/>
           <a:p>
-            <a:endParaRPr lang="en-US"/>
+            <a:endParaRPr lang="en-US" dirty="0"/>
           </a:p>
         </p:txBody>
       </p:sp>
@@ -5654,7 +8310,7 @@
               <a:rPr lang="en-US" smtClean="0"/>
               <a:t>‹N°›</a:t>
             </a:fld>
-            <a:endParaRPr lang="en-US"/>
+            <a:endParaRPr lang="en-US" dirty="0"/>
           </a:p>
         </p:txBody>
       </p:sp>
@@ -5787,7 +8443,7 @@
               <a:tabLst/>
               <a:defRPr/>
             </a:pPr>
-            <a:endParaRPr kumimoji="0" lang="en-US" sz="1800" b="0" i="0" u="none" strike="noStrike" kern="1200" cap="none" spc="0" normalizeH="0" baseline="0" noProof="0">
+            <a:endParaRPr kumimoji="0" lang="en-US" sz="1800" b="0" i="0" u="none" strike="noStrike" kern="1200" cap="none" spc="0" normalizeH="0" baseline="0" noProof="0" dirty="0">
               <a:ln>
                 <a:noFill/>
               </a:ln>
@@ -5925,7 +8581,7 @@
               <a:tabLst/>
               <a:defRPr/>
             </a:pPr>
-            <a:endParaRPr kumimoji="0" lang="en-US" sz="1800" b="0" i="0" u="none" strike="noStrike" kern="1200" cap="none" spc="0" normalizeH="0" baseline="0" noProof="0">
+            <a:endParaRPr kumimoji="0" lang="en-US" sz="1800" b="0" i="0" u="none" strike="noStrike" kern="1200" cap="none" spc="0" normalizeH="0" baseline="0" noProof="0" dirty="0">
               <a:ln>
                 <a:noFill/>
               </a:ln>
@@ -6125,9 +8781,9 @@
             <a:fld id="{82EDB8D0-98ED-4B86-9D5F-E61ADC70144D}" type="datetimeFigureOut">
               <a:rPr lang="en-US" smtClean="0"/>
               <a:pPr/>
-              <a:t>3/25/22</a:t>
+              <a:t>3/28/22</a:t>
             </a:fld>
-            <a:endParaRPr lang="en-US"/>
+            <a:endParaRPr lang="en-US" dirty="0"/>
           </a:p>
         </p:txBody>
       </p:sp>
@@ -6171,7 +8827,7 @@
             </a:lvl1pPr>
           </a:lstStyle>
           <a:p>
-            <a:endParaRPr lang="en-US"/>
+            <a:endParaRPr lang="en-US" dirty="0"/>
           </a:p>
         </p:txBody>
       </p:sp>
@@ -6220,7 +8876,7 @@
               <a:pPr/>
               <a:t>‹N°›</a:t>
             </a:fld>
-            <a:endParaRPr lang="en-US"/>
+            <a:endParaRPr lang="en-US" dirty="0"/>
           </a:p>
         </p:txBody>
       </p:sp>
@@ -6843,8 +9499,8 @@
         </p:nvSpPr>
         <p:spPr>
           <a:xfrm>
-            <a:off x="860742" y="1124988"/>
-            <a:ext cx="4425962" cy="2387600"/>
+            <a:off x="860742" y="504698"/>
+            <a:ext cx="4425962" cy="3133826"/>
           </a:xfrm>
         </p:spPr>
         <p:txBody>
@@ -6856,7 +9512,14 @@
             <a:pPr algn="l"/>
             <a:r>
               <a:rPr lang="fr-FR" dirty="0"/>
-              <a:t>Projet 5 : Count on me</a:t>
+              <a:t>Projet 5 :</a:t>
+            </a:r>
+            <a:br>
+              <a:rPr lang="fr-FR" dirty="0"/>
+            </a:br>
+            <a:r>
+              <a:rPr lang="fr-FR" dirty="0"/>
+              <a:t> Count on me</a:t>
             </a:r>
           </a:p>
         </p:txBody>
@@ -6879,7 +9542,7 @@
         </p:nvSpPr>
         <p:spPr>
           <a:xfrm>
-            <a:off x="860742" y="3633691"/>
+            <a:off x="860742" y="3934691"/>
             <a:ext cx="4425962" cy="1655762"/>
           </a:xfrm>
         </p:spPr>
@@ -7036,7 +9699,7 @@
               <a:tabLst/>
               <a:defRPr/>
             </a:pPr>
-            <a:endParaRPr kumimoji="0" lang="en-US" sz="1800" b="0" i="0" u="none" strike="noStrike" kern="1200" cap="none" spc="0" normalizeH="0" baseline="0" noProof="0">
+            <a:endParaRPr kumimoji="0" lang="en-US" sz="1800" b="0" i="0" u="none" strike="noStrike" kern="1200" cap="none" spc="0" normalizeH="0" baseline="0" noProof="0" dirty="0">
               <a:ln>
                 <a:noFill/>
               </a:ln>
@@ -7128,7 +9791,7 @@
               <a:tabLst/>
               <a:defRPr/>
             </a:pPr>
-            <a:endParaRPr kumimoji="0" lang="en-US" sz="1800" b="0" i="0" u="none" strike="noStrike" kern="1200" cap="none" spc="0" normalizeH="0" baseline="0" noProof="0">
+            <a:endParaRPr kumimoji="0" lang="en-US" sz="1800" b="0" i="0" u="none" strike="noStrike" kern="1200" cap="none" spc="0" normalizeH="0" baseline="0" noProof="0" dirty="0">
               <a:ln>
                 <a:noFill/>
               </a:ln>
@@ -7488,7 +10151,7 @@
               <a:tabLst/>
               <a:defRPr/>
             </a:pPr>
-            <a:endParaRPr kumimoji="0" lang="en-US" sz="1800" b="0" i="0" u="none" strike="noStrike" kern="1200" cap="none" spc="0" normalizeH="0" baseline="0" noProof="0">
+            <a:endParaRPr kumimoji="0" lang="en-US" sz="1800" b="0" i="0" u="none" strike="noStrike" kern="1200" cap="none" spc="0" normalizeH="0" baseline="0" noProof="0" dirty="0">
               <a:ln>
                 <a:noFill/>
               </a:ln>
@@ -7534,7 +10197,7 @@
           <a:lstStyle/>
           <a:p>
             <a:r>
-              <a:rPr lang="fr-FR"/>
+              <a:rPr lang="fr-FR" dirty="0"/>
               <a:t>Sommaire</a:t>
             </a:r>
           </a:p>
@@ -7564,7 +10227,7 @@
         </p:spPr>
         <p:txBody>
           <a:bodyPr>
-            <a:normAutofit fontScale="85000" lnSpcReduction="20000"/>
+            <a:normAutofit fontScale="77500" lnSpcReduction="20000"/>
           </a:bodyPr>
           <a:lstStyle/>
           <a:p>
@@ -7604,6 +10267,13 @@
             <a:r>
               <a:rPr lang="fr-FR" dirty="0"/>
               <a:t>Count.swift</a:t>
+            </a:r>
+          </a:p>
+          <a:p>
+            <a:pPr lvl="1"/>
+            <a:r>
+              <a:rPr lang="fr-FR" dirty="0"/>
+              <a:t>Tests unitaires</a:t>
             </a:r>
           </a:p>
           <a:p>
@@ -7787,7 +10457,7 @@
               <a:tabLst/>
               <a:defRPr/>
             </a:pPr>
-            <a:endParaRPr kumimoji="0" lang="en-US" sz="1800" b="0" i="0" u="none" strike="noStrike" kern="1200" cap="none" spc="0" normalizeH="0" baseline="0" noProof="0">
+            <a:endParaRPr kumimoji="0" lang="en-US" sz="1800" b="0" i="0" u="none" strike="noStrike" kern="1200" cap="none" spc="0" normalizeH="0" baseline="0" noProof="0" dirty="0">
               <a:ln>
                 <a:noFill/>
               </a:ln>
@@ -7881,7 +10551,7 @@
               <a:tabLst/>
               <a:defRPr/>
             </a:pPr>
-            <a:endParaRPr kumimoji="0" lang="en-US" sz="1800" b="0" i="0" u="none" strike="noStrike" kern="1200" cap="none" spc="0" normalizeH="0" baseline="0" noProof="0">
+            <a:endParaRPr kumimoji="0" lang="en-US" sz="1800" b="0" i="0" u="none" strike="noStrike" kern="1200" cap="none" spc="0" normalizeH="0" baseline="0" noProof="0" dirty="0">
               <a:ln>
                 <a:noFill/>
               </a:ln>
@@ -8008,7 +10678,7 @@
               <a:tabLst/>
               <a:defRPr/>
             </a:pPr>
-            <a:endParaRPr kumimoji="0" lang="en-US" sz="1800" b="0" i="0" u="none" strike="noStrike" kern="1200" cap="none" spc="0" normalizeH="0" baseline="0" noProof="0">
+            <a:endParaRPr kumimoji="0" lang="en-US" sz="1800" b="0" i="0" u="none" strike="noStrike" kern="1200" cap="none" spc="0" normalizeH="0" baseline="0" noProof="0" dirty="0">
               <a:ln>
                 <a:noFill/>
               </a:ln>
@@ -8054,7 +10724,7 @@
           <a:lstStyle/>
           <a:p>
             <a:r>
-              <a:rPr lang="en-US" kern="1200">
+              <a:rPr lang="en-US" kern="1200" dirty="0">
                 <a:solidFill>
                   <a:schemeClr val="tx1"/>
                 </a:solidFill>
@@ -8243,7 +10913,7 @@
               <a:tabLst/>
               <a:defRPr/>
             </a:pPr>
-            <a:endParaRPr kumimoji="0" lang="en-US" sz="1800" b="0" i="0" u="none" strike="noStrike" kern="1200" cap="none" spc="0" normalizeH="0" baseline="0" noProof="0">
+            <a:endParaRPr kumimoji="0" lang="en-US" sz="1800" b="0" i="0" u="none" strike="noStrike" kern="1200" cap="none" spc="0" normalizeH="0" baseline="0" noProof="0" dirty="0">
               <a:ln>
                 <a:noFill/>
               </a:ln>
@@ -8392,7 +11062,7 @@
               <a:tabLst/>
               <a:defRPr/>
             </a:pPr>
-            <a:endParaRPr kumimoji="0" lang="en-US" sz="1800" b="0" i="0" u="none" strike="noStrike" kern="1200" cap="none" spc="0" normalizeH="0" baseline="0" noProof="0">
+            <a:endParaRPr kumimoji="0" lang="en-US" sz="1800" b="0" i="0" u="none" strike="noStrike" kern="1200" cap="none" spc="0" normalizeH="0" baseline="0" noProof="0" dirty="0">
               <a:ln>
                 <a:noFill/>
               </a:ln>
@@ -8448,8 +11118,83 @@
             </a:pPr>
             <a:r>
               <a:rPr lang="en-US" sz="2400" dirty="0"/>
-              <a:t>Ajout de nouvelles fonctionnalités </a:t>
-            </a:r>
+              <a:t>Ajout de nouvelles fonctionnalités</a:t>
+            </a:r>
+          </a:p>
+          <a:p>
+            <a:pPr lvl="1" indent="-228600">
+              <a:lnSpc>
+                <a:spcPct val="90000"/>
+              </a:lnSpc>
+              <a:spcAft>
+                <a:spcPts val="600"/>
+              </a:spcAft>
+              <a:buFont typeface="Arial" panose="020B0604020202020204" pitchFamily="34" charset="0"/>
+              <a:buChar char="•"/>
+            </a:pPr>
+            <a:r>
+              <a:rPr lang="en-US" sz="2400" dirty="0"/>
+              <a:t>Multiplication</a:t>
+            </a:r>
+          </a:p>
+          <a:p>
+            <a:pPr lvl="1" indent="-228600">
+              <a:lnSpc>
+                <a:spcPct val="90000"/>
+              </a:lnSpc>
+              <a:spcAft>
+                <a:spcPts val="600"/>
+              </a:spcAft>
+              <a:buFont typeface="Arial" panose="020B0604020202020204" pitchFamily="34" charset="0"/>
+              <a:buChar char="•"/>
+            </a:pPr>
+            <a:r>
+              <a:rPr lang="en-US" sz="2400" dirty="0"/>
+              <a:t>Division</a:t>
+            </a:r>
+          </a:p>
+          <a:p>
+            <a:pPr lvl="1" indent="-228600">
+              <a:lnSpc>
+                <a:spcPct val="90000"/>
+              </a:lnSpc>
+              <a:spcAft>
+                <a:spcPts val="600"/>
+              </a:spcAft>
+              <a:buFont typeface="Arial" panose="020B0604020202020204" pitchFamily="34" charset="0"/>
+              <a:buChar char="•"/>
+            </a:pPr>
+            <a:r>
+              <a:rPr lang="en-US" sz="2400" dirty="0"/>
+              <a:t>Virgule</a:t>
+            </a:r>
+          </a:p>
+          <a:p>
+            <a:pPr lvl="1" indent="-228600">
+              <a:lnSpc>
+                <a:spcPct val="90000"/>
+              </a:lnSpc>
+              <a:spcAft>
+                <a:spcPts val="600"/>
+              </a:spcAft>
+              <a:buFont typeface="Arial" panose="020B0604020202020204" pitchFamily="34" charset="0"/>
+              <a:buChar char="•"/>
+            </a:pPr>
+            <a:r>
+              <a:rPr lang="en-US" sz="2400" dirty="0"/>
+              <a:t>AC (Nettoyage)</a:t>
+            </a:r>
+          </a:p>
+          <a:p>
+            <a:pPr>
+              <a:lnSpc>
+                <a:spcPct val="90000"/>
+              </a:lnSpc>
+              <a:spcAft>
+                <a:spcPts val="600"/>
+              </a:spcAft>
+            </a:pPr>
+            <a:endParaRPr lang="en-US" sz="2400" dirty="0"/>
           </a:p>
           <a:p>
             <a:pPr indent="-228600">
@@ -8462,26 +11207,13 @@
               <a:buFont typeface="Arial" panose="020B0604020202020204" pitchFamily="34" charset="0"/>
               <a:buChar char="•"/>
             </a:pPr>
-            <a:endParaRPr lang="en-US" sz="2400" dirty="0"/>
-          </a:p>
-          <a:p>
-            <a:pPr marL="285750" indent="-228600">
-              <a:lnSpc>
-                <a:spcPct val="90000"/>
-              </a:lnSpc>
-              <a:spcAft>
-                <a:spcPts val="600"/>
-              </a:spcAft>
-              <a:buFont typeface="Arial" panose="020B0604020202020204" pitchFamily="34" charset="0"/>
-              <a:buChar char="•"/>
-            </a:pPr>
             <a:r>
               <a:rPr lang="en-US" sz="2400" dirty="0"/>
-              <a:t>Multiplication</a:t>
-            </a:r>
-          </a:p>
-          <a:p>
-            <a:pPr marL="57150">
+              <a:t>Adaptation du design</a:t>
+            </a:r>
+          </a:p>
+          <a:p>
+            <a:pPr marL="228600" lvl="1">
               <a:lnSpc>
                 <a:spcPct val="90000"/>
               </a:lnSpc>
@@ -8490,84 +11222,6 @@
               </a:spcAft>
             </a:pPr>
             <a:endParaRPr lang="en-US" sz="2400" dirty="0"/>
-          </a:p>
-          <a:p>
-            <a:pPr marL="285750" indent="-228600">
-              <a:lnSpc>
-                <a:spcPct val="90000"/>
-              </a:lnSpc>
-              <a:spcAft>
-                <a:spcPts val="600"/>
-              </a:spcAft>
-              <a:buFont typeface="Arial" panose="020B0604020202020204" pitchFamily="34" charset="0"/>
-              <a:buChar char="•"/>
-            </a:pPr>
-            <a:r>
-              <a:rPr lang="en-US" sz="2400" dirty="0"/>
-              <a:t>Division</a:t>
-            </a:r>
-          </a:p>
-          <a:p>
-            <a:pPr marL="57150">
-              <a:lnSpc>
-                <a:spcPct val="90000"/>
-              </a:lnSpc>
-              <a:spcAft>
-                <a:spcPts val="600"/>
-              </a:spcAft>
-            </a:pPr>
-            <a:endParaRPr lang="en-US" sz="2400" dirty="0"/>
-          </a:p>
-          <a:p>
-            <a:pPr marL="285750" indent="-228600">
-              <a:lnSpc>
-                <a:spcPct val="90000"/>
-              </a:lnSpc>
-              <a:spcAft>
-                <a:spcPts val="600"/>
-              </a:spcAft>
-              <a:buFont typeface="Arial" panose="020B0604020202020204" pitchFamily="34" charset="0"/>
-              <a:buChar char="•"/>
-            </a:pPr>
-            <a:r>
-              <a:rPr lang="en-US" sz="2400" dirty="0"/>
-              <a:t>Virgule</a:t>
-            </a:r>
-          </a:p>
-          <a:p>
-            <a:pPr marL="57150">
-              <a:lnSpc>
-                <a:spcPct val="90000"/>
-              </a:lnSpc>
-              <a:spcAft>
-                <a:spcPts val="600"/>
-              </a:spcAft>
-            </a:pPr>
-            <a:endParaRPr lang="en-US" sz="2400" dirty="0"/>
-          </a:p>
-          <a:p>
-            <a:pPr marL="285750" indent="-228600">
-              <a:lnSpc>
-                <a:spcPct val="90000"/>
-              </a:lnSpc>
-              <a:spcAft>
-                <a:spcPts val="600"/>
-              </a:spcAft>
-              <a:buFont typeface="Arial" panose="020B0604020202020204" pitchFamily="34" charset="0"/>
-              <a:buChar char="•"/>
-            </a:pPr>
-            <a:r>
-              <a:rPr lang="en-US" sz="2400" dirty="0"/>
-              <a:t>AC (</a:t>
-            </a:r>
-            <a:r>
-              <a:rPr lang="en-US" sz="2400" dirty="0" err="1"/>
-              <a:t>Nettoyage</a:t>
-            </a:r>
-            <a:r>
-              <a:rPr lang="en-US" sz="2400" dirty="0"/>
-              <a:t>)</a:t>
-            </a:r>
           </a:p>
           <a:p>
             <a:pPr indent="-228600">
@@ -8750,7 +11404,7 @@
               <a:tabLst/>
               <a:defRPr/>
             </a:pPr>
-            <a:endParaRPr kumimoji="0" lang="en-US" sz="1800" b="0" i="0" u="none" strike="noStrike" kern="1200" cap="none" spc="0" normalizeH="0" baseline="0" noProof="0">
+            <a:endParaRPr kumimoji="0" lang="en-US" sz="1800" b="0" i="0" u="none" strike="noStrike" kern="1200" cap="none" spc="0" normalizeH="0" baseline="0" noProof="0" dirty="0">
               <a:ln>
                 <a:noFill/>
               </a:ln>
@@ -9134,7 +11788,7 @@
               <a:tabLst/>
               <a:defRPr/>
             </a:pPr>
-            <a:endParaRPr kumimoji="0" lang="en-US" sz="1800" b="0" i="0" u="none" strike="noStrike" kern="1200" cap="none" spc="0" normalizeH="0" baseline="0" noProof="0">
+            <a:endParaRPr kumimoji="0" lang="en-US" sz="1800" b="0" i="0" u="none" strike="noStrike" kern="1200" cap="none" spc="0" normalizeH="0" baseline="0" noProof="0" dirty="0">
               <a:ln>
                 <a:noFill/>
               </a:ln>
@@ -9224,7 +11878,7 @@
               <a:tabLst/>
               <a:defRPr/>
             </a:pPr>
-            <a:endParaRPr kumimoji="0" lang="en-US" sz="1800" b="0" i="0" u="none" strike="noStrike" kern="1200" cap="none" spc="0" normalizeH="0" baseline="0" noProof="0">
+            <a:endParaRPr kumimoji="0" lang="en-US" sz="1800" b="0" i="0" u="none" strike="noStrike" kern="1200" cap="none" spc="0" normalizeH="0" baseline="0" noProof="0" dirty="0">
               <a:ln>
                 <a:noFill/>
               </a:ln>
@@ -9445,7 +12099,7 @@
               <a:tabLst/>
               <a:defRPr/>
             </a:pPr>
-            <a:endParaRPr kumimoji="0" lang="en-US" sz="1800" b="0" i="0" u="none" strike="noStrike" kern="1200" cap="none" spc="0" normalizeH="0" baseline="0" noProof="0">
+            <a:endParaRPr kumimoji="0" lang="en-US" sz="1800" b="0" i="0" u="none" strike="noStrike" kern="1200" cap="none" spc="0" normalizeH="0" baseline="0" noProof="0" dirty="0">
               <a:ln>
                 <a:noFill/>
               </a:ln>
@@ -9588,7 +12242,7 @@
               <a:tabLst/>
               <a:defRPr/>
             </a:pPr>
-            <a:endParaRPr kumimoji="0" lang="en-US" sz="1800" b="0" i="0" u="none" strike="noStrike" kern="1200" cap="none" spc="0" normalizeH="0" baseline="0" noProof="0">
+            <a:endParaRPr kumimoji="0" lang="en-US" sz="1800" b="0" i="0" u="none" strike="noStrike" kern="1200" cap="none" spc="0" normalizeH="0" baseline="0" noProof="0" dirty="0">
               <a:ln>
                 <a:noFill/>
               </a:ln>
@@ -9667,15 +12321,39 @@
             <a:off x="6679796" y="2644594"/>
             <a:ext cx="4092576" cy="4205009"/>
           </a:xfrm>
-          <a:prstGeom prst="rect">
+          <a:prstGeom prst="snip2DiagRect">
             <a:avLst/>
           </a:prstGeom>
-          <a:ln>
-            <a:noFill/>
+          <a:solidFill>
+            <a:srgbClr val="FFFFFF">
+              <a:shade val="85000"/>
+            </a:srgbClr>
+          </a:solidFill>
+          <a:ln w="38100" cap="sq">
+            <a:solidFill>
+              <a:srgbClr val="E8908B"/>
+            </a:solidFill>
+            <a:miter lim="800000"/>
           </a:ln>
           <a:effectLst>
-            <a:softEdge rad="112500"/>
+            <a:outerShdw blurRad="88900" algn="tl" rotWithShape="0">
+              <a:srgbClr val="000000">
+                <a:alpha val="45000"/>
+              </a:srgbClr>
+            </a:outerShdw>
           </a:effectLst>
+          <a:scene3d>
+            <a:camera prst="orthographicFront"/>
+            <a:lightRig rig="twoPt" dir="t">
+              <a:rot lat="0" lon="0" rev="7200000"/>
+            </a:lightRig>
+          </a:scene3d>
+          <a:sp3d>
+            <a:bevelT w="25400" h="19050"/>
+            <a:contourClr>
+              <a:srgbClr val="FFFFFF"/>
+            </a:contourClr>
+          </a:sp3d>
         </p:spPr>
       </p:pic>
       <p:sp>
@@ -9917,7 +12595,7 @@
               <a:tabLst/>
               <a:defRPr/>
             </a:pPr>
-            <a:endParaRPr kumimoji="0" lang="en-US" sz="1800" b="0" i="0" u="none" strike="noStrike" kern="1200" cap="none" spc="0" normalizeH="0" baseline="0" noProof="0">
+            <a:endParaRPr kumimoji="0" lang="en-US" sz="1800" b="0" i="0" u="none" strike="noStrike" kern="1200" cap="none" spc="0" normalizeH="0" baseline="0" noProof="0" dirty="0">
               <a:ln>
                 <a:noFill/>
               </a:ln>
@@ -10073,6 +12751,61 @@
       </p:sp>
       <p:sp>
         <p:nvSpPr>
+          <p:cNvPr id="35" name="Rectangle 34">
+            <a:extLst>
+              <a:ext uri="{FF2B5EF4-FFF2-40B4-BE49-F238E27FC236}">
+                <a16:creationId xmlns:a16="http://schemas.microsoft.com/office/drawing/2014/main" id="{62E3AD39-D140-6548-9067-EC2A26CA5FA4}"/>
+              </a:ext>
+            </a:extLst>
+          </p:cNvPr>
+          <p:cNvSpPr/>
+          <p:nvPr/>
+        </p:nvSpPr>
+        <p:spPr>
+          <a:xfrm>
+            <a:off x="-55487" y="1983105"/>
+            <a:ext cx="12275229" cy="4890982"/>
+          </a:xfrm>
+          <a:prstGeom prst="rect">
+            <a:avLst/>
+          </a:prstGeom>
+          <a:solidFill>
+            <a:schemeClr val="tx1">
+              <a:lumMod val="85000"/>
+              <a:lumOff val="15000"/>
+            </a:schemeClr>
+          </a:solidFill>
+          <a:ln>
+            <a:noFill/>
+          </a:ln>
+        </p:spPr>
+        <p:style>
+          <a:lnRef idx="2">
+            <a:schemeClr val="accent1">
+              <a:shade val="50000"/>
+            </a:schemeClr>
+          </a:lnRef>
+          <a:fillRef idx="1">
+            <a:schemeClr val="accent1"/>
+          </a:fillRef>
+          <a:effectRef idx="0">
+            <a:schemeClr val="accent1"/>
+          </a:effectRef>
+          <a:fontRef idx="minor">
+            <a:schemeClr val="lt1"/>
+          </a:fontRef>
+        </p:style>
+        <p:txBody>
+          <a:bodyPr rtlCol="0" anchor="ctr"/>
+          <a:lstStyle/>
+          <a:p>
+            <a:pPr algn="ctr"/>
+            <a:endParaRPr lang="fr-FR" dirty="0"/>
+          </a:p>
+        </p:txBody>
+      </p:sp>
+      <p:sp>
+        <p:nvSpPr>
           <p:cNvPr id="28" name="!!Oval">
             <a:extLst>
               <a:ext uri="{FF2B5EF4-FFF2-40B4-BE49-F238E27FC236}">
@@ -10146,7 +12879,7 @@
               <a:tabLst/>
               <a:defRPr/>
             </a:pPr>
-            <a:endParaRPr kumimoji="0" lang="en-US" sz="1800" b="0" i="0" u="none" strike="noStrike" kern="1200" cap="none" spc="0" normalizeH="0" baseline="0" noProof="0">
+            <a:endParaRPr kumimoji="0" lang="en-US" sz="1800" b="0" i="0" u="none" strike="noStrike" kern="1200" cap="none" spc="0" normalizeH="0" baseline="0" noProof="0" dirty="0">
               <a:ln>
                 <a:noFill/>
               </a:ln>
@@ -10165,60 +12898,6 @@
       </p:sp>
       <p:sp>
         <p:nvSpPr>
-          <p:cNvPr id="11" name="Rectangle : avec coin rogné 10">
-            <a:extLst>
-              <a:ext uri="{FF2B5EF4-FFF2-40B4-BE49-F238E27FC236}">
-                <a16:creationId xmlns:a16="http://schemas.microsoft.com/office/drawing/2014/main" id="{72C235E6-E111-AD47-8F6C-FD9B67908FE8}"/>
-              </a:ext>
-            </a:extLst>
-          </p:cNvPr>
-          <p:cNvSpPr/>
-          <p:nvPr/>
-        </p:nvSpPr>
-        <p:spPr>
-          <a:xfrm>
-            <a:off x="305611" y="1970870"/>
-            <a:ext cx="4182102" cy="1853910"/>
-          </a:xfrm>
-          <a:prstGeom prst="snip1Rect">
-            <a:avLst/>
-          </a:prstGeom>
-          <a:solidFill>
-            <a:schemeClr val="tx1">
-              <a:alpha val="74902"/>
-            </a:schemeClr>
-          </a:solidFill>
-          <a:ln>
-            <a:noFill/>
-          </a:ln>
-        </p:spPr>
-        <p:style>
-          <a:lnRef idx="2">
-            <a:schemeClr val="accent1">
-              <a:shade val="50000"/>
-            </a:schemeClr>
-          </a:lnRef>
-          <a:fillRef idx="1">
-            <a:schemeClr val="accent1"/>
-          </a:fillRef>
-          <a:effectRef idx="0">
-            <a:schemeClr val="accent1"/>
-          </a:effectRef>
-          <a:fontRef idx="minor">
-            <a:schemeClr val="lt1"/>
-          </a:fontRef>
-        </p:style>
-        <p:txBody>
-          <a:bodyPr rtlCol="0" anchor="ctr"/>
-          <a:lstStyle/>
-          <a:p>
-            <a:pPr algn="ctr"/>
-            <a:endParaRPr lang="fr-FR" dirty="0"/>
-          </a:p>
-        </p:txBody>
-      </p:sp>
-      <p:sp>
-        <p:nvSpPr>
           <p:cNvPr id="13" name="ZoneTexte 12">
             <a:extLst>
               <a:ext uri="{FF2B5EF4-FFF2-40B4-BE49-F238E27FC236}">
@@ -10231,8 +12910,8 @@
         </p:nvSpPr>
         <p:spPr>
           <a:xfrm>
-            <a:off x="1437712" y="2054205"/>
-            <a:ext cx="1917897" cy="369332"/>
+            <a:off x="1046371" y="2037170"/>
+            <a:ext cx="2116220" cy="369332"/>
           </a:xfrm>
           <a:prstGeom prst="rect">
             <a:avLst/>
@@ -10258,60 +12937,6 @@
       </p:sp>
       <p:sp>
         <p:nvSpPr>
-          <p:cNvPr id="15" name="Rectangle : avec coin rogné 14">
-            <a:extLst>
-              <a:ext uri="{FF2B5EF4-FFF2-40B4-BE49-F238E27FC236}">
-                <a16:creationId xmlns:a16="http://schemas.microsoft.com/office/drawing/2014/main" id="{8DA412F0-AD6B-E741-906D-93C191BD4801}"/>
-              </a:ext>
-            </a:extLst>
-          </p:cNvPr>
-          <p:cNvSpPr/>
-          <p:nvPr/>
-        </p:nvSpPr>
-        <p:spPr>
-          <a:xfrm>
-            <a:off x="305611" y="4060338"/>
-            <a:ext cx="4182102" cy="2672720"/>
-          </a:xfrm>
-          <a:prstGeom prst="snip1Rect">
-            <a:avLst/>
-          </a:prstGeom>
-          <a:solidFill>
-            <a:schemeClr val="tx1">
-              <a:alpha val="75207"/>
-            </a:schemeClr>
-          </a:solidFill>
-          <a:ln>
-            <a:noFill/>
-          </a:ln>
-        </p:spPr>
-        <p:style>
-          <a:lnRef idx="2">
-            <a:schemeClr val="accent1">
-              <a:shade val="50000"/>
-            </a:schemeClr>
-          </a:lnRef>
-          <a:fillRef idx="1">
-            <a:schemeClr val="accent1"/>
-          </a:fillRef>
-          <a:effectRef idx="0">
-            <a:schemeClr val="accent1"/>
-          </a:effectRef>
-          <a:fontRef idx="minor">
-            <a:schemeClr val="lt1"/>
-          </a:fontRef>
-        </p:style>
-        <p:txBody>
-          <a:bodyPr rtlCol="0" anchor="ctr"/>
-          <a:lstStyle/>
-          <a:p>
-            <a:pPr algn="ctr"/>
-            <a:endParaRPr lang="fr-FR"/>
-          </a:p>
-        </p:txBody>
-      </p:sp>
-      <p:sp>
-        <p:nvSpPr>
           <p:cNvPr id="16" name="ZoneTexte 15">
             <a:extLst>
               <a:ext uri="{FF2B5EF4-FFF2-40B4-BE49-F238E27FC236}">
@@ -10324,8 +12949,8 @@
         </p:nvSpPr>
         <p:spPr>
           <a:xfrm>
-            <a:off x="1910791" y="4151579"/>
-            <a:ext cx="971741" cy="369332"/>
+            <a:off x="5246093" y="2040846"/>
+            <a:ext cx="1362874" cy="369332"/>
           </a:xfrm>
           <a:prstGeom prst="rect">
             <a:avLst/>
@@ -10344,71 +12969,17 @@
                   <a:schemeClr val="bg1"/>
                 </a:solidFill>
               </a:rPr>
-              <a:t>Actions</a:t>
+              <a:t>@IBActions</a:t>
             </a:r>
           </a:p>
         </p:txBody>
       </p:sp>
       <p:sp>
         <p:nvSpPr>
-          <p:cNvPr id="20" name="Rectangle : avec coin rogné 19">
+          <p:cNvPr id="3" name="ZoneTexte 2">
             <a:extLst>
               <a:ext uri="{FF2B5EF4-FFF2-40B4-BE49-F238E27FC236}">
-                <a16:creationId xmlns:a16="http://schemas.microsoft.com/office/drawing/2014/main" id="{CB4BBF66-40DB-0448-A6F0-D2E8417A78C6}"/>
-              </a:ext>
-            </a:extLst>
-          </p:cNvPr>
-          <p:cNvSpPr/>
-          <p:nvPr/>
-        </p:nvSpPr>
-        <p:spPr>
-          <a:xfrm>
-            <a:off x="4677975" y="1970870"/>
-            <a:ext cx="4622754" cy="3548984"/>
-          </a:xfrm>
-          <a:prstGeom prst="snip1Rect">
-            <a:avLst/>
-          </a:prstGeom>
-          <a:solidFill>
-            <a:schemeClr val="tx1">
-              <a:alpha val="75207"/>
-            </a:schemeClr>
-          </a:solidFill>
-          <a:ln>
-            <a:noFill/>
-          </a:ln>
-        </p:spPr>
-        <p:style>
-          <a:lnRef idx="2">
-            <a:schemeClr val="accent1">
-              <a:shade val="50000"/>
-            </a:schemeClr>
-          </a:lnRef>
-          <a:fillRef idx="1">
-            <a:schemeClr val="accent1"/>
-          </a:fillRef>
-          <a:effectRef idx="0">
-            <a:schemeClr val="accent1"/>
-          </a:effectRef>
-          <a:fontRef idx="minor">
-            <a:schemeClr val="lt1"/>
-          </a:fontRef>
-        </p:style>
-        <p:txBody>
-          <a:bodyPr rtlCol="0" anchor="ctr"/>
-          <a:lstStyle/>
-          <a:p>
-            <a:pPr algn="ctr"/>
-            <a:endParaRPr lang="fr-FR"/>
-          </a:p>
-        </p:txBody>
-      </p:sp>
-      <p:sp>
-        <p:nvSpPr>
-          <p:cNvPr id="22" name="ZoneTexte 21">
-            <a:extLst>
-              <a:ext uri="{FF2B5EF4-FFF2-40B4-BE49-F238E27FC236}">
-                <a16:creationId xmlns:a16="http://schemas.microsoft.com/office/drawing/2014/main" id="{27DC2D49-C664-1544-B31E-58EDAAAD5B79}"/>
+                <a16:creationId xmlns:a16="http://schemas.microsoft.com/office/drawing/2014/main" id="{5902D465-3628-9447-832D-478365086FC1}"/>
               </a:ext>
             </a:extLst>
           </p:cNvPr>
@@ -10417,7 +12988,1707 @@
         </p:nvSpPr>
         <p:spPr>
           <a:xfrm>
-            <a:off x="6387167" y="2054205"/>
+            <a:off x="13431" y="2811047"/>
+            <a:ext cx="4182101" cy="2954655"/>
+          </a:xfrm>
+          <a:prstGeom prst="rect">
+            <a:avLst/>
+          </a:prstGeom>
+          <a:noFill/>
+          <a:ln>
+            <a:noFill/>
+          </a:ln>
+        </p:spPr>
+        <p:txBody>
+          <a:bodyPr wrap="square" rtlCol="0">
+            <a:spAutoFit/>
+          </a:bodyPr>
+          <a:lstStyle/>
+          <a:p>
+            <a:r>
+              <a:rPr lang="fr-FR" sz="1400" b="1" dirty="0">
+                <a:solidFill>
+                  <a:schemeClr val="accent1">
+                    <a:lumMod val="75000"/>
+                  </a:schemeClr>
+                </a:solidFill>
+              </a:rPr>
+              <a:t>@IBOutlet</a:t>
+            </a:r>
+            <a:r>
+              <a:rPr lang="fr-FR" sz="1400" dirty="0">
+                <a:solidFill>
+                  <a:schemeClr val="accent1">
+                    <a:lumMod val="75000"/>
+                  </a:schemeClr>
+                </a:solidFill>
+              </a:rPr>
+              <a:t> </a:t>
+            </a:r>
+            <a:r>
+              <a:rPr lang="fr-FR" sz="1400" b="1" dirty="0">
+                <a:solidFill>
+                  <a:schemeClr val="accent1">
+                    <a:lumMod val="75000"/>
+                  </a:schemeClr>
+                </a:solidFill>
+              </a:rPr>
+              <a:t>weak</a:t>
+            </a:r>
+            <a:r>
+              <a:rPr lang="fr-FR" sz="1400" dirty="0">
+                <a:solidFill>
+                  <a:schemeClr val="accent1">
+                    <a:lumMod val="75000"/>
+                  </a:schemeClr>
+                </a:solidFill>
+              </a:rPr>
+              <a:t> </a:t>
+            </a:r>
+            <a:r>
+              <a:rPr lang="fr-FR" sz="1400" b="1" dirty="0">
+                <a:solidFill>
+                  <a:schemeClr val="accent1">
+                    <a:lumMod val="75000"/>
+                  </a:schemeClr>
+                </a:solidFill>
+              </a:rPr>
+              <a:t>var</a:t>
+            </a:r>
+            <a:r>
+              <a:rPr lang="fr-FR" sz="1400" dirty="0">
+                <a:solidFill>
+                  <a:schemeClr val="accent1">
+                    <a:lumMod val="75000"/>
+                  </a:schemeClr>
+                </a:solidFill>
+              </a:rPr>
+              <a:t> </a:t>
+            </a:r>
+            <a:r>
+              <a:rPr lang="fr-FR" sz="1400" dirty="0">
+                <a:solidFill>
+                  <a:schemeClr val="accent6">
+                    <a:lumMod val="75000"/>
+                  </a:schemeClr>
+                </a:solidFill>
+              </a:rPr>
+              <a:t>textView</a:t>
+            </a:r>
+            <a:r>
+              <a:rPr lang="fr-FR" sz="1400" dirty="0">
+                <a:solidFill>
+                  <a:schemeClr val="bg1"/>
+                </a:solidFill>
+              </a:rPr>
+              <a:t>:</a:t>
+            </a:r>
+            <a:r>
+              <a:rPr lang="fr-FR" sz="1400" dirty="0"/>
+              <a:t> </a:t>
+            </a:r>
+            <a:r>
+              <a:rPr lang="fr-FR" sz="1400" dirty="0">
+                <a:solidFill>
+                  <a:srgbClr val="FF85FF"/>
+                </a:solidFill>
+              </a:rPr>
+              <a:t>UITextView</a:t>
+            </a:r>
+            <a:r>
+              <a:rPr lang="fr-FR" sz="1400" dirty="0">
+                <a:solidFill>
+                  <a:schemeClr val="bg1"/>
+                </a:solidFill>
+              </a:rPr>
+              <a:t>!</a:t>
+            </a:r>
+          </a:p>
+          <a:p>
+            <a:endParaRPr lang="fr-FR" sz="1400" dirty="0">
+              <a:solidFill>
+                <a:srgbClr val="000000"/>
+              </a:solidFill>
+            </a:endParaRPr>
+          </a:p>
+          <a:p>
+            <a:r>
+              <a:rPr lang="fr-FR" sz="1400" b="1" dirty="0">
+                <a:solidFill>
+                  <a:schemeClr val="accent1">
+                    <a:lumMod val="75000"/>
+                  </a:schemeClr>
+                </a:solidFill>
+              </a:rPr>
+              <a:t>@IBOutlet</a:t>
+            </a:r>
+            <a:r>
+              <a:rPr lang="fr-FR" sz="1400" dirty="0">
+                <a:solidFill>
+                  <a:schemeClr val="accent1">
+                    <a:lumMod val="75000"/>
+                  </a:schemeClr>
+                </a:solidFill>
+              </a:rPr>
+              <a:t> </a:t>
+            </a:r>
+            <a:r>
+              <a:rPr lang="fr-FR" sz="1400" b="1" dirty="0">
+                <a:solidFill>
+                  <a:schemeClr val="accent1">
+                    <a:lumMod val="75000"/>
+                  </a:schemeClr>
+                </a:solidFill>
+              </a:rPr>
+              <a:t>var</a:t>
+            </a:r>
+            <a:r>
+              <a:rPr lang="fr-FR" sz="1400" dirty="0">
+                <a:solidFill>
+                  <a:schemeClr val="accent1">
+                    <a:lumMod val="75000"/>
+                  </a:schemeClr>
+                </a:solidFill>
+              </a:rPr>
+              <a:t> </a:t>
+            </a:r>
+            <a:r>
+              <a:rPr lang="fr-FR" sz="1400" dirty="0">
+                <a:solidFill>
+                  <a:schemeClr val="accent6">
+                    <a:lumMod val="75000"/>
+                  </a:schemeClr>
+                </a:solidFill>
+              </a:rPr>
+              <a:t>numberButtons</a:t>
+            </a:r>
+            <a:r>
+              <a:rPr lang="fr-FR" sz="1400" dirty="0">
+                <a:solidFill>
+                  <a:schemeClr val="bg1"/>
+                </a:solidFill>
+              </a:rPr>
+              <a:t>:</a:t>
+            </a:r>
+            <a:r>
+              <a:rPr lang="fr-FR" sz="1400" dirty="0">
+                <a:solidFill>
+                  <a:srgbClr val="000000"/>
+                </a:solidFill>
+              </a:rPr>
+              <a:t> </a:t>
+            </a:r>
+            <a:r>
+              <a:rPr lang="fr-FR" sz="1400" dirty="0">
+                <a:solidFill>
+                  <a:schemeClr val="bg1"/>
+                </a:solidFill>
+              </a:rPr>
+              <a:t>[</a:t>
+            </a:r>
+            <a:r>
+              <a:rPr lang="fr-FR" sz="1400" dirty="0">
+                <a:solidFill>
+                  <a:srgbClr val="FF85FF"/>
+                </a:solidFill>
+              </a:rPr>
+              <a:t>UIButton</a:t>
+            </a:r>
+            <a:r>
+              <a:rPr lang="fr-FR" sz="1400" dirty="0">
+                <a:solidFill>
+                  <a:schemeClr val="bg1"/>
+                </a:solidFill>
+              </a:rPr>
+              <a:t>]!</a:t>
+            </a:r>
+          </a:p>
+          <a:p>
+            <a:endParaRPr lang="fr-FR" sz="1400" dirty="0">
+              <a:solidFill>
+                <a:srgbClr val="000000"/>
+              </a:solidFill>
+            </a:endParaRPr>
+          </a:p>
+          <a:p>
+            <a:r>
+              <a:rPr lang="fr-FR" sz="1400" b="1" dirty="0">
+                <a:solidFill>
+                  <a:schemeClr val="accent1">
+                    <a:lumMod val="75000"/>
+                  </a:schemeClr>
+                </a:solidFill>
+              </a:rPr>
+              <a:t>@IBOutlet</a:t>
+            </a:r>
+            <a:r>
+              <a:rPr lang="fr-FR" sz="1400" dirty="0">
+                <a:solidFill>
+                  <a:schemeClr val="accent1">
+                    <a:lumMod val="75000"/>
+                  </a:schemeClr>
+                </a:solidFill>
+              </a:rPr>
+              <a:t> </a:t>
+            </a:r>
+            <a:r>
+              <a:rPr lang="fr-FR" sz="1400" b="1" dirty="0">
+                <a:solidFill>
+                  <a:schemeClr val="accent1">
+                    <a:lumMod val="75000"/>
+                  </a:schemeClr>
+                </a:solidFill>
+              </a:rPr>
+              <a:t>var</a:t>
+            </a:r>
+            <a:r>
+              <a:rPr lang="fr-FR" sz="1400" dirty="0"/>
+              <a:t> </a:t>
+            </a:r>
+            <a:r>
+              <a:rPr lang="fr-FR" sz="1400" dirty="0">
+                <a:solidFill>
+                  <a:schemeClr val="accent6">
+                    <a:lumMod val="75000"/>
+                  </a:schemeClr>
+                </a:solidFill>
+              </a:rPr>
+              <a:t>operandButtons</a:t>
+            </a:r>
+            <a:r>
+              <a:rPr lang="fr-FR" sz="1400" dirty="0">
+                <a:solidFill>
+                  <a:schemeClr val="bg1"/>
+                </a:solidFill>
+              </a:rPr>
+              <a:t>: [</a:t>
+            </a:r>
+            <a:r>
+              <a:rPr lang="fr-FR" sz="1400" dirty="0">
+                <a:solidFill>
+                  <a:srgbClr val="FF85FF"/>
+                </a:solidFill>
+              </a:rPr>
+              <a:t>UIButton</a:t>
+            </a:r>
+            <a:r>
+              <a:rPr lang="fr-FR" sz="1400" dirty="0">
+                <a:solidFill>
+                  <a:schemeClr val="bg1"/>
+                </a:solidFill>
+              </a:rPr>
+              <a:t>]!</a:t>
+            </a:r>
+          </a:p>
+          <a:p>
+            <a:endParaRPr lang="fr-FR" sz="1400" dirty="0">
+              <a:solidFill>
+                <a:srgbClr val="000000"/>
+              </a:solidFill>
+            </a:endParaRPr>
+          </a:p>
+          <a:p>
+            <a:r>
+              <a:rPr lang="fr-FR" sz="1400" b="1" dirty="0">
+                <a:solidFill>
+                  <a:schemeClr val="accent1">
+                    <a:lumMod val="75000"/>
+                  </a:schemeClr>
+                </a:solidFill>
+              </a:rPr>
+              <a:t>var</a:t>
+            </a:r>
+            <a:r>
+              <a:rPr lang="fr-FR" sz="1400" dirty="0"/>
+              <a:t> </a:t>
+            </a:r>
+            <a:r>
+              <a:rPr lang="fr-FR" sz="1400" dirty="0">
+                <a:solidFill>
+                  <a:schemeClr val="accent6">
+                    <a:lumMod val="75000"/>
+                  </a:schemeClr>
+                </a:solidFill>
+              </a:rPr>
+              <a:t>continueOperation</a:t>
+            </a:r>
+            <a:r>
+              <a:rPr lang="fr-FR" sz="1400" dirty="0"/>
+              <a:t> </a:t>
+            </a:r>
+            <a:r>
+              <a:rPr lang="fr-FR" sz="1400" dirty="0">
+                <a:solidFill>
+                  <a:schemeClr val="bg1"/>
+                </a:solidFill>
+              </a:rPr>
+              <a:t>=</a:t>
+            </a:r>
+            <a:r>
+              <a:rPr lang="fr-FR" sz="1400" dirty="0"/>
+              <a:t> </a:t>
+            </a:r>
+            <a:r>
+              <a:rPr lang="fr-FR" sz="1400" b="1" dirty="0">
+                <a:solidFill>
+                  <a:schemeClr val="accent1">
+                    <a:lumMod val="75000"/>
+                  </a:schemeClr>
+                </a:solidFill>
+              </a:rPr>
+              <a:t>false</a:t>
+            </a:r>
+          </a:p>
+          <a:p>
+            <a:endParaRPr lang="fr-FR" sz="1400" dirty="0">
+              <a:solidFill>
+                <a:schemeClr val="accent1">
+                  <a:lumMod val="75000"/>
+                </a:schemeClr>
+              </a:solidFill>
+            </a:endParaRPr>
+          </a:p>
+          <a:p>
+            <a:r>
+              <a:rPr lang="fr-FR" sz="1400" b="1" dirty="0">
+                <a:solidFill>
+                  <a:schemeClr val="accent1">
+                    <a:lumMod val="75000"/>
+                  </a:schemeClr>
+                </a:solidFill>
+              </a:rPr>
+              <a:t>var</a:t>
+            </a:r>
+            <a:r>
+              <a:rPr lang="fr-FR" sz="1400" dirty="0"/>
+              <a:t> </a:t>
+            </a:r>
+            <a:r>
+              <a:rPr lang="fr-FR" sz="1400" dirty="0">
+                <a:solidFill>
+                  <a:schemeClr val="accent6">
+                    <a:lumMod val="75000"/>
+                  </a:schemeClr>
+                </a:solidFill>
+              </a:rPr>
+              <a:t>count</a:t>
+            </a:r>
+            <a:r>
+              <a:rPr lang="fr-FR" sz="1400" dirty="0"/>
+              <a:t> </a:t>
+            </a:r>
+            <a:r>
+              <a:rPr lang="fr-FR" sz="1400" dirty="0">
+                <a:solidFill>
+                  <a:schemeClr val="bg1"/>
+                </a:solidFill>
+              </a:rPr>
+              <a:t>=</a:t>
+            </a:r>
+            <a:r>
+              <a:rPr lang="fr-FR" sz="1400" dirty="0"/>
+              <a:t> </a:t>
+            </a:r>
+            <a:r>
+              <a:rPr lang="fr-FR" sz="1400" dirty="0">
+                <a:solidFill>
+                  <a:srgbClr val="92D050"/>
+                </a:solidFill>
+              </a:rPr>
+              <a:t>Count</a:t>
+            </a:r>
+            <a:r>
+              <a:rPr lang="fr-FR" sz="1400" dirty="0">
+                <a:solidFill>
+                  <a:schemeClr val="bg1"/>
+                </a:solidFill>
+              </a:rPr>
+              <a:t>()</a:t>
+            </a:r>
+          </a:p>
+          <a:p>
+            <a:endParaRPr lang="fr-FR" sz="1400" dirty="0">
+              <a:solidFill>
+                <a:srgbClr val="000000"/>
+              </a:solidFill>
+            </a:endParaRPr>
+          </a:p>
+          <a:p>
+            <a:r>
+              <a:rPr lang="fr-FR" sz="1400" b="1" dirty="0">
+                <a:solidFill>
+                  <a:schemeClr val="accent1">
+                    <a:lumMod val="75000"/>
+                  </a:schemeClr>
+                </a:solidFill>
+              </a:rPr>
+              <a:t>var</a:t>
+            </a:r>
+            <a:r>
+              <a:rPr lang="fr-FR" sz="1400" dirty="0"/>
+              <a:t> </a:t>
+            </a:r>
+            <a:r>
+              <a:rPr lang="fr-FR" sz="1400" dirty="0">
+                <a:solidFill>
+                  <a:schemeClr val="accent6">
+                    <a:lumMod val="75000"/>
+                  </a:schemeClr>
+                </a:solidFill>
+              </a:rPr>
+              <a:t>expressionHaveResult</a:t>
+            </a:r>
+            <a:r>
+              <a:rPr lang="fr-FR" sz="1400" dirty="0">
+                <a:solidFill>
+                  <a:schemeClr val="bg1"/>
+                </a:solidFill>
+              </a:rPr>
+              <a:t>:</a:t>
+            </a:r>
+            <a:r>
+              <a:rPr lang="fr-FR" sz="1400" dirty="0"/>
+              <a:t> </a:t>
+            </a:r>
+            <a:r>
+              <a:rPr lang="fr-FR" sz="1400" dirty="0">
+                <a:solidFill>
+                  <a:srgbClr val="FF85FF"/>
+                </a:solidFill>
+              </a:rPr>
+              <a:t>Bool</a:t>
+            </a:r>
+          </a:p>
+          <a:p>
+            <a:endParaRPr lang="fr-FR" sz="1400" dirty="0">
+              <a:solidFill>
+                <a:schemeClr val="bg1"/>
+              </a:solidFill>
+            </a:endParaRPr>
+          </a:p>
+          <a:p>
+            <a:endParaRPr lang="fr-FR" dirty="0"/>
+          </a:p>
+        </p:txBody>
+      </p:sp>
+      <p:sp>
+        <p:nvSpPr>
+          <p:cNvPr id="23" name="ZoneTexte 22">
+            <a:extLst>
+              <a:ext uri="{FF2B5EF4-FFF2-40B4-BE49-F238E27FC236}">
+                <a16:creationId xmlns:a16="http://schemas.microsoft.com/office/drawing/2014/main" id="{579D9B69-4028-7045-A97E-2857D20584FB}"/>
+              </a:ext>
+            </a:extLst>
+          </p:cNvPr>
+          <p:cNvSpPr txBox="1"/>
+          <p:nvPr/>
+        </p:nvSpPr>
+        <p:spPr>
+          <a:xfrm>
+            <a:off x="7379978" y="1432638"/>
+            <a:ext cx="2490523" cy="400110"/>
+          </a:xfrm>
+          <a:prstGeom prst="rect">
+            <a:avLst/>
+          </a:prstGeom>
+          <a:noFill/>
+        </p:spPr>
+        <p:txBody>
+          <a:bodyPr wrap="square" rtlCol="0">
+            <a:spAutoFit/>
+          </a:bodyPr>
+          <a:lstStyle/>
+          <a:p>
+            <a:r>
+              <a:rPr lang="fr-FR" sz="2000" dirty="0"/>
+              <a:t>ViewController</a:t>
+            </a:r>
+          </a:p>
+        </p:txBody>
+      </p:sp>
+      <p:sp>
+        <p:nvSpPr>
+          <p:cNvPr id="4" name="ZoneTexte 3">
+            <a:extLst>
+              <a:ext uri="{FF2B5EF4-FFF2-40B4-BE49-F238E27FC236}">
+                <a16:creationId xmlns:a16="http://schemas.microsoft.com/office/drawing/2014/main" id="{A050A98D-A55E-D24E-8342-617AD115E538}"/>
+              </a:ext>
+            </a:extLst>
+          </p:cNvPr>
+          <p:cNvSpPr txBox="1"/>
+          <p:nvPr/>
+        </p:nvSpPr>
+        <p:spPr>
+          <a:xfrm>
+            <a:off x="3727341" y="2803004"/>
+            <a:ext cx="4182101" cy="2954655"/>
+          </a:xfrm>
+          <a:prstGeom prst="rect">
+            <a:avLst/>
+          </a:prstGeom>
+          <a:noFill/>
+        </p:spPr>
+        <p:txBody>
+          <a:bodyPr wrap="square" rtlCol="0">
+            <a:spAutoFit/>
+          </a:bodyPr>
+          <a:lstStyle/>
+          <a:p>
+            <a:r>
+              <a:rPr lang="fr-FR" sz="1400" b="1" dirty="0">
+                <a:solidFill>
+                  <a:srgbClr val="E72958"/>
+                </a:solidFill>
+              </a:rPr>
+              <a:t>func</a:t>
+            </a:r>
+            <a:r>
+              <a:rPr lang="fr-FR" sz="1400" dirty="0">
+                <a:solidFill>
+                  <a:schemeClr val="accent1">
+                    <a:lumMod val="75000"/>
+                  </a:schemeClr>
+                </a:solidFill>
+              </a:rPr>
+              <a:t> </a:t>
+            </a:r>
+            <a:r>
+              <a:rPr lang="fr-FR" sz="1400" dirty="0">
+                <a:solidFill>
+                  <a:schemeClr val="accent6">
+                    <a:lumMod val="75000"/>
+                  </a:schemeClr>
+                </a:solidFill>
+              </a:rPr>
+              <a:t>clearText</a:t>
+            </a:r>
+            <a:r>
+              <a:rPr lang="fr-FR" sz="1400" dirty="0">
+                <a:solidFill>
+                  <a:schemeClr val="bg1"/>
+                </a:solidFill>
+              </a:rPr>
+              <a:t>(</a:t>
+            </a:r>
+            <a:r>
+              <a:rPr lang="fr-FR" sz="1400" dirty="0">
+                <a:solidFill>
+                  <a:schemeClr val="accent6">
+                    <a:lumMod val="75000"/>
+                  </a:schemeClr>
+                </a:solidFill>
+              </a:rPr>
+              <a:t>_</a:t>
+            </a:r>
+            <a:r>
+              <a:rPr lang="fr-FR" sz="1400" dirty="0"/>
+              <a:t> </a:t>
+            </a:r>
+            <a:r>
+              <a:rPr lang="fr-FR" sz="1400" dirty="0">
+                <a:solidFill>
+                  <a:schemeClr val="bg1"/>
+                </a:solidFill>
+              </a:rPr>
+              <a:t>sender:</a:t>
+            </a:r>
+            <a:r>
+              <a:rPr lang="fr-FR" sz="1400" dirty="0">
+                <a:solidFill>
+                  <a:srgbClr val="000000"/>
+                </a:solidFill>
+              </a:rPr>
+              <a:t> </a:t>
+            </a:r>
+            <a:r>
+              <a:rPr lang="fr-FR" sz="1400" dirty="0">
+                <a:solidFill>
+                  <a:srgbClr val="FF85FF"/>
+                </a:solidFill>
+              </a:rPr>
+              <a:t>UIButton</a:t>
+            </a:r>
+            <a:r>
+              <a:rPr lang="fr-FR" sz="1400" dirty="0">
+                <a:solidFill>
+                  <a:schemeClr val="bg1"/>
+                </a:solidFill>
+              </a:rPr>
+              <a:t>)</a:t>
+            </a:r>
+          </a:p>
+          <a:p>
+            <a:endParaRPr lang="fr-FR" sz="1400" dirty="0">
+              <a:solidFill>
+                <a:srgbClr val="000000"/>
+              </a:solidFill>
+            </a:endParaRPr>
+          </a:p>
+          <a:p>
+            <a:r>
+              <a:rPr lang="fr-FR" sz="1400" b="1" dirty="0">
+                <a:solidFill>
+                  <a:schemeClr val="accent1">
+                    <a:lumMod val="75000"/>
+                  </a:schemeClr>
+                </a:solidFill>
+              </a:rPr>
+              <a:t>func</a:t>
+            </a:r>
+            <a:r>
+              <a:rPr lang="fr-FR" sz="1400" dirty="0">
+                <a:solidFill>
+                  <a:schemeClr val="accent1">
+                    <a:lumMod val="75000"/>
+                  </a:schemeClr>
+                </a:solidFill>
+              </a:rPr>
+              <a:t> </a:t>
+            </a:r>
+            <a:r>
+              <a:rPr lang="fr-FR" sz="1400" dirty="0">
+                <a:solidFill>
+                  <a:schemeClr val="accent6">
+                    <a:lumMod val="75000"/>
+                  </a:schemeClr>
+                </a:solidFill>
+              </a:rPr>
+              <a:t>tappedNumberButton</a:t>
+            </a:r>
+            <a:r>
+              <a:rPr lang="fr-FR" sz="1400" dirty="0">
+                <a:solidFill>
+                  <a:schemeClr val="bg1"/>
+                </a:solidFill>
+              </a:rPr>
+              <a:t>(</a:t>
+            </a:r>
+            <a:r>
+              <a:rPr lang="fr-FR" sz="1400" dirty="0">
+                <a:solidFill>
+                  <a:schemeClr val="accent6">
+                    <a:lumMod val="75000"/>
+                  </a:schemeClr>
+                </a:solidFill>
+              </a:rPr>
+              <a:t>_ </a:t>
+            </a:r>
+            <a:r>
+              <a:rPr lang="fr-FR" sz="1400" dirty="0">
+                <a:solidFill>
+                  <a:schemeClr val="bg1"/>
+                </a:solidFill>
+              </a:rPr>
+              <a:t>sender: </a:t>
+            </a:r>
+            <a:r>
+              <a:rPr lang="fr-FR" sz="1400" dirty="0">
+                <a:solidFill>
+                  <a:srgbClr val="FF85FF"/>
+                </a:solidFill>
+              </a:rPr>
+              <a:t>UIButton</a:t>
+            </a:r>
+            <a:r>
+              <a:rPr lang="fr-FR" sz="1400" dirty="0">
+                <a:solidFill>
+                  <a:schemeClr val="bg1"/>
+                </a:solidFill>
+              </a:rPr>
+              <a:t>)</a:t>
+            </a:r>
+          </a:p>
+          <a:p>
+            <a:endParaRPr lang="fr-FR" sz="1400" dirty="0">
+              <a:solidFill>
+                <a:srgbClr val="000000"/>
+              </a:solidFill>
+            </a:endParaRPr>
+          </a:p>
+          <a:p>
+            <a:r>
+              <a:rPr lang="fr-FR" sz="1400" b="1" dirty="0">
+                <a:solidFill>
+                  <a:schemeClr val="accent1">
+                    <a:lumMod val="75000"/>
+                  </a:schemeClr>
+                </a:solidFill>
+              </a:rPr>
+              <a:t>func</a:t>
+            </a:r>
+            <a:r>
+              <a:rPr lang="fr-FR" sz="1400" dirty="0">
+                <a:solidFill>
+                  <a:schemeClr val="accent1">
+                    <a:lumMod val="75000"/>
+                  </a:schemeClr>
+                </a:solidFill>
+              </a:rPr>
+              <a:t> </a:t>
+            </a:r>
+            <a:r>
+              <a:rPr lang="fr-FR" sz="1400" dirty="0">
+                <a:solidFill>
+                  <a:schemeClr val="accent6">
+                    <a:lumMod val="75000"/>
+                  </a:schemeClr>
+                </a:solidFill>
+              </a:rPr>
+              <a:t>tappedOperandButton</a:t>
+            </a:r>
+            <a:r>
+              <a:rPr lang="fr-FR" sz="1400" dirty="0">
+                <a:solidFill>
+                  <a:schemeClr val="bg1"/>
+                </a:solidFill>
+              </a:rPr>
+              <a:t>(</a:t>
+            </a:r>
+            <a:r>
+              <a:rPr lang="fr-FR" sz="1400" dirty="0">
+                <a:solidFill>
+                  <a:schemeClr val="accent6">
+                    <a:lumMod val="75000"/>
+                  </a:schemeClr>
+                </a:solidFill>
+              </a:rPr>
+              <a:t>_</a:t>
+            </a:r>
+            <a:r>
+              <a:rPr lang="fr-FR" sz="1400" dirty="0"/>
+              <a:t> </a:t>
+            </a:r>
+            <a:r>
+              <a:rPr lang="fr-FR" sz="1400" dirty="0">
+                <a:solidFill>
+                  <a:schemeClr val="bg1"/>
+                </a:solidFill>
+              </a:rPr>
+              <a:t>sender: </a:t>
+            </a:r>
+            <a:r>
+              <a:rPr lang="fr-FR" sz="1400" dirty="0">
+                <a:solidFill>
+                  <a:srgbClr val="FF85FF"/>
+                </a:solidFill>
+              </a:rPr>
+              <a:t>UIButton</a:t>
+            </a:r>
+            <a:r>
+              <a:rPr lang="fr-FR" sz="1400" dirty="0">
+                <a:solidFill>
+                  <a:schemeClr val="bg1"/>
+                </a:solidFill>
+              </a:rPr>
+              <a:t>)</a:t>
+            </a:r>
+          </a:p>
+          <a:p>
+            <a:endParaRPr lang="fr-FR" sz="1400" dirty="0">
+              <a:solidFill>
+                <a:srgbClr val="000000"/>
+              </a:solidFill>
+            </a:endParaRPr>
+          </a:p>
+          <a:p>
+            <a:r>
+              <a:rPr lang="fr-FR" sz="1400" b="1" dirty="0">
+                <a:solidFill>
+                  <a:schemeClr val="accent1">
+                    <a:lumMod val="75000"/>
+                  </a:schemeClr>
+                </a:solidFill>
+              </a:rPr>
+              <a:t>func</a:t>
+            </a:r>
+            <a:r>
+              <a:rPr lang="fr-FR" sz="1400" dirty="0">
+                <a:solidFill>
+                  <a:schemeClr val="accent1">
+                    <a:lumMod val="75000"/>
+                  </a:schemeClr>
+                </a:solidFill>
+              </a:rPr>
+              <a:t> </a:t>
+            </a:r>
+            <a:r>
+              <a:rPr lang="fr-FR" sz="1400" dirty="0">
+                <a:solidFill>
+                  <a:schemeClr val="accent6">
+                    <a:lumMod val="75000"/>
+                  </a:schemeClr>
+                </a:solidFill>
+              </a:rPr>
+              <a:t>tappedEqualButton</a:t>
+            </a:r>
+            <a:r>
+              <a:rPr lang="fr-FR" sz="1400" dirty="0">
+                <a:solidFill>
+                  <a:schemeClr val="bg1"/>
+                </a:solidFill>
+              </a:rPr>
+              <a:t>(</a:t>
+            </a:r>
+            <a:r>
+              <a:rPr lang="fr-FR" sz="1400" dirty="0">
+                <a:solidFill>
+                  <a:schemeClr val="accent6">
+                    <a:lumMod val="75000"/>
+                  </a:schemeClr>
+                </a:solidFill>
+              </a:rPr>
+              <a:t>_ </a:t>
+            </a:r>
+            <a:r>
+              <a:rPr lang="fr-FR" sz="1400" dirty="0">
+                <a:solidFill>
+                  <a:schemeClr val="bg1"/>
+                </a:solidFill>
+              </a:rPr>
+              <a:t>sender: </a:t>
+            </a:r>
+            <a:r>
+              <a:rPr lang="fr-FR" sz="1400" dirty="0">
+                <a:solidFill>
+                  <a:srgbClr val="FF85FF"/>
+                </a:solidFill>
+              </a:rPr>
+              <a:t>UIButton</a:t>
+            </a:r>
+            <a:r>
+              <a:rPr lang="fr-FR" sz="1400" dirty="0">
+                <a:solidFill>
+                  <a:schemeClr val="bg1"/>
+                </a:solidFill>
+              </a:rPr>
+              <a:t>)</a:t>
+            </a:r>
+          </a:p>
+          <a:p>
+            <a:endParaRPr lang="fr-FR" sz="1400" dirty="0">
+              <a:solidFill>
+                <a:srgbClr val="000000"/>
+              </a:solidFill>
+            </a:endParaRPr>
+          </a:p>
+          <a:p>
+            <a:r>
+              <a:rPr lang="fr-FR" sz="1400" b="1" dirty="0">
+                <a:solidFill>
+                  <a:schemeClr val="accent1">
+                    <a:lumMod val="75000"/>
+                  </a:schemeClr>
+                </a:solidFill>
+              </a:rPr>
+              <a:t>func</a:t>
+            </a:r>
+            <a:r>
+              <a:rPr lang="fr-FR" sz="1400" dirty="0">
+                <a:solidFill>
+                  <a:schemeClr val="accent1">
+                    <a:lumMod val="75000"/>
+                  </a:schemeClr>
+                </a:solidFill>
+              </a:rPr>
+              <a:t> </a:t>
+            </a:r>
+            <a:r>
+              <a:rPr lang="fr-FR" sz="1400" dirty="0">
+                <a:solidFill>
+                  <a:schemeClr val="accent6">
+                    <a:lumMod val="75000"/>
+                  </a:schemeClr>
+                </a:solidFill>
+              </a:rPr>
+              <a:t>tappedCommaButton</a:t>
+            </a:r>
+            <a:r>
+              <a:rPr lang="fr-FR" sz="1400" dirty="0">
+                <a:solidFill>
+                  <a:schemeClr val="bg1"/>
+                </a:solidFill>
+              </a:rPr>
+              <a:t>(</a:t>
+            </a:r>
+            <a:r>
+              <a:rPr lang="fr-FR" sz="1400" dirty="0">
+                <a:solidFill>
+                  <a:schemeClr val="accent6">
+                    <a:lumMod val="75000"/>
+                  </a:schemeClr>
+                </a:solidFill>
+              </a:rPr>
+              <a:t>_</a:t>
+            </a:r>
+            <a:r>
+              <a:rPr lang="fr-FR" sz="1400" dirty="0"/>
+              <a:t> </a:t>
+            </a:r>
+            <a:r>
+              <a:rPr lang="fr-FR" sz="1400" dirty="0">
+                <a:solidFill>
+                  <a:schemeClr val="bg1"/>
+                </a:solidFill>
+              </a:rPr>
+              <a:t>sender: </a:t>
+            </a:r>
+            <a:r>
+              <a:rPr lang="fr-FR" sz="1400" dirty="0">
+                <a:solidFill>
+                  <a:srgbClr val="FF85FF"/>
+                </a:solidFill>
+              </a:rPr>
+              <a:t>UIButton</a:t>
+            </a:r>
+            <a:r>
+              <a:rPr lang="fr-FR" sz="1400" dirty="0">
+                <a:solidFill>
+                  <a:schemeClr val="bg1"/>
+                </a:solidFill>
+              </a:rPr>
+              <a:t>)</a:t>
+            </a:r>
+          </a:p>
+          <a:p>
+            <a:endParaRPr lang="fr-FR" sz="1400" dirty="0"/>
+          </a:p>
+          <a:p>
+            <a:endParaRPr lang="fr-FR" sz="1400" dirty="0"/>
+          </a:p>
+          <a:p>
+            <a:endParaRPr lang="fr-FR" sz="1400" dirty="0"/>
+          </a:p>
+          <a:p>
+            <a:endParaRPr lang="fr-FR" dirty="0"/>
+          </a:p>
+        </p:txBody>
+      </p:sp>
+      <p:sp>
+        <p:nvSpPr>
+          <p:cNvPr id="5" name="ZoneTexte 4">
+            <a:extLst>
+              <a:ext uri="{FF2B5EF4-FFF2-40B4-BE49-F238E27FC236}">
+                <a16:creationId xmlns:a16="http://schemas.microsoft.com/office/drawing/2014/main" id="{D4ACB76C-FC3A-F244-870A-BDA3DED980CE}"/>
+              </a:ext>
+            </a:extLst>
+          </p:cNvPr>
+          <p:cNvSpPr txBox="1"/>
+          <p:nvPr/>
+        </p:nvSpPr>
+        <p:spPr>
+          <a:xfrm>
+            <a:off x="7937184" y="2742114"/>
+            <a:ext cx="4622753" cy="5693866"/>
+          </a:xfrm>
+          <a:prstGeom prst="rect">
+            <a:avLst/>
+          </a:prstGeom>
+          <a:noFill/>
+        </p:spPr>
+        <p:txBody>
+          <a:bodyPr wrap="square" rtlCol="0">
+            <a:spAutoFit/>
+          </a:bodyPr>
+          <a:lstStyle/>
+          <a:p>
+            <a:r>
+              <a:rPr lang="fr-FR" sz="1400" b="1" dirty="0">
+                <a:solidFill>
+                  <a:schemeClr val="accent1">
+                    <a:lumMod val="75000"/>
+                  </a:schemeClr>
+                </a:solidFill>
+              </a:rPr>
+              <a:t>private</a:t>
+            </a:r>
+            <a:r>
+              <a:rPr lang="fr-FR" sz="1400" dirty="0">
+                <a:solidFill>
+                  <a:schemeClr val="accent1">
+                    <a:lumMod val="75000"/>
+                  </a:schemeClr>
+                </a:solidFill>
+              </a:rPr>
+              <a:t> </a:t>
+            </a:r>
+            <a:r>
+              <a:rPr lang="fr-FR" sz="1400" b="1" dirty="0">
+                <a:solidFill>
+                  <a:schemeClr val="accent1">
+                    <a:lumMod val="75000"/>
+                  </a:schemeClr>
+                </a:solidFill>
+              </a:rPr>
+              <a:t>func</a:t>
+            </a:r>
+            <a:r>
+              <a:rPr lang="fr-FR" sz="1400" dirty="0">
+                <a:solidFill>
+                  <a:schemeClr val="accent1">
+                    <a:lumMod val="75000"/>
+                  </a:schemeClr>
+                </a:solidFill>
+              </a:rPr>
+              <a:t> </a:t>
+            </a:r>
+            <a:r>
+              <a:rPr lang="fr-FR" sz="1400" dirty="0">
+                <a:solidFill>
+                  <a:schemeClr val="accent6">
+                    <a:lumMod val="75000"/>
+                  </a:schemeClr>
+                </a:solidFill>
+              </a:rPr>
+              <a:t>isTheOperationPossible</a:t>
+            </a:r>
+            <a:r>
+              <a:rPr lang="fr-FR" sz="1400" dirty="0">
+                <a:solidFill>
+                  <a:schemeClr val="bg1"/>
+                </a:solidFill>
+              </a:rPr>
+              <a:t>(</a:t>
+            </a:r>
+            <a:r>
+              <a:rPr lang="fr-FR" sz="1400" dirty="0">
+                <a:solidFill>
+                  <a:schemeClr val="accent6">
+                    <a:lumMod val="75000"/>
+                  </a:schemeClr>
+                </a:solidFill>
+              </a:rPr>
+              <a:t>button</a:t>
+            </a:r>
+            <a:r>
+              <a:rPr lang="fr-FR" sz="1400" dirty="0">
+                <a:solidFill>
+                  <a:schemeClr val="bg1"/>
+                </a:solidFill>
+              </a:rPr>
+              <a:t>: </a:t>
+            </a:r>
+            <a:r>
+              <a:rPr lang="fr-FR" sz="1400" dirty="0">
+                <a:solidFill>
+                  <a:srgbClr val="FF85FF"/>
+                </a:solidFill>
+              </a:rPr>
+              <a:t>UIButton</a:t>
+            </a:r>
+            <a:r>
+              <a:rPr lang="fr-FR" sz="1400" dirty="0">
+                <a:solidFill>
+                  <a:schemeClr val="bg1"/>
+                </a:solidFill>
+              </a:rPr>
+              <a:t>)</a:t>
+            </a:r>
+          </a:p>
+          <a:p>
+            <a:endParaRPr lang="fr-FR" sz="1400" dirty="0">
+              <a:solidFill>
+                <a:srgbClr val="000000"/>
+              </a:solidFill>
+            </a:endParaRPr>
+          </a:p>
+          <a:p>
+            <a:r>
+              <a:rPr lang="fr-FR" sz="1400" b="1" dirty="0">
+                <a:solidFill>
+                  <a:schemeClr val="accent1">
+                    <a:lumMod val="75000"/>
+                  </a:schemeClr>
+                </a:solidFill>
+              </a:rPr>
+              <a:t>private</a:t>
+            </a:r>
+            <a:r>
+              <a:rPr lang="fr-FR" sz="1400" dirty="0">
+                <a:solidFill>
+                  <a:schemeClr val="accent1">
+                    <a:lumMod val="75000"/>
+                  </a:schemeClr>
+                </a:solidFill>
+              </a:rPr>
+              <a:t> </a:t>
+            </a:r>
+            <a:r>
+              <a:rPr lang="fr-FR" sz="1400" b="1" dirty="0">
+                <a:solidFill>
+                  <a:schemeClr val="accent1">
+                    <a:lumMod val="75000"/>
+                  </a:schemeClr>
+                </a:solidFill>
+              </a:rPr>
+              <a:t>func</a:t>
+            </a:r>
+            <a:r>
+              <a:rPr lang="fr-FR" sz="1400" dirty="0">
+                <a:solidFill>
+                  <a:schemeClr val="accent1">
+                    <a:lumMod val="75000"/>
+                  </a:schemeClr>
+                </a:solidFill>
+              </a:rPr>
+              <a:t> </a:t>
+            </a:r>
+            <a:r>
+              <a:rPr lang="fr-FR" sz="1400" dirty="0">
+                <a:solidFill>
+                  <a:schemeClr val="accent6">
+                    <a:lumMod val="75000"/>
+                  </a:schemeClr>
+                </a:solidFill>
+              </a:rPr>
+              <a:t>removeWelcomeMessage</a:t>
+            </a:r>
+            <a:r>
+              <a:rPr lang="fr-FR" sz="1400" dirty="0">
+                <a:solidFill>
+                  <a:schemeClr val="bg1"/>
+                </a:solidFill>
+              </a:rPr>
+              <a:t>()</a:t>
+            </a:r>
+          </a:p>
+          <a:p>
+            <a:endParaRPr lang="fr-FR" sz="1400" dirty="0">
+              <a:solidFill>
+                <a:srgbClr val="000000"/>
+              </a:solidFill>
+            </a:endParaRPr>
+          </a:p>
+          <a:p>
+            <a:r>
+              <a:rPr lang="fr-FR" sz="1400" b="1" dirty="0">
+                <a:solidFill>
+                  <a:schemeClr val="accent1">
+                    <a:lumMod val="75000"/>
+                  </a:schemeClr>
+                </a:solidFill>
+              </a:rPr>
+              <a:t>private</a:t>
+            </a:r>
+            <a:r>
+              <a:rPr lang="fr-FR" sz="1400" dirty="0">
+                <a:solidFill>
+                  <a:schemeClr val="accent1">
+                    <a:lumMod val="75000"/>
+                  </a:schemeClr>
+                </a:solidFill>
+              </a:rPr>
+              <a:t> </a:t>
+            </a:r>
+            <a:r>
+              <a:rPr lang="fr-FR" sz="1400" b="1" dirty="0">
+                <a:solidFill>
+                  <a:schemeClr val="accent1">
+                    <a:lumMod val="75000"/>
+                  </a:schemeClr>
+                </a:solidFill>
+              </a:rPr>
+              <a:t>func</a:t>
+            </a:r>
+            <a:r>
+              <a:rPr lang="fr-FR" sz="1400" dirty="0">
+                <a:solidFill>
+                  <a:schemeClr val="accent1">
+                    <a:lumMod val="75000"/>
+                  </a:schemeClr>
+                </a:solidFill>
+              </a:rPr>
+              <a:t> </a:t>
+            </a:r>
+            <a:r>
+              <a:rPr lang="fr-FR" sz="1400" dirty="0">
+                <a:solidFill>
+                  <a:schemeClr val="accent6">
+                    <a:lumMod val="75000"/>
+                  </a:schemeClr>
+                </a:solidFill>
+              </a:rPr>
+              <a:t>didUserFinished</a:t>
+            </a:r>
+            <a:r>
+              <a:rPr lang="fr-FR" sz="1400" dirty="0">
+                <a:solidFill>
+                  <a:schemeClr val="bg1"/>
+                </a:solidFill>
+              </a:rPr>
+              <a:t>()</a:t>
+            </a:r>
+          </a:p>
+          <a:p>
+            <a:endParaRPr lang="fr-FR" sz="1400" dirty="0">
+              <a:solidFill>
+                <a:srgbClr val="000000"/>
+              </a:solidFill>
+            </a:endParaRPr>
+          </a:p>
+          <a:p>
+            <a:r>
+              <a:rPr lang="fr-FR" sz="1400" b="1" dirty="0">
+                <a:solidFill>
+                  <a:schemeClr val="accent1">
+                    <a:lumMod val="75000"/>
+                  </a:schemeClr>
+                </a:solidFill>
+              </a:rPr>
+              <a:t>private</a:t>
+            </a:r>
+            <a:r>
+              <a:rPr lang="fr-FR" sz="1400" dirty="0">
+                <a:solidFill>
+                  <a:schemeClr val="accent1">
+                    <a:lumMod val="75000"/>
+                  </a:schemeClr>
+                </a:solidFill>
+              </a:rPr>
+              <a:t> </a:t>
+            </a:r>
+            <a:r>
+              <a:rPr lang="fr-FR" sz="1400" b="1" dirty="0">
+                <a:solidFill>
+                  <a:schemeClr val="accent1">
+                    <a:lumMod val="75000"/>
+                  </a:schemeClr>
+                </a:solidFill>
+              </a:rPr>
+              <a:t>func</a:t>
+            </a:r>
+            <a:r>
+              <a:rPr lang="fr-FR" sz="1400" dirty="0">
+                <a:solidFill>
+                  <a:schemeClr val="accent1">
+                    <a:lumMod val="75000"/>
+                  </a:schemeClr>
+                </a:solidFill>
+              </a:rPr>
+              <a:t> </a:t>
+            </a:r>
+            <a:r>
+              <a:rPr lang="fr-FR" sz="1400" dirty="0">
+                <a:solidFill>
+                  <a:schemeClr val="accent6">
+                    <a:lumMod val="75000"/>
+                  </a:schemeClr>
+                </a:solidFill>
+              </a:rPr>
+              <a:t>incorrectExpressionError</a:t>
+            </a:r>
+            <a:r>
+              <a:rPr lang="fr-FR" sz="1400" dirty="0">
+                <a:solidFill>
+                  <a:schemeClr val="bg1"/>
+                </a:solidFill>
+              </a:rPr>
+              <a:t>()</a:t>
+            </a:r>
+          </a:p>
+          <a:p>
+            <a:endParaRPr lang="fr-FR" sz="1400" dirty="0">
+              <a:solidFill>
+                <a:srgbClr val="000000"/>
+              </a:solidFill>
+            </a:endParaRPr>
+          </a:p>
+          <a:p>
+            <a:r>
+              <a:rPr lang="fr-FR" sz="1400" b="1" dirty="0">
+                <a:solidFill>
+                  <a:schemeClr val="accent1">
+                    <a:lumMod val="75000"/>
+                  </a:schemeClr>
+                </a:solidFill>
+              </a:rPr>
+              <a:t>private</a:t>
+            </a:r>
+            <a:r>
+              <a:rPr lang="fr-FR" sz="1400" dirty="0">
+                <a:solidFill>
+                  <a:schemeClr val="accent1">
+                    <a:lumMod val="75000"/>
+                  </a:schemeClr>
+                </a:solidFill>
+              </a:rPr>
+              <a:t> </a:t>
+            </a:r>
+            <a:r>
+              <a:rPr lang="fr-FR" sz="1400" b="1" dirty="0">
+                <a:solidFill>
+                  <a:schemeClr val="accent1">
+                    <a:lumMod val="75000"/>
+                  </a:schemeClr>
+                </a:solidFill>
+              </a:rPr>
+              <a:t>func</a:t>
+            </a:r>
+            <a:r>
+              <a:rPr lang="fr-FR" sz="1400" dirty="0">
+                <a:solidFill>
+                  <a:schemeClr val="accent1">
+                    <a:lumMod val="75000"/>
+                  </a:schemeClr>
+                </a:solidFill>
+              </a:rPr>
+              <a:t> </a:t>
+            </a:r>
+            <a:r>
+              <a:rPr lang="fr-FR" sz="1400" dirty="0">
+                <a:solidFill>
+                  <a:schemeClr val="accent6">
+                    <a:lumMod val="75000"/>
+                  </a:schemeClr>
+                </a:solidFill>
+              </a:rPr>
+              <a:t>notEnoughElementsError</a:t>
+            </a:r>
+            <a:r>
+              <a:rPr lang="fr-FR" sz="1400" dirty="0">
+                <a:solidFill>
+                  <a:schemeClr val="bg1"/>
+                </a:solidFill>
+              </a:rPr>
+              <a:t>()</a:t>
+            </a:r>
+          </a:p>
+          <a:p>
+            <a:endParaRPr lang="fr-FR" sz="1400" dirty="0">
+              <a:solidFill>
+                <a:srgbClr val="000000"/>
+              </a:solidFill>
+            </a:endParaRPr>
+          </a:p>
+          <a:p>
+            <a:r>
+              <a:rPr lang="fr-FR" sz="1400" b="1" dirty="0">
+                <a:solidFill>
+                  <a:schemeClr val="accent1">
+                    <a:lumMod val="75000"/>
+                  </a:schemeClr>
+                </a:solidFill>
+              </a:rPr>
+              <a:t>private</a:t>
+            </a:r>
+            <a:r>
+              <a:rPr lang="fr-FR" sz="1400" dirty="0">
+                <a:solidFill>
+                  <a:schemeClr val="accent1">
+                    <a:lumMod val="75000"/>
+                  </a:schemeClr>
+                </a:solidFill>
+              </a:rPr>
+              <a:t> </a:t>
+            </a:r>
+            <a:r>
+              <a:rPr lang="fr-FR" sz="1400" b="1" dirty="0">
+                <a:solidFill>
+                  <a:schemeClr val="accent1">
+                    <a:lumMod val="75000"/>
+                  </a:schemeClr>
+                </a:solidFill>
+              </a:rPr>
+              <a:t>func</a:t>
+            </a:r>
+            <a:r>
+              <a:rPr lang="fr-FR" sz="1400" dirty="0">
+                <a:solidFill>
+                  <a:schemeClr val="accent1">
+                    <a:lumMod val="75000"/>
+                  </a:schemeClr>
+                </a:solidFill>
+              </a:rPr>
+              <a:t> </a:t>
+            </a:r>
+            <a:r>
+              <a:rPr lang="fr-FR" sz="1400" dirty="0">
+                <a:solidFill>
+                  <a:schemeClr val="accent6">
+                    <a:lumMod val="75000"/>
+                  </a:schemeClr>
+                </a:solidFill>
+              </a:rPr>
+              <a:t>unknownOperandError</a:t>
+            </a:r>
+            <a:r>
+              <a:rPr lang="fr-FR" sz="1400" dirty="0">
+                <a:solidFill>
+                  <a:schemeClr val="bg1"/>
+                </a:solidFill>
+              </a:rPr>
+              <a:t>()</a:t>
+            </a:r>
+          </a:p>
+          <a:p>
+            <a:endParaRPr lang="fr-FR" sz="1400" dirty="0">
+              <a:solidFill>
+                <a:srgbClr val="000000"/>
+              </a:solidFill>
+            </a:endParaRPr>
+          </a:p>
+          <a:p>
+            <a:r>
+              <a:rPr lang="fr-FR" sz="1400" b="1" dirty="0">
+                <a:solidFill>
+                  <a:schemeClr val="accent1">
+                    <a:lumMod val="75000"/>
+                  </a:schemeClr>
+                </a:solidFill>
+              </a:rPr>
+              <a:t>private</a:t>
+            </a:r>
+            <a:r>
+              <a:rPr lang="fr-FR" sz="1400" dirty="0">
+                <a:solidFill>
+                  <a:schemeClr val="accent1">
+                    <a:lumMod val="75000"/>
+                  </a:schemeClr>
+                </a:solidFill>
+              </a:rPr>
+              <a:t> </a:t>
+            </a:r>
+            <a:r>
+              <a:rPr lang="fr-FR" sz="1400" b="1" dirty="0">
+                <a:solidFill>
+                  <a:schemeClr val="accent1">
+                    <a:lumMod val="75000"/>
+                  </a:schemeClr>
+                </a:solidFill>
+              </a:rPr>
+              <a:t>func</a:t>
+            </a:r>
+            <a:r>
+              <a:rPr lang="fr-FR" sz="1400" dirty="0">
+                <a:solidFill>
+                  <a:schemeClr val="accent1">
+                    <a:lumMod val="75000"/>
+                  </a:schemeClr>
+                </a:solidFill>
+              </a:rPr>
+              <a:t> </a:t>
+            </a:r>
+            <a:r>
+              <a:rPr lang="fr-FR" sz="1400" dirty="0">
+                <a:solidFill>
+                  <a:schemeClr val="accent6">
+                    <a:lumMod val="75000"/>
+                  </a:schemeClr>
+                </a:solidFill>
+              </a:rPr>
+              <a:t>operandAlreadySetError</a:t>
+            </a:r>
+            <a:r>
+              <a:rPr lang="fr-FR" sz="1400" dirty="0">
+                <a:solidFill>
+                  <a:schemeClr val="bg1"/>
+                </a:solidFill>
+              </a:rPr>
+              <a:t>()</a:t>
+            </a:r>
+          </a:p>
+          <a:p>
+            <a:endParaRPr lang="fr-FR" sz="1400" dirty="0">
+              <a:solidFill>
+                <a:srgbClr val="000000"/>
+              </a:solidFill>
+            </a:endParaRPr>
+          </a:p>
+          <a:p>
+            <a:r>
+              <a:rPr lang="fr-FR" sz="1400" b="1" dirty="0">
+                <a:solidFill>
+                  <a:schemeClr val="accent1">
+                    <a:lumMod val="75000"/>
+                  </a:schemeClr>
+                </a:solidFill>
+              </a:rPr>
+              <a:t>private</a:t>
+            </a:r>
+            <a:r>
+              <a:rPr lang="fr-FR" sz="1400" dirty="0">
+                <a:solidFill>
+                  <a:schemeClr val="accent1">
+                    <a:lumMod val="75000"/>
+                  </a:schemeClr>
+                </a:solidFill>
+              </a:rPr>
+              <a:t> </a:t>
+            </a:r>
+            <a:r>
+              <a:rPr lang="fr-FR" sz="1400" b="1" dirty="0">
+                <a:solidFill>
+                  <a:schemeClr val="accent1">
+                    <a:lumMod val="75000"/>
+                  </a:schemeClr>
+                </a:solidFill>
+              </a:rPr>
+              <a:t>func</a:t>
+            </a:r>
+            <a:r>
+              <a:rPr lang="fr-FR" sz="1400" dirty="0">
+                <a:solidFill>
+                  <a:schemeClr val="accent1">
+                    <a:lumMod val="75000"/>
+                  </a:schemeClr>
+                </a:solidFill>
+              </a:rPr>
+              <a:t> </a:t>
+            </a:r>
+            <a:r>
+              <a:rPr lang="fr-FR" sz="1400" dirty="0">
+                <a:solidFill>
+                  <a:schemeClr val="accent6">
+                    <a:lumMod val="75000"/>
+                  </a:schemeClr>
+                </a:solidFill>
+              </a:rPr>
+              <a:t>dividedBy0Error</a:t>
+            </a:r>
+            <a:r>
+              <a:rPr lang="fr-FR" sz="1400" dirty="0">
+                <a:solidFill>
+                  <a:schemeClr val="bg1"/>
+                </a:solidFill>
+              </a:rPr>
+              <a:t>()</a:t>
+            </a:r>
+          </a:p>
+          <a:p>
+            <a:endParaRPr lang="fr-FR" sz="1400" dirty="0">
+              <a:solidFill>
+                <a:srgbClr val="000000"/>
+              </a:solidFill>
+            </a:endParaRPr>
+          </a:p>
+          <a:p>
+            <a:r>
+              <a:rPr lang="fr-FR" sz="1400" b="1" dirty="0">
+                <a:solidFill>
+                  <a:schemeClr val="accent1">
+                    <a:lumMod val="75000"/>
+                  </a:schemeClr>
+                </a:solidFill>
+              </a:rPr>
+              <a:t>private</a:t>
+            </a:r>
+            <a:r>
+              <a:rPr lang="fr-FR" sz="1400" dirty="0">
+                <a:solidFill>
+                  <a:schemeClr val="accent1">
+                    <a:lumMod val="75000"/>
+                  </a:schemeClr>
+                </a:solidFill>
+              </a:rPr>
+              <a:t> </a:t>
+            </a:r>
+            <a:r>
+              <a:rPr lang="fr-FR" sz="1400" b="1" dirty="0">
+                <a:solidFill>
+                  <a:schemeClr val="accent1">
+                    <a:lumMod val="75000"/>
+                  </a:schemeClr>
+                </a:solidFill>
+              </a:rPr>
+              <a:t>func</a:t>
+            </a:r>
+            <a:r>
+              <a:rPr lang="fr-FR" sz="1400" dirty="0">
+                <a:solidFill>
+                  <a:schemeClr val="accent1">
+                    <a:lumMod val="75000"/>
+                  </a:schemeClr>
+                </a:solidFill>
+              </a:rPr>
+              <a:t> </a:t>
+            </a:r>
+            <a:r>
+              <a:rPr lang="fr-FR" sz="1400" dirty="0">
+                <a:solidFill>
+                  <a:schemeClr val="accent6">
+                    <a:lumMod val="75000"/>
+                  </a:schemeClr>
+                </a:solidFill>
+              </a:rPr>
+              <a:t>doubleCommaError</a:t>
+            </a:r>
+            <a:r>
+              <a:rPr lang="fr-FR" sz="1400" dirty="0">
+                <a:solidFill>
+                  <a:schemeClr val="bg1"/>
+                </a:solidFill>
+              </a:rPr>
+              <a:t>()</a:t>
+            </a:r>
+          </a:p>
+          <a:p>
+            <a:endParaRPr lang="fr-FR" sz="1400" dirty="0">
+              <a:solidFill>
+                <a:schemeClr val="bg1"/>
+              </a:solidFill>
+            </a:endParaRPr>
+          </a:p>
+          <a:p>
+            <a:endParaRPr lang="fr-FR" sz="1400" dirty="0">
+              <a:solidFill>
+                <a:schemeClr val="bg1"/>
+              </a:solidFill>
+            </a:endParaRPr>
+          </a:p>
+          <a:p>
+            <a:endParaRPr lang="fr-FR" sz="1400" dirty="0">
+              <a:solidFill>
+                <a:schemeClr val="bg1"/>
+              </a:solidFill>
+            </a:endParaRPr>
+          </a:p>
+          <a:p>
+            <a:endParaRPr lang="fr-FR" sz="1400" dirty="0">
+              <a:solidFill>
+                <a:schemeClr val="bg1"/>
+              </a:solidFill>
+            </a:endParaRPr>
+          </a:p>
+          <a:p>
+            <a:endParaRPr lang="fr-FR" sz="1400" dirty="0">
+              <a:solidFill>
+                <a:schemeClr val="bg1"/>
+              </a:solidFill>
+            </a:endParaRPr>
+          </a:p>
+          <a:p>
+            <a:endParaRPr lang="fr-FR" sz="1400" dirty="0">
+              <a:solidFill>
+                <a:schemeClr val="bg1"/>
+              </a:solidFill>
+            </a:endParaRPr>
+          </a:p>
+          <a:p>
+            <a:endParaRPr lang="fr-FR" sz="1400" dirty="0">
+              <a:solidFill>
+                <a:schemeClr val="bg1"/>
+              </a:solidFill>
+            </a:endParaRPr>
+          </a:p>
+          <a:p>
+            <a:endParaRPr lang="fr-FR" sz="1400" dirty="0"/>
+          </a:p>
+        </p:txBody>
+      </p:sp>
+      <p:sp>
+        <p:nvSpPr>
+          <p:cNvPr id="31" name="ZoneTexte 30">
+            <a:extLst>
+              <a:ext uri="{FF2B5EF4-FFF2-40B4-BE49-F238E27FC236}">
+                <a16:creationId xmlns:a16="http://schemas.microsoft.com/office/drawing/2014/main" id="{118B69CD-2AE7-6844-AC67-3DE8F30FDCD1}"/>
+              </a:ext>
+            </a:extLst>
+          </p:cNvPr>
+          <p:cNvSpPr txBox="1"/>
+          <p:nvPr/>
+        </p:nvSpPr>
+        <p:spPr>
+          <a:xfrm>
+            <a:off x="9476359" y="2040846"/>
             <a:ext cx="1204369" cy="369332"/>
           </a:xfrm>
           <a:prstGeom prst="rect">
@@ -10442,1667 +14713,129 @@
           </a:p>
         </p:txBody>
       </p:sp>
-      <p:sp>
-        <p:nvSpPr>
-          <p:cNvPr id="3" name="ZoneTexte 2">
+      <p:cxnSp>
+        <p:nvCxnSpPr>
+          <p:cNvPr id="37" name="Connecteur droit 36">
             <a:extLst>
               <a:ext uri="{FF2B5EF4-FFF2-40B4-BE49-F238E27FC236}">
-                <a16:creationId xmlns:a16="http://schemas.microsoft.com/office/drawing/2014/main" id="{5902D465-3628-9447-832D-478365086FC1}"/>
+                <a16:creationId xmlns:a16="http://schemas.microsoft.com/office/drawing/2014/main" id="{EE240D75-B505-BA40-8D6B-F446700E93F6}"/>
               </a:ext>
             </a:extLst>
           </p:cNvPr>
-          <p:cNvSpPr txBox="1"/>
+          <p:cNvCxnSpPr/>
           <p:nvPr/>
-        </p:nvSpPr>
+        </p:nvCxnSpPr>
         <p:spPr>
           <a:xfrm>
-            <a:off x="305574" y="2432181"/>
-            <a:ext cx="4182101" cy="1877437"/>
+            <a:off x="0" y="2468479"/>
+            <a:ext cx="12192000" cy="0"/>
           </a:xfrm>
-          <a:prstGeom prst="rect">
+          <a:prstGeom prst="line">
             <a:avLst/>
           </a:prstGeom>
-          <a:noFill/>
+          <a:ln>
+            <a:solidFill>
+              <a:schemeClr val="bg1"/>
+            </a:solidFill>
+          </a:ln>
         </p:spPr>
-        <p:txBody>
-          <a:bodyPr wrap="square" rtlCol="0">
-            <a:spAutoFit/>
-          </a:bodyPr>
-          <a:lstStyle/>
-          <a:p>
-            <a:r>
-              <a:rPr lang="fr-FR" sz="1400" b="1" dirty="0">
-                <a:solidFill>
-                  <a:schemeClr val="accent1">
-                    <a:lumMod val="75000"/>
-                  </a:schemeClr>
-                </a:solidFill>
-              </a:rPr>
-              <a:t>@IBOutlet</a:t>
-            </a:r>
-            <a:r>
-              <a:rPr lang="fr-FR" sz="1400" dirty="0">
-                <a:solidFill>
-                  <a:schemeClr val="accent1">
-                    <a:lumMod val="75000"/>
-                  </a:schemeClr>
-                </a:solidFill>
-              </a:rPr>
-              <a:t> </a:t>
-            </a:r>
-            <a:r>
-              <a:rPr lang="fr-FR" sz="1400" b="1" dirty="0">
-                <a:solidFill>
-                  <a:schemeClr val="accent1">
-                    <a:lumMod val="75000"/>
-                  </a:schemeClr>
-                </a:solidFill>
-              </a:rPr>
-              <a:t>weak</a:t>
-            </a:r>
-            <a:r>
-              <a:rPr lang="fr-FR" sz="1400" dirty="0">
-                <a:solidFill>
-                  <a:schemeClr val="accent1">
-                    <a:lumMod val="75000"/>
-                  </a:schemeClr>
-                </a:solidFill>
-              </a:rPr>
-              <a:t> </a:t>
-            </a:r>
-            <a:r>
-              <a:rPr lang="fr-FR" sz="1400" b="1" dirty="0">
-                <a:solidFill>
-                  <a:schemeClr val="accent1">
-                    <a:lumMod val="75000"/>
-                  </a:schemeClr>
-                </a:solidFill>
-              </a:rPr>
-              <a:t>var</a:t>
-            </a:r>
-            <a:r>
-              <a:rPr lang="fr-FR" sz="1400" dirty="0">
-                <a:solidFill>
-                  <a:schemeClr val="accent1">
-                    <a:lumMod val="75000"/>
-                  </a:schemeClr>
-                </a:solidFill>
-              </a:rPr>
-              <a:t> </a:t>
-            </a:r>
-            <a:r>
-              <a:rPr lang="fr-FR" sz="1400" dirty="0">
-                <a:solidFill>
-                  <a:schemeClr val="accent6">
-                    <a:lumMod val="75000"/>
-                  </a:schemeClr>
-                </a:solidFill>
-              </a:rPr>
-              <a:t>textView</a:t>
-            </a:r>
-            <a:r>
-              <a:rPr lang="fr-FR" sz="1400" dirty="0">
-                <a:solidFill>
-                  <a:schemeClr val="bg1"/>
-                </a:solidFill>
-              </a:rPr>
-              <a:t>:</a:t>
-            </a:r>
-            <a:r>
-              <a:rPr lang="fr-FR" sz="1400" dirty="0"/>
-              <a:t> </a:t>
-            </a:r>
-            <a:r>
-              <a:rPr lang="fr-FR" sz="1400" dirty="0">
-                <a:solidFill>
-                  <a:srgbClr val="FF85FF"/>
-                </a:solidFill>
-              </a:rPr>
-              <a:t>UITextView</a:t>
-            </a:r>
-            <a:r>
-              <a:rPr lang="fr-FR" sz="1400" dirty="0">
-                <a:solidFill>
-                  <a:schemeClr val="bg1"/>
-                </a:solidFill>
-              </a:rPr>
-              <a:t>!</a:t>
-            </a:r>
-          </a:p>
-          <a:p>
-            <a:r>
-              <a:rPr lang="fr-FR" sz="1400" b="1" dirty="0">
-                <a:solidFill>
-                  <a:schemeClr val="accent1">
-                    <a:lumMod val="75000"/>
-                  </a:schemeClr>
-                </a:solidFill>
-              </a:rPr>
-              <a:t>@IBOutlet</a:t>
-            </a:r>
-            <a:r>
-              <a:rPr lang="fr-FR" sz="1400" dirty="0">
-                <a:solidFill>
-                  <a:schemeClr val="accent1">
-                    <a:lumMod val="75000"/>
-                  </a:schemeClr>
-                </a:solidFill>
-              </a:rPr>
-              <a:t> </a:t>
-            </a:r>
-            <a:r>
-              <a:rPr lang="fr-FR" sz="1400" b="1" dirty="0">
-                <a:solidFill>
-                  <a:schemeClr val="accent1">
-                    <a:lumMod val="75000"/>
-                  </a:schemeClr>
-                </a:solidFill>
-              </a:rPr>
-              <a:t>var</a:t>
-            </a:r>
-            <a:r>
-              <a:rPr lang="fr-FR" sz="1400" dirty="0">
-                <a:solidFill>
-                  <a:schemeClr val="accent1">
-                    <a:lumMod val="75000"/>
-                  </a:schemeClr>
-                </a:solidFill>
-              </a:rPr>
-              <a:t> </a:t>
-            </a:r>
-            <a:r>
-              <a:rPr lang="fr-FR" sz="1400" dirty="0">
-                <a:solidFill>
-                  <a:schemeClr val="accent6">
-                    <a:lumMod val="75000"/>
-                  </a:schemeClr>
-                </a:solidFill>
-              </a:rPr>
-              <a:t>numberButtons</a:t>
-            </a:r>
-            <a:r>
-              <a:rPr lang="fr-FR" sz="1400" dirty="0">
-                <a:solidFill>
-                  <a:schemeClr val="bg1"/>
-                </a:solidFill>
-              </a:rPr>
-              <a:t>: [</a:t>
-            </a:r>
-            <a:r>
-              <a:rPr lang="fr-FR" sz="1400" dirty="0">
-                <a:solidFill>
-                  <a:srgbClr val="FF85FF"/>
-                </a:solidFill>
-              </a:rPr>
-              <a:t>UIButton</a:t>
-            </a:r>
-            <a:r>
-              <a:rPr lang="fr-FR" sz="1400" dirty="0">
-                <a:solidFill>
-                  <a:schemeClr val="bg1"/>
-                </a:solidFill>
-              </a:rPr>
-              <a:t>]!</a:t>
-            </a:r>
-          </a:p>
-          <a:p>
-            <a:r>
-              <a:rPr lang="fr-FR" sz="1400" b="1" dirty="0">
-                <a:solidFill>
-                  <a:schemeClr val="accent1">
-                    <a:lumMod val="75000"/>
-                  </a:schemeClr>
-                </a:solidFill>
-              </a:rPr>
-              <a:t>@IBOutlet</a:t>
-            </a:r>
-            <a:r>
-              <a:rPr lang="fr-FR" sz="1400" dirty="0">
-                <a:solidFill>
-                  <a:schemeClr val="accent1">
-                    <a:lumMod val="75000"/>
-                  </a:schemeClr>
-                </a:solidFill>
-              </a:rPr>
-              <a:t> </a:t>
-            </a:r>
-            <a:r>
-              <a:rPr lang="fr-FR" sz="1400" b="1" dirty="0">
-                <a:solidFill>
-                  <a:schemeClr val="accent1">
-                    <a:lumMod val="75000"/>
-                  </a:schemeClr>
-                </a:solidFill>
-              </a:rPr>
-              <a:t>var</a:t>
-            </a:r>
-            <a:r>
-              <a:rPr lang="fr-FR" sz="1400" dirty="0"/>
-              <a:t> </a:t>
-            </a:r>
-            <a:r>
-              <a:rPr lang="fr-FR" sz="1400" dirty="0">
-                <a:solidFill>
-                  <a:schemeClr val="accent6">
-                    <a:lumMod val="75000"/>
-                  </a:schemeClr>
-                </a:solidFill>
-              </a:rPr>
-              <a:t>operandButtons</a:t>
-            </a:r>
-            <a:r>
-              <a:rPr lang="fr-FR" sz="1400" dirty="0">
-                <a:solidFill>
-                  <a:schemeClr val="bg1"/>
-                </a:solidFill>
-              </a:rPr>
-              <a:t>: [</a:t>
-            </a:r>
-            <a:r>
-              <a:rPr lang="fr-FR" sz="1400" dirty="0">
-                <a:solidFill>
-                  <a:srgbClr val="FF85FF"/>
-                </a:solidFill>
-              </a:rPr>
-              <a:t>UIButton</a:t>
-            </a:r>
-            <a:r>
-              <a:rPr lang="fr-FR" sz="1400" dirty="0">
-                <a:solidFill>
-                  <a:schemeClr val="bg1"/>
-                </a:solidFill>
-              </a:rPr>
-              <a:t>]!</a:t>
-            </a:r>
-          </a:p>
-          <a:p>
-            <a:r>
-              <a:rPr lang="fr-FR" sz="1400" b="1" dirty="0">
-                <a:solidFill>
-                  <a:schemeClr val="accent1">
-                    <a:lumMod val="75000"/>
-                  </a:schemeClr>
-                </a:solidFill>
-              </a:rPr>
-              <a:t>var</a:t>
-            </a:r>
-            <a:r>
-              <a:rPr lang="fr-FR" sz="1400" dirty="0"/>
-              <a:t> </a:t>
-            </a:r>
-            <a:r>
-              <a:rPr lang="fr-FR" sz="1400" dirty="0">
-                <a:solidFill>
-                  <a:schemeClr val="accent6">
-                    <a:lumMod val="75000"/>
-                  </a:schemeClr>
-                </a:solidFill>
-              </a:rPr>
-              <a:t>continueOperation</a:t>
-            </a:r>
-            <a:r>
-              <a:rPr lang="fr-FR" sz="1400" dirty="0"/>
-              <a:t> </a:t>
-            </a:r>
-            <a:r>
-              <a:rPr lang="fr-FR" sz="1400" dirty="0">
-                <a:solidFill>
-                  <a:schemeClr val="bg1"/>
-                </a:solidFill>
-              </a:rPr>
-              <a:t>=</a:t>
-            </a:r>
-            <a:r>
-              <a:rPr lang="fr-FR" sz="1400" dirty="0"/>
-              <a:t> </a:t>
-            </a:r>
-            <a:r>
-              <a:rPr lang="fr-FR" sz="1400" b="1" dirty="0">
-                <a:solidFill>
-                  <a:schemeClr val="accent1">
-                    <a:lumMod val="75000"/>
-                  </a:schemeClr>
-                </a:solidFill>
-              </a:rPr>
-              <a:t>false</a:t>
-            </a:r>
-            <a:endParaRPr lang="fr-FR" sz="1400" dirty="0">
-              <a:solidFill>
-                <a:schemeClr val="accent1">
-                  <a:lumMod val="75000"/>
-                </a:schemeClr>
-              </a:solidFill>
-            </a:endParaRPr>
-          </a:p>
-          <a:p>
-            <a:r>
-              <a:rPr lang="fr-FR" sz="1400" b="1" dirty="0">
-                <a:solidFill>
-                  <a:schemeClr val="accent1">
-                    <a:lumMod val="75000"/>
-                  </a:schemeClr>
-                </a:solidFill>
-              </a:rPr>
-              <a:t>var</a:t>
-            </a:r>
-            <a:r>
-              <a:rPr lang="fr-FR" sz="1400" dirty="0"/>
-              <a:t> </a:t>
-            </a:r>
-            <a:r>
-              <a:rPr lang="fr-FR" sz="1400" dirty="0">
-                <a:solidFill>
-                  <a:schemeClr val="accent6">
-                    <a:lumMod val="75000"/>
-                  </a:schemeClr>
-                </a:solidFill>
-              </a:rPr>
-              <a:t>count</a:t>
-            </a:r>
-            <a:r>
-              <a:rPr lang="fr-FR" sz="1400" dirty="0"/>
-              <a:t> </a:t>
-            </a:r>
-            <a:r>
-              <a:rPr lang="fr-FR" sz="1400" dirty="0">
-                <a:solidFill>
-                  <a:schemeClr val="bg1"/>
-                </a:solidFill>
-              </a:rPr>
-              <a:t>=</a:t>
-            </a:r>
-            <a:r>
-              <a:rPr lang="fr-FR" sz="1400" dirty="0"/>
-              <a:t> </a:t>
-            </a:r>
-            <a:r>
-              <a:rPr lang="fr-FR" sz="1400" dirty="0">
-                <a:solidFill>
-                  <a:srgbClr val="92D050"/>
-                </a:solidFill>
-              </a:rPr>
-              <a:t>Count</a:t>
-            </a:r>
-            <a:r>
-              <a:rPr lang="fr-FR" sz="1400" dirty="0">
-                <a:solidFill>
-                  <a:schemeClr val="bg1"/>
-                </a:solidFill>
-              </a:rPr>
-              <a:t>()</a:t>
-            </a:r>
-          </a:p>
-          <a:p>
-            <a:r>
-              <a:rPr lang="fr-FR" sz="1400" b="1" dirty="0">
-                <a:solidFill>
-                  <a:schemeClr val="accent1">
-                    <a:lumMod val="75000"/>
-                  </a:schemeClr>
-                </a:solidFill>
-              </a:rPr>
-              <a:t>var</a:t>
-            </a:r>
-            <a:r>
-              <a:rPr lang="fr-FR" sz="1400" dirty="0"/>
-              <a:t> </a:t>
-            </a:r>
-            <a:r>
-              <a:rPr lang="fr-FR" sz="1400" dirty="0">
-                <a:solidFill>
-                  <a:schemeClr val="accent6">
-                    <a:lumMod val="75000"/>
-                  </a:schemeClr>
-                </a:solidFill>
-              </a:rPr>
-              <a:t>expressionHaveResult</a:t>
-            </a:r>
-            <a:r>
-              <a:rPr lang="fr-FR" sz="1400" dirty="0">
-                <a:solidFill>
-                  <a:schemeClr val="bg1"/>
-                </a:solidFill>
-              </a:rPr>
-              <a:t>:</a:t>
-            </a:r>
-            <a:r>
-              <a:rPr lang="fr-FR" sz="1400" dirty="0"/>
-              <a:t> </a:t>
-            </a:r>
-            <a:r>
-              <a:rPr lang="fr-FR" sz="1400" dirty="0">
-                <a:solidFill>
-                  <a:srgbClr val="FF85FF"/>
-                </a:solidFill>
-              </a:rPr>
-              <a:t>Bool</a:t>
-            </a:r>
-          </a:p>
-          <a:p>
-            <a:endParaRPr lang="fr-FR" sz="1400" dirty="0">
-              <a:solidFill>
-                <a:schemeClr val="bg1"/>
-              </a:solidFill>
-            </a:endParaRPr>
-          </a:p>
-          <a:p>
-            <a:endParaRPr lang="fr-FR" dirty="0"/>
-          </a:p>
-        </p:txBody>
-      </p:sp>
-      <p:sp>
-        <p:nvSpPr>
-          <p:cNvPr id="23" name="ZoneTexte 22">
+        <p:style>
+          <a:lnRef idx="1">
+            <a:schemeClr val="dk1"/>
+          </a:lnRef>
+          <a:fillRef idx="0">
+            <a:schemeClr val="dk1"/>
+          </a:fillRef>
+          <a:effectRef idx="0">
+            <a:schemeClr val="dk1"/>
+          </a:effectRef>
+          <a:fontRef idx="minor">
+            <a:schemeClr val="tx1"/>
+          </a:fontRef>
+        </p:style>
+      </p:cxnSp>
+      <p:cxnSp>
+        <p:nvCxnSpPr>
+          <p:cNvPr id="39" name="Connecteur droit 38">
             <a:extLst>
               <a:ext uri="{FF2B5EF4-FFF2-40B4-BE49-F238E27FC236}">
-                <a16:creationId xmlns:a16="http://schemas.microsoft.com/office/drawing/2014/main" id="{579D9B69-4028-7045-A97E-2857D20584FB}"/>
+                <a16:creationId xmlns:a16="http://schemas.microsoft.com/office/drawing/2014/main" id="{889C46A4-CBD6-1948-8B13-CBEEC0F94489}"/>
               </a:ext>
             </a:extLst>
           </p:cNvPr>
-          <p:cNvSpPr txBox="1"/>
+          <p:cNvCxnSpPr/>
           <p:nvPr/>
-        </p:nvSpPr>
+        </p:nvCxnSpPr>
         <p:spPr>
           <a:xfrm>
-            <a:off x="305611" y="1457728"/>
-            <a:ext cx="2490523" cy="400110"/>
+            <a:off x="3693370" y="2466000"/>
+            <a:ext cx="0" cy="4392000"/>
           </a:xfrm>
-          <a:prstGeom prst="rect">
+          <a:prstGeom prst="line">
             <a:avLst/>
           </a:prstGeom>
-          <a:noFill/>
+          <a:ln>
+            <a:solidFill>
+              <a:schemeClr val="bg1"/>
+            </a:solidFill>
+          </a:ln>
         </p:spPr>
-        <p:txBody>
-          <a:bodyPr wrap="square" rtlCol="0">
-            <a:spAutoFit/>
-          </a:bodyPr>
-          <a:lstStyle/>
-          <a:p>
-            <a:r>
-              <a:rPr lang="fr-FR" sz="2000" dirty="0"/>
-              <a:t>ViewController</a:t>
-            </a:r>
-          </a:p>
-        </p:txBody>
-      </p:sp>
-      <p:sp>
-        <p:nvSpPr>
-          <p:cNvPr id="4" name="ZoneTexte 3">
+        <p:style>
+          <a:lnRef idx="1">
+            <a:schemeClr val="dk1"/>
+          </a:lnRef>
+          <a:fillRef idx="0">
+            <a:schemeClr val="dk1"/>
+          </a:fillRef>
+          <a:effectRef idx="0">
+            <a:schemeClr val="dk1"/>
+          </a:effectRef>
+          <a:fontRef idx="minor">
+            <a:schemeClr val="tx1"/>
+          </a:fontRef>
+        </p:style>
+      </p:cxnSp>
+      <p:cxnSp>
+        <p:nvCxnSpPr>
+          <p:cNvPr id="41" name="Connecteur droit 40">
             <a:extLst>
               <a:ext uri="{FF2B5EF4-FFF2-40B4-BE49-F238E27FC236}">
-                <a16:creationId xmlns:a16="http://schemas.microsoft.com/office/drawing/2014/main" id="{A050A98D-A55E-D24E-8342-617AD115E538}"/>
+                <a16:creationId xmlns:a16="http://schemas.microsoft.com/office/drawing/2014/main" id="{5C6B47F6-9471-624C-B7CF-F871ECD55ABE}"/>
               </a:ext>
             </a:extLst>
           </p:cNvPr>
-          <p:cNvSpPr txBox="1"/>
+          <p:cNvCxnSpPr/>
           <p:nvPr/>
-        </p:nvSpPr>
+        </p:nvCxnSpPr>
         <p:spPr>
           <a:xfrm>
-            <a:off x="280878" y="4520911"/>
-            <a:ext cx="4182101" cy="2954655"/>
+            <a:off x="7772400" y="2482087"/>
+            <a:ext cx="0" cy="4392000"/>
           </a:xfrm>
-          <a:prstGeom prst="rect">
+          <a:prstGeom prst="line">
             <a:avLst/>
           </a:prstGeom>
-          <a:noFill/>
+          <a:ln>
+            <a:solidFill>
+              <a:schemeClr val="bg1"/>
+            </a:solidFill>
+          </a:ln>
         </p:spPr>
-        <p:txBody>
-          <a:bodyPr wrap="square" rtlCol="0">
-            <a:spAutoFit/>
-          </a:bodyPr>
-          <a:lstStyle/>
-          <a:p>
-            <a:r>
-              <a:rPr lang="fr-FR" sz="1400" b="1" dirty="0">
-                <a:solidFill>
-                  <a:schemeClr val="accent1">
-                    <a:lumMod val="75000"/>
-                  </a:schemeClr>
-                </a:solidFill>
-              </a:rPr>
-              <a:t>@IBAction</a:t>
-            </a:r>
-            <a:r>
-              <a:rPr lang="fr-FR" sz="1400" dirty="0">
-                <a:solidFill>
-                  <a:schemeClr val="accent1">
-                    <a:lumMod val="75000"/>
-                  </a:schemeClr>
-                </a:solidFill>
-              </a:rPr>
-              <a:t> </a:t>
-            </a:r>
-            <a:r>
-              <a:rPr lang="fr-FR" sz="1400" b="1" dirty="0">
-                <a:solidFill>
-                  <a:schemeClr val="accent1">
-                    <a:lumMod val="75000"/>
-                  </a:schemeClr>
-                </a:solidFill>
-              </a:rPr>
-              <a:t>func</a:t>
-            </a:r>
-            <a:r>
-              <a:rPr lang="fr-FR" sz="1400" dirty="0">
-                <a:solidFill>
-                  <a:schemeClr val="accent1">
-                    <a:lumMod val="75000"/>
-                  </a:schemeClr>
-                </a:solidFill>
-              </a:rPr>
-              <a:t> </a:t>
-            </a:r>
-            <a:r>
-              <a:rPr lang="fr-FR" sz="1400" dirty="0">
-                <a:solidFill>
-                  <a:schemeClr val="accent6">
-                    <a:lumMod val="75000"/>
-                  </a:schemeClr>
-                </a:solidFill>
-              </a:rPr>
-              <a:t>clearText</a:t>
-            </a:r>
-            <a:r>
-              <a:rPr lang="fr-FR" sz="1400" dirty="0">
-                <a:solidFill>
-                  <a:schemeClr val="bg1"/>
-                </a:solidFill>
-              </a:rPr>
-              <a:t>(</a:t>
-            </a:r>
-            <a:r>
-              <a:rPr lang="fr-FR" sz="1400" dirty="0">
-                <a:solidFill>
-                  <a:schemeClr val="accent6">
-                    <a:lumMod val="75000"/>
-                  </a:schemeClr>
-                </a:solidFill>
-              </a:rPr>
-              <a:t>_</a:t>
-            </a:r>
-            <a:r>
-              <a:rPr lang="fr-FR" sz="1400" dirty="0"/>
-              <a:t> </a:t>
-            </a:r>
-            <a:r>
-              <a:rPr lang="fr-FR" sz="1400" dirty="0">
-                <a:solidFill>
-                  <a:schemeClr val="bg1"/>
-                </a:solidFill>
-              </a:rPr>
-              <a:t>sender: </a:t>
-            </a:r>
-            <a:r>
-              <a:rPr lang="fr-FR" sz="1400" dirty="0">
-                <a:solidFill>
-                  <a:srgbClr val="FF85FF"/>
-                </a:solidFill>
-              </a:rPr>
-              <a:t>UIButton</a:t>
-            </a:r>
-            <a:r>
-              <a:rPr lang="fr-FR" sz="1400" dirty="0">
-                <a:solidFill>
-                  <a:schemeClr val="bg1"/>
-                </a:solidFill>
-              </a:rPr>
-              <a:t>)</a:t>
-            </a:r>
-          </a:p>
-          <a:p>
-            <a:r>
-              <a:rPr lang="fr-FR" sz="1400" b="1" dirty="0">
-                <a:solidFill>
-                  <a:schemeClr val="accent1">
-                    <a:lumMod val="75000"/>
-                  </a:schemeClr>
-                </a:solidFill>
-              </a:rPr>
-              <a:t>@IBAction</a:t>
-            </a:r>
-            <a:r>
-              <a:rPr lang="fr-FR" sz="1400" dirty="0">
-                <a:solidFill>
-                  <a:schemeClr val="accent1">
-                    <a:lumMod val="75000"/>
-                  </a:schemeClr>
-                </a:solidFill>
-              </a:rPr>
-              <a:t> </a:t>
-            </a:r>
-            <a:r>
-              <a:rPr lang="fr-FR" sz="1400" b="1" dirty="0">
-                <a:solidFill>
-                  <a:schemeClr val="accent1">
-                    <a:lumMod val="75000"/>
-                  </a:schemeClr>
-                </a:solidFill>
-              </a:rPr>
-              <a:t>func</a:t>
-            </a:r>
-            <a:r>
-              <a:rPr lang="fr-FR" sz="1400" dirty="0">
-                <a:solidFill>
-                  <a:schemeClr val="accent1">
-                    <a:lumMod val="75000"/>
-                  </a:schemeClr>
-                </a:solidFill>
-              </a:rPr>
-              <a:t> </a:t>
-            </a:r>
-            <a:r>
-              <a:rPr lang="fr-FR" sz="1400" dirty="0">
-                <a:solidFill>
-                  <a:schemeClr val="accent6">
-                    <a:lumMod val="75000"/>
-                  </a:schemeClr>
-                </a:solidFill>
-              </a:rPr>
-              <a:t>tappedNumberButton</a:t>
-            </a:r>
-            <a:r>
-              <a:rPr lang="fr-FR" sz="1400" dirty="0">
-                <a:solidFill>
-                  <a:schemeClr val="bg1"/>
-                </a:solidFill>
-              </a:rPr>
-              <a:t>(</a:t>
-            </a:r>
-            <a:r>
-              <a:rPr lang="fr-FR" sz="1400" dirty="0">
-                <a:solidFill>
-                  <a:schemeClr val="accent6">
-                    <a:lumMod val="75000"/>
-                  </a:schemeClr>
-                </a:solidFill>
-              </a:rPr>
-              <a:t>_ </a:t>
-            </a:r>
-            <a:r>
-              <a:rPr lang="fr-FR" sz="1400" dirty="0">
-                <a:solidFill>
-                  <a:schemeClr val="bg1"/>
-                </a:solidFill>
-              </a:rPr>
-              <a:t>sender: </a:t>
-            </a:r>
-            <a:r>
-              <a:rPr lang="fr-FR" sz="1400" dirty="0">
-                <a:solidFill>
-                  <a:srgbClr val="FF85FF"/>
-                </a:solidFill>
-              </a:rPr>
-              <a:t>UIButton</a:t>
-            </a:r>
-            <a:r>
-              <a:rPr lang="fr-FR" sz="1400" dirty="0">
-                <a:solidFill>
-                  <a:schemeClr val="bg1"/>
-                </a:solidFill>
-              </a:rPr>
-              <a:t>)</a:t>
-            </a:r>
-          </a:p>
-          <a:p>
-            <a:r>
-              <a:rPr lang="fr-FR" sz="1400" b="1" dirty="0">
-                <a:solidFill>
-                  <a:schemeClr val="accent1">
-                    <a:lumMod val="75000"/>
-                  </a:schemeClr>
-                </a:solidFill>
-              </a:rPr>
-              <a:t>@IBAction</a:t>
-            </a:r>
-            <a:r>
-              <a:rPr lang="fr-FR" sz="1400" dirty="0">
-                <a:solidFill>
-                  <a:schemeClr val="accent1">
-                    <a:lumMod val="75000"/>
-                  </a:schemeClr>
-                </a:solidFill>
-              </a:rPr>
-              <a:t> </a:t>
-            </a:r>
-            <a:r>
-              <a:rPr lang="fr-FR" sz="1400" b="1" dirty="0">
-                <a:solidFill>
-                  <a:schemeClr val="accent1">
-                    <a:lumMod val="75000"/>
-                  </a:schemeClr>
-                </a:solidFill>
-              </a:rPr>
-              <a:t>func</a:t>
-            </a:r>
-            <a:r>
-              <a:rPr lang="fr-FR" sz="1400" dirty="0">
-                <a:solidFill>
-                  <a:schemeClr val="accent1">
-                    <a:lumMod val="75000"/>
-                  </a:schemeClr>
-                </a:solidFill>
-              </a:rPr>
-              <a:t> </a:t>
-            </a:r>
-            <a:r>
-              <a:rPr lang="fr-FR" sz="1400" dirty="0">
-                <a:solidFill>
-                  <a:schemeClr val="accent6">
-                    <a:lumMod val="75000"/>
-                  </a:schemeClr>
-                </a:solidFill>
-              </a:rPr>
-              <a:t>tappedOperandButton</a:t>
-            </a:r>
-            <a:r>
-              <a:rPr lang="fr-FR" sz="1400" dirty="0">
-                <a:solidFill>
-                  <a:schemeClr val="bg1"/>
-                </a:solidFill>
-              </a:rPr>
-              <a:t>(</a:t>
-            </a:r>
-            <a:r>
-              <a:rPr lang="fr-FR" sz="1400" dirty="0">
-                <a:solidFill>
-                  <a:schemeClr val="accent6">
-                    <a:lumMod val="75000"/>
-                  </a:schemeClr>
-                </a:solidFill>
-              </a:rPr>
-              <a:t>_</a:t>
-            </a:r>
-            <a:r>
-              <a:rPr lang="fr-FR" sz="1400" dirty="0"/>
-              <a:t> </a:t>
-            </a:r>
-            <a:r>
-              <a:rPr lang="fr-FR" sz="1400" dirty="0">
-                <a:solidFill>
-                  <a:schemeClr val="bg1"/>
-                </a:solidFill>
-              </a:rPr>
-              <a:t>sender: </a:t>
-            </a:r>
-            <a:r>
-              <a:rPr lang="fr-FR" sz="1400" dirty="0">
-                <a:solidFill>
-                  <a:srgbClr val="FF85FF"/>
-                </a:solidFill>
-              </a:rPr>
-              <a:t>UIButton</a:t>
-            </a:r>
-            <a:r>
-              <a:rPr lang="fr-FR" sz="1400" dirty="0">
-                <a:solidFill>
-                  <a:schemeClr val="bg1"/>
-                </a:solidFill>
-              </a:rPr>
-              <a:t>)</a:t>
-            </a:r>
-          </a:p>
-          <a:p>
-            <a:r>
-              <a:rPr lang="fr-FR" sz="1400" b="1" dirty="0">
-                <a:solidFill>
-                  <a:schemeClr val="accent1">
-                    <a:lumMod val="75000"/>
-                  </a:schemeClr>
-                </a:solidFill>
-              </a:rPr>
-              <a:t>@IBAction</a:t>
-            </a:r>
-            <a:r>
-              <a:rPr lang="fr-FR" sz="1400" dirty="0">
-                <a:solidFill>
-                  <a:schemeClr val="accent1">
-                    <a:lumMod val="75000"/>
-                  </a:schemeClr>
-                </a:solidFill>
-              </a:rPr>
-              <a:t> </a:t>
-            </a:r>
-            <a:r>
-              <a:rPr lang="fr-FR" sz="1400" b="1" dirty="0">
-                <a:solidFill>
-                  <a:schemeClr val="accent1">
-                    <a:lumMod val="75000"/>
-                  </a:schemeClr>
-                </a:solidFill>
-              </a:rPr>
-              <a:t>func</a:t>
-            </a:r>
-            <a:r>
-              <a:rPr lang="fr-FR" sz="1400" dirty="0">
-                <a:solidFill>
-                  <a:schemeClr val="accent1">
-                    <a:lumMod val="75000"/>
-                  </a:schemeClr>
-                </a:solidFill>
-              </a:rPr>
-              <a:t> </a:t>
-            </a:r>
-            <a:r>
-              <a:rPr lang="fr-FR" sz="1400" dirty="0">
-                <a:solidFill>
-                  <a:schemeClr val="accent6">
-                    <a:lumMod val="75000"/>
-                  </a:schemeClr>
-                </a:solidFill>
-              </a:rPr>
-              <a:t>tappedEqualButton</a:t>
-            </a:r>
-            <a:r>
-              <a:rPr lang="fr-FR" sz="1400" dirty="0">
-                <a:solidFill>
-                  <a:schemeClr val="bg1"/>
-                </a:solidFill>
-              </a:rPr>
-              <a:t>(</a:t>
-            </a:r>
-            <a:r>
-              <a:rPr lang="fr-FR" sz="1400" dirty="0">
-                <a:solidFill>
-                  <a:schemeClr val="accent6">
-                    <a:lumMod val="75000"/>
-                  </a:schemeClr>
-                </a:solidFill>
-              </a:rPr>
-              <a:t>_ </a:t>
-            </a:r>
-            <a:r>
-              <a:rPr lang="fr-FR" sz="1400" dirty="0">
-                <a:solidFill>
-                  <a:schemeClr val="bg1"/>
-                </a:solidFill>
-              </a:rPr>
-              <a:t>sender: </a:t>
-            </a:r>
-            <a:r>
-              <a:rPr lang="fr-FR" sz="1400" dirty="0">
-                <a:solidFill>
-                  <a:srgbClr val="FF85FF"/>
-                </a:solidFill>
-              </a:rPr>
-              <a:t>UIButton</a:t>
-            </a:r>
-            <a:r>
-              <a:rPr lang="fr-FR" sz="1400" dirty="0">
-                <a:solidFill>
-                  <a:schemeClr val="bg1"/>
-                </a:solidFill>
-              </a:rPr>
-              <a:t>)</a:t>
-            </a:r>
-          </a:p>
-          <a:p>
-            <a:r>
-              <a:rPr lang="fr-FR" sz="1400" b="1" dirty="0">
-                <a:solidFill>
-                  <a:schemeClr val="accent1">
-                    <a:lumMod val="75000"/>
-                  </a:schemeClr>
-                </a:solidFill>
-              </a:rPr>
-              <a:t>@IBAction</a:t>
-            </a:r>
-            <a:r>
-              <a:rPr lang="fr-FR" sz="1400" dirty="0">
-                <a:solidFill>
-                  <a:schemeClr val="accent1">
-                    <a:lumMod val="75000"/>
-                  </a:schemeClr>
-                </a:solidFill>
-              </a:rPr>
-              <a:t> </a:t>
-            </a:r>
-            <a:r>
-              <a:rPr lang="fr-FR" sz="1400" b="1" dirty="0">
-                <a:solidFill>
-                  <a:schemeClr val="accent1">
-                    <a:lumMod val="75000"/>
-                  </a:schemeClr>
-                </a:solidFill>
-              </a:rPr>
-              <a:t>func</a:t>
-            </a:r>
-            <a:r>
-              <a:rPr lang="fr-FR" sz="1400" dirty="0">
-                <a:solidFill>
-                  <a:schemeClr val="accent1">
-                    <a:lumMod val="75000"/>
-                  </a:schemeClr>
-                </a:solidFill>
-              </a:rPr>
-              <a:t> </a:t>
-            </a:r>
-            <a:r>
-              <a:rPr lang="fr-FR" sz="1400" dirty="0">
-                <a:solidFill>
-                  <a:schemeClr val="accent6">
-                    <a:lumMod val="75000"/>
-                  </a:schemeClr>
-                </a:solidFill>
-              </a:rPr>
-              <a:t>tappedCommaButton</a:t>
-            </a:r>
-            <a:r>
-              <a:rPr lang="fr-FR" sz="1400" dirty="0">
-                <a:solidFill>
-                  <a:schemeClr val="bg1"/>
-                </a:solidFill>
-              </a:rPr>
-              <a:t>(</a:t>
-            </a:r>
-            <a:r>
-              <a:rPr lang="fr-FR" sz="1400" dirty="0">
-                <a:solidFill>
-                  <a:schemeClr val="accent6">
-                    <a:lumMod val="75000"/>
-                  </a:schemeClr>
-                </a:solidFill>
-              </a:rPr>
-              <a:t>_</a:t>
-            </a:r>
-            <a:r>
-              <a:rPr lang="fr-FR" sz="1400" dirty="0"/>
-              <a:t> </a:t>
-            </a:r>
-            <a:r>
-              <a:rPr lang="fr-FR" sz="1400" dirty="0">
-                <a:solidFill>
-                  <a:schemeClr val="bg1"/>
-                </a:solidFill>
-              </a:rPr>
-              <a:t>sender: </a:t>
-            </a:r>
-            <a:r>
-              <a:rPr lang="fr-FR" sz="1400" dirty="0">
-                <a:solidFill>
-                  <a:srgbClr val="FF85FF"/>
-                </a:solidFill>
-              </a:rPr>
-              <a:t>UIButton</a:t>
-            </a:r>
-            <a:r>
-              <a:rPr lang="fr-FR" sz="1400" dirty="0">
-                <a:solidFill>
-                  <a:schemeClr val="bg1"/>
-                </a:solidFill>
-              </a:rPr>
-              <a:t>)</a:t>
-            </a:r>
-          </a:p>
-          <a:p>
-            <a:endParaRPr lang="fr-FR" sz="1400" dirty="0"/>
-          </a:p>
-          <a:p>
-            <a:endParaRPr lang="fr-FR" sz="1400" dirty="0"/>
-          </a:p>
-          <a:p>
-            <a:endParaRPr lang="fr-FR" sz="1400" dirty="0"/>
-          </a:p>
-          <a:p>
-            <a:endParaRPr lang="fr-FR" dirty="0"/>
-          </a:p>
-        </p:txBody>
-      </p:sp>
-      <p:sp>
-        <p:nvSpPr>
-          <p:cNvPr id="5" name="ZoneTexte 4">
-            <a:extLst>
-              <a:ext uri="{FF2B5EF4-FFF2-40B4-BE49-F238E27FC236}">
-                <a16:creationId xmlns:a16="http://schemas.microsoft.com/office/drawing/2014/main" id="{D4ACB76C-FC3A-F244-870A-BDA3DED980CE}"/>
-              </a:ext>
-            </a:extLst>
-          </p:cNvPr>
-          <p:cNvSpPr txBox="1"/>
-          <p:nvPr/>
-        </p:nvSpPr>
-        <p:spPr>
-          <a:xfrm>
-            <a:off x="4702709" y="2761436"/>
-            <a:ext cx="4622753" cy="4585871"/>
-          </a:xfrm>
-          <a:prstGeom prst="rect">
-            <a:avLst/>
-          </a:prstGeom>
-          <a:noFill/>
-        </p:spPr>
-        <p:txBody>
-          <a:bodyPr wrap="square" rtlCol="0">
-            <a:spAutoFit/>
-          </a:bodyPr>
-          <a:lstStyle/>
-          <a:p>
-            <a:r>
-              <a:rPr lang="fr-FR" sz="1700" b="1" dirty="0">
-                <a:solidFill>
-                  <a:schemeClr val="accent1">
-                    <a:lumMod val="75000"/>
-                  </a:schemeClr>
-                </a:solidFill>
-              </a:rPr>
-              <a:t>private</a:t>
-            </a:r>
-            <a:r>
-              <a:rPr lang="fr-FR" sz="1700" dirty="0">
-                <a:solidFill>
-                  <a:schemeClr val="accent1">
-                    <a:lumMod val="75000"/>
-                  </a:schemeClr>
-                </a:solidFill>
-              </a:rPr>
-              <a:t> </a:t>
-            </a:r>
-            <a:r>
-              <a:rPr lang="fr-FR" sz="1700" b="1" dirty="0">
-                <a:solidFill>
-                  <a:schemeClr val="accent1">
-                    <a:lumMod val="75000"/>
-                  </a:schemeClr>
-                </a:solidFill>
-              </a:rPr>
-              <a:t>func</a:t>
-            </a:r>
-            <a:r>
-              <a:rPr lang="fr-FR" sz="1700" dirty="0">
-                <a:solidFill>
-                  <a:schemeClr val="accent1">
-                    <a:lumMod val="75000"/>
-                  </a:schemeClr>
-                </a:solidFill>
-              </a:rPr>
-              <a:t> </a:t>
-            </a:r>
-            <a:r>
-              <a:rPr lang="fr-FR" sz="1700" dirty="0">
-                <a:solidFill>
-                  <a:schemeClr val="accent6">
-                    <a:lumMod val="75000"/>
-                  </a:schemeClr>
-                </a:solidFill>
-              </a:rPr>
-              <a:t>isTheOperationPossible</a:t>
-            </a:r>
-            <a:r>
-              <a:rPr lang="fr-FR" sz="1700" dirty="0">
-                <a:solidFill>
-                  <a:schemeClr val="bg1"/>
-                </a:solidFill>
-              </a:rPr>
-              <a:t>(</a:t>
-            </a:r>
-            <a:r>
-              <a:rPr lang="fr-FR" sz="1700" dirty="0">
-                <a:solidFill>
-                  <a:schemeClr val="accent6">
-                    <a:lumMod val="75000"/>
-                  </a:schemeClr>
-                </a:solidFill>
-              </a:rPr>
-              <a:t>button</a:t>
-            </a:r>
-            <a:r>
-              <a:rPr lang="fr-FR" sz="1700" dirty="0">
-                <a:solidFill>
-                  <a:schemeClr val="bg1"/>
-                </a:solidFill>
-              </a:rPr>
-              <a:t>: </a:t>
-            </a:r>
-            <a:r>
-              <a:rPr lang="fr-FR" sz="1700" dirty="0">
-                <a:solidFill>
-                  <a:srgbClr val="FF85FF"/>
-                </a:solidFill>
-              </a:rPr>
-              <a:t>UIButton</a:t>
-            </a:r>
-            <a:r>
-              <a:rPr lang="fr-FR" sz="1700" dirty="0">
-                <a:solidFill>
-                  <a:schemeClr val="bg1"/>
-                </a:solidFill>
-              </a:rPr>
-              <a:t>)</a:t>
-            </a:r>
-          </a:p>
-          <a:p>
-            <a:r>
-              <a:rPr lang="fr-FR" sz="1700" b="1" dirty="0">
-                <a:solidFill>
-                  <a:schemeClr val="accent1">
-                    <a:lumMod val="75000"/>
-                  </a:schemeClr>
-                </a:solidFill>
-              </a:rPr>
-              <a:t>private</a:t>
-            </a:r>
-            <a:r>
-              <a:rPr lang="fr-FR" sz="1700" dirty="0">
-                <a:solidFill>
-                  <a:schemeClr val="accent1">
-                    <a:lumMod val="75000"/>
-                  </a:schemeClr>
-                </a:solidFill>
-              </a:rPr>
-              <a:t> </a:t>
-            </a:r>
-            <a:r>
-              <a:rPr lang="fr-FR" sz="1700" b="1" dirty="0">
-                <a:solidFill>
-                  <a:schemeClr val="accent1">
-                    <a:lumMod val="75000"/>
-                  </a:schemeClr>
-                </a:solidFill>
-              </a:rPr>
-              <a:t>func</a:t>
-            </a:r>
-            <a:r>
-              <a:rPr lang="fr-FR" sz="1700" dirty="0">
-                <a:solidFill>
-                  <a:schemeClr val="accent1">
-                    <a:lumMod val="75000"/>
-                  </a:schemeClr>
-                </a:solidFill>
-              </a:rPr>
-              <a:t> </a:t>
-            </a:r>
-            <a:r>
-              <a:rPr lang="fr-FR" sz="1700" dirty="0">
-                <a:solidFill>
-                  <a:schemeClr val="accent6">
-                    <a:lumMod val="75000"/>
-                  </a:schemeClr>
-                </a:solidFill>
-              </a:rPr>
-              <a:t>removeWelcomeMessage</a:t>
-            </a:r>
-            <a:r>
-              <a:rPr lang="fr-FR" sz="1700" dirty="0">
-                <a:solidFill>
-                  <a:schemeClr val="bg1"/>
-                </a:solidFill>
-              </a:rPr>
-              <a:t>()</a:t>
-            </a:r>
-          </a:p>
-          <a:p>
-            <a:r>
-              <a:rPr lang="fr-FR" sz="1700" b="1" dirty="0">
-                <a:solidFill>
-                  <a:schemeClr val="accent1">
-                    <a:lumMod val="75000"/>
-                  </a:schemeClr>
-                </a:solidFill>
-              </a:rPr>
-              <a:t>private</a:t>
-            </a:r>
-            <a:r>
-              <a:rPr lang="fr-FR" sz="1700" dirty="0">
-                <a:solidFill>
-                  <a:schemeClr val="accent1">
-                    <a:lumMod val="75000"/>
-                  </a:schemeClr>
-                </a:solidFill>
-              </a:rPr>
-              <a:t> </a:t>
-            </a:r>
-            <a:r>
-              <a:rPr lang="fr-FR" sz="1700" b="1" dirty="0">
-                <a:solidFill>
-                  <a:schemeClr val="accent1">
-                    <a:lumMod val="75000"/>
-                  </a:schemeClr>
-                </a:solidFill>
-              </a:rPr>
-              <a:t>func</a:t>
-            </a:r>
-            <a:r>
-              <a:rPr lang="fr-FR" sz="1700" dirty="0">
-                <a:solidFill>
-                  <a:schemeClr val="accent1">
-                    <a:lumMod val="75000"/>
-                  </a:schemeClr>
-                </a:solidFill>
-              </a:rPr>
-              <a:t> </a:t>
-            </a:r>
-            <a:r>
-              <a:rPr lang="fr-FR" sz="1700" dirty="0">
-                <a:solidFill>
-                  <a:schemeClr val="accent6">
-                    <a:lumMod val="75000"/>
-                  </a:schemeClr>
-                </a:solidFill>
-              </a:rPr>
-              <a:t>didUserFinished</a:t>
-            </a:r>
-            <a:r>
-              <a:rPr lang="fr-FR" sz="1700" dirty="0">
-                <a:solidFill>
-                  <a:schemeClr val="bg1"/>
-                </a:solidFill>
-              </a:rPr>
-              <a:t>()</a:t>
-            </a:r>
-          </a:p>
-          <a:p>
-            <a:r>
-              <a:rPr lang="fr-FR" sz="1700" b="1" dirty="0">
-                <a:solidFill>
-                  <a:schemeClr val="accent1">
-                    <a:lumMod val="75000"/>
-                  </a:schemeClr>
-                </a:solidFill>
-              </a:rPr>
-              <a:t>private</a:t>
-            </a:r>
-            <a:r>
-              <a:rPr lang="fr-FR" sz="1700" dirty="0">
-                <a:solidFill>
-                  <a:schemeClr val="accent1">
-                    <a:lumMod val="75000"/>
-                  </a:schemeClr>
-                </a:solidFill>
-              </a:rPr>
-              <a:t> </a:t>
-            </a:r>
-            <a:r>
-              <a:rPr lang="fr-FR" sz="1700" b="1" dirty="0">
-                <a:solidFill>
-                  <a:schemeClr val="accent1">
-                    <a:lumMod val="75000"/>
-                  </a:schemeClr>
-                </a:solidFill>
-              </a:rPr>
-              <a:t>func</a:t>
-            </a:r>
-            <a:r>
-              <a:rPr lang="fr-FR" sz="1700" dirty="0">
-                <a:solidFill>
-                  <a:schemeClr val="accent1">
-                    <a:lumMod val="75000"/>
-                  </a:schemeClr>
-                </a:solidFill>
-              </a:rPr>
-              <a:t> </a:t>
-            </a:r>
-            <a:r>
-              <a:rPr lang="fr-FR" sz="1700" dirty="0">
-                <a:solidFill>
-                  <a:schemeClr val="accent6">
-                    <a:lumMod val="75000"/>
-                  </a:schemeClr>
-                </a:solidFill>
-              </a:rPr>
-              <a:t>incorrectExpressionError</a:t>
-            </a:r>
-            <a:r>
-              <a:rPr lang="fr-FR" sz="1700" dirty="0">
-                <a:solidFill>
-                  <a:schemeClr val="bg1"/>
-                </a:solidFill>
-              </a:rPr>
-              <a:t>()</a:t>
-            </a:r>
-          </a:p>
-          <a:p>
-            <a:r>
-              <a:rPr lang="fr-FR" sz="1700" b="1" dirty="0">
-                <a:solidFill>
-                  <a:schemeClr val="accent1">
-                    <a:lumMod val="75000"/>
-                  </a:schemeClr>
-                </a:solidFill>
-              </a:rPr>
-              <a:t>private</a:t>
-            </a:r>
-            <a:r>
-              <a:rPr lang="fr-FR" sz="1700" dirty="0">
-                <a:solidFill>
-                  <a:schemeClr val="accent1">
-                    <a:lumMod val="75000"/>
-                  </a:schemeClr>
-                </a:solidFill>
-              </a:rPr>
-              <a:t> </a:t>
-            </a:r>
-            <a:r>
-              <a:rPr lang="fr-FR" sz="1700" b="1" dirty="0">
-                <a:solidFill>
-                  <a:schemeClr val="accent1">
-                    <a:lumMod val="75000"/>
-                  </a:schemeClr>
-                </a:solidFill>
-              </a:rPr>
-              <a:t>func</a:t>
-            </a:r>
-            <a:r>
-              <a:rPr lang="fr-FR" sz="1700" dirty="0">
-                <a:solidFill>
-                  <a:schemeClr val="accent1">
-                    <a:lumMod val="75000"/>
-                  </a:schemeClr>
-                </a:solidFill>
-              </a:rPr>
-              <a:t> </a:t>
-            </a:r>
-            <a:r>
-              <a:rPr lang="fr-FR" sz="1700" dirty="0">
-                <a:solidFill>
-                  <a:schemeClr val="accent6">
-                    <a:lumMod val="75000"/>
-                  </a:schemeClr>
-                </a:solidFill>
-              </a:rPr>
-              <a:t>notEnoughElementsError</a:t>
-            </a:r>
-            <a:r>
-              <a:rPr lang="fr-FR" sz="1700" dirty="0">
-                <a:solidFill>
-                  <a:schemeClr val="bg1"/>
-                </a:solidFill>
-              </a:rPr>
-              <a:t>()</a:t>
-            </a:r>
-          </a:p>
-          <a:p>
-            <a:r>
-              <a:rPr lang="fr-FR" sz="1700" b="1" dirty="0">
-                <a:solidFill>
-                  <a:schemeClr val="accent1">
-                    <a:lumMod val="75000"/>
-                  </a:schemeClr>
-                </a:solidFill>
-              </a:rPr>
-              <a:t>private</a:t>
-            </a:r>
-            <a:r>
-              <a:rPr lang="fr-FR" sz="1700" dirty="0">
-                <a:solidFill>
-                  <a:schemeClr val="accent1">
-                    <a:lumMod val="75000"/>
-                  </a:schemeClr>
-                </a:solidFill>
-              </a:rPr>
-              <a:t> </a:t>
-            </a:r>
-            <a:r>
-              <a:rPr lang="fr-FR" sz="1700" b="1" dirty="0">
-                <a:solidFill>
-                  <a:schemeClr val="accent1">
-                    <a:lumMod val="75000"/>
-                  </a:schemeClr>
-                </a:solidFill>
-              </a:rPr>
-              <a:t>func</a:t>
-            </a:r>
-            <a:r>
-              <a:rPr lang="fr-FR" sz="1700" dirty="0">
-                <a:solidFill>
-                  <a:schemeClr val="accent1">
-                    <a:lumMod val="75000"/>
-                  </a:schemeClr>
-                </a:solidFill>
-              </a:rPr>
-              <a:t> </a:t>
-            </a:r>
-            <a:r>
-              <a:rPr lang="fr-FR" sz="1700" dirty="0">
-                <a:solidFill>
-                  <a:schemeClr val="accent6">
-                    <a:lumMod val="75000"/>
-                  </a:schemeClr>
-                </a:solidFill>
-              </a:rPr>
-              <a:t>unknownOperandError</a:t>
-            </a:r>
-            <a:r>
-              <a:rPr lang="fr-FR" sz="1700" dirty="0">
-                <a:solidFill>
-                  <a:schemeClr val="bg1"/>
-                </a:solidFill>
-              </a:rPr>
-              <a:t>()</a:t>
-            </a:r>
-          </a:p>
-          <a:p>
-            <a:r>
-              <a:rPr lang="fr-FR" sz="1700" b="1" dirty="0">
-                <a:solidFill>
-                  <a:schemeClr val="accent1">
-                    <a:lumMod val="75000"/>
-                  </a:schemeClr>
-                </a:solidFill>
-              </a:rPr>
-              <a:t>private</a:t>
-            </a:r>
-            <a:r>
-              <a:rPr lang="fr-FR" sz="1700" dirty="0">
-                <a:solidFill>
-                  <a:schemeClr val="accent1">
-                    <a:lumMod val="75000"/>
-                  </a:schemeClr>
-                </a:solidFill>
-              </a:rPr>
-              <a:t> </a:t>
-            </a:r>
-            <a:r>
-              <a:rPr lang="fr-FR" sz="1700" b="1" dirty="0">
-                <a:solidFill>
-                  <a:schemeClr val="accent1">
-                    <a:lumMod val="75000"/>
-                  </a:schemeClr>
-                </a:solidFill>
-              </a:rPr>
-              <a:t>func</a:t>
-            </a:r>
-            <a:r>
-              <a:rPr lang="fr-FR" sz="1700" dirty="0">
-                <a:solidFill>
-                  <a:schemeClr val="accent1">
-                    <a:lumMod val="75000"/>
-                  </a:schemeClr>
-                </a:solidFill>
-              </a:rPr>
-              <a:t> </a:t>
-            </a:r>
-            <a:r>
-              <a:rPr lang="fr-FR" sz="1700" dirty="0">
-                <a:solidFill>
-                  <a:schemeClr val="accent6">
-                    <a:lumMod val="75000"/>
-                  </a:schemeClr>
-                </a:solidFill>
-              </a:rPr>
-              <a:t>operandAlreadySetError</a:t>
-            </a:r>
-            <a:r>
-              <a:rPr lang="fr-FR" sz="1700" dirty="0">
-                <a:solidFill>
-                  <a:schemeClr val="bg1"/>
-                </a:solidFill>
-              </a:rPr>
-              <a:t>()</a:t>
-            </a:r>
-          </a:p>
-          <a:p>
-            <a:r>
-              <a:rPr lang="fr-FR" sz="1700" b="1" dirty="0">
-                <a:solidFill>
-                  <a:schemeClr val="accent1">
-                    <a:lumMod val="75000"/>
-                  </a:schemeClr>
-                </a:solidFill>
-              </a:rPr>
-              <a:t>private</a:t>
-            </a:r>
-            <a:r>
-              <a:rPr lang="fr-FR" sz="1700" dirty="0">
-                <a:solidFill>
-                  <a:schemeClr val="accent1">
-                    <a:lumMod val="75000"/>
-                  </a:schemeClr>
-                </a:solidFill>
-              </a:rPr>
-              <a:t> </a:t>
-            </a:r>
-            <a:r>
-              <a:rPr lang="fr-FR" sz="1700" b="1" dirty="0">
-                <a:solidFill>
-                  <a:schemeClr val="accent1">
-                    <a:lumMod val="75000"/>
-                  </a:schemeClr>
-                </a:solidFill>
-              </a:rPr>
-              <a:t>func</a:t>
-            </a:r>
-            <a:r>
-              <a:rPr lang="fr-FR" sz="1700" dirty="0">
-                <a:solidFill>
-                  <a:schemeClr val="accent1">
-                    <a:lumMod val="75000"/>
-                  </a:schemeClr>
-                </a:solidFill>
-              </a:rPr>
-              <a:t> </a:t>
-            </a:r>
-            <a:r>
-              <a:rPr lang="fr-FR" sz="1700" dirty="0">
-                <a:solidFill>
-                  <a:schemeClr val="accent6">
-                    <a:lumMod val="75000"/>
-                  </a:schemeClr>
-                </a:solidFill>
-              </a:rPr>
-              <a:t>dividedBy0Error</a:t>
-            </a:r>
-            <a:r>
-              <a:rPr lang="fr-FR" sz="1700" dirty="0">
-                <a:solidFill>
-                  <a:schemeClr val="bg1"/>
-                </a:solidFill>
-              </a:rPr>
-              <a:t>()</a:t>
-            </a:r>
-          </a:p>
-          <a:p>
-            <a:r>
-              <a:rPr lang="fr-FR" sz="1700" b="1" dirty="0">
-                <a:solidFill>
-                  <a:schemeClr val="accent1">
-                    <a:lumMod val="75000"/>
-                  </a:schemeClr>
-                </a:solidFill>
-              </a:rPr>
-              <a:t>private</a:t>
-            </a:r>
-            <a:r>
-              <a:rPr lang="fr-FR" sz="1700" dirty="0">
-                <a:solidFill>
-                  <a:schemeClr val="accent1">
-                    <a:lumMod val="75000"/>
-                  </a:schemeClr>
-                </a:solidFill>
-              </a:rPr>
-              <a:t> </a:t>
-            </a:r>
-            <a:r>
-              <a:rPr lang="fr-FR" sz="1700" b="1" dirty="0">
-                <a:solidFill>
-                  <a:schemeClr val="accent1">
-                    <a:lumMod val="75000"/>
-                  </a:schemeClr>
-                </a:solidFill>
-              </a:rPr>
-              <a:t>func</a:t>
-            </a:r>
-            <a:r>
-              <a:rPr lang="fr-FR" sz="1700" dirty="0">
-                <a:solidFill>
-                  <a:schemeClr val="accent1">
-                    <a:lumMod val="75000"/>
-                  </a:schemeClr>
-                </a:solidFill>
-              </a:rPr>
-              <a:t> </a:t>
-            </a:r>
-            <a:r>
-              <a:rPr lang="fr-FR" sz="1700" dirty="0">
-                <a:solidFill>
-                  <a:schemeClr val="accent6">
-                    <a:lumMod val="75000"/>
-                  </a:schemeClr>
-                </a:solidFill>
-              </a:rPr>
-              <a:t>doubleCommaError</a:t>
-            </a:r>
-            <a:r>
-              <a:rPr lang="fr-FR" sz="1700" dirty="0">
-                <a:solidFill>
-                  <a:schemeClr val="bg1"/>
-                </a:solidFill>
-              </a:rPr>
-              <a:t>()</a:t>
-            </a:r>
-          </a:p>
-          <a:p>
-            <a:endParaRPr lang="fr-FR" sz="1700" dirty="0">
-              <a:solidFill>
-                <a:schemeClr val="bg1"/>
-              </a:solidFill>
-            </a:endParaRPr>
-          </a:p>
-          <a:p>
-            <a:endParaRPr lang="fr-FR" sz="1700" dirty="0">
-              <a:solidFill>
-                <a:schemeClr val="bg1"/>
-              </a:solidFill>
-            </a:endParaRPr>
-          </a:p>
-          <a:p>
-            <a:endParaRPr lang="fr-FR" sz="1400" dirty="0">
-              <a:solidFill>
-                <a:schemeClr val="bg1"/>
-              </a:solidFill>
-            </a:endParaRPr>
-          </a:p>
-          <a:p>
-            <a:endParaRPr lang="fr-FR" sz="1400" dirty="0">
-              <a:solidFill>
-                <a:schemeClr val="bg1"/>
-              </a:solidFill>
-            </a:endParaRPr>
-          </a:p>
-          <a:p>
-            <a:endParaRPr lang="fr-FR" sz="1400" dirty="0">
-              <a:solidFill>
-                <a:schemeClr val="bg1"/>
-              </a:solidFill>
-            </a:endParaRPr>
-          </a:p>
-          <a:p>
-            <a:endParaRPr lang="fr-FR" sz="1400" dirty="0">
-              <a:solidFill>
-                <a:schemeClr val="bg1"/>
-              </a:solidFill>
-            </a:endParaRPr>
-          </a:p>
-          <a:p>
-            <a:endParaRPr lang="fr-FR" sz="1400" dirty="0">
-              <a:solidFill>
-                <a:schemeClr val="bg1"/>
-              </a:solidFill>
-            </a:endParaRPr>
-          </a:p>
-          <a:p>
-            <a:endParaRPr lang="fr-FR" dirty="0"/>
-          </a:p>
-        </p:txBody>
-      </p:sp>
+        <p:style>
+          <a:lnRef idx="1">
+            <a:schemeClr val="dk1"/>
+          </a:lnRef>
+          <a:fillRef idx="0">
+            <a:schemeClr val="dk1"/>
+          </a:fillRef>
+          <a:effectRef idx="0">
+            <a:schemeClr val="dk1"/>
+          </a:effectRef>
+          <a:fontRef idx="minor">
+            <a:schemeClr val="tx1"/>
+          </a:fontRef>
+        </p:style>
+      </p:cxnSp>
     </p:spTree>
     <p:extLst>
       <p:ext uri="{BB962C8B-B14F-4D97-AF65-F5344CB8AC3E}">
@@ -12196,6 +14929,1088 @@
           </a:p>
         </p:txBody>
       </p:sp>
+      <p:sp>
+        <p:nvSpPr>
+          <p:cNvPr id="5" name="Rectangle 4">
+            <a:extLst>
+              <a:ext uri="{FF2B5EF4-FFF2-40B4-BE49-F238E27FC236}">
+                <a16:creationId xmlns:a16="http://schemas.microsoft.com/office/drawing/2014/main" id="{149D8110-DEF2-AD4E-BB5C-C88AC6859AA0}"/>
+              </a:ext>
+            </a:extLst>
+          </p:cNvPr>
+          <p:cNvSpPr/>
+          <p:nvPr/>
+        </p:nvSpPr>
+        <p:spPr>
+          <a:xfrm>
+            <a:off x="-55487" y="1983105"/>
+            <a:ext cx="12275229" cy="4890982"/>
+          </a:xfrm>
+          <a:prstGeom prst="rect">
+            <a:avLst/>
+          </a:prstGeom>
+          <a:solidFill>
+            <a:schemeClr val="tx1">
+              <a:lumMod val="85000"/>
+              <a:lumOff val="15000"/>
+            </a:schemeClr>
+          </a:solidFill>
+          <a:ln>
+            <a:noFill/>
+          </a:ln>
+        </p:spPr>
+        <p:style>
+          <a:lnRef idx="2">
+            <a:schemeClr val="accent1">
+              <a:shade val="50000"/>
+            </a:schemeClr>
+          </a:lnRef>
+          <a:fillRef idx="1">
+            <a:schemeClr val="accent1"/>
+          </a:fillRef>
+          <a:effectRef idx="0">
+            <a:schemeClr val="accent1"/>
+          </a:effectRef>
+          <a:fontRef idx="minor">
+            <a:schemeClr val="lt1"/>
+          </a:fontRef>
+        </p:style>
+        <p:txBody>
+          <a:bodyPr rtlCol="0" anchor="ctr"/>
+          <a:lstStyle/>
+          <a:p>
+            <a:pPr algn="ctr"/>
+            <a:endParaRPr lang="fr-FR" dirty="0"/>
+          </a:p>
+        </p:txBody>
+      </p:sp>
+      <p:sp>
+        <p:nvSpPr>
+          <p:cNvPr id="6" name="ZoneTexte 5">
+            <a:extLst>
+              <a:ext uri="{FF2B5EF4-FFF2-40B4-BE49-F238E27FC236}">
+                <a16:creationId xmlns:a16="http://schemas.microsoft.com/office/drawing/2014/main" id="{0393D5F0-36B8-6542-BDEE-575250DDE686}"/>
+              </a:ext>
+            </a:extLst>
+          </p:cNvPr>
+          <p:cNvSpPr txBox="1"/>
+          <p:nvPr/>
+        </p:nvSpPr>
+        <p:spPr>
+          <a:xfrm>
+            <a:off x="2235064" y="2041126"/>
+            <a:ext cx="1146404" cy="369332"/>
+          </a:xfrm>
+          <a:prstGeom prst="rect">
+            <a:avLst/>
+          </a:prstGeom>
+          <a:noFill/>
+        </p:spPr>
+        <p:txBody>
+          <a:bodyPr wrap="none" rtlCol="0">
+            <a:spAutoFit/>
+          </a:bodyPr>
+          <a:lstStyle/>
+          <a:p>
+            <a:r>
+              <a:rPr lang="fr-FR" dirty="0">
+                <a:solidFill>
+                  <a:schemeClr val="bg1"/>
+                </a:solidFill>
+              </a:rPr>
+              <a:t>Variables</a:t>
+            </a:r>
+          </a:p>
+        </p:txBody>
+      </p:sp>
+      <p:sp>
+        <p:nvSpPr>
+          <p:cNvPr id="7" name="ZoneTexte 6">
+            <a:extLst>
+              <a:ext uri="{FF2B5EF4-FFF2-40B4-BE49-F238E27FC236}">
+                <a16:creationId xmlns:a16="http://schemas.microsoft.com/office/drawing/2014/main" id="{91B8A81A-97B7-9E41-8A75-FFC17AE60C81}"/>
+              </a:ext>
+            </a:extLst>
+          </p:cNvPr>
+          <p:cNvSpPr txBox="1"/>
+          <p:nvPr/>
+        </p:nvSpPr>
+        <p:spPr>
+          <a:xfrm>
+            <a:off x="8752567" y="2043140"/>
+            <a:ext cx="1204369" cy="369332"/>
+          </a:xfrm>
+          <a:prstGeom prst="rect">
+            <a:avLst/>
+          </a:prstGeom>
+          <a:noFill/>
+        </p:spPr>
+        <p:txBody>
+          <a:bodyPr wrap="none" rtlCol="0">
+            <a:spAutoFit/>
+          </a:bodyPr>
+          <a:lstStyle/>
+          <a:p>
+            <a:r>
+              <a:rPr lang="fr-FR" dirty="0">
+                <a:solidFill>
+                  <a:schemeClr val="bg1"/>
+                </a:solidFill>
+              </a:rPr>
+              <a:t>Fonctions</a:t>
+            </a:r>
+          </a:p>
+        </p:txBody>
+      </p:sp>
+      <p:sp>
+        <p:nvSpPr>
+          <p:cNvPr id="8" name="ZoneTexte 7">
+            <a:extLst>
+              <a:ext uri="{FF2B5EF4-FFF2-40B4-BE49-F238E27FC236}">
+                <a16:creationId xmlns:a16="http://schemas.microsoft.com/office/drawing/2014/main" id="{5B3122C1-820A-8B48-9AE9-4F14E2CA427F}"/>
+              </a:ext>
+            </a:extLst>
+          </p:cNvPr>
+          <p:cNvSpPr txBox="1"/>
+          <p:nvPr/>
+        </p:nvSpPr>
+        <p:spPr>
+          <a:xfrm>
+            <a:off x="807412" y="3177387"/>
+            <a:ext cx="4260715" cy="2031325"/>
+          </a:xfrm>
+          <a:prstGeom prst="rect">
+            <a:avLst/>
+          </a:prstGeom>
+          <a:noFill/>
+        </p:spPr>
+        <p:txBody>
+          <a:bodyPr wrap="square" rtlCol="0">
+            <a:spAutoFit/>
+          </a:bodyPr>
+          <a:lstStyle/>
+          <a:p>
+            <a:r>
+              <a:rPr lang="fr-FR" sz="1400" dirty="0">
+                <a:solidFill>
+                  <a:schemeClr val="bg1"/>
+                </a:solidFill>
+              </a:rPr>
+              <a:t>    </a:t>
+            </a:r>
+            <a:r>
+              <a:rPr lang="fr-FR" sz="1400" b="1" dirty="0">
+                <a:solidFill>
+                  <a:srgbClr val="E72958"/>
+                </a:solidFill>
+              </a:rPr>
+              <a:t>var</a:t>
+            </a:r>
+            <a:r>
+              <a:rPr lang="fr-FR" sz="1400" dirty="0">
+                <a:solidFill>
+                  <a:schemeClr val="bg1"/>
+                </a:solidFill>
+              </a:rPr>
+              <a:t> </a:t>
+            </a:r>
+            <a:r>
+              <a:rPr lang="fr-FR" sz="1400" dirty="0">
+                <a:solidFill>
+                  <a:srgbClr val="0070C0"/>
+                </a:solidFill>
+              </a:rPr>
+              <a:t>number</a:t>
+            </a:r>
+            <a:r>
+              <a:rPr lang="fr-FR" sz="1400" dirty="0">
+                <a:solidFill>
+                  <a:schemeClr val="bg1"/>
+                </a:solidFill>
+              </a:rPr>
+              <a:t> =  </a:t>
+            </a:r>
+            <a:r>
+              <a:rPr lang="fr-FR" sz="1400" dirty="0">
+                <a:solidFill>
+                  <a:schemeClr val="accent4">
+                    <a:lumMod val="75000"/>
+                  </a:schemeClr>
+                </a:solidFill>
+              </a:rPr>
+              <a:t>’’’’</a:t>
+            </a:r>
+          </a:p>
+          <a:p>
+            <a:endParaRPr lang="fr-FR" sz="1400" dirty="0">
+              <a:solidFill>
+                <a:schemeClr val="bg1"/>
+              </a:solidFill>
+            </a:endParaRPr>
+          </a:p>
+          <a:p>
+            <a:r>
+              <a:rPr lang="fr-FR" sz="1400" dirty="0">
+                <a:solidFill>
+                  <a:schemeClr val="bg1"/>
+                </a:solidFill>
+              </a:rPr>
+              <a:t>    </a:t>
+            </a:r>
+            <a:r>
+              <a:rPr lang="fr-FR" sz="1400" b="1" dirty="0">
+                <a:solidFill>
+                  <a:srgbClr val="E72958"/>
+                </a:solidFill>
+              </a:rPr>
+              <a:t>var</a:t>
+            </a:r>
+            <a:r>
+              <a:rPr lang="fr-FR" sz="1400" dirty="0">
+                <a:solidFill>
+                  <a:schemeClr val="bg1"/>
+                </a:solidFill>
+              </a:rPr>
+              <a:t> </a:t>
+            </a:r>
+            <a:r>
+              <a:rPr lang="fr-FR" sz="1400" dirty="0">
+                <a:solidFill>
+                  <a:srgbClr val="0070C0"/>
+                </a:solidFill>
+              </a:rPr>
+              <a:t>elements</a:t>
+            </a:r>
+            <a:r>
+              <a:rPr lang="fr-FR" sz="1400" dirty="0">
+                <a:solidFill>
+                  <a:schemeClr val="bg1"/>
+                </a:solidFill>
+              </a:rPr>
+              <a:t>: [</a:t>
+            </a:r>
+            <a:r>
+              <a:rPr lang="fr-FR" sz="1400" dirty="0">
+                <a:solidFill>
+                  <a:srgbClr val="FF85FF"/>
+                </a:solidFill>
+              </a:rPr>
+              <a:t>String</a:t>
+            </a:r>
+            <a:r>
+              <a:rPr lang="fr-FR" sz="1400" dirty="0">
+                <a:solidFill>
+                  <a:schemeClr val="bg1"/>
+                </a:solidFill>
+              </a:rPr>
+              <a:t>]</a:t>
+            </a:r>
+            <a:br>
+              <a:rPr lang="fr-FR" sz="1400" dirty="0">
+                <a:solidFill>
+                  <a:schemeClr val="bg1"/>
+                </a:solidFill>
+              </a:rPr>
+            </a:br>
+            <a:endParaRPr lang="fr-FR" sz="1400" dirty="0">
+              <a:solidFill>
+                <a:schemeClr val="bg1"/>
+              </a:solidFill>
+            </a:endParaRPr>
+          </a:p>
+          <a:p>
+            <a:r>
+              <a:rPr lang="fr-FR" sz="1400" dirty="0">
+                <a:solidFill>
+                  <a:schemeClr val="bg1"/>
+                </a:solidFill>
+              </a:rPr>
+              <a:t>    </a:t>
+            </a:r>
+            <a:r>
+              <a:rPr lang="fr-FR" sz="1400" b="1" dirty="0">
+                <a:solidFill>
+                  <a:srgbClr val="E72958"/>
+                </a:solidFill>
+              </a:rPr>
+              <a:t>var</a:t>
+            </a:r>
+            <a:r>
+              <a:rPr lang="fr-FR" sz="1400" dirty="0">
+                <a:solidFill>
+                  <a:schemeClr val="bg1"/>
+                </a:solidFill>
+              </a:rPr>
+              <a:t> </a:t>
+            </a:r>
+            <a:r>
+              <a:rPr lang="fr-FR" sz="1400" dirty="0">
+                <a:solidFill>
+                  <a:srgbClr val="0070C0"/>
+                </a:solidFill>
+              </a:rPr>
+              <a:t>expressionIsCorrect</a:t>
+            </a:r>
+            <a:r>
+              <a:rPr lang="fr-FR" sz="1400" dirty="0">
+                <a:solidFill>
+                  <a:schemeClr val="bg1"/>
+                </a:solidFill>
+              </a:rPr>
+              <a:t>: </a:t>
+            </a:r>
+            <a:r>
+              <a:rPr lang="fr-FR" sz="1400" dirty="0">
+                <a:solidFill>
+                  <a:srgbClr val="FF85FF"/>
+                </a:solidFill>
+              </a:rPr>
+              <a:t>Bool</a:t>
+            </a:r>
+            <a:br>
+              <a:rPr lang="fr-FR" sz="1400" dirty="0">
+                <a:solidFill>
+                  <a:schemeClr val="bg1"/>
+                </a:solidFill>
+              </a:rPr>
+            </a:br>
+            <a:endParaRPr lang="fr-FR" sz="1400" dirty="0">
+              <a:solidFill>
+                <a:schemeClr val="bg1"/>
+              </a:solidFill>
+            </a:endParaRPr>
+          </a:p>
+          <a:p>
+            <a:r>
+              <a:rPr lang="fr-FR" sz="1400" dirty="0">
+                <a:solidFill>
+                  <a:schemeClr val="bg1"/>
+                </a:solidFill>
+              </a:rPr>
+              <a:t>    </a:t>
+            </a:r>
+            <a:r>
+              <a:rPr lang="fr-FR" sz="1400" b="1" dirty="0">
+                <a:solidFill>
+                  <a:srgbClr val="E72958"/>
+                </a:solidFill>
+              </a:rPr>
+              <a:t>var</a:t>
+            </a:r>
+            <a:r>
+              <a:rPr lang="fr-FR" sz="1400" dirty="0">
+                <a:solidFill>
+                  <a:schemeClr val="bg1"/>
+                </a:solidFill>
+              </a:rPr>
+              <a:t> </a:t>
+            </a:r>
+            <a:r>
+              <a:rPr lang="fr-FR" sz="1400" dirty="0">
+                <a:solidFill>
+                  <a:srgbClr val="0070C0"/>
+                </a:solidFill>
+              </a:rPr>
+              <a:t>expressionHaveEnoughElement</a:t>
+            </a:r>
+            <a:r>
+              <a:rPr lang="fr-FR" sz="1400" dirty="0">
+                <a:solidFill>
+                  <a:schemeClr val="bg1"/>
+                </a:solidFill>
+              </a:rPr>
+              <a:t>: </a:t>
+            </a:r>
+            <a:r>
+              <a:rPr lang="fr-FR" sz="1400" dirty="0">
+                <a:solidFill>
+                  <a:srgbClr val="FF85FF"/>
+                </a:solidFill>
+              </a:rPr>
+              <a:t>Bool</a:t>
+            </a:r>
+            <a:br>
+              <a:rPr lang="fr-FR" sz="1400" dirty="0">
+                <a:solidFill>
+                  <a:schemeClr val="bg1"/>
+                </a:solidFill>
+              </a:rPr>
+            </a:br>
+            <a:endParaRPr lang="fr-FR" sz="1400" dirty="0">
+              <a:solidFill>
+                <a:schemeClr val="bg1"/>
+              </a:solidFill>
+            </a:endParaRPr>
+          </a:p>
+          <a:p>
+            <a:r>
+              <a:rPr lang="fr-FR" sz="1400" dirty="0">
+                <a:solidFill>
+                  <a:schemeClr val="bg1"/>
+                </a:solidFill>
+              </a:rPr>
+              <a:t>    </a:t>
+            </a:r>
+            <a:r>
+              <a:rPr lang="fr-FR" sz="1400" b="1" dirty="0">
+                <a:solidFill>
+                  <a:srgbClr val="E72958"/>
+                </a:solidFill>
+              </a:rPr>
+              <a:t>var</a:t>
+            </a:r>
+            <a:r>
+              <a:rPr lang="fr-FR" sz="1400" dirty="0">
+                <a:solidFill>
+                  <a:schemeClr val="bg1"/>
+                </a:solidFill>
+              </a:rPr>
+              <a:t> </a:t>
+            </a:r>
+            <a:r>
+              <a:rPr lang="fr-FR" sz="1400" dirty="0">
+                <a:solidFill>
+                  <a:srgbClr val="0070C0"/>
+                </a:solidFill>
+              </a:rPr>
+              <a:t>exepressionAlreadyHaveComma</a:t>
+            </a:r>
+            <a:r>
+              <a:rPr lang="fr-FR" sz="1400" dirty="0">
+                <a:solidFill>
+                  <a:schemeClr val="bg1"/>
+                </a:solidFill>
+              </a:rPr>
+              <a:t>: </a:t>
+            </a:r>
+            <a:r>
+              <a:rPr lang="fr-FR" sz="1400" dirty="0">
+                <a:solidFill>
+                  <a:srgbClr val="FF85FF"/>
+                </a:solidFill>
+              </a:rPr>
+              <a:t>Bool</a:t>
+            </a:r>
+          </a:p>
+        </p:txBody>
+      </p:sp>
+      <p:sp>
+        <p:nvSpPr>
+          <p:cNvPr id="9" name="ZoneTexte 8">
+            <a:extLst>
+              <a:ext uri="{FF2B5EF4-FFF2-40B4-BE49-F238E27FC236}">
+                <a16:creationId xmlns:a16="http://schemas.microsoft.com/office/drawing/2014/main" id="{01C0876E-E9C0-124E-B7DE-939FF96CCC8D}"/>
+              </a:ext>
+            </a:extLst>
+          </p:cNvPr>
+          <p:cNvSpPr txBox="1"/>
+          <p:nvPr/>
+        </p:nvSpPr>
+        <p:spPr>
+          <a:xfrm>
+            <a:off x="7305473" y="3177387"/>
+            <a:ext cx="4283403" cy="4616648"/>
+          </a:xfrm>
+          <a:prstGeom prst="rect">
+            <a:avLst/>
+          </a:prstGeom>
+          <a:noFill/>
+        </p:spPr>
+        <p:txBody>
+          <a:bodyPr wrap="square" rtlCol="0">
+            <a:spAutoFit/>
+          </a:bodyPr>
+          <a:lstStyle/>
+          <a:p>
+            <a:r>
+              <a:rPr lang="fr-FR" sz="1400" b="1" dirty="0">
+                <a:solidFill>
+                  <a:srgbClr val="E72958"/>
+                </a:solidFill>
+              </a:rPr>
+              <a:t>func</a:t>
+            </a:r>
+            <a:r>
+              <a:rPr lang="fr-FR" sz="1400" dirty="0">
+                <a:solidFill>
+                  <a:schemeClr val="bg1"/>
+                </a:solidFill>
+              </a:rPr>
+              <a:t> </a:t>
+            </a:r>
+            <a:r>
+              <a:rPr lang="fr-FR" sz="1400" dirty="0">
+                <a:solidFill>
+                  <a:srgbClr val="0070C0"/>
+                </a:solidFill>
+              </a:rPr>
+              <a:t>calculateOperation</a:t>
+            </a:r>
+            <a:r>
+              <a:rPr lang="fr-FR" sz="1400" dirty="0">
+                <a:solidFill>
+                  <a:schemeClr val="bg1"/>
+                </a:solidFill>
+              </a:rPr>
+              <a:t>() -&gt; [</a:t>
+            </a:r>
+            <a:r>
+              <a:rPr lang="fr-FR" sz="1400" dirty="0">
+                <a:solidFill>
+                  <a:srgbClr val="FF85FF"/>
+                </a:solidFill>
+              </a:rPr>
+              <a:t>String</a:t>
+            </a:r>
+            <a:r>
+              <a:rPr lang="fr-FR" sz="1400" dirty="0">
+                <a:solidFill>
+                  <a:schemeClr val="bg1"/>
+                </a:solidFill>
+              </a:rPr>
+              <a:t>]?</a:t>
+            </a:r>
+          </a:p>
+          <a:p>
+            <a:endParaRPr lang="fr-FR" sz="1400" dirty="0">
+              <a:solidFill>
+                <a:schemeClr val="bg1"/>
+              </a:solidFill>
+            </a:endParaRPr>
+          </a:p>
+          <a:p>
+            <a:r>
+              <a:rPr lang="fr-FR" sz="1400" b="1" dirty="0">
+                <a:solidFill>
+                  <a:srgbClr val="E72958"/>
+                </a:solidFill>
+              </a:rPr>
+              <a:t>func</a:t>
+            </a:r>
+            <a:r>
+              <a:rPr lang="fr-FR" sz="1400" dirty="0">
+                <a:solidFill>
+                  <a:schemeClr val="bg1"/>
+                </a:solidFill>
+              </a:rPr>
+              <a:t> </a:t>
+            </a:r>
+            <a:r>
+              <a:rPr lang="fr-FR" sz="1400" dirty="0">
+                <a:solidFill>
+                  <a:srgbClr val="0070C0"/>
+                </a:solidFill>
+              </a:rPr>
+              <a:t>addNumber</a:t>
+            </a:r>
+            <a:r>
+              <a:rPr lang="fr-FR" sz="1400" dirty="0">
+                <a:solidFill>
+                  <a:schemeClr val="bg1"/>
+                </a:solidFill>
+              </a:rPr>
+              <a:t>(</a:t>
+            </a:r>
+            <a:r>
+              <a:rPr lang="fr-FR" sz="1400" dirty="0">
+                <a:solidFill>
+                  <a:srgbClr val="0070C0"/>
+                </a:solidFill>
+              </a:rPr>
+              <a:t>numberToAdd</a:t>
+            </a:r>
+            <a:r>
+              <a:rPr lang="fr-FR" sz="1400" dirty="0">
+                <a:solidFill>
+                  <a:schemeClr val="bg1"/>
+                </a:solidFill>
+              </a:rPr>
+              <a:t>: </a:t>
+            </a:r>
+            <a:r>
+              <a:rPr lang="fr-FR" sz="1400" dirty="0">
+                <a:solidFill>
+                  <a:srgbClr val="FF85FF"/>
+                </a:solidFill>
+              </a:rPr>
+              <a:t>String</a:t>
+            </a:r>
+            <a:r>
+              <a:rPr lang="fr-FR" sz="1400" dirty="0">
+                <a:solidFill>
+                  <a:schemeClr val="bg1"/>
+                </a:solidFill>
+              </a:rPr>
+              <a:t>)</a:t>
+            </a:r>
+          </a:p>
+          <a:p>
+            <a:endParaRPr lang="fr-FR" sz="1400" dirty="0">
+              <a:solidFill>
+                <a:schemeClr val="bg1"/>
+              </a:solidFill>
+            </a:endParaRPr>
+          </a:p>
+          <a:p>
+            <a:r>
+              <a:rPr lang="fr-FR" sz="1400" b="1" dirty="0">
+                <a:solidFill>
+                  <a:srgbClr val="E72958"/>
+                </a:solidFill>
+              </a:rPr>
+              <a:t>func</a:t>
+            </a:r>
+            <a:r>
+              <a:rPr lang="fr-FR" sz="1400" dirty="0">
+                <a:solidFill>
+                  <a:schemeClr val="bg1"/>
+                </a:solidFill>
+              </a:rPr>
+              <a:t> </a:t>
+            </a:r>
+            <a:r>
+              <a:rPr lang="fr-FR" sz="1400" dirty="0">
+                <a:solidFill>
+                  <a:srgbClr val="0070C0"/>
+                </a:solidFill>
+              </a:rPr>
+              <a:t>addOperand</a:t>
+            </a:r>
+            <a:r>
+              <a:rPr lang="fr-FR" sz="1400" dirty="0">
+                <a:solidFill>
+                  <a:schemeClr val="bg1"/>
+                </a:solidFill>
+              </a:rPr>
+              <a:t>(</a:t>
+            </a:r>
+            <a:r>
+              <a:rPr lang="fr-FR" sz="1400" dirty="0">
+                <a:solidFill>
+                  <a:srgbClr val="0070C0"/>
+                </a:solidFill>
+              </a:rPr>
+              <a:t>operand</a:t>
+            </a:r>
+            <a:r>
+              <a:rPr lang="fr-FR" sz="1400" dirty="0">
+                <a:solidFill>
+                  <a:schemeClr val="bg1"/>
+                </a:solidFill>
+              </a:rPr>
+              <a:t>: </a:t>
+            </a:r>
+            <a:r>
+              <a:rPr lang="fr-FR" sz="1400" dirty="0">
+                <a:solidFill>
+                  <a:srgbClr val="FF85FF"/>
+                </a:solidFill>
+              </a:rPr>
+              <a:t>String</a:t>
+            </a:r>
+            <a:r>
+              <a:rPr lang="fr-FR" sz="1400" dirty="0">
+                <a:solidFill>
+                  <a:schemeClr val="bg1"/>
+                </a:solidFill>
+              </a:rPr>
+              <a:t>)</a:t>
+            </a:r>
+          </a:p>
+          <a:p>
+            <a:endParaRPr lang="fr-FR" sz="1400" dirty="0">
+              <a:solidFill>
+                <a:schemeClr val="bg1"/>
+              </a:solidFill>
+            </a:endParaRPr>
+          </a:p>
+          <a:p>
+            <a:r>
+              <a:rPr lang="fr-FR" sz="1400" b="1" dirty="0">
+                <a:solidFill>
+                  <a:srgbClr val="E72958"/>
+                </a:solidFill>
+              </a:rPr>
+              <a:t>func</a:t>
+            </a:r>
+            <a:r>
+              <a:rPr lang="fr-FR" sz="1400" dirty="0">
+                <a:solidFill>
+                  <a:schemeClr val="bg1"/>
+                </a:solidFill>
+              </a:rPr>
+              <a:t> </a:t>
+            </a:r>
+            <a:r>
+              <a:rPr lang="fr-FR" sz="1400" dirty="0">
+                <a:solidFill>
+                  <a:srgbClr val="0070C0"/>
+                </a:solidFill>
+              </a:rPr>
+              <a:t>addComma</a:t>
+            </a:r>
+            <a:r>
+              <a:rPr lang="fr-FR" sz="1400" dirty="0">
+                <a:solidFill>
+                  <a:schemeClr val="bg1"/>
+                </a:solidFill>
+              </a:rPr>
+              <a:t>()</a:t>
+            </a:r>
+          </a:p>
+          <a:p>
+            <a:endParaRPr lang="fr-FR" sz="1400" dirty="0">
+              <a:solidFill>
+                <a:schemeClr val="bg1"/>
+              </a:solidFill>
+            </a:endParaRPr>
+          </a:p>
+          <a:p>
+            <a:r>
+              <a:rPr lang="fr-FR" sz="1400" b="1" dirty="0">
+                <a:solidFill>
+                  <a:srgbClr val="E72958"/>
+                </a:solidFill>
+              </a:rPr>
+              <a:t>private</a:t>
+            </a:r>
+            <a:r>
+              <a:rPr lang="fr-FR" sz="1400" dirty="0">
+                <a:solidFill>
+                  <a:srgbClr val="E72958"/>
+                </a:solidFill>
+              </a:rPr>
+              <a:t> </a:t>
+            </a:r>
+            <a:r>
+              <a:rPr lang="fr-FR" sz="1400" b="1" dirty="0">
+                <a:solidFill>
+                  <a:srgbClr val="E72958"/>
+                </a:solidFill>
+              </a:rPr>
+              <a:t>func</a:t>
+            </a:r>
+            <a:r>
+              <a:rPr lang="fr-FR" sz="1400" dirty="0">
+                <a:solidFill>
+                  <a:srgbClr val="E72958"/>
+                </a:solidFill>
+              </a:rPr>
+              <a:t> </a:t>
+            </a:r>
+            <a:r>
+              <a:rPr lang="fr-FR" sz="1400" dirty="0">
+                <a:solidFill>
+                  <a:srgbClr val="0070C0"/>
+                </a:solidFill>
+              </a:rPr>
+              <a:t>findPriority</a:t>
+            </a:r>
+            <a:r>
+              <a:rPr lang="fr-FR" sz="1400" dirty="0">
+                <a:solidFill>
+                  <a:schemeClr val="bg1"/>
+                </a:solidFill>
+              </a:rPr>
+              <a:t>(</a:t>
+            </a:r>
+            <a:r>
+              <a:rPr lang="fr-FR" sz="1400" dirty="0">
+                <a:solidFill>
+                  <a:srgbClr val="0070C0"/>
+                </a:solidFill>
+              </a:rPr>
+              <a:t>operation</a:t>
+            </a:r>
+            <a:r>
+              <a:rPr lang="fr-FR" sz="1400" dirty="0">
+                <a:solidFill>
+                  <a:schemeClr val="bg1"/>
+                </a:solidFill>
+              </a:rPr>
+              <a:t>: [</a:t>
+            </a:r>
+            <a:r>
+              <a:rPr lang="fr-FR" sz="1400" dirty="0">
+                <a:solidFill>
+                  <a:srgbClr val="FF85FF"/>
+                </a:solidFill>
+              </a:rPr>
+              <a:t>String</a:t>
+            </a:r>
+            <a:r>
+              <a:rPr lang="fr-FR" sz="1400" dirty="0">
+                <a:solidFill>
+                  <a:schemeClr val="bg1"/>
+                </a:solidFill>
+              </a:rPr>
+              <a:t>]) -&gt; </a:t>
+            </a:r>
+            <a:r>
+              <a:rPr lang="fr-FR" sz="1400" dirty="0">
+                <a:solidFill>
+                  <a:srgbClr val="FF85FF"/>
+                </a:solidFill>
+              </a:rPr>
+              <a:t>Int</a:t>
+            </a:r>
+          </a:p>
+          <a:p>
+            <a:endParaRPr lang="fr-FR" sz="1400" dirty="0">
+              <a:solidFill>
+                <a:schemeClr val="bg1"/>
+              </a:solidFill>
+            </a:endParaRPr>
+          </a:p>
+          <a:p>
+            <a:r>
+              <a:rPr lang="fr-FR" sz="1400" b="1" dirty="0">
+                <a:solidFill>
+                  <a:srgbClr val="E72958"/>
+                </a:solidFill>
+              </a:rPr>
+              <a:t>private</a:t>
+            </a:r>
+            <a:r>
+              <a:rPr lang="fr-FR" sz="1400" dirty="0">
+                <a:solidFill>
+                  <a:srgbClr val="E72958"/>
+                </a:solidFill>
+              </a:rPr>
+              <a:t> </a:t>
+            </a:r>
+            <a:r>
+              <a:rPr lang="fr-FR" sz="1400" b="1" dirty="0">
+                <a:solidFill>
+                  <a:srgbClr val="E72958"/>
+                </a:solidFill>
+              </a:rPr>
+              <a:t>func</a:t>
+            </a:r>
+            <a:r>
+              <a:rPr lang="fr-FR" sz="1400" dirty="0">
+                <a:solidFill>
+                  <a:srgbClr val="E72958"/>
+                </a:solidFill>
+              </a:rPr>
+              <a:t> </a:t>
+            </a:r>
+            <a:r>
+              <a:rPr lang="fr-FR" sz="1400" dirty="0">
+                <a:solidFill>
+                  <a:srgbClr val="0070C0"/>
+                </a:solidFill>
+              </a:rPr>
+              <a:t>isInteger</a:t>
+            </a:r>
+            <a:r>
+              <a:rPr lang="fr-FR" sz="1400" dirty="0">
+                <a:solidFill>
+                  <a:schemeClr val="bg1"/>
+                </a:solidFill>
+              </a:rPr>
+              <a:t>(</a:t>
+            </a:r>
+            <a:r>
+              <a:rPr lang="fr-FR" sz="1400" dirty="0">
+                <a:solidFill>
+                  <a:srgbClr val="0070C0"/>
+                </a:solidFill>
+              </a:rPr>
+              <a:t>number</a:t>
+            </a:r>
+            <a:r>
+              <a:rPr lang="fr-FR" sz="1400" dirty="0">
+                <a:solidFill>
+                  <a:schemeClr val="bg1"/>
+                </a:solidFill>
+              </a:rPr>
+              <a:t>: </a:t>
+            </a:r>
+            <a:r>
+              <a:rPr lang="fr-FR" sz="1400" dirty="0">
+                <a:solidFill>
+                  <a:srgbClr val="FF85FF"/>
+                </a:solidFill>
+              </a:rPr>
+              <a:t>Double</a:t>
+            </a:r>
+            <a:r>
+              <a:rPr lang="fr-FR" sz="1400" dirty="0">
+                <a:solidFill>
+                  <a:schemeClr val="bg1"/>
+                </a:solidFill>
+              </a:rPr>
+              <a:t>) -&gt; </a:t>
+            </a:r>
+            <a:r>
+              <a:rPr lang="fr-FR" sz="1400" b="1" dirty="0">
+                <a:solidFill>
+                  <a:srgbClr val="FF85FF"/>
+                </a:solidFill>
+              </a:rPr>
+              <a:t>Any</a:t>
+            </a:r>
+            <a:endParaRPr lang="fr-FR" sz="1400" dirty="0">
+              <a:solidFill>
+                <a:srgbClr val="FF85FF"/>
+              </a:solidFill>
+            </a:endParaRPr>
+          </a:p>
+          <a:p>
+            <a:endParaRPr lang="fr-FR" sz="1400" dirty="0">
+              <a:solidFill>
+                <a:schemeClr val="bg1"/>
+              </a:solidFill>
+            </a:endParaRPr>
+          </a:p>
+          <a:p>
+            <a:endParaRPr lang="fr-FR" sz="1400" dirty="0">
+              <a:solidFill>
+                <a:schemeClr val="bg1"/>
+              </a:solidFill>
+            </a:endParaRPr>
+          </a:p>
+          <a:p>
+            <a:endParaRPr lang="fr-FR" sz="1400" dirty="0">
+              <a:solidFill>
+                <a:schemeClr val="bg1"/>
+              </a:solidFill>
+            </a:endParaRPr>
+          </a:p>
+          <a:p>
+            <a:endParaRPr lang="fr-FR" sz="1400" dirty="0">
+              <a:solidFill>
+                <a:schemeClr val="bg1"/>
+              </a:solidFill>
+            </a:endParaRPr>
+          </a:p>
+          <a:p>
+            <a:endParaRPr lang="fr-FR" sz="1400" dirty="0">
+              <a:solidFill>
+                <a:schemeClr val="bg1"/>
+              </a:solidFill>
+            </a:endParaRPr>
+          </a:p>
+          <a:p>
+            <a:endParaRPr lang="fr-FR" sz="1400" dirty="0">
+              <a:solidFill>
+                <a:schemeClr val="bg1"/>
+              </a:solidFill>
+            </a:endParaRPr>
+          </a:p>
+          <a:p>
+            <a:endParaRPr lang="fr-FR" sz="1400" dirty="0">
+              <a:solidFill>
+                <a:schemeClr val="bg1"/>
+              </a:solidFill>
+            </a:endParaRPr>
+          </a:p>
+          <a:p>
+            <a:endParaRPr lang="fr-FR" sz="1400" dirty="0">
+              <a:solidFill>
+                <a:schemeClr val="bg1"/>
+              </a:solidFill>
+            </a:endParaRPr>
+          </a:p>
+          <a:p>
+            <a:endParaRPr lang="fr-FR" sz="1400" dirty="0">
+              <a:solidFill>
+                <a:schemeClr val="bg1"/>
+              </a:solidFill>
+            </a:endParaRPr>
+          </a:p>
+          <a:p>
+            <a:endParaRPr lang="fr-FR" sz="1400" dirty="0">
+              <a:solidFill>
+                <a:schemeClr val="bg1"/>
+              </a:solidFill>
+            </a:endParaRPr>
+          </a:p>
+        </p:txBody>
+      </p:sp>
+      <p:cxnSp>
+        <p:nvCxnSpPr>
+          <p:cNvPr id="10" name="Connecteur droit 9">
+            <a:extLst>
+              <a:ext uri="{FF2B5EF4-FFF2-40B4-BE49-F238E27FC236}">
+                <a16:creationId xmlns:a16="http://schemas.microsoft.com/office/drawing/2014/main" id="{F68D1153-8A11-8347-A7F5-7C219B09E015}"/>
+              </a:ext>
+            </a:extLst>
+          </p:cNvPr>
+          <p:cNvCxnSpPr/>
+          <p:nvPr/>
+        </p:nvCxnSpPr>
+        <p:spPr>
+          <a:xfrm>
+            <a:off x="5931026" y="2482087"/>
+            <a:ext cx="0" cy="4392000"/>
+          </a:xfrm>
+          <a:prstGeom prst="line">
+            <a:avLst/>
+          </a:prstGeom>
+          <a:ln>
+            <a:solidFill>
+              <a:schemeClr val="bg1"/>
+            </a:solidFill>
+          </a:ln>
+        </p:spPr>
+        <p:style>
+          <a:lnRef idx="1">
+            <a:schemeClr val="dk1"/>
+          </a:lnRef>
+          <a:fillRef idx="0">
+            <a:schemeClr val="dk1"/>
+          </a:fillRef>
+          <a:effectRef idx="0">
+            <a:schemeClr val="dk1"/>
+          </a:effectRef>
+          <a:fontRef idx="minor">
+            <a:schemeClr val="tx1"/>
+          </a:fontRef>
+        </p:style>
+      </p:cxnSp>
+      <p:cxnSp>
+        <p:nvCxnSpPr>
+          <p:cNvPr id="11" name="Connecteur droit 10">
+            <a:extLst>
+              <a:ext uri="{FF2B5EF4-FFF2-40B4-BE49-F238E27FC236}">
+                <a16:creationId xmlns:a16="http://schemas.microsoft.com/office/drawing/2014/main" id="{9A927E76-8069-144E-BB15-06F1E905F2EF}"/>
+              </a:ext>
+            </a:extLst>
+          </p:cNvPr>
+          <p:cNvCxnSpPr/>
+          <p:nvPr/>
+        </p:nvCxnSpPr>
+        <p:spPr>
+          <a:xfrm>
+            <a:off x="0" y="2468479"/>
+            <a:ext cx="12192000" cy="0"/>
+          </a:xfrm>
+          <a:prstGeom prst="line">
+            <a:avLst/>
+          </a:prstGeom>
+          <a:ln>
+            <a:solidFill>
+              <a:schemeClr val="bg1"/>
+            </a:solidFill>
+          </a:ln>
+        </p:spPr>
+        <p:style>
+          <a:lnRef idx="1">
+            <a:schemeClr val="dk1"/>
+          </a:lnRef>
+          <a:fillRef idx="0">
+            <a:schemeClr val="dk1"/>
+          </a:fillRef>
+          <a:effectRef idx="0">
+            <a:schemeClr val="dk1"/>
+          </a:effectRef>
+          <a:fontRef idx="minor">
+            <a:schemeClr val="tx1"/>
+          </a:fontRef>
+        </p:style>
+      </p:cxnSp>
     </p:spTree>
     <p:extLst>
       <p:ext uri="{BB962C8B-B14F-4D97-AF65-F5344CB8AC3E}">
@@ -12210,6 +16025,933 @@
 </file>
 
 <file path=ppt/slides/slide7.xml><?xml version="1.0" encoding="utf-8"?>
+<p:sld xmlns:a="http://schemas.openxmlformats.org/drawingml/2006/main" xmlns:r="http://schemas.openxmlformats.org/officeDocument/2006/relationships" xmlns:p="http://schemas.openxmlformats.org/presentationml/2006/main">
+  <p:cSld>
+    <p:spTree>
+      <p:nvGrpSpPr>
+        <p:cNvPr id="1" name=""/>
+        <p:cNvGrpSpPr/>
+        <p:nvPr/>
+      </p:nvGrpSpPr>
+      <p:grpSpPr>
+        <a:xfrm>
+          <a:off x="0" y="0"/>
+          <a:ext cx="0" cy="0"/>
+          <a:chOff x="0" y="0"/>
+          <a:chExt cx="0" cy="0"/>
+        </a:xfrm>
+      </p:grpSpPr>
+      <p:sp>
+        <p:nvSpPr>
+          <p:cNvPr id="2" name="Titre 1">
+            <a:extLst>
+              <a:ext uri="{FF2B5EF4-FFF2-40B4-BE49-F238E27FC236}">
+                <a16:creationId xmlns:a16="http://schemas.microsoft.com/office/drawing/2014/main" id="{8F16F5D8-A8D3-0D40-91F1-41C456CBA81E}"/>
+              </a:ext>
+            </a:extLst>
+          </p:cNvPr>
+          <p:cNvSpPr>
+            <a:spLocks noGrp="1"/>
+          </p:cNvSpPr>
+          <p:nvPr>
+            <p:ph type="title"/>
+          </p:nvPr>
+        </p:nvSpPr>
+        <p:spPr>
+          <a:xfrm>
+            <a:off x="0" y="-295912"/>
+            <a:ext cx="10515600" cy="1325563"/>
+          </a:xfrm>
+        </p:spPr>
+        <p:txBody>
+          <a:bodyPr/>
+          <a:lstStyle/>
+          <a:p>
+            <a:r>
+              <a:rPr lang="fr-FR" dirty="0"/>
+              <a:t>Architecture de l’application</a:t>
+            </a:r>
+          </a:p>
+        </p:txBody>
+      </p:sp>
+      <p:sp>
+        <p:nvSpPr>
+          <p:cNvPr id="4" name="Rectangle 3">
+            <a:extLst>
+              <a:ext uri="{FF2B5EF4-FFF2-40B4-BE49-F238E27FC236}">
+                <a16:creationId xmlns:a16="http://schemas.microsoft.com/office/drawing/2014/main" id="{46076612-70AA-EF40-B3D1-D55752EA2AC0}"/>
+              </a:ext>
+            </a:extLst>
+          </p:cNvPr>
+          <p:cNvSpPr/>
+          <p:nvPr/>
+        </p:nvSpPr>
+        <p:spPr>
+          <a:xfrm>
+            <a:off x="-55487" y="786384"/>
+            <a:ext cx="12275229" cy="6087703"/>
+          </a:xfrm>
+          <a:prstGeom prst="rect">
+            <a:avLst/>
+          </a:prstGeom>
+          <a:solidFill>
+            <a:schemeClr val="tx1">
+              <a:lumMod val="85000"/>
+              <a:lumOff val="15000"/>
+            </a:schemeClr>
+          </a:solidFill>
+          <a:ln>
+            <a:noFill/>
+          </a:ln>
+        </p:spPr>
+        <p:style>
+          <a:lnRef idx="2">
+            <a:schemeClr val="accent1">
+              <a:shade val="50000"/>
+            </a:schemeClr>
+          </a:lnRef>
+          <a:fillRef idx="1">
+            <a:schemeClr val="accent1"/>
+          </a:fillRef>
+          <a:effectRef idx="0">
+            <a:schemeClr val="accent1"/>
+          </a:effectRef>
+          <a:fontRef idx="minor">
+            <a:schemeClr val="lt1"/>
+          </a:fontRef>
+        </p:style>
+        <p:txBody>
+          <a:bodyPr rtlCol="0" anchor="ctr"/>
+          <a:lstStyle/>
+          <a:p>
+            <a:pPr algn="ctr"/>
+            <a:endParaRPr lang="fr-FR" dirty="0"/>
+          </a:p>
+        </p:txBody>
+      </p:sp>
+      <p:sp>
+        <p:nvSpPr>
+          <p:cNvPr id="5" name="ZoneTexte 4">
+            <a:extLst>
+              <a:ext uri="{FF2B5EF4-FFF2-40B4-BE49-F238E27FC236}">
+                <a16:creationId xmlns:a16="http://schemas.microsoft.com/office/drawing/2014/main" id="{0DACA96C-9BD1-714F-B5CB-6B3BDACC802D}"/>
+              </a:ext>
+            </a:extLst>
+          </p:cNvPr>
+          <p:cNvSpPr txBox="1"/>
+          <p:nvPr/>
+        </p:nvSpPr>
+        <p:spPr>
+          <a:xfrm>
+            <a:off x="6706411" y="454134"/>
+            <a:ext cx="2490523" cy="400110"/>
+          </a:xfrm>
+          <a:prstGeom prst="rect">
+            <a:avLst/>
+          </a:prstGeom>
+          <a:noFill/>
+        </p:spPr>
+        <p:txBody>
+          <a:bodyPr wrap="square" rtlCol="0">
+            <a:spAutoFit/>
+          </a:bodyPr>
+          <a:lstStyle/>
+          <a:p>
+            <a:r>
+              <a:rPr lang="fr-FR" sz="2000" dirty="0"/>
+              <a:t>Tests unitaires</a:t>
+            </a:r>
+          </a:p>
+        </p:txBody>
+      </p:sp>
+      <p:sp>
+        <p:nvSpPr>
+          <p:cNvPr id="6" name="ZoneTexte 5">
+            <a:extLst>
+              <a:ext uri="{FF2B5EF4-FFF2-40B4-BE49-F238E27FC236}">
+                <a16:creationId xmlns:a16="http://schemas.microsoft.com/office/drawing/2014/main" id="{CEEF74B0-453A-2441-9A63-337DFAC2A0FB}"/>
+              </a:ext>
+            </a:extLst>
+          </p:cNvPr>
+          <p:cNvSpPr txBox="1"/>
+          <p:nvPr/>
+        </p:nvSpPr>
+        <p:spPr>
+          <a:xfrm>
+            <a:off x="27742" y="888594"/>
+            <a:ext cx="12192000" cy="6355586"/>
+          </a:xfrm>
+          <a:prstGeom prst="rect">
+            <a:avLst/>
+          </a:prstGeom>
+          <a:noFill/>
+        </p:spPr>
+        <p:txBody>
+          <a:bodyPr wrap="square" rtlCol="0">
+            <a:spAutoFit/>
+          </a:bodyPr>
+          <a:lstStyle/>
+          <a:p>
+            <a:r>
+              <a:rPr lang="fr-FR" sz="1100" b="1" dirty="0">
+                <a:solidFill>
+                  <a:srgbClr val="FF85FF"/>
+                </a:solidFill>
+              </a:rPr>
+              <a:t>func</a:t>
+            </a:r>
+            <a:r>
+              <a:rPr lang="fr-FR" sz="1100" dirty="0">
+                <a:solidFill>
+                  <a:schemeClr val="bg1"/>
+                </a:solidFill>
+              </a:rPr>
+              <a:t> </a:t>
+            </a:r>
+            <a:r>
+              <a:rPr lang="fr-FR" sz="1100" dirty="0">
+                <a:solidFill>
+                  <a:srgbClr val="0070C0"/>
+                </a:solidFill>
+              </a:rPr>
+              <a:t>testGivenPlusAndMultiplication_WhenCalculateOperation_ThenMultiplicationCalculatedFirst</a:t>
+            </a:r>
+            <a:r>
+              <a:rPr lang="fr-FR" sz="1100" dirty="0">
+                <a:solidFill>
+                  <a:schemeClr val="bg1"/>
+                </a:solidFill>
+              </a:rPr>
+              <a:t>()</a:t>
+            </a:r>
+          </a:p>
+          <a:p>
+            <a:endParaRPr lang="fr-FR" sz="1100" dirty="0">
+              <a:solidFill>
+                <a:schemeClr val="bg1"/>
+              </a:solidFill>
+            </a:endParaRPr>
+          </a:p>
+          <a:p>
+            <a:r>
+              <a:rPr lang="fr-FR" sz="1100" b="1" dirty="0">
+                <a:solidFill>
+                  <a:srgbClr val="FF85FF"/>
+                </a:solidFill>
+              </a:rPr>
+              <a:t>func</a:t>
+            </a:r>
+            <a:r>
+              <a:rPr lang="fr-FR" sz="1100" dirty="0">
+                <a:solidFill>
+                  <a:schemeClr val="bg1"/>
+                </a:solidFill>
+              </a:rPr>
+              <a:t> </a:t>
+            </a:r>
+            <a:r>
+              <a:rPr lang="fr-FR" sz="1100" dirty="0">
+                <a:solidFill>
+                  <a:srgbClr val="0070C0"/>
+                </a:solidFill>
+              </a:rPr>
+              <a:t>testGivenPlusAndDivisionOperand_WhenCalculateOperation_ThenDivisionCalculatedFirst</a:t>
+            </a:r>
+            <a:r>
+              <a:rPr lang="fr-FR" sz="1100" dirty="0">
+                <a:solidFill>
+                  <a:schemeClr val="bg1"/>
+                </a:solidFill>
+              </a:rPr>
+              <a:t>()</a:t>
+            </a:r>
+          </a:p>
+          <a:p>
+            <a:endParaRPr lang="fr-FR" sz="1100" dirty="0">
+              <a:solidFill>
+                <a:schemeClr val="bg1"/>
+              </a:solidFill>
+            </a:endParaRPr>
+          </a:p>
+          <a:p>
+            <a:r>
+              <a:rPr lang="fr-FR" sz="1100" b="1" dirty="0">
+                <a:solidFill>
+                  <a:srgbClr val="FF85FF"/>
+                </a:solidFill>
+              </a:rPr>
+              <a:t>func</a:t>
+            </a:r>
+            <a:r>
+              <a:rPr lang="fr-FR" sz="1100" dirty="0">
+                <a:solidFill>
+                  <a:schemeClr val="bg1"/>
+                </a:solidFill>
+              </a:rPr>
+              <a:t> </a:t>
+            </a:r>
+            <a:r>
+              <a:rPr lang="fr-FR" sz="1100" dirty="0">
+                <a:solidFill>
+                  <a:srgbClr val="0070C0"/>
+                </a:solidFill>
+              </a:rPr>
+              <a:t>testGivenTwoPriorityPlusTwoNonPriorityOperand_WhenCalculateOperation_ThenCalculateInOrder</a:t>
+            </a:r>
+            <a:r>
+              <a:rPr lang="fr-FR" sz="1100" dirty="0">
+                <a:solidFill>
+                  <a:schemeClr val="bg1"/>
+                </a:solidFill>
+              </a:rPr>
+              <a:t>()</a:t>
+            </a:r>
+          </a:p>
+          <a:p>
+            <a:endParaRPr lang="fr-FR" sz="1100" dirty="0">
+              <a:solidFill>
+                <a:schemeClr val="bg1"/>
+              </a:solidFill>
+            </a:endParaRPr>
+          </a:p>
+          <a:p>
+            <a:r>
+              <a:rPr lang="fr-FR" sz="1100" b="1" dirty="0">
+                <a:solidFill>
+                  <a:srgbClr val="FF85FF"/>
+                </a:solidFill>
+              </a:rPr>
+              <a:t>func</a:t>
+            </a:r>
+            <a:r>
+              <a:rPr lang="fr-FR" sz="1100" dirty="0">
+                <a:solidFill>
+                  <a:schemeClr val="bg1"/>
+                </a:solidFill>
+              </a:rPr>
+              <a:t> </a:t>
+            </a:r>
+            <a:r>
+              <a:rPr lang="fr-FR" sz="1100" dirty="0">
+                <a:solidFill>
+                  <a:srgbClr val="0070C0"/>
+                </a:solidFill>
+              </a:rPr>
+              <a:t>testGivenCorrectExpression_WhenTestIfExpressionIsCorrect_ThenExpressionIsCorrect</a:t>
+            </a:r>
+            <a:r>
+              <a:rPr lang="fr-FR" sz="1100" dirty="0">
+                <a:solidFill>
+                  <a:schemeClr val="bg1"/>
+                </a:solidFill>
+              </a:rPr>
+              <a:t>()</a:t>
+            </a:r>
+          </a:p>
+          <a:p>
+            <a:endParaRPr lang="fr-FR" sz="1100" dirty="0">
+              <a:solidFill>
+                <a:schemeClr val="bg1"/>
+              </a:solidFill>
+            </a:endParaRPr>
+          </a:p>
+          <a:p>
+            <a:r>
+              <a:rPr lang="fr-FR" sz="1100" b="1" dirty="0">
+                <a:solidFill>
+                  <a:srgbClr val="FF85FF"/>
+                </a:solidFill>
+              </a:rPr>
+              <a:t>func</a:t>
+            </a:r>
+            <a:r>
+              <a:rPr lang="fr-FR" sz="1100" dirty="0">
+                <a:solidFill>
+                  <a:schemeClr val="bg1"/>
+                </a:solidFill>
+              </a:rPr>
+              <a:t> </a:t>
+            </a:r>
+            <a:r>
+              <a:rPr lang="fr-FR" sz="1100" dirty="0">
+                <a:solidFill>
+                  <a:srgbClr val="0070C0"/>
+                </a:solidFill>
+              </a:rPr>
+              <a:t>testGivenIncorrectExpression_WhenTestIfExpressionIsCorrect_ThenExpressionIsIncorrect</a:t>
+            </a:r>
+            <a:r>
+              <a:rPr lang="fr-FR" sz="1100" dirty="0">
+                <a:solidFill>
+                  <a:schemeClr val="bg1"/>
+                </a:solidFill>
+              </a:rPr>
+              <a:t>()</a:t>
+            </a:r>
+          </a:p>
+          <a:p>
+            <a:endParaRPr lang="fr-FR" sz="1100" dirty="0">
+              <a:solidFill>
+                <a:schemeClr val="bg1"/>
+              </a:solidFill>
+            </a:endParaRPr>
+          </a:p>
+          <a:p>
+            <a:r>
+              <a:rPr lang="fr-FR" sz="1100" b="1" dirty="0">
+                <a:solidFill>
+                  <a:srgbClr val="FF85FF"/>
+                </a:solidFill>
+              </a:rPr>
+              <a:t>func</a:t>
+            </a:r>
+            <a:r>
+              <a:rPr lang="fr-FR" sz="1100" dirty="0">
+                <a:solidFill>
+                  <a:schemeClr val="bg1"/>
+                </a:solidFill>
+              </a:rPr>
+              <a:t> </a:t>
+            </a:r>
+            <a:r>
+              <a:rPr lang="fr-FR" sz="1100" dirty="0">
+                <a:solidFill>
+                  <a:srgbClr val="0070C0"/>
+                </a:solidFill>
+              </a:rPr>
+              <a:t>testGivenCanAddAnOperator_WhenAddTheOperator_ThenOperatorIsAdded</a:t>
+            </a:r>
+            <a:r>
+              <a:rPr lang="fr-FR" sz="1100" dirty="0">
+                <a:solidFill>
+                  <a:schemeClr val="bg1"/>
+                </a:solidFill>
+              </a:rPr>
+              <a:t>()</a:t>
+            </a:r>
+          </a:p>
+          <a:p>
+            <a:endParaRPr lang="fr-FR" sz="1100" dirty="0">
+              <a:solidFill>
+                <a:schemeClr val="bg1"/>
+              </a:solidFill>
+            </a:endParaRPr>
+          </a:p>
+          <a:p>
+            <a:r>
+              <a:rPr lang="fr-FR" sz="1100" b="1" dirty="0">
+                <a:solidFill>
+                  <a:srgbClr val="FF85FF"/>
+                </a:solidFill>
+              </a:rPr>
+              <a:t>func</a:t>
+            </a:r>
+            <a:r>
+              <a:rPr lang="fr-FR" sz="1100" dirty="0">
+                <a:solidFill>
+                  <a:schemeClr val="bg1"/>
+                </a:solidFill>
+              </a:rPr>
+              <a:t> </a:t>
+            </a:r>
+            <a:r>
+              <a:rPr lang="fr-FR" sz="1100" dirty="0">
+                <a:solidFill>
+                  <a:srgbClr val="0070C0"/>
+                </a:solidFill>
+              </a:rPr>
+              <a:t>testGivenCantAddAnOperator_WhenAddTheOperator_ThenOperatorIsNotAdded</a:t>
+            </a:r>
+            <a:r>
+              <a:rPr lang="fr-FR" sz="1100" dirty="0">
+                <a:solidFill>
+                  <a:schemeClr val="bg1"/>
+                </a:solidFill>
+              </a:rPr>
+              <a:t>()</a:t>
+            </a:r>
+          </a:p>
+          <a:p>
+            <a:endParaRPr lang="fr-FR" sz="1100" dirty="0">
+              <a:solidFill>
+                <a:schemeClr val="bg1"/>
+              </a:solidFill>
+            </a:endParaRPr>
+          </a:p>
+          <a:p>
+            <a:r>
+              <a:rPr lang="fr-FR" sz="1100" b="1" dirty="0">
+                <a:solidFill>
+                  <a:srgbClr val="FF85FF"/>
+                </a:solidFill>
+              </a:rPr>
+              <a:t>func</a:t>
+            </a:r>
+            <a:r>
+              <a:rPr lang="fr-FR" sz="1100" dirty="0">
+                <a:solidFill>
+                  <a:schemeClr val="bg1"/>
+                </a:solidFill>
+              </a:rPr>
+              <a:t> </a:t>
+            </a:r>
+            <a:r>
+              <a:rPr lang="fr-FR" sz="1100" dirty="0">
+                <a:solidFill>
+                  <a:srgbClr val="0070C0"/>
+                </a:solidFill>
+              </a:rPr>
+              <a:t>testGivenExpressionWithEnoughElements_WhenTestIfEnoughElements_ThenEnoughElements</a:t>
+            </a:r>
+            <a:r>
+              <a:rPr lang="fr-FR" sz="1100" dirty="0">
+                <a:solidFill>
+                  <a:schemeClr val="bg1"/>
+                </a:solidFill>
+              </a:rPr>
+              <a:t>()</a:t>
+            </a:r>
+          </a:p>
+          <a:p>
+            <a:endParaRPr lang="fr-FR" sz="1100" dirty="0">
+              <a:solidFill>
+                <a:schemeClr val="bg1"/>
+              </a:solidFill>
+            </a:endParaRPr>
+          </a:p>
+          <a:p>
+            <a:r>
+              <a:rPr lang="fr-FR" sz="1100" b="1" dirty="0">
+                <a:solidFill>
+                  <a:srgbClr val="FF85FF"/>
+                </a:solidFill>
+              </a:rPr>
+              <a:t>func</a:t>
+            </a:r>
+            <a:r>
+              <a:rPr lang="fr-FR" sz="1100" dirty="0">
+                <a:solidFill>
+                  <a:schemeClr val="bg1"/>
+                </a:solidFill>
+              </a:rPr>
+              <a:t> </a:t>
+            </a:r>
+            <a:r>
+              <a:rPr lang="fr-FR" sz="1100" dirty="0">
+                <a:solidFill>
+                  <a:srgbClr val="0070C0"/>
+                </a:solidFill>
+              </a:rPr>
+              <a:t>testGivenExpressionWithoutEnoughElements_WhenTestIfEnoughElements_ThenNotEnoughElements</a:t>
+            </a:r>
+            <a:r>
+              <a:rPr lang="fr-FR" sz="1100" dirty="0">
+                <a:solidFill>
+                  <a:schemeClr val="bg1"/>
+                </a:solidFill>
+              </a:rPr>
+              <a:t>()</a:t>
+            </a:r>
+          </a:p>
+          <a:p>
+            <a:endParaRPr lang="fr-FR" sz="1100" dirty="0">
+              <a:solidFill>
+                <a:schemeClr val="bg1"/>
+              </a:solidFill>
+            </a:endParaRPr>
+          </a:p>
+          <a:p>
+            <a:r>
+              <a:rPr lang="fr-FR" sz="1100" b="1" dirty="0">
+                <a:solidFill>
+                  <a:srgbClr val="FF85FF"/>
+                </a:solidFill>
+              </a:rPr>
+              <a:t>func</a:t>
+            </a:r>
+            <a:r>
+              <a:rPr lang="fr-FR" sz="1100" dirty="0">
+                <a:solidFill>
+                  <a:schemeClr val="bg1"/>
+                </a:solidFill>
+              </a:rPr>
+              <a:t> </a:t>
+            </a:r>
+            <a:r>
+              <a:rPr lang="fr-FR" sz="1100" dirty="0">
+                <a:solidFill>
+                  <a:srgbClr val="0070C0"/>
+                </a:solidFill>
+              </a:rPr>
+              <a:t>testGivenUnknownOperand_WhenCalculateOperation_ThenReturnNil</a:t>
+            </a:r>
+            <a:r>
+              <a:rPr lang="fr-FR" sz="1100" dirty="0">
+                <a:solidFill>
+                  <a:schemeClr val="bg1"/>
+                </a:solidFill>
+              </a:rPr>
+              <a:t>()</a:t>
+            </a:r>
+          </a:p>
+          <a:p>
+            <a:endParaRPr lang="fr-FR" sz="1100" dirty="0">
+              <a:solidFill>
+                <a:schemeClr val="bg1"/>
+              </a:solidFill>
+            </a:endParaRPr>
+          </a:p>
+          <a:p>
+            <a:r>
+              <a:rPr lang="fr-FR" sz="1100" b="1" dirty="0">
+                <a:solidFill>
+                  <a:srgbClr val="FF85FF"/>
+                </a:solidFill>
+              </a:rPr>
+              <a:t>func</a:t>
+            </a:r>
+            <a:r>
+              <a:rPr lang="fr-FR" sz="1100" dirty="0">
+                <a:solidFill>
+                  <a:schemeClr val="bg1"/>
+                </a:solidFill>
+              </a:rPr>
+              <a:t> </a:t>
+            </a:r>
+            <a:r>
+              <a:rPr lang="fr-FR" sz="1100" dirty="0">
+                <a:solidFill>
+                  <a:srgbClr val="0070C0"/>
+                </a:solidFill>
+              </a:rPr>
+              <a:t>testGivenOperandToAdd_WhenAddingOperand_ThenOperandIsAdded</a:t>
+            </a:r>
+            <a:r>
+              <a:rPr lang="fr-FR" sz="1100" dirty="0">
+                <a:solidFill>
+                  <a:schemeClr val="bg1"/>
+                </a:solidFill>
+              </a:rPr>
+              <a:t>()</a:t>
+            </a:r>
+          </a:p>
+          <a:p>
+            <a:endParaRPr lang="fr-FR" sz="1100" dirty="0">
+              <a:solidFill>
+                <a:schemeClr val="bg1"/>
+              </a:solidFill>
+            </a:endParaRPr>
+          </a:p>
+          <a:p>
+            <a:r>
+              <a:rPr lang="fr-FR" sz="1100" b="1" dirty="0">
+                <a:solidFill>
+                  <a:srgbClr val="FF85FF"/>
+                </a:solidFill>
+              </a:rPr>
+              <a:t>func</a:t>
+            </a:r>
+            <a:r>
+              <a:rPr lang="fr-FR" sz="1100" dirty="0">
+                <a:solidFill>
+                  <a:schemeClr val="bg1"/>
+                </a:solidFill>
+              </a:rPr>
+              <a:t> </a:t>
+            </a:r>
+            <a:r>
+              <a:rPr lang="fr-FR" sz="1100" dirty="0">
+                <a:solidFill>
+                  <a:srgbClr val="0070C0"/>
+                </a:solidFill>
+              </a:rPr>
+              <a:t>testGivenNumberToAdd_WhenAddingNumber_ThenNumberIsAdded</a:t>
+            </a:r>
+            <a:r>
+              <a:rPr lang="fr-FR" sz="1100" dirty="0">
+                <a:solidFill>
+                  <a:schemeClr val="bg1"/>
+                </a:solidFill>
+              </a:rPr>
+              <a:t>()</a:t>
+            </a:r>
+          </a:p>
+          <a:p>
+            <a:endParaRPr lang="fr-FR" sz="1100" dirty="0">
+              <a:solidFill>
+                <a:schemeClr val="bg1"/>
+              </a:solidFill>
+            </a:endParaRPr>
+          </a:p>
+          <a:p>
+            <a:r>
+              <a:rPr lang="fr-FR" sz="1100" b="1" dirty="0">
+                <a:solidFill>
+                  <a:srgbClr val="FF85FF"/>
+                </a:solidFill>
+              </a:rPr>
+              <a:t>func</a:t>
+            </a:r>
+            <a:r>
+              <a:rPr lang="fr-FR" sz="1100" dirty="0">
+                <a:solidFill>
+                  <a:schemeClr val="bg1"/>
+                </a:solidFill>
+              </a:rPr>
+              <a:t> </a:t>
+            </a:r>
+            <a:r>
+              <a:rPr lang="fr-FR" sz="1100" dirty="0">
+                <a:solidFill>
+                  <a:srgbClr val="0070C0"/>
+                </a:solidFill>
+              </a:rPr>
+              <a:t>testGivenStartingOperationWithOperandFollowedBy3_WhenCalculateOperation_ThenResultIs3AndFirstElementIs0</a:t>
+            </a:r>
+            <a:r>
+              <a:rPr lang="fr-FR" sz="1100" dirty="0">
+                <a:solidFill>
+                  <a:schemeClr val="bg1"/>
+                </a:solidFill>
+              </a:rPr>
+              <a:t>()</a:t>
+            </a:r>
+          </a:p>
+          <a:p>
+            <a:endParaRPr lang="fr-FR" sz="1100" dirty="0">
+              <a:solidFill>
+                <a:schemeClr val="bg1"/>
+              </a:solidFill>
+            </a:endParaRPr>
+          </a:p>
+          <a:p>
+            <a:r>
+              <a:rPr lang="fr-FR" sz="1100" b="1" dirty="0">
+                <a:solidFill>
+                  <a:srgbClr val="FF85FF"/>
+                </a:solidFill>
+              </a:rPr>
+              <a:t>func</a:t>
+            </a:r>
+            <a:r>
+              <a:rPr lang="fr-FR" sz="1100" dirty="0">
+                <a:solidFill>
+                  <a:schemeClr val="bg1"/>
+                </a:solidFill>
+              </a:rPr>
+              <a:t> </a:t>
+            </a:r>
+            <a:r>
+              <a:rPr lang="fr-FR" sz="1100" dirty="0">
+                <a:solidFill>
+                  <a:srgbClr val="0070C0"/>
+                </a:solidFill>
+              </a:rPr>
+              <a:t>testGivenFinishedOperation_WhenAddingNewElements_ThenOperationContinue</a:t>
+            </a:r>
+            <a:r>
+              <a:rPr lang="fr-FR" sz="1100" dirty="0">
+                <a:solidFill>
+                  <a:schemeClr val="bg1"/>
+                </a:solidFill>
+              </a:rPr>
+              <a:t>()</a:t>
+            </a:r>
+          </a:p>
+          <a:p>
+            <a:endParaRPr lang="fr-FR" sz="1100" dirty="0">
+              <a:solidFill>
+                <a:schemeClr val="bg1"/>
+              </a:solidFill>
+            </a:endParaRPr>
+          </a:p>
+          <a:p>
+            <a:r>
+              <a:rPr lang="fr-FR" sz="1100" b="1" dirty="0">
+                <a:solidFill>
+                  <a:srgbClr val="FF85FF"/>
+                </a:solidFill>
+              </a:rPr>
+              <a:t>func</a:t>
+            </a:r>
+            <a:r>
+              <a:rPr lang="fr-FR" sz="1100" dirty="0">
+                <a:solidFill>
+                  <a:schemeClr val="bg1"/>
+                </a:solidFill>
+              </a:rPr>
+              <a:t> </a:t>
+            </a:r>
+            <a:r>
+              <a:rPr lang="fr-FR" sz="1100" dirty="0">
+                <a:solidFill>
+                  <a:srgbClr val="0070C0"/>
+                </a:solidFill>
+              </a:rPr>
+              <a:t>testGivenADivisionBy0_WhenCalculateOperation_ThenReturnDividedBy0</a:t>
+            </a:r>
+            <a:r>
+              <a:rPr lang="fr-FR" sz="1100" dirty="0">
+                <a:solidFill>
+                  <a:schemeClr val="bg1"/>
+                </a:solidFill>
+              </a:rPr>
+              <a:t>()</a:t>
+            </a:r>
+          </a:p>
+          <a:p>
+            <a:endParaRPr lang="fr-FR" sz="1100" dirty="0">
+              <a:solidFill>
+                <a:schemeClr val="bg1"/>
+              </a:solidFill>
+            </a:endParaRPr>
+          </a:p>
+          <a:p>
+            <a:r>
+              <a:rPr lang="fr-FR" sz="1100" b="1" dirty="0">
+                <a:solidFill>
+                  <a:srgbClr val="FF85FF"/>
+                </a:solidFill>
+              </a:rPr>
+              <a:t>func</a:t>
+            </a:r>
+            <a:r>
+              <a:rPr lang="fr-FR" sz="1100" dirty="0">
+                <a:solidFill>
+                  <a:schemeClr val="bg1"/>
+                </a:solidFill>
+              </a:rPr>
+              <a:t> </a:t>
+            </a:r>
+            <a:r>
+              <a:rPr lang="fr-FR" sz="1100" dirty="0">
+                <a:solidFill>
+                  <a:srgbClr val="0070C0"/>
+                </a:solidFill>
+              </a:rPr>
+              <a:t>testGivenCorrectCommaOperation_WhenCalculateOperation_ThenOperationSuccess</a:t>
+            </a:r>
+            <a:r>
+              <a:rPr lang="fr-FR" sz="1100" dirty="0">
+                <a:solidFill>
+                  <a:schemeClr val="bg1"/>
+                </a:solidFill>
+              </a:rPr>
+              <a:t>()</a:t>
+            </a:r>
+          </a:p>
+          <a:p>
+            <a:endParaRPr lang="fr-FR" sz="1100" dirty="0">
+              <a:solidFill>
+                <a:schemeClr val="bg1"/>
+              </a:solidFill>
+            </a:endParaRPr>
+          </a:p>
+          <a:p>
+            <a:r>
+              <a:rPr lang="fr-FR" sz="1100" b="1" dirty="0">
+                <a:solidFill>
+                  <a:srgbClr val="FF85FF"/>
+                </a:solidFill>
+              </a:rPr>
+              <a:t>func</a:t>
+            </a:r>
+            <a:r>
+              <a:rPr lang="fr-FR" sz="1100" dirty="0">
+                <a:solidFill>
+                  <a:schemeClr val="bg1"/>
+                </a:solidFill>
+              </a:rPr>
+              <a:t> </a:t>
+            </a:r>
+            <a:r>
+              <a:rPr lang="fr-FR" sz="1100" dirty="0">
+                <a:solidFill>
+                  <a:srgbClr val="0070C0"/>
+                </a:solidFill>
+              </a:rPr>
+              <a:t>testGivenOperationWithComma_WhenAddAnotherCommaInARow_ThenExepressionAlreadyHaveCommaIsTrue</a:t>
+            </a:r>
+            <a:r>
+              <a:rPr lang="fr-FR" sz="1100" dirty="0">
+                <a:solidFill>
+                  <a:schemeClr val="bg1"/>
+                </a:solidFill>
+              </a:rPr>
+              <a:t>()</a:t>
+            </a:r>
+          </a:p>
+          <a:p>
+            <a:endParaRPr lang="fr-FR" sz="1100" dirty="0">
+              <a:solidFill>
+                <a:schemeClr val="bg1"/>
+              </a:solidFill>
+            </a:endParaRPr>
+          </a:p>
+          <a:p>
+            <a:r>
+              <a:rPr lang="fr-FR" sz="1100" b="1" dirty="0">
+                <a:solidFill>
+                  <a:srgbClr val="FF85FF"/>
+                </a:solidFill>
+              </a:rPr>
+              <a:t>func</a:t>
+            </a:r>
+            <a:r>
+              <a:rPr lang="fr-FR" sz="1100" dirty="0">
+                <a:solidFill>
+                  <a:schemeClr val="bg1"/>
+                </a:solidFill>
+              </a:rPr>
+              <a:t> </a:t>
+            </a:r>
+            <a:r>
+              <a:rPr lang="fr-FR" sz="1100" dirty="0">
+                <a:solidFill>
+                  <a:srgbClr val="0070C0"/>
+                </a:solidFill>
+              </a:rPr>
+              <a:t>testGivenAnOperation_WhenAddingComma_ThenCommaIsAdded</a:t>
+            </a:r>
+            <a:r>
+              <a:rPr lang="fr-FR" sz="1100" dirty="0">
+                <a:solidFill>
+                  <a:schemeClr val="bg1"/>
+                </a:solidFill>
+              </a:rPr>
+              <a:t>()</a:t>
+            </a:r>
+          </a:p>
+          <a:p>
+            <a:endParaRPr lang="fr-FR" sz="1100" dirty="0">
+              <a:solidFill>
+                <a:schemeClr val="bg1"/>
+              </a:solidFill>
+            </a:endParaRPr>
+          </a:p>
+          <a:p>
+            <a:endParaRPr lang="fr-FR" sz="1100" dirty="0">
+              <a:solidFill>
+                <a:schemeClr val="bg1"/>
+              </a:solidFill>
+            </a:endParaRPr>
+          </a:p>
+        </p:txBody>
+      </p:sp>
+    </p:spTree>
+    <p:extLst>
+      <p:ext uri="{BB962C8B-B14F-4D97-AF65-F5344CB8AC3E}">
+        <p14:creationId xmlns:p14="http://schemas.microsoft.com/office/powerpoint/2010/main" val="2985171366"/>
+      </p:ext>
+    </p:extLst>
+  </p:cSld>
+  <p:clrMapOvr>
+    <a:masterClrMapping/>
+  </p:clrMapOvr>
+</p:sld>
+</file>
+
+<file path=ppt/slides/slide8.xml><?xml version="1.0" encoding="utf-8"?>
 <p:sld xmlns:a="http://schemas.openxmlformats.org/drawingml/2006/main" xmlns:r="http://schemas.openxmlformats.org/officeDocument/2006/relationships" xmlns:p="http://schemas.openxmlformats.org/presentationml/2006/main">
   <p:cSld>
     <p:bg>
@@ -12339,7 +17081,7 @@
               <a:tabLst/>
               <a:defRPr/>
             </a:pPr>
-            <a:endParaRPr kumimoji="0" lang="en-US" sz="1800" b="0" i="0" u="none" strike="noStrike" kern="1200" cap="none" spc="0" normalizeH="0" baseline="0" noProof="0">
+            <a:endParaRPr kumimoji="0" lang="en-US" sz="1800" b="0" i="0" u="none" strike="noStrike" kern="1200" cap="none" spc="0" normalizeH="0" baseline="0" noProof="0" dirty="0">
               <a:ln>
                 <a:noFill/>
               </a:ln>
@@ -12612,7 +17354,7 @@
               <a:tabLst/>
               <a:defRPr/>
             </a:pPr>
-            <a:endParaRPr kumimoji="0" lang="en-US" sz="1800" b="0" i="0" u="none" strike="noStrike" kern="1200" cap="none" spc="0" normalizeH="0" baseline="0" noProof="0">
+            <a:endParaRPr kumimoji="0" lang="en-US" sz="1800" b="0" i="0" u="none" strike="noStrike" kern="1200" cap="none" spc="0" normalizeH="0" baseline="0" noProof="0" dirty="0">
               <a:ln>
                 <a:noFill/>
               </a:ln>
@@ -12706,7 +17448,7 @@
               <a:tabLst/>
               <a:defRPr/>
             </a:pPr>
-            <a:endParaRPr kumimoji="0" lang="en-US" sz="1800" b="0" i="0" u="none" strike="noStrike" kern="1200" cap="none" spc="0" normalizeH="0" baseline="0" noProof="0">
+            <a:endParaRPr kumimoji="0" lang="en-US" sz="1800" b="0" i="0" u="none" strike="noStrike" kern="1200" cap="none" spc="0" normalizeH="0" baseline="0" noProof="0" dirty="0">
               <a:ln>
                 <a:noFill/>
               </a:ln>
@@ -12940,7 +17682,7 @@
               <a:tabLst/>
               <a:defRPr/>
             </a:pPr>
-            <a:endParaRPr kumimoji="0" lang="en-US" sz="1800" b="0" i="0" u="none" strike="noStrike" kern="1200" cap="none" spc="0" normalizeH="0" baseline="0" noProof="0">
+            <a:endParaRPr kumimoji="0" lang="en-US" sz="1800" b="0" i="0" u="none" strike="noStrike" kern="1200" cap="none" spc="0" normalizeH="0" baseline="0" noProof="0" dirty="0">
               <a:ln>
                 <a:noFill/>
               </a:ln>
@@ -12961,6 +17703,90 @@
     <p:extLst>
       <p:ext uri="{BB962C8B-B14F-4D97-AF65-F5344CB8AC3E}">
         <p14:creationId xmlns:p14="http://schemas.microsoft.com/office/powerpoint/2010/main" val="1812389895"/>
+      </p:ext>
+    </p:extLst>
+  </p:cSld>
+  <p:clrMapOvr>
+    <a:masterClrMapping/>
+  </p:clrMapOvr>
+</p:sld>
+</file>
+
+<file path=ppt/slides/slide9.xml><?xml version="1.0" encoding="utf-8"?>
+<p:sld xmlns:a="http://schemas.openxmlformats.org/drawingml/2006/main" xmlns:r="http://schemas.openxmlformats.org/officeDocument/2006/relationships" xmlns:p="http://schemas.openxmlformats.org/presentationml/2006/main">
+  <p:cSld>
+    <p:spTree>
+      <p:nvGrpSpPr>
+        <p:cNvPr id="1" name=""/>
+        <p:cNvGrpSpPr/>
+        <p:nvPr/>
+      </p:nvGrpSpPr>
+      <p:grpSpPr>
+        <a:xfrm>
+          <a:off x="0" y="0"/>
+          <a:ext cx="0" cy="0"/>
+          <a:chOff x="0" y="0"/>
+          <a:chExt cx="0" cy="0"/>
+        </a:xfrm>
+      </p:grpSpPr>
+      <p:sp>
+        <p:nvSpPr>
+          <p:cNvPr id="2" name="Titre 1">
+            <a:extLst>
+              <a:ext uri="{FF2B5EF4-FFF2-40B4-BE49-F238E27FC236}">
+                <a16:creationId xmlns:a16="http://schemas.microsoft.com/office/drawing/2014/main" id="{5EB77263-311D-CD45-9D1E-3F402CDE6126}"/>
+              </a:ext>
+            </a:extLst>
+          </p:cNvPr>
+          <p:cNvSpPr>
+            <a:spLocks noGrp="1"/>
+          </p:cNvSpPr>
+          <p:nvPr>
+            <p:ph type="title"/>
+          </p:nvPr>
+        </p:nvSpPr>
+        <p:spPr/>
+        <p:txBody>
+          <a:bodyPr/>
+          <a:lstStyle/>
+          <a:p>
+            <a:r>
+              <a:rPr lang="fr-FR" dirty="0"/>
+              <a:t>Calculator</a:t>
+            </a:r>
+          </a:p>
+        </p:txBody>
+      </p:sp>
+      <p:graphicFrame>
+        <p:nvGraphicFramePr>
+          <p:cNvPr id="5" name="Espace réservé du contenu 2">
+            <a:extLst>
+              <a:ext uri="{FF2B5EF4-FFF2-40B4-BE49-F238E27FC236}">
+                <a16:creationId xmlns:a16="http://schemas.microsoft.com/office/drawing/2014/main" id="{92C1227D-17B6-372E-0B1D-AD49E2E9BC81}"/>
+              </a:ext>
+            </a:extLst>
+          </p:cNvPr>
+          <p:cNvGraphicFramePr>
+            <a:graphicFrameLocks noGrp="1"/>
+          </p:cNvGraphicFramePr>
+          <p:nvPr>
+            <p:ph idx="1"/>
+          </p:nvPr>
+        </p:nvGraphicFramePr>
+        <p:xfrm>
+          <a:off x="838200" y="1825625"/>
+          <a:ext cx="10515600" cy="3859742"/>
+        </p:xfrm>
+        <a:graphic>
+          <a:graphicData uri="http://schemas.openxmlformats.org/drawingml/2006/diagram">
+            <dgm:relIds xmlns:dgm="http://schemas.openxmlformats.org/drawingml/2006/diagram" xmlns:r="http://schemas.openxmlformats.org/officeDocument/2006/relationships" r:dm="rId2" r:lo="rId3" r:qs="rId4" r:cs="rId5"/>
+          </a:graphicData>
+        </a:graphic>
+      </p:graphicFrame>
+    </p:spTree>
+    <p:extLst>
+      <p:ext uri="{BB962C8B-B14F-4D97-AF65-F5344CB8AC3E}">
+        <p14:creationId xmlns:p14="http://schemas.microsoft.com/office/powerpoint/2010/main" val="3362263235"/>
       </p:ext>
     </p:extLst>
   </p:cSld>

--- a/Horn_Mickael_2_presentation_022122.pptx
+++ b/Horn_Mickael_2_presentation_022122.pptx
@@ -11,9 +11,8 @@
     <p:sldId id="260" r:id="rId5"/>
     <p:sldId id="261" r:id="rId6"/>
     <p:sldId id="262" r:id="rId7"/>
-    <p:sldId id="264" r:id="rId8"/>
-    <p:sldId id="259" r:id="rId9"/>
-    <p:sldId id="263" r:id="rId10"/>
+    <p:sldId id="259" r:id="rId8"/>
+    <p:sldId id="263" r:id="rId9"/>
   </p:sldIdLst>
   <p:sldSz cx="12192000" cy="6858000"/>
   <p:notesSz cx="6858000" cy="9144000"/>
@@ -10227,7 +10226,7 @@
         </p:spPr>
         <p:txBody>
           <a:bodyPr>
-            <a:normAutofit fontScale="77500" lnSpcReduction="20000"/>
+            <a:normAutofit fontScale="85000" lnSpcReduction="20000"/>
           </a:bodyPr>
           <a:lstStyle/>
           <a:p>
@@ -10267,13 +10266,6 @@
             <a:r>
               <a:rPr lang="fr-FR" dirty="0"/>
               <a:t>Count.swift</a:t>
-            </a:r>
-          </a:p>
-          <a:p>
-            <a:pPr lvl="1"/>
-            <a:r>
-              <a:rPr lang="fr-FR" dirty="0"/>
-              <a:t>Tests unitaires</a:t>
             </a:r>
           </a:p>
           <a:p>
@@ -11421,80 +11413,6 @@
           </a:p>
         </p:txBody>
       </p:sp>
-      <p:pic>
-        <p:nvPicPr>
-          <p:cNvPr id="14" name="Image 13">
-            <a:extLst>
-              <a:ext uri="{FF2B5EF4-FFF2-40B4-BE49-F238E27FC236}">
-                <a16:creationId xmlns:a16="http://schemas.microsoft.com/office/drawing/2014/main" id="{37BAB9F0-FE68-194D-954A-EB139032703B}"/>
-              </a:ext>
-            </a:extLst>
-          </p:cNvPr>
-          <p:cNvPicPr>
-            <a:picLocks noChangeAspect="1"/>
-          </p:cNvPicPr>
-          <p:nvPr/>
-        </p:nvPicPr>
-        <p:blipFill>
-          <a:blip r:embed="rId2"/>
-          <a:stretch>
-            <a:fillRect/>
-          </a:stretch>
-        </p:blipFill>
-        <p:spPr>
-          <a:xfrm>
-            <a:off x="9202342" y="955735"/>
-            <a:ext cx="1569365" cy="2789984"/>
-          </a:xfrm>
-          <a:custGeom>
-            <a:avLst/>
-            <a:gdLst/>
-            <a:ahLst/>
-            <a:cxnLst/>
-            <a:rect l="l" t="t" r="r" b="b"/>
-            <a:pathLst>
-              <a:path w="1999274" h="2247255">
-                <a:moveTo>
-                  <a:pt x="108501" y="0"/>
-                </a:moveTo>
-                <a:lnTo>
-                  <a:pt x="1890773" y="0"/>
-                </a:lnTo>
-                <a:cubicBezTo>
-                  <a:pt x="1950696" y="0"/>
-                  <a:pt x="1999274" y="48578"/>
-                  <a:pt x="1999274" y="108501"/>
-                </a:cubicBezTo>
-                <a:lnTo>
-                  <a:pt x="1999274" y="2138754"/>
-                </a:lnTo>
-                <a:cubicBezTo>
-                  <a:pt x="1999274" y="2198677"/>
-                  <a:pt x="1950696" y="2247255"/>
-                  <a:pt x="1890773" y="2247255"/>
-                </a:cubicBezTo>
-                <a:lnTo>
-                  <a:pt x="108501" y="2247255"/>
-                </a:lnTo>
-                <a:cubicBezTo>
-                  <a:pt x="48578" y="2247255"/>
-                  <a:pt x="0" y="2198677"/>
-                  <a:pt x="0" y="2138754"/>
-                </a:cubicBezTo>
-                <a:lnTo>
-                  <a:pt x="0" y="108501"/>
-                </a:lnTo>
-                <a:cubicBezTo>
-                  <a:pt x="0" y="48578"/>
-                  <a:pt x="48578" y="0"/>
-                  <a:pt x="108501" y="0"/>
-                </a:cubicBezTo>
-                <a:close/>
-              </a:path>
-            </a:pathLst>
-          </a:custGeom>
-        </p:spPr>
-      </p:pic>
       <p:cxnSp>
         <p:nvCxnSpPr>
           <p:cNvPr id="27" name="Straight Connector 26">
@@ -11565,7 +11483,7 @@
           </p:nvPr>
         </p:nvPicPr>
         <p:blipFill>
-          <a:blip r:embed="rId3"/>
+          <a:blip r:embed="rId2"/>
           <a:stretch>
             <a:fillRect/>
           </a:stretch>
@@ -11895,6 +11813,36 @@
           </a:p>
         </p:txBody>
       </p:sp>
+      <p:pic>
+        <p:nvPicPr>
+          <p:cNvPr id="4" name="Image 3">
+            <a:extLst>
+              <a:ext uri="{FF2B5EF4-FFF2-40B4-BE49-F238E27FC236}">
+                <a16:creationId xmlns:a16="http://schemas.microsoft.com/office/drawing/2014/main" id="{98004B71-B724-6043-A71E-2EFE27125FF4}"/>
+              </a:ext>
+            </a:extLst>
+          </p:cNvPr>
+          <p:cNvPicPr>
+            <a:picLocks noChangeAspect="1"/>
+          </p:cNvPicPr>
+          <p:nvPr/>
+        </p:nvPicPr>
+        <p:blipFill>
+          <a:blip r:embed="rId3"/>
+          <a:stretch>
+            <a:fillRect/>
+          </a:stretch>
+        </p:blipFill>
+        <p:spPr>
+          <a:xfrm>
+            <a:off x="8855808" y="637055"/>
+            <a:ext cx="1920420" cy="3414080"/>
+          </a:xfrm>
+          <a:prstGeom prst="rect">
+            <a:avLst/>
+          </a:prstGeom>
+        </p:spPr>
+      </p:pic>
     </p:spTree>
     <p:extLst>
       <p:ext uri="{BB962C8B-B14F-4D97-AF65-F5344CB8AC3E}">
@@ -16025,933 +15973,6 @@
 </file>
 
 <file path=ppt/slides/slide7.xml><?xml version="1.0" encoding="utf-8"?>
-<p:sld xmlns:a="http://schemas.openxmlformats.org/drawingml/2006/main" xmlns:r="http://schemas.openxmlformats.org/officeDocument/2006/relationships" xmlns:p="http://schemas.openxmlformats.org/presentationml/2006/main">
-  <p:cSld>
-    <p:spTree>
-      <p:nvGrpSpPr>
-        <p:cNvPr id="1" name=""/>
-        <p:cNvGrpSpPr/>
-        <p:nvPr/>
-      </p:nvGrpSpPr>
-      <p:grpSpPr>
-        <a:xfrm>
-          <a:off x="0" y="0"/>
-          <a:ext cx="0" cy="0"/>
-          <a:chOff x="0" y="0"/>
-          <a:chExt cx="0" cy="0"/>
-        </a:xfrm>
-      </p:grpSpPr>
-      <p:sp>
-        <p:nvSpPr>
-          <p:cNvPr id="2" name="Titre 1">
-            <a:extLst>
-              <a:ext uri="{FF2B5EF4-FFF2-40B4-BE49-F238E27FC236}">
-                <a16:creationId xmlns:a16="http://schemas.microsoft.com/office/drawing/2014/main" id="{8F16F5D8-A8D3-0D40-91F1-41C456CBA81E}"/>
-              </a:ext>
-            </a:extLst>
-          </p:cNvPr>
-          <p:cNvSpPr>
-            <a:spLocks noGrp="1"/>
-          </p:cNvSpPr>
-          <p:nvPr>
-            <p:ph type="title"/>
-          </p:nvPr>
-        </p:nvSpPr>
-        <p:spPr>
-          <a:xfrm>
-            <a:off x="0" y="-295912"/>
-            <a:ext cx="10515600" cy="1325563"/>
-          </a:xfrm>
-        </p:spPr>
-        <p:txBody>
-          <a:bodyPr/>
-          <a:lstStyle/>
-          <a:p>
-            <a:r>
-              <a:rPr lang="fr-FR" dirty="0"/>
-              <a:t>Architecture de l’application</a:t>
-            </a:r>
-          </a:p>
-        </p:txBody>
-      </p:sp>
-      <p:sp>
-        <p:nvSpPr>
-          <p:cNvPr id="4" name="Rectangle 3">
-            <a:extLst>
-              <a:ext uri="{FF2B5EF4-FFF2-40B4-BE49-F238E27FC236}">
-                <a16:creationId xmlns:a16="http://schemas.microsoft.com/office/drawing/2014/main" id="{46076612-70AA-EF40-B3D1-D55752EA2AC0}"/>
-              </a:ext>
-            </a:extLst>
-          </p:cNvPr>
-          <p:cNvSpPr/>
-          <p:nvPr/>
-        </p:nvSpPr>
-        <p:spPr>
-          <a:xfrm>
-            <a:off x="-55487" y="786384"/>
-            <a:ext cx="12275229" cy="6087703"/>
-          </a:xfrm>
-          <a:prstGeom prst="rect">
-            <a:avLst/>
-          </a:prstGeom>
-          <a:solidFill>
-            <a:schemeClr val="tx1">
-              <a:lumMod val="85000"/>
-              <a:lumOff val="15000"/>
-            </a:schemeClr>
-          </a:solidFill>
-          <a:ln>
-            <a:noFill/>
-          </a:ln>
-        </p:spPr>
-        <p:style>
-          <a:lnRef idx="2">
-            <a:schemeClr val="accent1">
-              <a:shade val="50000"/>
-            </a:schemeClr>
-          </a:lnRef>
-          <a:fillRef idx="1">
-            <a:schemeClr val="accent1"/>
-          </a:fillRef>
-          <a:effectRef idx="0">
-            <a:schemeClr val="accent1"/>
-          </a:effectRef>
-          <a:fontRef idx="minor">
-            <a:schemeClr val="lt1"/>
-          </a:fontRef>
-        </p:style>
-        <p:txBody>
-          <a:bodyPr rtlCol="0" anchor="ctr"/>
-          <a:lstStyle/>
-          <a:p>
-            <a:pPr algn="ctr"/>
-            <a:endParaRPr lang="fr-FR" dirty="0"/>
-          </a:p>
-        </p:txBody>
-      </p:sp>
-      <p:sp>
-        <p:nvSpPr>
-          <p:cNvPr id="5" name="ZoneTexte 4">
-            <a:extLst>
-              <a:ext uri="{FF2B5EF4-FFF2-40B4-BE49-F238E27FC236}">
-                <a16:creationId xmlns:a16="http://schemas.microsoft.com/office/drawing/2014/main" id="{0DACA96C-9BD1-714F-B5CB-6B3BDACC802D}"/>
-              </a:ext>
-            </a:extLst>
-          </p:cNvPr>
-          <p:cNvSpPr txBox="1"/>
-          <p:nvPr/>
-        </p:nvSpPr>
-        <p:spPr>
-          <a:xfrm>
-            <a:off x="6706411" y="454134"/>
-            <a:ext cx="2490523" cy="400110"/>
-          </a:xfrm>
-          <a:prstGeom prst="rect">
-            <a:avLst/>
-          </a:prstGeom>
-          <a:noFill/>
-        </p:spPr>
-        <p:txBody>
-          <a:bodyPr wrap="square" rtlCol="0">
-            <a:spAutoFit/>
-          </a:bodyPr>
-          <a:lstStyle/>
-          <a:p>
-            <a:r>
-              <a:rPr lang="fr-FR" sz="2000" dirty="0"/>
-              <a:t>Tests unitaires</a:t>
-            </a:r>
-          </a:p>
-        </p:txBody>
-      </p:sp>
-      <p:sp>
-        <p:nvSpPr>
-          <p:cNvPr id="6" name="ZoneTexte 5">
-            <a:extLst>
-              <a:ext uri="{FF2B5EF4-FFF2-40B4-BE49-F238E27FC236}">
-                <a16:creationId xmlns:a16="http://schemas.microsoft.com/office/drawing/2014/main" id="{CEEF74B0-453A-2441-9A63-337DFAC2A0FB}"/>
-              </a:ext>
-            </a:extLst>
-          </p:cNvPr>
-          <p:cNvSpPr txBox="1"/>
-          <p:nvPr/>
-        </p:nvSpPr>
-        <p:spPr>
-          <a:xfrm>
-            <a:off x="27742" y="888594"/>
-            <a:ext cx="12192000" cy="6355586"/>
-          </a:xfrm>
-          <a:prstGeom prst="rect">
-            <a:avLst/>
-          </a:prstGeom>
-          <a:noFill/>
-        </p:spPr>
-        <p:txBody>
-          <a:bodyPr wrap="square" rtlCol="0">
-            <a:spAutoFit/>
-          </a:bodyPr>
-          <a:lstStyle/>
-          <a:p>
-            <a:r>
-              <a:rPr lang="fr-FR" sz="1100" b="1" dirty="0">
-                <a:solidFill>
-                  <a:srgbClr val="FF85FF"/>
-                </a:solidFill>
-              </a:rPr>
-              <a:t>func</a:t>
-            </a:r>
-            <a:r>
-              <a:rPr lang="fr-FR" sz="1100" dirty="0">
-                <a:solidFill>
-                  <a:schemeClr val="bg1"/>
-                </a:solidFill>
-              </a:rPr>
-              <a:t> </a:t>
-            </a:r>
-            <a:r>
-              <a:rPr lang="fr-FR" sz="1100" dirty="0">
-                <a:solidFill>
-                  <a:srgbClr val="0070C0"/>
-                </a:solidFill>
-              </a:rPr>
-              <a:t>testGivenPlusAndMultiplication_WhenCalculateOperation_ThenMultiplicationCalculatedFirst</a:t>
-            </a:r>
-            <a:r>
-              <a:rPr lang="fr-FR" sz="1100" dirty="0">
-                <a:solidFill>
-                  <a:schemeClr val="bg1"/>
-                </a:solidFill>
-              </a:rPr>
-              <a:t>()</a:t>
-            </a:r>
-          </a:p>
-          <a:p>
-            <a:endParaRPr lang="fr-FR" sz="1100" dirty="0">
-              <a:solidFill>
-                <a:schemeClr val="bg1"/>
-              </a:solidFill>
-            </a:endParaRPr>
-          </a:p>
-          <a:p>
-            <a:r>
-              <a:rPr lang="fr-FR" sz="1100" b="1" dirty="0">
-                <a:solidFill>
-                  <a:srgbClr val="FF85FF"/>
-                </a:solidFill>
-              </a:rPr>
-              <a:t>func</a:t>
-            </a:r>
-            <a:r>
-              <a:rPr lang="fr-FR" sz="1100" dirty="0">
-                <a:solidFill>
-                  <a:schemeClr val="bg1"/>
-                </a:solidFill>
-              </a:rPr>
-              <a:t> </a:t>
-            </a:r>
-            <a:r>
-              <a:rPr lang="fr-FR" sz="1100" dirty="0">
-                <a:solidFill>
-                  <a:srgbClr val="0070C0"/>
-                </a:solidFill>
-              </a:rPr>
-              <a:t>testGivenPlusAndDivisionOperand_WhenCalculateOperation_ThenDivisionCalculatedFirst</a:t>
-            </a:r>
-            <a:r>
-              <a:rPr lang="fr-FR" sz="1100" dirty="0">
-                <a:solidFill>
-                  <a:schemeClr val="bg1"/>
-                </a:solidFill>
-              </a:rPr>
-              <a:t>()</a:t>
-            </a:r>
-          </a:p>
-          <a:p>
-            <a:endParaRPr lang="fr-FR" sz="1100" dirty="0">
-              <a:solidFill>
-                <a:schemeClr val="bg1"/>
-              </a:solidFill>
-            </a:endParaRPr>
-          </a:p>
-          <a:p>
-            <a:r>
-              <a:rPr lang="fr-FR" sz="1100" b="1" dirty="0">
-                <a:solidFill>
-                  <a:srgbClr val="FF85FF"/>
-                </a:solidFill>
-              </a:rPr>
-              <a:t>func</a:t>
-            </a:r>
-            <a:r>
-              <a:rPr lang="fr-FR" sz="1100" dirty="0">
-                <a:solidFill>
-                  <a:schemeClr val="bg1"/>
-                </a:solidFill>
-              </a:rPr>
-              <a:t> </a:t>
-            </a:r>
-            <a:r>
-              <a:rPr lang="fr-FR" sz="1100" dirty="0">
-                <a:solidFill>
-                  <a:srgbClr val="0070C0"/>
-                </a:solidFill>
-              </a:rPr>
-              <a:t>testGivenTwoPriorityPlusTwoNonPriorityOperand_WhenCalculateOperation_ThenCalculateInOrder</a:t>
-            </a:r>
-            <a:r>
-              <a:rPr lang="fr-FR" sz="1100" dirty="0">
-                <a:solidFill>
-                  <a:schemeClr val="bg1"/>
-                </a:solidFill>
-              </a:rPr>
-              <a:t>()</a:t>
-            </a:r>
-          </a:p>
-          <a:p>
-            <a:endParaRPr lang="fr-FR" sz="1100" dirty="0">
-              <a:solidFill>
-                <a:schemeClr val="bg1"/>
-              </a:solidFill>
-            </a:endParaRPr>
-          </a:p>
-          <a:p>
-            <a:r>
-              <a:rPr lang="fr-FR" sz="1100" b="1" dirty="0">
-                <a:solidFill>
-                  <a:srgbClr val="FF85FF"/>
-                </a:solidFill>
-              </a:rPr>
-              <a:t>func</a:t>
-            </a:r>
-            <a:r>
-              <a:rPr lang="fr-FR" sz="1100" dirty="0">
-                <a:solidFill>
-                  <a:schemeClr val="bg1"/>
-                </a:solidFill>
-              </a:rPr>
-              <a:t> </a:t>
-            </a:r>
-            <a:r>
-              <a:rPr lang="fr-FR" sz="1100" dirty="0">
-                <a:solidFill>
-                  <a:srgbClr val="0070C0"/>
-                </a:solidFill>
-              </a:rPr>
-              <a:t>testGivenCorrectExpression_WhenTestIfExpressionIsCorrect_ThenExpressionIsCorrect</a:t>
-            </a:r>
-            <a:r>
-              <a:rPr lang="fr-FR" sz="1100" dirty="0">
-                <a:solidFill>
-                  <a:schemeClr val="bg1"/>
-                </a:solidFill>
-              </a:rPr>
-              <a:t>()</a:t>
-            </a:r>
-          </a:p>
-          <a:p>
-            <a:endParaRPr lang="fr-FR" sz="1100" dirty="0">
-              <a:solidFill>
-                <a:schemeClr val="bg1"/>
-              </a:solidFill>
-            </a:endParaRPr>
-          </a:p>
-          <a:p>
-            <a:r>
-              <a:rPr lang="fr-FR" sz="1100" b="1" dirty="0">
-                <a:solidFill>
-                  <a:srgbClr val="FF85FF"/>
-                </a:solidFill>
-              </a:rPr>
-              <a:t>func</a:t>
-            </a:r>
-            <a:r>
-              <a:rPr lang="fr-FR" sz="1100" dirty="0">
-                <a:solidFill>
-                  <a:schemeClr val="bg1"/>
-                </a:solidFill>
-              </a:rPr>
-              <a:t> </a:t>
-            </a:r>
-            <a:r>
-              <a:rPr lang="fr-FR" sz="1100" dirty="0">
-                <a:solidFill>
-                  <a:srgbClr val="0070C0"/>
-                </a:solidFill>
-              </a:rPr>
-              <a:t>testGivenIncorrectExpression_WhenTestIfExpressionIsCorrect_ThenExpressionIsIncorrect</a:t>
-            </a:r>
-            <a:r>
-              <a:rPr lang="fr-FR" sz="1100" dirty="0">
-                <a:solidFill>
-                  <a:schemeClr val="bg1"/>
-                </a:solidFill>
-              </a:rPr>
-              <a:t>()</a:t>
-            </a:r>
-          </a:p>
-          <a:p>
-            <a:endParaRPr lang="fr-FR" sz="1100" dirty="0">
-              <a:solidFill>
-                <a:schemeClr val="bg1"/>
-              </a:solidFill>
-            </a:endParaRPr>
-          </a:p>
-          <a:p>
-            <a:r>
-              <a:rPr lang="fr-FR" sz="1100" b="1" dirty="0">
-                <a:solidFill>
-                  <a:srgbClr val="FF85FF"/>
-                </a:solidFill>
-              </a:rPr>
-              <a:t>func</a:t>
-            </a:r>
-            <a:r>
-              <a:rPr lang="fr-FR" sz="1100" dirty="0">
-                <a:solidFill>
-                  <a:schemeClr val="bg1"/>
-                </a:solidFill>
-              </a:rPr>
-              <a:t> </a:t>
-            </a:r>
-            <a:r>
-              <a:rPr lang="fr-FR" sz="1100" dirty="0">
-                <a:solidFill>
-                  <a:srgbClr val="0070C0"/>
-                </a:solidFill>
-              </a:rPr>
-              <a:t>testGivenCanAddAnOperator_WhenAddTheOperator_ThenOperatorIsAdded</a:t>
-            </a:r>
-            <a:r>
-              <a:rPr lang="fr-FR" sz="1100" dirty="0">
-                <a:solidFill>
-                  <a:schemeClr val="bg1"/>
-                </a:solidFill>
-              </a:rPr>
-              <a:t>()</a:t>
-            </a:r>
-          </a:p>
-          <a:p>
-            <a:endParaRPr lang="fr-FR" sz="1100" dirty="0">
-              <a:solidFill>
-                <a:schemeClr val="bg1"/>
-              </a:solidFill>
-            </a:endParaRPr>
-          </a:p>
-          <a:p>
-            <a:r>
-              <a:rPr lang="fr-FR" sz="1100" b="1" dirty="0">
-                <a:solidFill>
-                  <a:srgbClr val="FF85FF"/>
-                </a:solidFill>
-              </a:rPr>
-              <a:t>func</a:t>
-            </a:r>
-            <a:r>
-              <a:rPr lang="fr-FR" sz="1100" dirty="0">
-                <a:solidFill>
-                  <a:schemeClr val="bg1"/>
-                </a:solidFill>
-              </a:rPr>
-              <a:t> </a:t>
-            </a:r>
-            <a:r>
-              <a:rPr lang="fr-FR" sz="1100" dirty="0">
-                <a:solidFill>
-                  <a:srgbClr val="0070C0"/>
-                </a:solidFill>
-              </a:rPr>
-              <a:t>testGivenCantAddAnOperator_WhenAddTheOperator_ThenOperatorIsNotAdded</a:t>
-            </a:r>
-            <a:r>
-              <a:rPr lang="fr-FR" sz="1100" dirty="0">
-                <a:solidFill>
-                  <a:schemeClr val="bg1"/>
-                </a:solidFill>
-              </a:rPr>
-              <a:t>()</a:t>
-            </a:r>
-          </a:p>
-          <a:p>
-            <a:endParaRPr lang="fr-FR" sz="1100" dirty="0">
-              <a:solidFill>
-                <a:schemeClr val="bg1"/>
-              </a:solidFill>
-            </a:endParaRPr>
-          </a:p>
-          <a:p>
-            <a:r>
-              <a:rPr lang="fr-FR" sz="1100" b="1" dirty="0">
-                <a:solidFill>
-                  <a:srgbClr val="FF85FF"/>
-                </a:solidFill>
-              </a:rPr>
-              <a:t>func</a:t>
-            </a:r>
-            <a:r>
-              <a:rPr lang="fr-FR" sz="1100" dirty="0">
-                <a:solidFill>
-                  <a:schemeClr val="bg1"/>
-                </a:solidFill>
-              </a:rPr>
-              <a:t> </a:t>
-            </a:r>
-            <a:r>
-              <a:rPr lang="fr-FR" sz="1100" dirty="0">
-                <a:solidFill>
-                  <a:srgbClr val="0070C0"/>
-                </a:solidFill>
-              </a:rPr>
-              <a:t>testGivenExpressionWithEnoughElements_WhenTestIfEnoughElements_ThenEnoughElements</a:t>
-            </a:r>
-            <a:r>
-              <a:rPr lang="fr-FR" sz="1100" dirty="0">
-                <a:solidFill>
-                  <a:schemeClr val="bg1"/>
-                </a:solidFill>
-              </a:rPr>
-              <a:t>()</a:t>
-            </a:r>
-          </a:p>
-          <a:p>
-            <a:endParaRPr lang="fr-FR" sz="1100" dirty="0">
-              <a:solidFill>
-                <a:schemeClr val="bg1"/>
-              </a:solidFill>
-            </a:endParaRPr>
-          </a:p>
-          <a:p>
-            <a:r>
-              <a:rPr lang="fr-FR" sz="1100" b="1" dirty="0">
-                <a:solidFill>
-                  <a:srgbClr val="FF85FF"/>
-                </a:solidFill>
-              </a:rPr>
-              <a:t>func</a:t>
-            </a:r>
-            <a:r>
-              <a:rPr lang="fr-FR" sz="1100" dirty="0">
-                <a:solidFill>
-                  <a:schemeClr val="bg1"/>
-                </a:solidFill>
-              </a:rPr>
-              <a:t> </a:t>
-            </a:r>
-            <a:r>
-              <a:rPr lang="fr-FR" sz="1100" dirty="0">
-                <a:solidFill>
-                  <a:srgbClr val="0070C0"/>
-                </a:solidFill>
-              </a:rPr>
-              <a:t>testGivenExpressionWithoutEnoughElements_WhenTestIfEnoughElements_ThenNotEnoughElements</a:t>
-            </a:r>
-            <a:r>
-              <a:rPr lang="fr-FR" sz="1100" dirty="0">
-                <a:solidFill>
-                  <a:schemeClr val="bg1"/>
-                </a:solidFill>
-              </a:rPr>
-              <a:t>()</a:t>
-            </a:r>
-          </a:p>
-          <a:p>
-            <a:endParaRPr lang="fr-FR" sz="1100" dirty="0">
-              <a:solidFill>
-                <a:schemeClr val="bg1"/>
-              </a:solidFill>
-            </a:endParaRPr>
-          </a:p>
-          <a:p>
-            <a:r>
-              <a:rPr lang="fr-FR" sz="1100" b="1" dirty="0">
-                <a:solidFill>
-                  <a:srgbClr val="FF85FF"/>
-                </a:solidFill>
-              </a:rPr>
-              <a:t>func</a:t>
-            </a:r>
-            <a:r>
-              <a:rPr lang="fr-FR" sz="1100" dirty="0">
-                <a:solidFill>
-                  <a:schemeClr val="bg1"/>
-                </a:solidFill>
-              </a:rPr>
-              <a:t> </a:t>
-            </a:r>
-            <a:r>
-              <a:rPr lang="fr-FR" sz="1100" dirty="0">
-                <a:solidFill>
-                  <a:srgbClr val="0070C0"/>
-                </a:solidFill>
-              </a:rPr>
-              <a:t>testGivenUnknownOperand_WhenCalculateOperation_ThenReturnNil</a:t>
-            </a:r>
-            <a:r>
-              <a:rPr lang="fr-FR" sz="1100" dirty="0">
-                <a:solidFill>
-                  <a:schemeClr val="bg1"/>
-                </a:solidFill>
-              </a:rPr>
-              <a:t>()</a:t>
-            </a:r>
-          </a:p>
-          <a:p>
-            <a:endParaRPr lang="fr-FR" sz="1100" dirty="0">
-              <a:solidFill>
-                <a:schemeClr val="bg1"/>
-              </a:solidFill>
-            </a:endParaRPr>
-          </a:p>
-          <a:p>
-            <a:r>
-              <a:rPr lang="fr-FR" sz="1100" b="1" dirty="0">
-                <a:solidFill>
-                  <a:srgbClr val="FF85FF"/>
-                </a:solidFill>
-              </a:rPr>
-              <a:t>func</a:t>
-            </a:r>
-            <a:r>
-              <a:rPr lang="fr-FR" sz="1100" dirty="0">
-                <a:solidFill>
-                  <a:schemeClr val="bg1"/>
-                </a:solidFill>
-              </a:rPr>
-              <a:t> </a:t>
-            </a:r>
-            <a:r>
-              <a:rPr lang="fr-FR" sz="1100" dirty="0">
-                <a:solidFill>
-                  <a:srgbClr val="0070C0"/>
-                </a:solidFill>
-              </a:rPr>
-              <a:t>testGivenOperandToAdd_WhenAddingOperand_ThenOperandIsAdded</a:t>
-            </a:r>
-            <a:r>
-              <a:rPr lang="fr-FR" sz="1100" dirty="0">
-                <a:solidFill>
-                  <a:schemeClr val="bg1"/>
-                </a:solidFill>
-              </a:rPr>
-              <a:t>()</a:t>
-            </a:r>
-          </a:p>
-          <a:p>
-            <a:endParaRPr lang="fr-FR" sz="1100" dirty="0">
-              <a:solidFill>
-                <a:schemeClr val="bg1"/>
-              </a:solidFill>
-            </a:endParaRPr>
-          </a:p>
-          <a:p>
-            <a:r>
-              <a:rPr lang="fr-FR" sz="1100" b="1" dirty="0">
-                <a:solidFill>
-                  <a:srgbClr val="FF85FF"/>
-                </a:solidFill>
-              </a:rPr>
-              <a:t>func</a:t>
-            </a:r>
-            <a:r>
-              <a:rPr lang="fr-FR" sz="1100" dirty="0">
-                <a:solidFill>
-                  <a:schemeClr val="bg1"/>
-                </a:solidFill>
-              </a:rPr>
-              <a:t> </a:t>
-            </a:r>
-            <a:r>
-              <a:rPr lang="fr-FR" sz="1100" dirty="0">
-                <a:solidFill>
-                  <a:srgbClr val="0070C0"/>
-                </a:solidFill>
-              </a:rPr>
-              <a:t>testGivenNumberToAdd_WhenAddingNumber_ThenNumberIsAdded</a:t>
-            </a:r>
-            <a:r>
-              <a:rPr lang="fr-FR" sz="1100" dirty="0">
-                <a:solidFill>
-                  <a:schemeClr val="bg1"/>
-                </a:solidFill>
-              </a:rPr>
-              <a:t>()</a:t>
-            </a:r>
-          </a:p>
-          <a:p>
-            <a:endParaRPr lang="fr-FR" sz="1100" dirty="0">
-              <a:solidFill>
-                <a:schemeClr val="bg1"/>
-              </a:solidFill>
-            </a:endParaRPr>
-          </a:p>
-          <a:p>
-            <a:r>
-              <a:rPr lang="fr-FR" sz="1100" b="1" dirty="0">
-                <a:solidFill>
-                  <a:srgbClr val="FF85FF"/>
-                </a:solidFill>
-              </a:rPr>
-              <a:t>func</a:t>
-            </a:r>
-            <a:r>
-              <a:rPr lang="fr-FR" sz="1100" dirty="0">
-                <a:solidFill>
-                  <a:schemeClr val="bg1"/>
-                </a:solidFill>
-              </a:rPr>
-              <a:t> </a:t>
-            </a:r>
-            <a:r>
-              <a:rPr lang="fr-FR" sz="1100" dirty="0">
-                <a:solidFill>
-                  <a:srgbClr val="0070C0"/>
-                </a:solidFill>
-              </a:rPr>
-              <a:t>testGivenStartingOperationWithOperandFollowedBy3_WhenCalculateOperation_ThenResultIs3AndFirstElementIs0</a:t>
-            </a:r>
-            <a:r>
-              <a:rPr lang="fr-FR" sz="1100" dirty="0">
-                <a:solidFill>
-                  <a:schemeClr val="bg1"/>
-                </a:solidFill>
-              </a:rPr>
-              <a:t>()</a:t>
-            </a:r>
-          </a:p>
-          <a:p>
-            <a:endParaRPr lang="fr-FR" sz="1100" dirty="0">
-              <a:solidFill>
-                <a:schemeClr val="bg1"/>
-              </a:solidFill>
-            </a:endParaRPr>
-          </a:p>
-          <a:p>
-            <a:r>
-              <a:rPr lang="fr-FR" sz="1100" b="1" dirty="0">
-                <a:solidFill>
-                  <a:srgbClr val="FF85FF"/>
-                </a:solidFill>
-              </a:rPr>
-              <a:t>func</a:t>
-            </a:r>
-            <a:r>
-              <a:rPr lang="fr-FR" sz="1100" dirty="0">
-                <a:solidFill>
-                  <a:schemeClr val="bg1"/>
-                </a:solidFill>
-              </a:rPr>
-              <a:t> </a:t>
-            </a:r>
-            <a:r>
-              <a:rPr lang="fr-FR" sz="1100" dirty="0">
-                <a:solidFill>
-                  <a:srgbClr val="0070C0"/>
-                </a:solidFill>
-              </a:rPr>
-              <a:t>testGivenFinishedOperation_WhenAddingNewElements_ThenOperationContinue</a:t>
-            </a:r>
-            <a:r>
-              <a:rPr lang="fr-FR" sz="1100" dirty="0">
-                <a:solidFill>
-                  <a:schemeClr val="bg1"/>
-                </a:solidFill>
-              </a:rPr>
-              <a:t>()</a:t>
-            </a:r>
-          </a:p>
-          <a:p>
-            <a:endParaRPr lang="fr-FR" sz="1100" dirty="0">
-              <a:solidFill>
-                <a:schemeClr val="bg1"/>
-              </a:solidFill>
-            </a:endParaRPr>
-          </a:p>
-          <a:p>
-            <a:r>
-              <a:rPr lang="fr-FR" sz="1100" b="1" dirty="0">
-                <a:solidFill>
-                  <a:srgbClr val="FF85FF"/>
-                </a:solidFill>
-              </a:rPr>
-              <a:t>func</a:t>
-            </a:r>
-            <a:r>
-              <a:rPr lang="fr-FR" sz="1100" dirty="0">
-                <a:solidFill>
-                  <a:schemeClr val="bg1"/>
-                </a:solidFill>
-              </a:rPr>
-              <a:t> </a:t>
-            </a:r>
-            <a:r>
-              <a:rPr lang="fr-FR" sz="1100" dirty="0">
-                <a:solidFill>
-                  <a:srgbClr val="0070C0"/>
-                </a:solidFill>
-              </a:rPr>
-              <a:t>testGivenADivisionBy0_WhenCalculateOperation_ThenReturnDividedBy0</a:t>
-            </a:r>
-            <a:r>
-              <a:rPr lang="fr-FR" sz="1100" dirty="0">
-                <a:solidFill>
-                  <a:schemeClr val="bg1"/>
-                </a:solidFill>
-              </a:rPr>
-              <a:t>()</a:t>
-            </a:r>
-          </a:p>
-          <a:p>
-            <a:endParaRPr lang="fr-FR" sz="1100" dirty="0">
-              <a:solidFill>
-                <a:schemeClr val="bg1"/>
-              </a:solidFill>
-            </a:endParaRPr>
-          </a:p>
-          <a:p>
-            <a:r>
-              <a:rPr lang="fr-FR" sz="1100" b="1" dirty="0">
-                <a:solidFill>
-                  <a:srgbClr val="FF85FF"/>
-                </a:solidFill>
-              </a:rPr>
-              <a:t>func</a:t>
-            </a:r>
-            <a:r>
-              <a:rPr lang="fr-FR" sz="1100" dirty="0">
-                <a:solidFill>
-                  <a:schemeClr val="bg1"/>
-                </a:solidFill>
-              </a:rPr>
-              <a:t> </a:t>
-            </a:r>
-            <a:r>
-              <a:rPr lang="fr-FR" sz="1100" dirty="0">
-                <a:solidFill>
-                  <a:srgbClr val="0070C0"/>
-                </a:solidFill>
-              </a:rPr>
-              <a:t>testGivenCorrectCommaOperation_WhenCalculateOperation_ThenOperationSuccess</a:t>
-            </a:r>
-            <a:r>
-              <a:rPr lang="fr-FR" sz="1100" dirty="0">
-                <a:solidFill>
-                  <a:schemeClr val="bg1"/>
-                </a:solidFill>
-              </a:rPr>
-              <a:t>()</a:t>
-            </a:r>
-          </a:p>
-          <a:p>
-            <a:endParaRPr lang="fr-FR" sz="1100" dirty="0">
-              <a:solidFill>
-                <a:schemeClr val="bg1"/>
-              </a:solidFill>
-            </a:endParaRPr>
-          </a:p>
-          <a:p>
-            <a:r>
-              <a:rPr lang="fr-FR" sz="1100" b="1" dirty="0">
-                <a:solidFill>
-                  <a:srgbClr val="FF85FF"/>
-                </a:solidFill>
-              </a:rPr>
-              <a:t>func</a:t>
-            </a:r>
-            <a:r>
-              <a:rPr lang="fr-FR" sz="1100" dirty="0">
-                <a:solidFill>
-                  <a:schemeClr val="bg1"/>
-                </a:solidFill>
-              </a:rPr>
-              <a:t> </a:t>
-            </a:r>
-            <a:r>
-              <a:rPr lang="fr-FR" sz="1100" dirty="0">
-                <a:solidFill>
-                  <a:srgbClr val="0070C0"/>
-                </a:solidFill>
-              </a:rPr>
-              <a:t>testGivenOperationWithComma_WhenAddAnotherCommaInARow_ThenExepressionAlreadyHaveCommaIsTrue</a:t>
-            </a:r>
-            <a:r>
-              <a:rPr lang="fr-FR" sz="1100" dirty="0">
-                <a:solidFill>
-                  <a:schemeClr val="bg1"/>
-                </a:solidFill>
-              </a:rPr>
-              <a:t>()</a:t>
-            </a:r>
-          </a:p>
-          <a:p>
-            <a:endParaRPr lang="fr-FR" sz="1100" dirty="0">
-              <a:solidFill>
-                <a:schemeClr val="bg1"/>
-              </a:solidFill>
-            </a:endParaRPr>
-          </a:p>
-          <a:p>
-            <a:r>
-              <a:rPr lang="fr-FR" sz="1100" b="1" dirty="0">
-                <a:solidFill>
-                  <a:srgbClr val="FF85FF"/>
-                </a:solidFill>
-              </a:rPr>
-              <a:t>func</a:t>
-            </a:r>
-            <a:r>
-              <a:rPr lang="fr-FR" sz="1100" dirty="0">
-                <a:solidFill>
-                  <a:schemeClr val="bg1"/>
-                </a:solidFill>
-              </a:rPr>
-              <a:t> </a:t>
-            </a:r>
-            <a:r>
-              <a:rPr lang="fr-FR" sz="1100" dirty="0">
-                <a:solidFill>
-                  <a:srgbClr val="0070C0"/>
-                </a:solidFill>
-              </a:rPr>
-              <a:t>testGivenAnOperation_WhenAddingComma_ThenCommaIsAdded</a:t>
-            </a:r>
-            <a:r>
-              <a:rPr lang="fr-FR" sz="1100" dirty="0">
-                <a:solidFill>
-                  <a:schemeClr val="bg1"/>
-                </a:solidFill>
-              </a:rPr>
-              <a:t>()</a:t>
-            </a:r>
-          </a:p>
-          <a:p>
-            <a:endParaRPr lang="fr-FR" sz="1100" dirty="0">
-              <a:solidFill>
-                <a:schemeClr val="bg1"/>
-              </a:solidFill>
-            </a:endParaRPr>
-          </a:p>
-          <a:p>
-            <a:endParaRPr lang="fr-FR" sz="1100" dirty="0">
-              <a:solidFill>
-                <a:schemeClr val="bg1"/>
-              </a:solidFill>
-            </a:endParaRPr>
-          </a:p>
-        </p:txBody>
-      </p:sp>
-    </p:spTree>
-    <p:extLst>
-      <p:ext uri="{BB962C8B-B14F-4D97-AF65-F5344CB8AC3E}">
-        <p14:creationId xmlns:p14="http://schemas.microsoft.com/office/powerpoint/2010/main" val="2985171366"/>
-      </p:ext>
-    </p:extLst>
-  </p:cSld>
-  <p:clrMapOvr>
-    <a:masterClrMapping/>
-  </p:clrMapOvr>
-</p:sld>
-</file>
-
-<file path=ppt/slides/slide8.xml><?xml version="1.0" encoding="utf-8"?>
 <p:sld xmlns:a="http://schemas.openxmlformats.org/drawingml/2006/main" xmlns:r="http://schemas.openxmlformats.org/officeDocument/2006/relationships" xmlns:p="http://schemas.openxmlformats.org/presentationml/2006/main">
   <p:cSld>
     <p:bg>
@@ -17712,7 +16733,7 @@
 </p:sld>
 </file>
 
-<file path=ppt/slides/slide9.xml><?xml version="1.0" encoding="utf-8"?>
+<file path=ppt/slides/slide8.xml><?xml version="1.0" encoding="utf-8"?>
 <p:sld xmlns:a="http://schemas.openxmlformats.org/drawingml/2006/main" xmlns:r="http://schemas.openxmlformats.org/officeDocument/2006/relationships" xmlns:p="http://schemas.openxmlformats.org/presentationml/2006/main">
   <p:cSld>
     <p:spTree>

--- a/Horn_Mickael_2_presentation_022122.pptx
+++ b/Horn_Mickael_2_presentation_022122.pptx
@@ -11,8 +11,9 @@
     <p:sldId id="260" r:id="rId5"/>
     <p:sldId id="261" r:id="rId6"/>
     <p:sldId id="262" r:id="rId7"/>
-    <p:sldId id="259" r:id="rId8"/>
-    <p:sldId id="263" r:id="rId9"/>
+    <p:sldId id="264" r:id="rId8"/>
+    <p:sldId id="259" r:id="rId9"/>
+    <p:sldId id="263" r:id="rId10"/>
   </p:sldIdLst>
   <p:sldSz cx="12192000" cy="6858000"/>
   <p:notesSz cx="6858000" cy="9144000"/>
@@ -2920,7 +2921,7 @@
           <a:p>
             <a:fld id="{82EDB8D0-98ED-4B86-9D5F-E61ADC70144D}" type="datetimeFigureOut">
               <a:rPr lang="en-US" smtClean="0"/>
-              <a:t>3/28/22</a:t>
+              <a:t>4/4/22</a:t>
             </a:fld>
             <a:endParaRPr lang="en-US" dirty="0"/>
           </a:p>
@@ -3335,7 +3336,7 @@
           <a:p>
             <a:fld id="{82EDB8D0-98ED-4B86-9D5F-E61ADC70144D}" type="datetimeFigureOut">
               <a:rPr lang="en-US" smtClean="0"/>
-              <a:t>3/28/22</a:t>
+              <a:t>4/4/22</a:t>
             </a:fld>
             <a:endParaRPr lang="en-US" dirty="0"/>
           </a:p>
@@ -3827,7 +3828,7 @@
           <a:p>
             <a:fld id="{82EDB8D0-98ED-4B86-9D5F-E61ADC70144D}" type="datetimeFigureOut">
               <a:rPr lang="en-US" smtClean="0"/>
-              <a:t>3/28/22</a:t>
+              <a:t>4/4/22</a:t>
             </a:fld>
             <a:endParaRPr lang="en-US" dirty="0"/>
           </a:p>
@@ -4314,7 +4315,7 @@
           <a:p>
             <a:fld id="{82EDB8D0-98ED-4B86-9D5F-E61ADC70144D}" type="datetimeFigureOut">
               <a:rPr lang="en-US" smtClean="0"/>
-              <a:t>3/28/22</a:t>
+              <a:t>4/4/22</a:t>
             </a:fld>
             <a:endParaRPr lang="en-US" dirty="0"/>
           </a:p>
@@ -5083,7 +5084,7 @@
           <a:p>
             <a:fld id="{82EDB8D0-98ED-4B86-9D5F-E61ADC70144D}" type="datetimeFigureOut">
               <a:rPr lang="en-US" smtClean="0"/>
-              <a:t>3/28/22</a:t>
+              <a:t>4/4/22</a:t>
             </a:fld>
             <a:endParaRPr lang="en-US" dirty="0"/>
           </a:p>
@@ -5565,7 +5566,7 @@
           <a:p>
             <a:fld id="{82EDB8D0-98ED-4B86-9D5F-E61ADC70144D}" type="datetimeFigureOut">
               <a:rPr lang="en-US" smtClean="0"/>
-              <a:t>3/28/22</a:t>
+              <a:t>4/4/22</a:t>
             </a:fld>
             <a:endParaRPr lang="en-US" dirty="0"/>
           </a:p>
@@ -6261,7 +6262,7 @@
           <a:p>
             <a:fld id="{82EDB8D0-98ED-4B86-9D5F-E61ADC70144D}" type="datetimeFigureOut">
               <a:rPr lang="en-US" smtClean="0"/>
-              <a:t>3/28/22</a:t>
+              <a:t>4/4/22</a:t>
             </a:fld>
             <a:endParaRPr lang="en-US" dirty="0"/>
           </a:p>
@@ -6686,7 +6687,7 @@
           <a:p>
             <a:fld id="{82EDB8D0-98ED-4B86-9D5F-E61ADC70144D}" type="datetimeFigureOut">
               <a:rPr lang="en-US" smtClean="0"/>
-              <a:t>3/28/22</a:t>
+              <a:t>4/4/22</a:t>
             </a:fld>
             <a:endParaRPr lang="en-US" dirty="0"/>
           </a:p>
@@ -7083,7 +7084,7 @@
           <a:p>
             <a:fld id="{82EDB8D0-98ED-4B86-9D5F-E61ADC70144D}" type="datetimeFigureOut">
               <a:rPr lang="en-US" smtClean="0"/>
-              <a:t>3/28/22</a:t>
+              <a:t>4/4/22</a:t>
             </a:fld>
             <a:endParaRPr lang="en-US" dirty="0"/>
           </a:p>
@@ -7678,7 +7679,7 @@
           <a:p>
             <a:fld id="{82EDB8D0-98ED-4B86-9D5F-E61ADC70144D}" type="datetimeFigureOut">
               <a:rPr lang="en-US" smtClean="0"/>
-              <a:t>3/28/22</a:t>
+              <a:t>4/4/22</a:t>
             </a:fld>
             <a:endParaRPr lang="en-US" dirty="0"/>
           </a:p>
@@ -8253,7 +8254,7 @@
           <a:p>
             <a:fld id="{82EDB8D0-98ED-4B86-9D5F-E61ADC70144D}" type="datetimeFigureOut">
               <a:rPr lang="en-US" smtClean="0"/>
-              <a:t>3/28/22</a:t>
+              <a:t>4/4/22</a:t>
             </a:fld>
             <a:endParaRPr lang="en-US" dirty="0"/>
           </a:p>
@@ -8780,7 +8781,7 @@
             <a:fld id="{82EDB8D0-98ED-4B86-9D5F-E61ADC70144D}" type="datetimeFigureOut">
               <a:rPr lang="en-US" smtClean="0"/>
               <a:pPr/>
-              <a:t>3/28/22</a:t>
+              <a:t>4/4/22</a:t>
             </a:fld>
             <a:endParaRPr lang="en-US" dirty="0"/>
           </a:p>
@@ -10226,7 +10227,7 @@
         </p:spPr>
         <p:txBody>
           <a:bodyPr>
-            <a:normAutofit fontScale="85000" lnSpcReduction="20000"/>
+            <a:normAutofit fontScale="77500" lnSpcReduction="20000"/>
           </a:bodyPr>
           <a:lstStyle/>
           <a:p>
@@ -10266,6 +10267,13 @@
             <a:r>
               <a:rPr lang="fr-FR" dirty="0"/>
               <a:t>Count.swift</a:t>
+            </a:r>
+          </a:p>
+          <a:p>
+            <a:pPr lvl="1"/>
+            <a:r>
+              <a:rPr lang="fr-FR" dirty="0"/>
+              <a:t>EnumErrors.swift</a:t>
             </a:r>
           </a:p>
           <a:p>
@@ -12858,7 +12866,7 @@
         </p:nvSpPr>
         <p:spPr>
           <a:xfrm>
-            <a:off x="1046371" y="2037170"/>
+            <a:off x="775853" y="2037877"/>
             <a:ext cx="2116220" cy="369332"/>
           </a:xfrm>
           <a:prstGeom prst="rect">
@@ -12897,7 +12905,7 @@
         </p:nvSpPr>
         <p:spPr>
           <a:xfrm>
-            <a:off x="5246093" y="2040846"/>
+            <a:off x="5045677" y="2040846"/>
             <a:ext cx="1362874" cy="369332"/>
           </a:xfrm>
           <a:prstGeom prst="rect">
@@ -13926,7 +13934,7 @@
         <p:spPr>
           <a:xfrm>
             <a:off x="7937184" y="2742114"/>
-            <a:ext cx="4622753" cy="5693866"/>
+            <a:ext cx="4622753" cy="3108543"/>
           </a:xfrm>
           <a:prstGeom prst="rect">
             <a:avLst/>
@@ -13939,100 +13947,6 @@
           </a:bodyPr>
           <a:lstStyle/>
           <a:p>
-            <a:r>
-              <a:rPr lang="fr-FR" sz="1400" b="1" dirty="0">
-                <a:solidFill>
-                  <a:schemeClr val="accent1">
-                    <a:lumMod val="75000"/>
-                  </a:schemeClr>
-                </a:solidFill>
-              </a:rPr>
-              <a:t>private</a:t>
-            </a:r>
-            <a:r>
-              <a:rPr lang="fr-FR" sz="1400" dirty="0">
-                <a:solidFill>
-                  <a:schemeClr val="accent1">
-                    <a:lumMod val="75000"/>
-                  </a:schemeClr>
-                </a:solidFill>
-              </a:rPr>
-              <a:t> </a:t>
-            </a:r>
-            <a:r>
-              <a:rPr lang="fr-FR" sz="1400" b="1" dirty="0">
-                <a:solidFill>
-                  <a:schemeClr val="accent1">
-                    <a:lumMod val="75000"/>
-                  </a:schemeClr>
-                </a:solidFill>
-              </a:rPr>
-              <a:t>func</a:t>
-            </a:r>
-            <a:r>
-              <a:rPr lang="fr-FR" sz="1400" dirty="0">
-                <a:solidFill>
-                  <a:schemeClr val="accent1">
-                    <a:lumMod val="75000"/>
-                  </a:schemeClr>
-                </a:solidFill>
-              </a:rPr>
-              <a:t> </a:t>
-            </a:r>
-            <a:r>
-              <a:rPr lang="fr-FR" sz="1400" dirty="0">
-                <a:solidFill>
-                  <a:schemeClr val="accent6">
-                    <a:lumMod val="75000"/>
-                  </a:schemeClr>
-                </a:solidFill>
-              </a:rPr>
-              <a:t>isTheOperationPossible</a:t>
-            </a:r>
-            <a:r>
-              <a:rPr lang="fr-FR" sz="1400" dirty="0">
-                <a:solidFill>
-                  <a:schemeClr val="bg1"/>
-                </a:solidFill>
-              </a:rPr>
-              <a:t>(</a:t>
-            </a:r>
-            <a:r>
-              <a:rPr lang="fr-FR" sz="1400" dirty="0">
-                <a:solidFill>
-                  <a:schemeClr val="accent6">
-                    <a:lumMod val="75000"/>
-                  </a:schemeClr>
-                </a:solidFill>
-              </a:rPr>
-              <a:t>button</a:t>
-            </a:r>
-            <a:r>
-              <a:rPr lang="fr-FR" sz="1400" dirty="0">
-                <a:solidFill>
-                  <a:schemeClr val="bg1"/>
-                </a:solidFill>
-              </a:rPr>
-              <a:t>: </a:t>
-            </a:r>
-            <a:r>
-              <a:rPr lang="fr-FR" sz="1400" dirty="0">
-                <a:solidFill>
-                  <a:srgbClr val="FF85FF"/>
-                </a:solidFill>
-              </a:rPr>
-              <a:t>UIButton</a:t>
-            </a:r>
-            <a:r>
-              <a:rPr lang="fr-FR" sz="1400" dirty="0">
-                <a:solidFill>
-                  <a:schemeClr val="bg1"/>
-                </a:solidFill>
-              </a:rPr>
-              <a:t>)</a:t>
-            </a:r>
-          </a:p>
-          <a:p>
             <a:endParaRPr lang="fr-FR" sz="1400" dirty="0">
               <a:solidFill>
                 <a:srgbClr val="000000"/>
@@ -14222,7 +14136,7 @@
                   </a:schemeClr>
                 </a:solidFill>
               </a:rPr>
-              <a:t>incorrectExpressionError</a:t>
+              <a:t>createError</a:t>
             </a:r>
             <a:r>
               <a:rPr lang="fr-FR" sz="1400" dirty="0">
@@ -14230,56 +14144,7 @@
                   <a:schemeClr val="bg1"/>
                 </a:solidFill>
               </a:rPr>
-              <a:t>()</a:t>
-            </a:r>
-          </a:p>
-          <a:p>
-            <a:endParaRPr lang="fr-FR" sz="1400" dirty="0">
-              <a:solidFill>
-                <a:srgbClr val="000000"/>
-              </a:solidFill>
-            </a:endParaRPr>
-          </a:p>
-          <a:p>
-            <a:r>
-              <a:rPr lang="fr-FR" sz="1400" b="1" dirty="0">
-                <a:solidFill>
-                  <a:schemeClr val="accent1">
-                    <a:lumMod val="75000"/>
-                  </a:schemeClr>
-                </a:solidFill>
-              </a:rPr>
-              <a:t>private</a:t>
-            </a:r>
-            <a:r>
-              <a:rPr lang="fr-FR" sz="1400" dirty="0">
-                <a:solidFill>
-                  <a:schemeClr val="accent1">
-                    <a:lumMod val="75000"/>
-                  </a:schemeClr>
-                </a:solidFill>
-              </a:rPr>
-              <a:t> </a:t>
-            </a:r>
-            <a:r>
-              <a:rPr lang="fr-FR" sz="1400" b="1" dirty="0">
-                <a:solidFill>
-                  <a:schemeClr val="accent1">
-                    <a:lumMod val="75000"/>
-                  </a:schemeClr>
-                </a:solidFill>
-              </a:rPr>
-              <a:t>func</a:t>
-            </a:r>
-            <a:r>
-              <a:rPr lang="fr-FR" sz="1400" dirty="0">
-                <a:solidFill>
-                  <a:schemeClr val="accent1">
-                    <a:lumMod val="75000"/>
-                  </a:schemeClr>
-                </a:solidFill>
-              </a:rPr>
-              <a:t> </a:t>
+              <a:t>(</a:t>
             </a:r>
             <a:r>
               <a:rPr lang="fr-FR" sz="1400" dirty="0">
@@ -14289,7 +14154,7 @@
                   </a:schemeClr>
                 </a:solidFill>
               </a:rPr>
-              <a:t>notEnoughElementsError</a:t>
+              <a:t>message</a:t>
             </a:r>
             <a:r>
               <a:rPr lang="fr-FR" sz="1400" dirty="0">
@@ -14297,275 +14162,23 @@
                   <a:schemeClr val="bg1"/>
                 </a:solidFill>
               </a:rPr>
-              <a:t>()</a:t>
-            </a:r>
-          </a:p>
-          <a:p>
-            <a:endParaRPr lang="fr-FR" sz="1400" dirty="0">
-              <a:solidFill>
-                <a:srgbClr val="000000"/>
-              </a:solidFill>
-            </a:endParaRPr>
-          </a:p>
-          <a:p>
-            <a:r>
-              <a:rPr lang="fr-FR" sz="1400" b="1" dirty="0">
-                <a:solidFill>
-                  <a:schemeClr val="accent1">
-                    <a:lumMod val="75000"/>
-                  </a:schemeClr>
-                </a:solidFill>
-              </a:rPr>
-              <a:t>private</a:t>
+              <a:t>: </a:t>
             </a:r>
             <a:r>
               <a:rPr lang="fr-FR" sz="1400" dirty="0">
                 <a:solidFill>
-                  <a:schemeClr val="accent1">
-                    <a:lumMod val="75000"/>
-                  </a:schemeClr>
-                </a:solidFill>
-              </a:rPr>
-              <a:t> </a:t>
-            </a:r>
-            <a:r>
-              <a:rPr lang="fr-FR" sz="1400" b="1" dirty="0">
-                <a:solidFill>
-                  <a:schemeClr val="accent1">
-                    <a:lumMod val="75000"/>
-                  </a:schemeClr>
-                </a:solidFill>
-              </a:rPr>
-              <a:t>func</a:t>
+                  <a:srgbClr val="FF85FF"/>
+                </a:solidFill>
+              </a:rPr>
+              <a:t>String</a:t>
             </a:r>
             <a:r>
               <a:rPr lang="fr-FR" sz="1400" dirty="0">
                 <a:solidFill>
-                  <a:schemeClr val="accent1">
-                    <a:lumMod val="75000"/>
-                  </a:schemeClr>
-                </a:solidFill>
-              </a:rPr>
-              <a:t> </a:t>
-            </a:r>
-            <a:r>
-              <a:rPr lang="fr-FR" sz="1400" dirty="0">
-                <a:solidFill>
-                  <a:schemeClr val="accent6">
-                    <a:lumMod val="75000"/>
-                  </a:schemeClr>
-                </a:solidFill>
-              </a:rPr>
-              <a:t>unknownOperandError</a:t>
-            </a:r>
-            <a:r>
-              <a:rPr lang="fr-FR" sz="1400" dirty="0">
-                <a:solidFill>
                   <a:schemeClr val="bg1"/>
                 </a:solidFill>
               </a:rPr>
-              <a:t>()</a:t>
-            </a:r>
-          </a:p>
-          <a:p>
-            <a:endParaRPr lang="fr-FR" sz="1400" dirty="0">
-              <a:solidFill>
-                <a:srgbClr val="000000"/>
-              </a:solidFill>
-            </a:endParaRPr>
-          </a:p>
-          <a:p>
-            <a:r>
-              <a:rPr lang="fr-FR" sz="1400" b="1" dirty="0">
-                <a:solidFill>
-                  <a:schemeClr val="accent1">
-                    <a:lumMod val="75000"/>
-                  </a:schemeClr>
-                </a:solidFill>
-              </a:rPr>
-              <a:t>private</a:t>
-            </a:r>
-            <a:r>
-              <a:rPr lang="fr-FR" sz="1400" dirty="0">
-                <a:solidFill>
-                  <a:schemeClr val="accent1">
-                    <a:lumMod val="75000"/>
-                  </a:schemeClr>
-                </a:solidFill>
-              </a:rPr>
-              <a:t> </a:t>
-            </a:r>
-            <a:r>
-              <a:rPr lang="fr-FR" sz="1400" b="1" dirty="0">
-                <a:solidFill>
-                  <a:schemeClr val="accent1">
-                    <a:lumMod val="75000"/>
-                  </a:schemeClr>
-                </a:solidFill>
-              </a:rPr>
-              <a:t>func</a:t>
-            </a:r>
-            <a:r>
-              <a:rPr lang="fr-FR" sz="1400" dirty="0">
-                <a:solidFill>
-                  <a:schemeClr val="accent1">
-                    <a:lumMod val="75000"/>
-                  </a:schemeClr>
-                </a:solidFill>
-              </a:rPr>
-              <a:t> </a:t>
-            </a:r>
-            <a:r>
-              <a:rPr lang="fr-FR" sz="1400" dirty="0">
-                <a:solidFill>
-                  <a:schemeClr val="accent6">
-                    <a:lumMod val="75000"/>
-                  </a:schemeClr>
-                </a:solidFill>
-              </a:rPr>
-              <a:t>operandAlreadySetError</a:t>
-            </a:r>
-            <a:r>
-              <a:rPr lang="fr-FR" sz="1400" dirty="0">
-                <a:solidFill>
-                  <a:schemeClr val="bg1"/>
-                </a:solidFill>
-              </a:rPr>
-              <a:t>()</a:t>
-            </a:r>
-          </a:p>
-          <a:p>
-            <a:endParaRPr lang="fr-FR" sz="1400" dirty="0">
-              <a:solidFill>
-                <a:srgbClr val="000000"/>
-              </a:solidFill>
-            </a:endParaRPr>
-          </a:p>
-          <a:p>
-            <a:r>
-              <a:rPr lang="fr-FR" sz="1400" b="1" dirty="0">
-                <a:solidFill>
-                  <a:schemeClr val="accent1">
-                    <a:lumMod val="75000"/>
-                  </a:schemeClr>
-                </a:solidFill>
-              </a:rPr>
-              <a:t>private</a:t>
-            </a:r>
-            <a:r>
-              <a:rPr lang="fr-FR" sz="1400" dirty="0">
-                <a:solidFill>
-                  <a:schemeClr val="accent1">
-                    <a:lumMod val="75000"/>
-                  </a:schemeClr>
-                </a:solidFill>
-              </a:rPr>
-              <a:t> </a:t>
-            </a:r>
-            <a:r>
-              <a:rPr lang="fr-FR" sz="1400" b="1" dirty="0">
-                <a:solidFill>
-                  <a:schemeClr val="accent1">
-                    <a:lumMod val="75000"/>
-                  </a:schemeClr>
-                </a:solidFill>
-              </a:rPr>
-              <a:t>func</a:t>
-            </a:r>
-            <a:r>
-              <a:rPr lang="fr-FR" sz="1400" dirty="0">
-                <a:solidFill>
-                  <a:schemeClr val="accent1">
-                    <a:lumMod val="75000"/>
-                  </a:schemeClr>
-                </a:solidFill>
-              </a:rPr>
-              <a:t> </a:t>
-            </a:r>
-            <a:r>
-              <a:rPr lang="fr-FR" sz="1400" dirty="0">
-                <a:solidFill>
-                  <a:schemeClr val="accent6">
-                    <a:lumMod val="75000"/>
-                  </a:schemeClr>
-                </a:solidFill>
-              </a:rPr>
-              <a:t>dividedBy0Error</a:t>
-            </a:r>
-            <a:r>
-              <a:rPr lang="fr-FR" sz="1400" dirty="0">
-                <a:solidFill>
-                  <a:schemeClr val="bg1"/>
-                </a:solidFill>
-              </a:rPr>
-              <a:t>()</a:t>
-            </a:r>
-          </a:p>
-          <a:p>
-            <a:endParaRPr lang="fr-FR" sz="1400" dirty="0">
-              <a:solidFill>
-                <a:srgbClr val="000000"/>
-              </a:solidFill>
-            </a:endParaRPr>
-          </a:p>
-          <a:p>
-            <a:r>
-              <a:rPr lang="fr-FR" sz="1400" b="1" dirty="0">
-                <a:solidFill>
-                  <a:schemeClr val="accent1">
-                    <a:lumMod val="75000"/>
-                  </a:schemeClr>
-                </a:solidFill>
-              </a:rPr>
-              <a:t>private</a:t>
-            </a:r>
-            <a:r>
-              <a:rPr lang="fr-FR" sz="1400" dirty="0">
-                <a:solidFill>
-                  <a:schemeClr val="accent1">
-                    <a:lumMod val="75000"/>
-                  </a:schemeClr>
-                </a:solidFill>
-              </a:rPr>
-              <a:t> </a:t>
-            </a:r>
-            <a:r>
-              <a:rPr lang="fr-FR" sz="1400" b="1" dirty="0">
-                <a:solidFill>
-                  <a:schemeClr val="accent1">
-                    <a:lumMod val="75000"/>
-                  </a:schemeClr>
-                </a:solidFill>
-              </a:rPr>
-              <a:t>func</a:t>
-            </a:r>
-            <a:r>
-              <a:rPr lang="fr-FR" sz="1400" dirty="0">
-                <a:solidFill>
-                  <a:schemeClr val="accent1">
-                    <a:lumMod val="75000"/>
-                  </a:schemeClr>
-                </a:solidFill>
-              </a:rPr>
-              <a:t> </a:t>
-            </a:r>
-            <a:r>
-              <a:rPr lang="fr-FR" sz="1400" dirty="0">
-                <a:solidFill>
-                  <a:schemeClr val="accent6">
-                    <a:lumMod val="75000"/>
-                  </a:schemeClr>
-                </a:solidFill>
-              </a:rPr>
-              <a:t>doubleCommaError</a:t>
-            </a:r>
-            <a:r>
-              <a:rPr lang="fr-FR" sz="1400" dirty="0">
-                <a:solidFill>
-                  <a:schemeClr val="bg1"/>
-                </a:solidFill>
-              </a:rPr>
-              <a:t>()</a:t>
+              <a:t>)</a:t>
             </a:r>
           </a:p>
           <a:p>
@@ -14636,7 +14249,7 @@
         </p:nvSpPr>
         <p:spPr>
           <a:xfrm>
-            <a:off x="9476359" y="2040846"/>
+            <a:off x="9438781" y="2040846"/>
             <a:ext cx="1204369" cy="369332"/>
           </a:xfrm>
           <a:prstGeom prst="rect">
@@ -14928,7 +14541,11 @@
           <a:lstStyle/>
           <a:p>
             <a:pPr algn="ctr"/>
-            <a:endParaRPr lang="fr-FR" dirty="0"/>
+            <a:endParaRPr lang="fr-FR" dirty="0">
+              <a:solidFill>
+                <a:srgbClr val="E72958"/>
+              </a:solidFill>
+            </a:endParaRPr>
           </a:p>
         </p:txBody>
       </p:sp>
@@ -14985,7 +14602,7 @@
         </p:nvSpPr>
         <p:spPr>
           <a:xfrm>
-            <a:off x="8752567" y="2043140"/>
+            <a:off x="8489521" y="2043140"/>
             <a:ext cx="1204369" cy="369332"/>
           </a:xfrm>
           <a:prstGeom prst="rect">
@@ -15025,7 +14642,7 @@
         <p:spPr>
           <a:xfrm>
             <a:off x="807412" y="3177387"/>
-            <a:ext cx="4260715" cy="2031325"/>
+            <a:ext cx="4260715" cy="1815882"/>
           </a:xfrm>
           <a:prstGeom prst="rect">
             <a:avLst/>
@@ -15289,56 +14906,6 @@
                 <a:schemeClr val="bg1"/>
               </a:solidFill>
             </a:endParaRPr>
-          </a:p>
-          <a:p>
-            <a:r>
-              <a:rPr lang="fr-FR" sz="1400" dirty="0">
-                <a:solidFill>
-                  <a:schemeClr val="bg1"/>
-                </a:solidFill>
-              </a:rPr>
-              <a:t>    </a:t>
-            </a:r>
-            <a:r>
-              <a:rPr lang="fr-FR" sz="1400" b="1" dirty="0">
-                <a:solidFill>
-                  <a:srgbClr val="E72958"/>
-                </a:solidFill>
-              </a:rPr>
-              <a:t>var</a:t>
-            </a:r>
-            <a:r>
-              <a:rPr lang="fr-FR" sz="1400" dirty="0">
-                <a:solidFill>
-                  <a:schemeClr val="bg1"/>
-                </a:solidFill>
-              </a:rPr>
-              <a:t> </a:t>
-            </a:r>
-            <a:r>
-              <a:rPr lang="fr-FR" sz="1400" dirty="0">
-                <a:solidFill>
-                  <a:srgbClr val="0070C0"/>
-                </a:solidFill>
-              </a:rPr>
-              <a:t>exepressionAlreadyHaveComma</a:t>
-            </a:r>
-            <a:r>
-              <a:rPr lang="fr-FR" sz="1400" dirty="0">
-                <a:solidFill>
-                  <a:schemeClr val="bg1"/>
-                </a:solidFill>
-              </a:rPr>
-              <a:t>: </a:t>
-            </a:r>
-            <a:r>
-              <a:rPr lang="fr-FR" sz="1400" dirty="0">
-                <a:solidFill>
-                  <a:srgbClr val="FF85FF"/>
-                </a:solidFill>
-              </a:rPr>
-              <a:t>Bool</a:t>
-            </a:r>
           </a:p>
         </p:txBody>
       </p:sp>
@@ -15400,7 +14967,23 @@
                   <a:schemeClr val="bg1"/>
                 </a:solidFill>
               </a:rPr>
-              <a:t>() -&gt; [</a:t>
+              <a:t>() </a:t>
+            </a:r>
+            <a:r>
+              <a:rPr lang="fr-FR" sz="1400" dirty="0">
+                <a:solidFill>
+                  <a:srgbClr val="E72958"/>
+                </a:solidFill>
+              </a:rPr>
+              <a:t>throws</a:t>
+            </a:r>
+            <a:r>
+              <a:rPr lang="fr-FR" sz="1400" dirty="0">
+                <a:solidFill>
+                  <a:schemeClr val="bg1"/>
+                </a:solidFill>
+              </a:rPr>
+              <a:t> -&gt; [</a:t>
             </a:r>
             <a:r>
               <a:rPr lang="fr-FR" sz="1400" dirty="0">
@@ -15562,7 +15145,15 @@
                   <a:schemeClr val="bg1"/>
                 </a:solidFill>
               </a:rPr>
-              <a:t>)</a:t>
+              <a:t>) </a:t>
+            </a:r>
+            <a:r>
+              <a:rPr lang="fr-FR" sz="1400" dirty="0">
+                <a:solidFill>
+                  <a:srgbClr val="E72958"/>
+                </a:solidFill>
+              </a:rPr>
+              <a:t>throws</a:t>
             </a:r>
           </a:p>
           <a:p>
@@ -15603,7 +15194,15 @@
                   <a:schemeClr val="bg1"/>
                 </a:solidFill>
               </a:rPr>
-              <a:t>()</a:t>
+              <a:t>() </a:t>
+            </a:r>
+            <a:r>
+              <a:rPr lang="fr-FR" sz="1400" dirty="0">
+                <a:solidFill>
+                  <a:srgbClr val="E72958"/>
+                </a:solidFill>
+              </a:rPr>
+              <a:t>throws</a:t>
             </a:r>
           </a:p>
           <a:p>
@@ -15973,6 +15572,630 @@
 </file>
 
 <file path=ppt/slides/slide7.xml><?xml version="1.0" encoding="utf-8"?>
+<p:sld xmlns:a="http://schemas.openxmlformats.org/drawingml/2006/main" xmlns:r="http://schemas.openxmlformats.org/officeDocument/2006/relationships" xmlns:p="http://schemas.openxmlformats.org/presentationml/2006/main">
+  <p:cSld>
+    <p:spTree>
+      <p:nvGrpSpPr>
+        <p:cNvPr id="1" name=""/>
+        <p:cNvGrpSpPr/>
+        <p:nvPr/>
+      </p:nvGrpSpPr>
+      <p:grpSpPr>
+        <a:xfrm>
+          <a:off x="0" y="0"/>
+          <a:ext cx="0" cy="0"/>
+          <a:chOff x="0" y="0"/>
+          <a:chExt cx="0" cy="0"/>
+        </a:xfrm>
+      </p:grpSpPr>
+      <p:sp>
+        <p:nvSpPr>
+          <p:cNvPr id="2" name="Titre 1">
+            <a:extLst>
+              <a:ext uri="{FF2B5EF4-FFF2-40B4-BE49-F238E27FC236}">
+                <a16:creationId xmlns:a16="http://schemas.microsoft.com/office/drawing/2014/main" id="{6BE89A68-F3CD-D14D-98C3-C9581558D7A5}"/>
+              </a:ext>
+            </a:extLst>
+          </p:cNvPr>
+          <p:cNvSpPr>
+            <a:spLocks noGrp="1"/>
+          </p:cNvSpPr>
+          <p:nvPr>
+            <p:ph type="title"/>
+          </p:nvPr>
+        </p:nvSpPr>
+        <p:spPr/>
+        <p:txBody>
+          <a:bodyPr/>
+          <a:lstStyle/>
+          <a:p>
+            <a:r>
+              <a:rPr lang="fr-FR" dirty="0"/>
+              <a:t>Architecture de l’application</a:t>
+            </a:r>
+          </a:p>
+        </p:txBody>
+      </p:sp>
+      <p:sp>
+        <p:nvSpPr>
+          <p:cNvPr id="4" name="ZoneTexte 3">
+            <a:extLst>
+              <a:ext uri="{FF2B5EF4-FFF2-40B4-BE49-F238E27FC236}">
+                <a16:creationId xmlns:a16="http://schemas.microsoft.com/office/drawing/2014/main" id="{5D2848D7-1042-EC4E-8135-24F3238BEDE3}"/>
+              </a:ext>
+            </a:extLst>
+          </p:cNvPr>
+          <p:cNvSpPr txBox="1"/>
+          <p:nvPr/>
+        </p:nvSpPr>
+        <p:spPr>
+          <a:xfrm>
+            <a:off x="305611" y="1457728"/>
+            <a:ext cx="2490523" cy="400110"/>
+          </a:xfrm>
+          <a:prstGeom prst="rect">
+            <a:avLst/>
+          </a:prstGeom>
+          <a:noFill/>
+        </p:spPr>
+        <p:txBody>
+          <a:bodyPr wrap="square" rtlCol="0">
+            <a:spAutoFit/>
+          </a:bodyPr>
+          <a:lstStyle/>
+          <a:p>
+            <a:r>
+              <a:rPr lang="fr-FR" sz="2000" dirty="0"/>
+              <a:t>EnumErrors.swift</a:t>
+            </a:r>
+          </a:p>
+        </p:txBody>
+      </p:sp>
+      <p:sp>
+        <p:nvSpPr>
+          <p:cNvPr id="5" name="Rectangle 4">
+            <a:extLst>
+              <a:ext uri="{FF2B5EF4-FFF2-40B4-BE49-F238E27FC236}">
+                <a16:creationId xmlns:a16="http://schemas.microsoft.com/office/drawing/2014/main" id="{143D0CAD-8C56-A04A-9021-845B666DCB24}"/>
+              </a:ext>
+            </a:extLst>
+          </p:cNvPr>
+          <p:cNvSpPr/>
+          <p:nvPr/>
+        </p:nvSpPr>
+        <p:spPr>
+          <a:xfrm>
+            <a:off x="-55487" y="1983105"/>
+            <a:ext cx="12275229" cy="4890982"/>
+          </a:xfrm>
+          <a:prstGeom prst="rect">
+            <a:avLst/>
+          </a:prstGeom>
+          <a:solidFill>
+            <a:schemeClr val="tx1">
+              <a:lumMod val="85000"/>
+              <a:lumOff val="15000"/>
+            </a:schemeClr>
+          </a:solidFill>
+          <a:ln>
+            <a:noFill/>
+          </a:ln>
+        </p:spPr>
+        <p:style>
+          <a:lnRef idx="2">
+            <a:schemeClr val="accent1">
+              <a:shade val="50000"/>
+            </a:schemeClr>
+          </a:lnRef>
+          <a:fillRef idx="1">
+            <a:schemeClr val="accent1"/>
+          </a:fillRef>
+          <a:effectRef idx="0">
+            <a:schemeClr val="accent1"/>
+          </a:effectRef>
+          <a:fontRef idx="minor">
+            <a:schemeClr val="lt1"/>
+          </a:fontRef>
+        </p:style>
+        <p:txBody>
+          <a:bodyPr rtlCol="0" anchor="ctr"/>
+          <a:lstStyle/>
+          <a:p>
+            <a:pPr algn="ctr"/>
+            <a:endParaRPr lang="fr-FR" dirty="0">
+              <a:solidFill>
+                <a:srgbClr val="E72958"/>
+              </a:solidFill>
+            </a:endParaRPr>
+          </a:p>
+        </p:txBody>
+      </p:sp>
+      <p:sp>
+        <p:nvSpPr>
+          <p:cNvPr id="6" name="ZoneTexte 5">
+            <a:extLst>
+              <a:ext uri="{FF2B5EF4-FFF2-40B4-BE49-F238E27FC236}">
+                <a16:creationId xmlns:a16="http://schemas.microsoft.com/office/drawing/2014/main" id="{FBC3D1E2-CCEB-A943-9E9A-3119BF7CAEFF}"/>
+              </a:ext>
+            </a:extLst>
+          </p:cNvPr>
+          <p:cNvSpPr txBox="1"/>
+          <p:nvPr/>
+        </p:nvSpPr>
+        <p:spPr>
+          <a:xfrm>
+            <a:off x="2179498" y="2041126"/>
+            <a:ext cx="704680" cy="369332"/>
+          </a:xfrm>
+          <a:prstGeom prst="rect">
+            <a:avLst/>
+          </a:prstGeom>
+          <a:noFill/>
+        </p:spPr>
+        <p:txBody>
+          <a:bodyPr wrap="none" rtlCol="0">
+            <a:spAutoFit/>
+          </a:bodyPr>
+          <a:lstStyle/>
+          <a:p>
+            <a:r>
+              <a:rPr lang="fr-FR" dirty="0">
+                <a:solidFill>
+                  <a:schemeClr val="bg1"/>
+                </a:solidFill>
+              </a:rPr>
+              <a:t>Case</a:t>
+            </a:r>
+          </a:p>
+        </p:txBody>
+      </p:sp>
+      <p:sp>
+        <p:nvSpPr>
+          <p:cNvPr id="7" name="ZoneTexte 6">
+            <a:extLst>
+              <a:ext uri="{FF2B5EF4-FFF2-40B4-BE49-F238E27FC236}">
+                <a16:creationId xmlns:a16="http://schemas.microsoft.com/office/drawing/2014/main" id="{44FDE1B0-E84B-B947-B390-B1CC0FC30615}"/>
+              </a:ext>
+            </a:extLst>
+          </p:cNvPr>
+          <p:cNvSpPr txBox="1"/>
+          <p:nvPr/>
+        </p:nvSpPr>
+        <p:spPr>
+          <a:xfrm>
+            <a:off x="807412" y="3177387"/>
+            <a:ext cx="4260715" cy="2523768"/>
+          </a:xfrm>
+          <a:prstGeom prst="rect">
+            <a:avLst/>
+          </a:prstGeom>
+          <a:noFill/>
+        </p:spPr>
+        <p:txBody>
+          <a:bodyPr wrap="square" rtlCol="0">
+            <a:spAutoFit/>
+          </a:bodyPr>
+          <a:lstStyle/>
+          <a:p>
+            <a:r>
+              <a:rPr lang="fr-FR" dirty="0">
+                <a:solidFill>
+                  <a:schemeClr val="accent6">
+                    <a:lumMod val="75000"/>
+                  </a:schemeClr>
+                </a:solidFill>
+              </a:rPr>
+              <a:t>unknownOperand,</a:t>
+            </a:r>
+          </a:p>
+          <a:p>
+            <a:r>
+              <a:rPr lang="fr-FR" dirty="0">
+                <a:solidFill>
+                  <a:schemeClr val="accent6">
+                    <a:lumMod val="75000"/>
+                  </a:schemeClr>
+                </a:solidFill>
+              </a:rPr>
+              <a:t>operandAlreadySet,</a:t>
+            </a:r>
+          </a:p>
+          <a:p>
+            <a:r>
+              <a:rPr lang="fr-FR" dirty="0">
+                <a:solidFill>
+                  <a:schemeClr val="accent6">
+                    <a:lumMod val="75000"/>
+                  </a:schemeClr>
+                </a:solidFill>
+              </a:rPr>
+              <a:t>dividedBy0,</a:t>
+            </a:r>
+          </a:p>
+          <a:p>
+            <a:r>
+              <a:rPr lang="fr-FR" dirty="0">
+                <a:solidFill>
+                  <a:schemeClr val="accent6">
+                    <a:lumMod val="75000"/>
+                  </a:schemeClr>
+                </a:solidFill>
+              </a:rPr>
+              <a:t>cantAddComma,</a:t>
+            </a:r>
+          </a:p>
+          <a:p>
+            <a:r>
+              <a:rPr lang="fr-FR" dirty="0">
+                <a:solidFill>
+                  <a:schemeClr val="accent6">
+                    <a:lumMod val="75000"/>
+                  </a:schemeClr>
+                </a:solidFill>
+              </a:rPr>
+              <a:t>doubleComma,</a:t>
+            </a:r>
+          </a:p>
+          <a:p>
+            <a:r>
+              <a:rPr lang="fr-FR" dirty="0">
+                <a:solidFill>
+                  <a:schemeClr val="accent6">
+                    <a:lumMod val="75000"/>
+                  </a:schemeClr>
+                </a:solidFill>
+              </a:rPr>
+              <a:t>incorrectExpression,</a:t>
+            </a:r>
+          </a:p>
+          <a:p>
+            <a:r>
+              <a:rPr lang="fr-FR" dirty="0">
+                <a:solidFill>
+                  <a:schemeClr val="accent6">
+                    <a:lumMod val="75000"/>
+                  </a:schemeClr>
+                </a:solidFill>
+              </a:rPr>
+              <a:t>notEnoughElements,</a:t>
+            </a:r>
+          </a:p>
+          <a:p>
+            <a:r>
+              <a:rPr lang="fr-FR" dirty="0">
+                <a:solidFill>
+                  <a:schemeClr val="accent6">
+                    <a:lumMod val="75000"/>
+                  </a:schemeClr>
+                </a:solidFill>
+              </a:rPr>
+              <a:t>commaAlreadySet</a:t>
+            </a:r>
+          </a:p>
+          <a:p>
+            <a:endParaRPr lang="fr-FR" sz="1400" dirty="0">
+              <a:solidFill>
+                <a:schemeClr val="accent6">
+                  <a:lumMod val="75000"/>
+                </a:schemeClr>
+              </a:solidFill>
+            </a:endParaRPr>
+          </a:p>
+        </p:txBody>
+      </p:sp>
+      <p:sp>
+        <p:nvSpPr>
+          <p:cNvPr id="9" name="ZoneTexte 8">
+            <a:extLst>
+              <a:ext uri="{FF2B5EF4-FFF2-40B4-BE49-F238E27FC236}">
+                <a16:creationId xmlns:a16="http://schemas.microsoft.com/office/drawing/2014/main" id="{6FE51BA0-2FA7-CF47-B556-695A4CB8FB6B}"/>
+              </a:ext>
+            </a:extLst>
+          </p:cNvPr>
+          <p:cNvSpPr txBox="1"/>
+          <p:nvPr/>
+        </p:nvSpPr>
+        <p:spPr>
+          <a:xfrm>
+            <a:off x="6843601" y="2041126"/>
+            <a:ext cx="4221092" cy="369332"/>
+          </a:xfrm>
+          <a:prstGeom prst="rect">
+            <a:avLst/>
+          </a:prstGeom>
+          <a:noFill/>
+        </p:spPr>
+        <p:txBody>
+          <a:bodyPr wrap="none" rtlCol="0">
+            <a:spAutoFit/>
+          </a:bodyPr>
+          <a:lstStyle/>
+          <a:p>
+            <a:r>
+              <a:rPr lang="fr-FR" b="1" dirty="0">
+                <a:solidFill>
+                  <a:schemeClr val="bg1"/>
+                </a:solidFill>
+              </a:rPr>
+              <a:t>extension</a:t>
+            </a:r>
+            <a:r>
+              <a:rPr lang="fr-FR" dirty="0">
+                <a:solidFill>
+                  <a:schemeClr val="bg1"/>
+                </a:solidFill>
+              </a:rPr>
+              <a:t> EnumErrors: LocalizedError</a:t>
+            </a:r>
+          </a:p>
+        </p:txBody>
+      </p:sp>
+      <p:sp>
+        <p:nvSpPr>
+          <p:cNvPr id="10" name="ZoneTexte 9">
+            <a:extLst>
+              <a:ext uri="{FF2B5EF4-FFF2-40B4-BE49-F238E27FC236}">
+                <a16:creationId xmlns:a16="http://schemas.microsoft.com/office/drawing/2014/main" id="{4256C938-D9D2-E645-AA3F-C338C3210748}"/>
+              </a:ext>
+            </a:extLst>
+          </p:cNvPr>
+          <p:cNvSpPr txBox="1"/>
+          <p:nvPr/>
+        </p:nvSpPr>
+        <p:spPr>
+          <a:xfrm>
+            <a:off x="8380945" y="2754549"/>
+            <a:ext cx="1146404" cy="369332"/>
+          </a:xfrm>
+          <a:prstGeom prst="rect">
+            <a:avLst/>
+          </a:prstGeom>
+          <a:noFill/>
+        </p:spPr>
+        <p:txBody>
+          <a:bodyPr wrap="none" rtlCol="0">
+            <a:spAutoFit/>
+          </a:bodyPr>
+          <a:lstStyle/>
+          <a:p>
+            <a:r>
+              <a:rPr lang="fr-FR" dirty="0">
+                <a:solidFill>
+                  <a:schemeClr val="bg1"/>
+                </a:solidFill>
+              </a:rPr>
+              <a:t>Variables</a:t>
+            </a:r>
+          </a:p>
+        </p:txBody>
+      </p:sp>
+      <p:sp>
+        <p:nvSpPr>
+          <p:cNvPr id="11" name="ZoneTexte 10">
+            <a:extLst>
+              <a:ext uri="{FF2B5EF4-FFF2-40B4-BE49-F238E27FC236}">
+                <a16:creationId xmlns:a16="http://schemas.microsoft.com/office/drawing/2014/main" id="{0F2D6464-B076-FD4E-B8AD-393DE18D91E4}"/>
+              </a:ext>
+            </a:extLst>
+          </p:cNvPr>
+          <p:cNvSpPr txBox="1"/>
+          <p:nvPr/>
+        </p:nvSpPr>
+        <p:spPr>
+          <a:xfrm>
+            <a:off x="7093085" y="3429000"/>
+            <a:ext cx="4260715" cy="584775"/>
+          </a:xfrm>
+          <a:prstGeom prst="rect">
+            <a:avLst/>
+          </a:prstGeom>
+          <a:noFill/>
+        </p:spPr>
+        <p:txBody>
+          <a:bodyPr wrap="square" rtlCol="0">
+            <a:spAutoFit/>
+          </a:bodyPr>
+          <a:lstStyle/>
+          <a:p>
+            <a:r>
+              <a:rPr lang="fr-FR" b="1" dirty="0">
+                <a:solidFill>
+                  <a:srgbClr val="E72958"/>
+                </a:solidFill>
+              </a:rPr>
+              <a:t>var</a:t>
+            </a:r>
+            <a:r>
+              <a:rPr lang="fr-FR" dirty="0">
+                <a:solidFill>
+                  <a:schemeClr val="bg1"/>
+                </a:solidFill>
+              </a:rPr>
+              <a:t> </a:t>
+            </a:r>
+            <a:r>
+              <a:rPr lang="fr-FR" dirty="0">
+                <a:solidFill>
+                  <a:schemeClr val="accent6">
+                    <a:lumMod val="75000"/>
+                  </a:schemeClr>
+                </a:solidFill>
+              </a:rPr>
+              <a:t>errorDescription</a:t>
+            </a:r>
+            <a:r>
+              <a:rPr lang="fr-FR" dirty="0">
+                <a:solidFill>
+                  <a:schemeClr val="bg1"/>
+                </a:solidFill>
+              </a:rPr>
+              <a:t>: </a:t>
+            </a:r>
+            <a:r>
+              <a:rPr lang="fr-FR" dirty="0">
+                <a:solidFill>
+                  <a:srgbClr val="FF85FF"/>
+                </a:solidFill>
+              </a:rPr>
+              <a:t>String</a:t>
+            </a:r>
+            <a:r>
+              <a:rPr lang="fr-FR" dirty="0">
+                <a:solidFill>
+                  <a:schemeClr val="bg1"/>
+                </a:solidFill>
+              </a:rPr>
+              <a:t>?</a:t>
+            </a:r>
+          </a:p>
+          <a:p>
+            <a:endParaRPr lang="fr-FR" sz="1400" dirty="0">
+              <a:solidFill>
+                <a:schemeClr val="bg1"/>
+              </a:solidFill>
+            </a:endParaRPr>
+          </a:p>
+        </p:txBody>
+      </p:sp>
+      <p:cxnSp>
+        <p:nvCxnSpPr>
+          <p:cNvPr id="12" name="Connecteur droit 11">
+            <a:extLst>
+              <a:ext uri="{FF2B5EF4-FFF2-40B4-BE49-F238E27FC236}">
+                <a16:creationId xmlns:a16="http://schemas.microsoft.com/office/drawing/2014/main" id="{408F5223-0599-0040-830E-5CBA18778A11}"/>
+              </a:ext>
+            </a:extLst>
+          </p:cNvPr>
+          <p:cNvCxnSpPr/>
+          <p:nvPr/>
+        </p:nvCxnSpPr>
+        <p:spPr>
+          <a:xfrm>
+            <a:off x="0" y="2468479"/>
+            <a:ext cx="12192000" cy="0"/>
+          </a:xfrm>
+          <a:prstGeom prst="line">
+            <a:avLst/>
+          </a:prstGeom>
+          <a:ln>
+            <a:solidFill>
+              <a:schemeClr val="bg1"/>
+            </a:solidFill>
+          </a:ln>
+        </p:spPr>
+        <p:style>
+          <a:lnRef idx="1">
+            <a:schemeClr val="dk1"/>
+          </a:lnRef>
+          <a:fillRef idx="0">
+            <a:schemeClr val="dk1"/>
+          </a:fillRef>
+          <a:effectRef idx="0">
+            <a:schemeClr val="dk1"/>
+          </a:effectRef>
+          <a:fontRef idx="minor">
+            <a:schemeClr val="tx1"/>
+          </a:fontRef>
+        </p:style>
+      </p:cxnSp>
+      <p:cxnSp>
+        <p:nvCxnSpPr>
+          <p:cNvPr id="13" name="Connecteur droit 12">
+            <a:extLst>
+              <a:ext uri="{FF2B5EF4-FFF2-40B4-BE49-F238E27FC236}">
+                <a16:creationId xmlns:a16="http://schemas.microsoft.com/office/drawing/2014/main" id="{136730F2-A112-1746-9A4F-748774524E4C}"/>
+              </a:ext>
+            </a:extLst>
+          </p:cNvPr>
+          <p:cNvCxnSpPr/>
+          <p:nvPr/>
+        </p:nvCxnSpPr>
+        <p:spPr>
+          <a:xfrm>
+            <a:off x="5931026" y="2482087"/>
+            <a:ext cx="0" cy="4392000"/>
+          </a:xfrm>
+          <a:prstGeom prst="line">
+            <a:avLst/>
+          </a:prstGeom>
+          <a:ln>
+            <a:solidFill>
+              <a:schemeClr val="bg1"/>
+            </a:solidFill>
+          </a:ln>
+        </p:spPr>
+        <p:style>
+          <a:lnRef idx="1">
+            <a:schemeClr val="dk1"/>
+          </a:lnRef>
+          <a:fillRef idx="0">
+            <a:schemeClr val="dk1"/>
+          </a:fillRef>
+          <a:effectRef idx="0">
+            <a:schemeClr val="dk1"/>
+          </a:effectRef>
+          <a:fontRef idx="minor">
+            <a:schemeClr val="tx1"/>
+          </a:fontRef>
+        </p:style>
+      </p:cxnSp>
+      <p:cxnSp>
+        <p:nvCxnSpPr>
+          <p:cNvPr id="14" name="Connecteur droit 13">
+            <a:extLst>
+              <a:ext uri="{FF2B5EF4-FFF2-40B4-BE49-F238E27FC236}">
+                <a16:creationId xmlns:a16="http://schemas.microsoft.com/office/drawing/2014/main" id="{DA255B4A-1EA3-414A-8322-686196E9CBA3}"/>
+              </a:ext>
+            </a:extLst>
+          </p:cNvPr>
+          <p:cNvCxnSpPr>
+            <a:cxnSpLocks/>
+          </p:cNvCxnSpPr>
+          <p:nvPr/>
+        </p:nvCxnSpPr>
+        <p:spPr>
+          <a:xfrm>
+            <a:off x="5931026" y="3123881"/>
+            <a:ext cx="6288716" cy="0"/>
+          </a:xfrm>
+          <a:prstGeom prst="line">
+            <a:avLst/>
+          </a:prstGeom>
+          <a:ln>
+            <a:solidFill>
+              <a:schemeClr val="bg1"/>
+            </a:solidFill>
+          </a:ln>
+        </p:spPr>
+        <p:style>
+          <a:lnRef idx="1">
+            <a:schemeClr val="dk1"/>
+          </a:lnRef>
+          <a:fillRef idx="0">
+            <a:schemeClr val="dk1"/>
+          </a:fillRef>
+          <a:effectRef idx="0">
+            <a:schemeClr val="dk1"/>
+          </a:effectRef>
+          <a:fontRef idx="minor">
+            <a:schemeClr val="tx1"/>
+          </a:fontRef>
+        </p:style>
+      </p:cxnSp>
+    </p:spTree>
+    <p:extLst>
+      <p:ext uri="{BB962C8B-B14F-4D97-AF65-F5344CB8AC3E}">
+        <p14:creationId xmlns:p14="http://schemas.microsoft.com/office/powerpoint/2010/main" val="3913730604"/>
+      </p:ext>
+    </p:extLst>
+  </p:cSld>
+  <p:clrMapOvr>
+    <a:masterClrMapping/>
+  </p:clrMapOvr>
+</p:sld>
+</file>
+
+<file path=ppt/slides/slide8.xml><?xml version="1.0" encoding="utf-8"?>
 <p:sld xmlns:a="http://schemas.openxmlformats.org/drawingml/2006/main" xmlns:r="http://schemas.openxmlformats.org/officeDocument/2006/relationships" xmlns:p="http://schemas.openxmlformats.org/presentationml/2006/main">
   <p:cSld>
     <p:bg>
@@ -16733,7 +16956,7 @@
 </p:sld>
 </file>
 
-<file path=ppt/slides/slide8.xml><?xml version="1.0" encoding="utf-8"?>
+<file path=ppt/slides/slide9.xml><?xml version="1.0" encoding="utf-8"?>
 <p:sld xmlns:a="http://schemas.openxmlformats.org/drawingml/2006/main" xmlns:r="http://schemas.openxmlformats.org/officeDocument/2006/relationships" xmlns:p="http://schemas.openxmlformats.org/presentationml/2006/main">
   <p:cSld>
     <p:spTree>
@@ -16773,7 +16996,7 @@
           <a:p>
             <a:r>
               <a:rPr lang="fr-FR" dirty="0"/>
-              <a:t>Calculator</a:t>
+              <a:t>Conclusion</a:t>
             </a:r>
           </a:p>
         </p:txBody>

--- a/Horn_Mickael_2_presentation_022122.pptx
+++ b/Horn_Mickael_2_presentation_022122.pptx
@@ -2921,7 +2921,7 @@
           <a:p>
             <a:fld id="{82EDB8D0-98ED-4B86-9D5F-E61ADC70144D}" type="datetimeFigureOut">
               <a:rPr lang="en-US" smtClean="0"/>
-              <a:t>4/4/22</a:t>
+              <a:t>4/10/22</a:t>
             </a:fld>
             <a:endParaRPr lang="en-US" dirty="0"/>
           </a:p>
@@ -3336,7 +3336,7 @@
           <a:p>
             <a:fld id="{82EDB8D0-98ED-4B86-9D5F-E61ADC70144D}" type="datetimeFigureOut">
               <a:rPr lang="en-US" smtClean="0"/>
-              <a:t>4/4/22</a:t>
+              <a:t>4/10/22</a:t>
             </a:fld>
             <a:endParaRPr lang="en-US" dirty="0"/>
           </a:p>
@@ -3828,7 +3828,7 @@
           <a:p>
             <a:fld id="{82EDB8D0-98ED-4B86-9D5F-E61ADC70144D}" type="datetimeFigureOut">
               <a:rPr lang="en-US" smtClean="0"/>
-              <a:t>4/4/22</a:t>
+              <a:t>4/10/22</a:t>
             </a:fld>
             <a:endParaRPr lang="en-US" dirty="0"/>
           </a:p>
@@ -4315,7 +4315,7 @@
           <a:p>
             <a:fld id="{82EDB8D0-98ED-4B86-9D5F-E61ADC70144D}" type="datetimeFigureOut">
               <a:rPr lang="en-US" smtClean="0"/>
-              <a:t>4/4/22</a:t>
+              <a:t>4/10/22</a:t>
             </a:fld>
             <a:endParaRPr lang="en-US" dirty="0"/>
           </a:p>
@@ -5084,7 +5084,7 @@
           <a:p>
             <a:fld id="{82EDB8D0-98ED-4B86-9D5F-E61ADC70144D}" type="datetimeFigureOut">
               <a:rPr lang="en-US" smtClean="0"/>
-              <a:t>4/4/22</a:t>
+              <a:t>4/10/22</a:t>
             </a:fld>
             <a:endParaRPr lang="en-US" dirty="0"/>
           </a:p>
@@ -5566,7 +5566,7 @@
           <a:p>
             <a:fld id="{82EDB8D0-98ED-4B86-9D5F-E61ADC70144D}" type="datetimeFigureOut">
               <a:rPr lang="en-US" smtClean="0"/>
-              <a:t>4/4/22</a:t>
+              <a:t>4/10/22</a:t>
             </a:fld>
             <a:endParaRPr lang="en-US" dirty="0"/>
           </a:p>
@@ -6262,7 +6262,7 @@
           <a:p>
             <a:fld id="{82EDB8D0-98ED-4B86-9D5F-E61ADC70144D}" type="datetimeFigureOut">
               <a:rPr lang="en-US" smtClean="0"/>
-              <a:t>4/4/22</a:t>
+              <a:t>4/10/22</a:t>
             </a:fld>
             <a:endParaRPr lang="en-US" dirty="0"/>
           </a:p>
@@ -6687,7 +6687,7 @@
           <a:p>
             <a:fld id="{82EDB8D0-98ED-4B86-9D5F-E61ADC70144D}" type="datetimeFigureOut">
               <a:rPr lang="en-US" smtClean="0"/>
-              <a:t>4/4/22</a:t>
+              <a:t>4/10/22</a:t>
             </a:fld>
             <a:endParaRPr lang="en-US" dirty="0"/>
           </a:p>
@@ -7084,7 +7084,7 @@
           <a:p>
             <a:fld id="{82EDB8D0-98ED-4B86-9D5F-E61ADC70144D}" type="datetimeFigureOut">
               <a:rPr lang="en-US" smtClean="0"/>
-              <a:t>4/4/22</a:t>
+              <a:t>4/10/22</a:t>
             </a:fld>
             <a:endParaRPr lang="en-US" dirty="0"/>
           </a:p>
@@ -7679,7 +7679,7 @@
           <a:p>
             <a:fld id="{82EDB8D0-98ED-4B86-9D5F-E61ADC70144D}" type="datetimeFigureOut">
               <a:rPr lang="en-US" smtClean="0"/>
-              <a:t>4/4/22</a:t>
+              <a:t>4/10/22</a:t>
             </a:fld>
             <a:endParaRPr lang="en-US" dirty="0"/>
           </a:p>
@@ -8254,7 +8254,7 @@
           <a:p>
             <a:fld id="{82EDB8D0-98ED-4B86-9D5F-E61ADC70144D}" type="datetimeFigureOut">
               <a:rPr lang="en-US" smtClean="0"/>
-              <a:t>4/4/22</a:t>
+              <a:t>4/10/22</a:t>
             </a:fld>
             <a:endParaRPr lang="en-US" dirty="0"/>
           </a:p>
@@ -8781,7 +8781,7 @@
             <a:fld id="{82EDB8D0-98ED-4B86-9D5F-E61ADC70144D}" type="datetimeFigureOut">
               <a:rPr lang="en-US" smtClean="0"/>
               <a:pPr/>
-              <a:t>4/4/22</a:t>
+              <a:t>4/10/22</a:t>
             </a:fld>
             <a:endParaRPr lang="en-US" dirty="0"/>
           </a:p>
@@ -15391,18 +15391,13 @@
               <a:t>) -&gt; </a:t>
             </a:r>
             <a:r>
-              <a:rPr lang="fr-FR" sz="1400" b="1" dirty="0">
+              <a:rPr lang="fr-FR" sz="1400" dirty="0">
                 <a:solidFill>
                   <a:srgbClr val="FF85FF"/>
                 </a:solidFill>
               </a:rPr>
               <a:t>Any</a:t>
             </a:r>
-            <a:endParaRPr lang="fr-FR" sz="1400" dirty="0">
-              <a:solidFill>
-                <a:srgbClr val="FF85FF"/>
-              </a:solidFill>
-            </a:endParaRPr>
           </a:p>
           <a:p>
             <a:endParaRPr lang="fr-FR" sz="1400" dirty="0">

--- a/Horn_Mickael_2_presentation_022122.pptx
+++ b/Horn_Mickael_2_presentation_022122.pptx
@@ -2921,7 +2921,7 @@
           <a:p>
             <a:fld id="{82EDB8D0-98ED-4B86-9D5F-E61ADC70144D}" type="datetimeFigureOut">
               <a:rPr lang="en-US" smtClean="0"/>
-              <a:t>4/10/22</a:t>
+              <a:t>4/15/22</a:t>
             </a:fld>
             <a:endParaRPr lang="en-US" dirty="0"/>
           </a:p>
@@ -3336,7 +3336,7 @@
           <a:p>
             <a:fld id="{82EDB8D0-98ED-4B86-9D5F-E61ADC70144D}" type="datetimeFigureOut">
               <a:rPr lang="en-US" smtClean="0"/>
-              <a:t>4/10/22</a:t>
+              <a:t>4/15/22</a:t>
             </a:fld>
             <a:endParaRPr lang="en-US" dirty="0"/>
           </a:p>
@@ -3828,7 +3828,7 @@
           <a:p>
             <a:fld id="{82EDB8D0-98ED-4B86-9D5F-E61ADC70144D}" type="datetimeFigureOut">
               <a:rPr lang="en-US" smtClean="0"/>
-              <a:t>4/10/22</a:t>
+              <a:t>4/15/22</a:t>
             </a:fld>
             <a:endParaRPr lang="en-US" dirty="0"/>
           </a:p>
@@ -4315,7 +4315,7 @@
           <a:p>
             <a:fld id="{82EDB8D0-98ED-4B86-9D5F-E61ADC70144D}" type="datetimeFigureOut">
               <a:rPr lang="en-US" smtClean="0"/>
-              <a:t>4/10/22</a:t>
+              <a:t>4/15/22</a:t>
             </a:fld>
             <a:endParaRPr lang="en-US" dirty="0"/>
           </a:p>
@@ -5084,7 +5084,7 @@
           <a:p>
             <a:fld id="{82EDB8D0-98ED-4B86-9D5F-E61ADC70144D}" type="datetimeFigureOut">
               <a:rPr lang="en-US" smtClean="0"/>
-              <a:t>4/10/22</a:t>
+              <a:t>4/15/22</a:t>
             </a:fld>
             <a:endParaRPr lang="en-US" dirty="0"/>
           </a:p>
@@ -5566,7 +5566,7 @@
           <a:p>
             <a:fld id="{82EDB8D0-98ED-4B86-9D5F-E61ADC70144D}" type="datetimeFigureOut">
               <a:rPr lang="en-US" smtClean="0"/>
-              <a:t>4/10/22</a:t>
+              <a:t>4/15/22</a:t>
             </a:fld>
             <a:endParaRPr lang="en-US" dirty="0"/>
           </a:p>
@@ -6262,7 +6262,7 @@
           <a:p>
             <a:fld id="{82EDB8D0-98ED-4B86-9D5F-E61ADC70144D}" type="datetimeFigureOut">
               <a:rPr lang="en-US" smtClean="0"/>
-              <a:t>4/10/22</a:t>
+              <a:t>4/15/22</a:t>
             </a:fld>
             <a:endParaRPr lang="en-US" dirty="0"/>
           </a:p>
@@ -6687,7 +6687,7 @@
           <a:p>
             <a:fld id="{82EDB8D0-98ED-4B86-9D5F-E61ADC70144D}" type="datetimeFigureOut">
               <a:rPr lang="en-US" smtClean="0"/>
-              <a:t>4/10/22</a:t>
+              <a:t>4/15/22</a:t>
             </a:fld>
             <a:endParaRPr lang="en-US" dirty="0"/>
           </a:p>
@@ -7084,7 +7084,7 @@
           <a:p>
             <a:fld id="{82EDB8D0-98ED-4B86-9D5F-E61ADC70144D}" type="datetimeFigureOut">
               <a:rPr lang="en-US" smtClean="0"/>
-              <a:t>4/10/22</a:t>
+              <a:t>4/15/22</a:t>
             </a:fld>
             <a:endParaRPr lang="en-US" dirty="0"/>
           </a:p>
@@ -7679,7 +7679,7 @@
           <a:p>
             <a:fld id="{82EDB8D0-98ED-4B86-9D5F-E61ADC70144D}" type="datetimeFigureOut">
               <a:rPr lang="en-US" smtClean="0"/>
-              <a:t>4/10/22</a:t>
+              <a:t>4/15/22</a:t>
             </a:fld>
             <a:endParaRPr lang="en-US" dirty="0"/>
           </a:p>
@@ -8254,7 +8254,7 @@
           <a:p>
             <a:fld id="{82EDB8D0-98ED-4B86-9D5F-E61ADC70144D}" type="datetimeFigureOut">
               <a:rPr lang="en-US" smtClean="0"/>
-              <a:t>4/10/22</a:t>
+              <a:t>4/15/22</a:t>
             </a:fld>
             <a:endParaRPr lang="en-US" dirty="0"/>
           </a:p>
@@ -8781,7 +8781,7 @@
             <a:fld id="{82EDB8D0-98ED-4B86-9D5F-E61ADC70144D}" type="datetimeFigureOut">
               <a:rPr lang="en-US" smtClean="0"/>
               <a:pPr/>
-              <a:t>4/10/22</a:t>
+              <a:t>4/15/22</a:t>
             </a:fld>
             <a:endParaRPr lang="en-US" dirty="0"/>
           </a:p>
@@ -13609,7 +13609,7 @@
                   </a:schemeClr>
                 </a:solidFill>
               </a:rPr>
-              <a:t>tappedNumberButton</a:t>
+              <a:t>tappedOperandButton</a:t>
             </a:r>
             <a:r>
               <a:rPr lang="fr-FR" sz="1400" dirty="0">
@@ -13690,7 +13690,7 @@
                   </a:schemeClr>
                 </a:solidFill>
               </a:rPr>
-              <a:t>tappedOperandButton</a:t>
+              <a:t>tappedNumberButton</a:t>
             </a:r>
             <a:r>
               <a:rPr lang="fr-FR" sz="1400" dirty="0">

--- a/Horn_Mickael_2_presentation_022122.pptx
+++ b/Horn_Mickael_2_presentation_022122.pptx
@@ -2921,7 +2921,7 @@
           <a:p>
             <a:fld id="{82EDB8D0-98ED-4B86-9D5F-E61ADC70144D}" type="datetimeFigureOut">
               <a:rPr lang="en-US" smtClean="0"/>
-              <a:t>4/15/22</a:t>
+              <a:t>8/9/22</a:t>
             </a:fld>
             <a:endParaRPr lang="en-US" dirty="0"/>
           </a:p>
@@ -3336,7 +3336,7 @@
           <a:p>
             <a:fld id="{82EDB8D0-98ED-4B86-9D5F-E61ADC70144D}" type="datetimeFigureOut">
               <a:rPr lang="en-US" smtClean="0"/>
-              <a:t>4/15/22</a:t>
+              <a:t>8/9/22</a:t>
             </a:fld>
             <a:endParaRPr lang="en-US" dirty="0"/>
           </a:p>
@@ -3828,7 +3828,7 @@
           <a:p>
             <a:fld id="{82EDB8D0-98ED-4B86-9D5F-E61ADC70144D}" type="datetimeFigureOut">
               <a:rPr lang="en-US" smtClean="0"/>
-              <a:t>4/15/22</a:t>
+              <a:t>8/9/22</a:t>
             </a:fld>
             <a:endParaRPr lang="en-US" dirty="0"/>
           </a:p>
@@ -4315,7 +4315,7 @@
           <a:p>
             <a:fld id="{82EDB8D0-98ED-4B86-9D5F-E61ADC70144D}" type="datetimeFigureOut">
               <a:rPr lang="en-US" smtClean="0"/>
-              <a:t>4/15/22</a:t>
+              <a:t>8/9/22</a:t>
             </a:fld>
             <a:endParaRPr lang="en-US" dirty="0"/>
           </a:p>
@@ -5084,7 +5084,7 @@
           <a:p>
             <a:fld id="{82EDB8D0-98ED-4B86-9D5F-E61ADC70144D}" type="datetimeFigureOut">
               <a:rPr lang="en-US" smtClean="0"/>
-              <a:t>4/15/22</a:t>
+              <a:t>8/9/22</a:t>
             </a:fld>
             <a:endParaRPr lang="en-US" dirty="0"/>
           </a:p>
@@ -5566,7 +5566,7 @@
           <a:p>
             <a:fld id="{82EDB8D0-98ED-4B86-9D5F-E61ADC70144D}" type="datetimeFigureOut">
               <a:rPr lang="en-US" smtClean="0"/>
-              <a:t>4/15/22</a:t>
+              <a:t>8/9/22</a:t>
             </a:fld>
             <a:endParaRPr lang="en-US" dirty="0"/>
           </a:p>
@@ -6262,7 +6262,7 @@
           <a:p>
             <a:fld id="{82EDB8D0-98ED-4B86-9D5F-E61ADC70144D}" type="datetimeFigureOut">
               <a:rPr lang="en-US" smtClean="0"/>
-              <a:t>4/15/22</a:t>
+              <a:t>8/9/22</a:t>
             </a:fld>
             <a:endParaRPr lang="en-US" dirty="0"/>
           </a:p>
@@ -6687,7 +6687,7 @@
           <a:p>
             <a:fld id="{82EDB8D0-98ED-4B86-9D5F-E61ADC70144D}" type="datetimeFigureOut">
               <a:rPr lang="en-US" smtClean="0"/>
-              <a:t>4/15/22</a:t>
+              <a:t>8/9/22</a:t>
             </a:fld>
             <a:endParaRPr lang="en-US" dirty="0"/>
           </a:p>
@@ -7084,7 +7084,7 @@
           <a:p>
             <a:fld id="{82EDB8D0-98ED-4B86-9D5F-E61ADC70144D}" type="datetimeFigureOut">
               <a:rPr lang="en-US" smtClean="0"/>
-              <a:t>4/15/22</a:t>
+              <a:t>8/9/22</a:t>
             </a:fld>
             <a:endParaRPr lang="en-US" dirty="0"/>
           </a:p>
@@ -7679,7 +7679,7 @@
           <a:p>
             <a:fld id="{82EDB8D0-98ED-4B86-9D5F-E61ADC70144D}" type="datetimeFigureOut">
               <a:rPr lang="en-US" smtClean="0"/>
-              <a:t>4/15/22</a:t>
+              <a:t>8/9/22</a:t>
             </a:fld>
             <a:endParaRPr lang="en-US" dirty="0"/>
           </a:p>
@@ -8254,7 +8254,7 @@
           <a:p>
             <a:fld id="{82EDB8D0-98ED-4B86-9D5F-E61ADC70144D}" type="datetimeFigureOut">
               <a:rPr lang="en-US" smtClean="0"/>
-              <a:t>4/15/22</a:t>
+              <a:t>8/9/22</a:t>
             </a:fld>
             <a:endParaRPr lang="en-US" dirty="0"/>
           </a:p>
@@ -8781,7 +8781,7 @@
             <a:fld id="{82EDB8D0-98ED-4B86-9D5F-E61ADC70144D}" type="datetimeFigureOut">
               <a:rPr lang="en-US" smtClean="0"/>
               <a:pPr/>
-              <a:t>4/15/22</a:t>
+              <a:t>8/9/22</a:t>
             </a:fld>
             <a:endParaRPr lang="en-US" dirty="0"/>
           </a:p>
@@ -14924,7 +14924,7 @@
         <p:spPr>
           <a:xfrm>
             <a:off x="7305473" y="3177387"/>
-            <a:ext cx="4283403" cy="4616648"/>
+            <a:ext cx="4283403" cy="4401205"/>
           </a:xfrm>
           <a:prstGeom prst="rect">
             <a:avLst/>
@@ -14999,7 +14999,7 @@
                   <a:schemeClr val="bg1"/>
                 </a:solidFill>
               </a:rPr>
-              <a:t>]?</a:t>
+              <a:t>]</a:t>
             </a:r>
           </a:p>
           <a:p>
@@ -15308,96 +15308,6 @@
                 <a:schemeClr val="bg1"/>
               </a:solidFill>
             </a:endParaRPr>
-          </a:p>
-          <a:p>
-            <a:r>
-              <a:rPr lang="fr-FR" sz="1400" b="1" dirty="0">
-                <a:solidFill>
-                  <a:srgbClr val="E72958"/>
-                </a:solidFill>
-              </a:rPr>
-              <a:t>private</a:t>
-            </a:r>
-            <a:r>
-              <a:rPr lang="fr-FR" sz="1400" dirty="0">
-                <a:solidFill>
-                  <a:srgbClr val="E72958"/>
-                </a:solidFill>
-              </a:rPr>
-              <a:t> </a:t>
-            </a:r>
-            <a:r>
-              <a:rPr lang="fr-FR" sz="1400" b="1" dirty="0">
-                <a:solidFill>
-                  <a:srgbClr val="E72958"/>
-                </a:solidFill>
-              </a:rPr>
-              <a:t>func</a:t>
-            </a:r>
-            <a:r>
-              <a:rPr lang="fr-FR" sz="1400" dirty="0">
-                <a:solidFill>
-                  <a:srgbClr val="E72958"/>
-                </a:solidFill>
-              </a:rPr>
-              <a:t> </a:t>
-            </a:r>
-            <a:r>
-              <a:rPr lang="fr-FR" sz="1400" dirty="0">
-                <a:solidFill>
-                  <a:srgbClr val="0070C0"/>
-                </a:solidFill>
-              </a:rPr>
-              <a:t>isInteger</a:t>
-            </a:r>
-            <a:r>
-              <a:rPr lang="fr-FR" sz="1400" dirty="0">
-                <a:solidFill>
-                  <a:schemeClr val="bg1"/>
-                </a:solidFill>
-              </a:rPr>
-              <a:t>(</a:t>
-            </a:r>
-            <a:r>
-              <a:rPr lang="fr-FR" sz="1400" dirty="0">
-                <a:solidFill>
-                  <a:srgbClr val="0070C0"/>
-                </a:solidFill>
-              </a:rPr>
-              <a:t>number</a:t>
-            </a:r>
-            <a:r>
-              <a:rPr lang="fr-FR" sz="1400" dirty="0">
-                <a:solidFill>
-                  <a:schemeClr val="bg1"/>
-                </a:solidFill>
-              </a:rPr>
-              <a:t>: </a:t>
-            </a:r>
-            <a:r>
-              <a:rPr lang="fr-FR" sz="1400" dirty="0">
-                <a:solidFill>
-                  <a:srgbClr val="FF85FF"/>
-                </a:solidFill>
-              </a:rPr>
-              <a:t>Double</a:t>
-            </a:r>
-            <a:r>
-              <a:rPr lang="fr-FR" sz="1400" dirty="0">
-                <a:solidFill>
-                  <a:schemeClr val="bg1"/>
-                </a:solidFill>
-              </a:rPr>
-              <a:t>) -&gt; </a:t>
-            </a:r>
-            <a:r>
-              <a:rPr lang="fr-FR" sz="1400" dirty="0">
-                <a:solidFill>
-                  <a:srgbClr val="FF85FF"/>
-                </a:solidFill>
-              </a:rPr>
-              <a:t>Any</a:t>
-            </a:r>
           </a:p>
           <a:p>
             <a:endParaRPr lang="fr-FR" sz="1400" dirty="0">
